--- a/ExternalFig/Figures.pptx
+++ b/ExternalFig/Figures.pptx
@@ -5,13 +5,15 @@
     <p:sldMasterId id="2147483708" r:id="rId1"/>
   </p:sldMasterIdLst>
   <p:notesMasterIdLst>
-    <p:notesMasterId r:id="rId6"/>
+    <p:notesMasterId r:id="rId8"/>
   </p:notesMasterIdLst>
   <p:sldIdLst>
     <p:sldId id="364" r:id="rId2"/>
     <p:sldId id="366" r:id="rId3"/>
     <p:sldId id="365" r:id="rId4"/>
     <p:sldId id="367" r:id="rId5"/>
+    <p:sldId id="368" r:id="rId6"/>
+    <p:sldId id="369" r:id="rId7"/>
   </p:sldIdLst>
   <p:sldSz cx="9144000" cy="6858000" type="screen4x3"/>
   <p:notesSz cx="6858000" cy="9144000"/>
@@ -211,7 +213,7 @@
           <a:p>
             <a:fld id="{88EBA7CA-20BD-4061-AC3A-28B8D811EE60}" type="datetimeFigureOut">
               <a:rPr lang="en-US" smtClean="0"/>
-              <a:t>3/13/2018</a:t>
+              <a:t>6/15/2018</a:t>
             </a:fld>
             <a:endParaRPr lang="en-US"/>
           </a:p>
@@ -1407,7 +1409,7 @@
           <a:p>
             <a:fld id="{D8B804F8-A8DF-44BA-8C13-CCD935C20FB1}" type="datetimeFigureOut">
               <a:rPr lang="en-US" smtClean="0"/>
-              <a:t>3/13/2018</a:t>
+              <a:t>6/15/2018</a:t>
             </a:fld>
             <a:endParaRPr lang="en-US"/>
           </a:p>
@@ -1572,7 +1574,7 @@
           <a:p>
             <a:fld id="{D8B804F8-A8DF-44BA-8C13-CCD935C20FB1}" type="datetimeFigureOut">
               <a:rPr lang="en-US" smtClean="0"/>
-              <a:t>3/13/2018</a:t>
+              <a:t>6/15/2018</a:t>
             </a:fld>
             <a:endParaRPr lang="en-US"/>
           </a:p>
@@ -1747,7 +1749,7 @@
           <a:p>
             <a:fld id="{D8B804F8-A8DF-44BA-8C13-CCD935C20FB1}" type="datetimeFigureOut">
               <a:rPr lang="en-US" smtClean="0"/>
-              <a:t>3/13/2018</a:t>
+              <a:t>6/15/2018</a:t>
             </a:fld>
             <a:endParaRPr lang="en-US"/>
           </a:p>
@@ -1930,7 +1932,7 @@
           <a:p>
             <a:fld id="{D8B804F8-A8DF-44BA-8C13-CCD935C20FB1}" type="datetimeFigureOut">
               <a:rPr lang="en-US" smtClean="0"/>
-              <a:t>3/13/2018</a:t>
+              <a:t>6/15/2018</a:t>
             </a:fld>
             <a:endParaRPr lang="en-US"/>
           </a:p>
@@ -2192,7 +2194,7 @@
           <a:p>
             <a:fld id="{D8B804F8-A8DF-44BA-8C13-CCD935C20FB1}" type="datetimeFigureOut">
               <a:rPr lang="en-US" smtClean="0"/>
-              <a:t>3/13/2018</a:t>
+              <a:t>6/15/2018</a:t>
             </a:fld>
             <a:endParaRPr lang="en-US"/>
           </a:p>
@@ -2540,7 +2542,7 @@
           <a:p>
             <a:fld id="{D8B804F8-A8DF-44BA-8C13-CCD935C20FB1}" type="datetimeFigureOut">
               <a:rPr lang="en-US" smtClean="0"/>
-              <a:t>3/13/2018</a:t>
+              <a:t>6/15/2018</a:t>
             </a:fld>
             <a:endParaRPr lang="en-US"/>
           </a:p>
@@ -2848,7 +2850,7 @@
           <a:p>
             <a:fld id="{D8B804F8-A8DF-44BA-8C13-CCD935C20FB1}" type="datetimeFigureOut">
               <a:rPr lang="en-US" smtClean="0"/>
-              <a:t>3/13/2018</a:t>
+              <a:t>6/15/2018</a:t>
             </a:fld>
             <a:endParaRPr lang="en-US"/>
           </a:p>
@@ -3075,7 +3077,7 @@
           <a:p>
             <a:fld id="{D8B804F8-A8DF-44BA-8C13-CCD935C20FB1}" type="datetimeFigureOut">
               <a:rPr lang="en-US" smtClean="0"/>
-              <a:t>3/13/2018</a:t>
+              <a:t>6/15/2018</a:t>
             </a:fld>
             <a:endParaRPr lang="en-US"/>
           </a:p>
@@ -3165,7 +3167,7 @@
           <a:p>
             <a:fld id="{D8B804F8-A8DF-44BA-8C13-CCD935C20FB1}" type="datetimeFigureOut">
               <a:rPr lang="en-US" smtClean="0"/>
-              <a:t>3/13/2018</a:t>
+              <a:t>6/15/2018</a:t>
             </a:fld>
             <a:endParaRPr lang="en-US"/>
           </a:p>
@@ -3453,7 +3455,7 @@
           <a:p>
             <a:fld id="{D8B804F8-A8DF-44BA-8C13-CCD935C20FB1}" type="datetimeFigureOut">
               <a:rPr lang="en-US" smtClean="0"/>
-              <a:t>3/13/2018</a:t>
+              <a:t>6/15/2018</a:t>
             </a:fld>
             <a:endParaRPr lang="en-US"/>
           </a:p>
@@ -3722,7 +3724,7 @@
           <a:p>
             <a:fld id="{D8B804F8-A8DF-44BA-8C13-CCD935C20FB1}" type="datetimeFigureOut">
               <a:rPr lang="en-US" smtClean="0"/>
-              <a:t>3/13/2018</a:t>
+              <a:t>6/15/2018</a:t>
             </a:fld>
             <a:endParaRPr lang="en-US"/>
           </a:p>
@@ -3941,7 +3943,7 @@
           <a:p>
             <a:fld id="{D8B804F8-A8DF-44BA-8C13-CCD935C20FB1}" type="datetimeFigureOut">
               <a:rPr lang="en-US" smtClean="0"/>
-              <a:t>3/13/2018</a:t>
+              <a:t>6/15/2018</a:t>
             </a:fld>
             <a:endParaRPr lang="en-US"/>
           </a:p>
@@ -27356,6 +27358,9378 @@
 </p:sld>
 </file>
 
+<file path=ppt/slides/slide5.xml><?xml version="1.0" encoding="utf-8"?>
+<p:sld xmlns:a="http://schemas.openxmlformats.org/drawingml/2006/main" xmlns:r="http://schemas.openxmlformats.org/officeDocument/2006/relationships" xmlns:p="http://schemas.openxmlformats.org/presentationml/2006/main">
+  <p:cSld>
+    <p:bg>
+      <p:bgPr>
+        <a:solidFill>
+          <a:schemeClr val="bg1"/>
+        </a:solidFill>
+        <a:effectLst/>
+      </p:bgPr>
+    </p:bg>
+    <p:spTree>
+      <p:nvGrpSpPr>
+        <p:cNvPr id="1" name=""/>
+        <p:cNvGrpSpPr/>
+        <p:nvPr/>
+      </p:nvGrpSpPr>
+      <p:grpSpPr>
+        <a:xfrm>
+          <a:off x="0" y="0"/>
+          <a:ext cx="0" cy="0"/>
+          <a:chOff x="0" y="0"/>
+          <a:chExt cx="0" cy="0"/>
+        </a:xfrm>
+      </p:grpSpPr>
+      <p:grpSp>
+        <p:nvGrpSpPr>
+          <p:cNvPr id="3" name="Groupe 2"/>
+          <p:cNvGrpSpPr/>
+          <p:nvPr/>
+        </p:nvGrpSpPr>
+        <p:grpSpPr>
+          <a:xfrm>
+            <a:off x="58677" y="594253"/>
+            <a:ext cx="8932342" cy="5669494"/>
+            <a:chOff x="977401" y="507283"/>
+            <a:chExt cx="6624042" cy="4204381"/>
+          </a:xfrm>
+        </p:grpSpPr>
+        <p:sp>
+          <p:nvSpPr>
+            <p:cNvPr id="244" name="Rectangle 243"/>
+            <p:cNvSpPr/>
+            <p:nvPr/>
+          </p:nvSpPr>
+          <p:spPr>
+            <a:xfrm>
+              <a:off x="1007326" y="1545417"/>
+              <a:ext cx="1116478" cy="296713"/>
+            </a:xfrm>
+            <a:prstGeom prst="rect">
+              <a:avLst/>
+            </a:prstGeom>
+            <a:ln>
+              <a:solidFill>
+                <a:sysClr val="windowText" lastClr="000000"/>
+              </a:solidFill>
+            </a:ln>
+          </p:spPr>
+          <p:txBody>
+            <a:bodyPr wrap="none">
+              <a:spAutoFit/>
+            </a:bodyPr>
+            <a:lstStyle/>
+            <a:p>
+              <a:pPr marL="0" marR="0" lvl="0" indent="0" defTabSz="914400" eaLnBrk="1" fontAlgn="auto" latinLnBrk="0" hangingPunct="1">
+                <a:lnSpc>
+                  <a:spcPct val="100000"/>
+                </a:lnSpc>
+                <a:spcBef>
+                  <a:spcPts val="0"/>
+                </a:spcBef>
+                <a:spcAft>
+                  <a:spcPts val="0"/>
+                </a:spcAft>
+                <a:buClrTx/>
+                <a:buSzTx/>
+                <a:buFontTx/>
+                <a:buNone/>
+                <a:tabLst/>
+                <a:defRPr/>
+              </a:pPr>
+              <a:r>
+                <a:rPr kumimoji="0" lang="fr-FR" altLang="en-US" sz="2000" b="0" i="0" u="none" strike="noStrike" kern="0" cap="none" spc="0" normalizeH="0" baseline="0" noProof="0" dirty="0" smtClean="0">
+                  <a:ln>
+                    <a:noFill/>
+                  </a:ln>
+                  <a:solidFill>
+                    <a:prstClr val="black"/>
+                  </a:solidFill>
+                  <a:effectLst/>
+                  <a:uLnTx/>
+                  <a:uFillTx/>
+                  <a:latin typeface="Times" panose="02020603050405020304" pitchFamily="18" charset="0"/>
+                  <a:cs typeface="Times" panose="02020603050405020304" pitchFamily="18" charset="0"/>
+                </a:rPr>
+                <a:t>Déterministe</a:t>
+              </a:r>
+              <a:endParaRPr kumimoji="0" lang="en-US" sz="2000" b="0" i="0" u="none" strike="noStrike" kern="0" cap="none" spc="0" normalizeH="0" baseline="0" noProof="0" dirty="0" smtClean="0">
+                <a:ln>
+                  <a:noFill/>
+                </a:ln>
+                <a:solidFill>
+                  <a:prstClr val="black"/>
+                </a:solidFill>
+                <a:effectLst/>
+                <a:uLnTx/>
+                <a:uFillTx/>
+                <a:latin typeface="Times" panose="02020603050405020304" pitchFamily="18" charset="0"/>
+                <a:cs typeface="Times" panose="02020603050405020304" pitchFamily="18" charset="0"/>
+              </a:endParaRPr>
+            </a:p>
+          </p:txBody>
+        </p:sp>
+        <p:sp>
+          <p:nvSpPr>
+            <p:cNvPr id="245" name="Rectangle 244"/>
+            <p:cNvSpPr/>
+            <p:nvPr/>
+          </p:nvSpPr>
+          <p:spPr>
+            <a:xfrm>
+              <a:off x="1238538" y="3012007"/>
+              <a:ext cx="654053" cy="296713"/>
+            </a:xfrm>
+            <a:prstGeom prst="rect">
+              <a:avLst/>
+            </a:prstGeom>
+            <a:ln>
+              <a:solidFill>
+                <a:sysClr val="windowText" lastClr="000000"/>
+              </a:solidFill>
+            </a:ln>
+          </p:spPr>
+          <p:txBody>
+            <a:bodyPr wrap="none">
+              <a:spAutoFit/>
+            </a:bodyPr>
+            <a:lstStyle/>
+            <a:p>
+              <a:pPr marL="0" marR="0" lvl="0" indent="0" defTabSz="914400" eaLnBrk="1" fontAlgn="auto" latinLnBrk="0" hangingPunct="1">
+                <a:lnSpc>
+                  <a:spcPct val="100000"/>
+                </a:lnSpc>
+                <a:spcBef>
+                  <a:spcPts val="0"/>
+                </a:spcBef>
+                <a:spcAft>
+                  <a:spcPts val="0"/>
+                </a:spcAft>
+                <a:buClrTx/>
+                <a:buSzTx/>
+                <a:buFontTx/>
+                <a:buNone/>
+                <a:tabLst/>
+                <a:defRPr/>
+              </a:pPr>
+              <a:r>
+                <a:rPr kumimoji="0" lang="fr-FR" altLang="en-US" sz="2000" b="0" i="0" u="none" strike="noStrike" kern="0" cap="none" spc="0" normalizeH="0" baseline="0" noProof="0" dirty="0" smtClean="0">
+                  <a:ln>
+                    <a:noFill/>
+                  </a:ln>
+                  <a:solidFill>
+                    <a:prstClr val="black"/>
+                  </a:solidFill>
+                  <a:effectLst/>
+                  <a:uLnTx/>
+                  <a:uFillTx/>
+                  <a:latin typeface="Times" panose="02020603050405020304" pitchFamily="18" charset="0"/>
+                  <a:cs typeface="Times" panose="02020603050405020304" pitchFamily="18" charset="0"/>
+                </a:rPr>
+                <a:t>Neutre</a:t>
+              </a:r>
+              <a:endParaRPr kumimoji="0" lang="en-US" sz="2000" b="0" i="0" u="none" strike="noStrike" kern="0" cap="none" spc="0" normalizeH="0" baseline="0" noProof="0" dirty="0" smtClean="0">
+                <a:ln>
+                  <a:noFill/>
+                </a:ln>
+                <a:solidFill>
+                  <a:prstClr val="black"/>
+                </a:solidFill>
+                <a:effectLst/>
+                <a:uLnTx/>
+                <a:uFillTx/>
+                <a:latin typeface="Times" panose="02020603050405020304" pitchFamily="18" charset="0"/>
+                <a:cs typeface="Times" panose="02020603050405020304" pitchFamily="18" charset="0"/>
+              </a:endParaRPr>
+            </a:p>
+          </p:txBody>
+        </p:sp>
+        <p:cxnSp>
+          <p:nvCxnSpPr>
+            <p:cNvPr id="246" name="Connecteur droit 245"/>
+            <p:cNvCxnSpPr/>
+            <p:nvPr/>
+          </p:nvCxnSpPr>
+          <p:spPr>
+            <a:xfrm>
+              <a:off x="977401" y="2777130"/>
+              <a:ext cx="5978028" cy="14753"/>
+            </a:xfrm>
+            <a:prstGeom prst="line">
+              <a:avLst/>
+            </a:prstGeom>
+            <a:noFill/>
+            <a:ln w="6350" cap="flat" cmpd="sng" algn="ctr">
+              <a:solidFill>
+                <a:sysClr val="windowText" lastClr="000000"/>
+              </a:solidFill>
+              <a:prstDash val="dash"/>
+              <a:miter lim="800000"/>
+            </a:ln>
+            <a:effectLst/>
+          </p:spPr>
+        </p:cxnSp>
+        <p:sp>
+          <p:nvSpPr>
+            <p:cNvPr id="247" name="Croix 246"/>
+            <p:cNvSpPr/>
+            <p:nvPr/>
+          </p:nvSpPr>
+          <p:spPr>
+            <a:xfrm rot="2863819">
+              <a:off x="2465440" y="806055"/>
+              <a:ext cx="360000" cy="359107"/>
+            </a:xfrm>
+            <a:prstGeom prst="plus">
+              <a:avLst>
+                <a:gd name="adj" fmla="val 39589"/>
+              </a:avLst>
+            </a:prstGeom>
+            <a:solidFill>
+              <a:srgbClr val="C00000"/>
+            </a:solidFill>
+            <a:ln w="12700" cap="flat" cmpd="sng" algn="ctr">
+              <a:noFill/>
+              <a:prstDash val="solid"/>
+              <a:miter lim="800000"/>
+            </a:ln>
+            <a:effectLst/>
+          </p:spPr>
+          <p:txBody>
+            <a:bodyPr rtlCol="0" anchor="ctr"/>
+            <a:lstStyle/>
+            <a:p>
+              <a:pPr marL="0" marR="0" lvl="0" indent="0" algn="ctr" defTabSz="914400" eaLnBrk="1" fontAlgn="auto" latinLnBrk="0" hangingPunct="1">
+                <a:lnSpc>
+                  <a:spcPct val="100000"/>
+                </a:lnSpc>
+                <a:spcBef>
+                  <a:spcPts val="0"/>
+                </a:spcBef>
+                <a:spcAft>
+                  <a:spcPts val="0"/>
+                </a:spcAft>
+                <a:buClrTx/>
+                <a:buSzTx/>
+                <a:buFontTx/>
+                <a:buNone/>
+                <a:tabLst/>
+                <a:defRPr/>
+              </a:pPr>
+              <a:endParaRPr kumimoji="0" lang="fr-FR" sz="2400" b="0" i="0" u="none" strike="noStrike" kern="0" cap="none" spc="0" normalizeH="0" baseline="0" noProof="0" smtClean="0">
+                <a:ln>
+                  <a:noFill/>
+                </a:ln>
+                <a:solidFill>
+                  <a:prstClr val="white"/>
+                </a:solidFill>
+                <a:effectLst/>
+                <a:uLnTx/>
+                <a:uFillTx/>
+                <a:latin typeface="Calibri" panose="020F0502020204030204"/>
+                <a:ea typeface="+mn-ea"/>
+                <a:cs typeface="+mn-cs"/>
+              </a:endParaRPr>
+            </a:p>
+          </p:txBody>
+        </p:sp>
+        <p:grpSp>
+          <p:nvGrpSpPr>
+            <p:cNvPr id="248" name="Groupe 247"/>
+            <p:cNvGrpSpPr/>
+            <p:nvPr/>
+          </p:nvGrpSpPr>
+          <p:grpSpPr>
+            <a:xfrm>
+              <a:off x="3086352" y="507283"/>
+              <a:ext cx="3740779" cy="3652742"/>
+              <a:chOff x="3086352" y="507283"/>
+              <a:chExt cx="3740779" cy="3652742"/>
+            </a:xfrm>
+          </p:grpSpPr>
+          <p:grpSp>
+            <p:nvGrpSpPr>
+              <p:cNvPr id="249" name="Group 11"/>
+              <p:cNvGrpSpPr/>
+              <p:nvPr/>
+            </p:nvGrpSpPr>
+            <p:grpSpPr>
+              <a:xfrm>
+                <a:off x="3086352" y="895216"/>
+                <a:ext cx="3740779" cy="3264809"/>
+                <a:chOff x="-1906227" y="1106080"/>
+                <a:chExt cx="2656456" cy="2318455"/>
+              </a:xfrm>
+            </p:grpSpPr>
+            <p:sp>
+              <p:nvSpPr>
+                <p:cNvPr id="251" name="Rectangle 250"/>
+                <p:cNvSpPr/>
+                <p:nvPr/>
+              </p:nvSpPr>
+              <p:spPr>
+                <a:xfrm>
+                  <a:off x="-1906227" y="1500892"/>
+                  <a:ext cx="999242" cy="194498"/>
+                </a:xfrm>
+                <a:prstGeom prst="rect">
+                  <a:avLst/>
+                </a:prstGeom>
+              </p:spPr>
+              <p:txBody>
+                <a:bodyPr wrap="square">
+                  <a:spAutoFit/>
+                </a:bodyPr>
+                <a:lstStyle/>
+                <a:p>
+                  <a:pPr marL="0" marR="0" lvl="0" indent="0" defTabSz="914400" eaLnBrk="1" fontAlgn="auto" latinLnBrk="0" hangingPunct="1">
+                    <a:lnSpc>
+                      <a:spcPct val="100000"/>
+                    </a:lnSpc>
+                    <a:spcBef>
+                      <a:spcPts val="0"/>
+                    </a:spcBef>
+                    <a:spcAft>
+                      <a:spcPts val="0"/>
+                    </a:spcAft>
+                    <a:buClrTx/>
+                    <a:buSzTx/>
+                    <a:buFontTx/>
+                    <a:buNone/>
+                    <a:tabLst/>
+                    <a:defRPr/>
+                  </a:pPr>
+                  <a:r>
+                    <a:rPr kumimoji="0" lang="fr-FR" b="0" i="0" u="none" strike="noStrike" kern="0" cap="none" spc="0" normalizeH="0" baseline="0" noProof="0" dirty="0" smtClean="0">
+                      <a:ln>
+                        <a:noFill/>
+                      </a:ln>
+                      <a:solidFill>
+                        <a:srgbClr val="C00000"/>
+                      </a:solidFill>
+                      <a:effectLst/>
+                      <a:uLnTx/>
+                      <a:uFillTx/>
+                      <a:latin typeface="Times" panose="02020603050405020304" pitchFamily="18" charset="0"/>
+                      <a:cs typeface="Times" panose="02020603050405020304" pitchFamily="18" charset="0"/>
+                    </a:rPr>
+                    <a:t>Exclusion</a:t>
+                  </a:r>
+                </a:p>
+              </p:txBody>
+            </p:sp>
+            <p:grpSp>
+              <p:nvGrpSpPr>
+                <p:cNvPr id="253" name="Group 8"/>
+                <p:cNvGrpSpPr/>
+                <p:nvPr/>
+              </p:nvGrpSpPr>
+              <p:grpSpPr>
+                <a:xfrm>
+                  <a:off x="-792087" y="1106080"/>
+                  <a:ext cx="1542316" cy="2318455"/>
+                  <a:chOff x="515666" y="1126356"/>
+                  <a:chExt cx="1542316" cy="2318455"/>
+                </a:xfrm>
+              </p:grpSpPr>
+              <p:sp>
+                <p:nvSpPr>
+                  <p:cNvPr id="255" name="Rectangle 1"/>
+                  <p:cNvSpPr>
+                    <a:spLocks noChangeArrowheads="1"/>
+                  </p:cNvSpPr>
+                  <p:nvPr/>
+                </p:nvSpPr>
+                <p:spPr bwMode="auto">
+                  <a:xfrm>
+                    <a:off x="515666" y="1126356"/>
+                    <a:ext cx="1542316" cy="2091534"/>
+                  </a:xfrm>
+                  <a:prstGeom prst="rect">
+                    <a:avLst/>
+                  </a:prstGeom>
+                  <a:noFill/>
+                  <a:ln w="28575" algn="ctr">
+                    <a:solidFill>
+                      <a:schemeClr val="accent3">
+                        <a:lumMod val="50000"/>
+                        <a:alpha val="50196"/>
+                      </a:schemeClr>
+                    </a:solidFill>
+                    <a:prstDash val="sysDash"/>
+                    <a:round/>
+                    <a:headEnd/>
+                    <a:tailEnd/>
+                  </a:ln>
+                  <a:extLst>
+                    <a:ext uri="{909E8E84-426E-40DD-AFC4-6F175D3DCCD1}">
+                      <a14:hiddenFill xmlns:a14="http://schemas.microsoft.com/office/drawing/2010/main">
+                        <a:solidFill>
+                          <a:srgbClr val="FFFFFF"/>
+                        </a:solidFill>
+                      </a14:hiddenFill>
+                    </a:ext>
+                  </a:extLst>
+                </p:spPr>
+                <p:txBody>
+                  <a:bodyPr/>
+                  <a:lstStyle>
+                    <a:lvl1pPr>
+                      <a:defRPr sz="2400">
+                        <a:solidFill>
+                          <a:schemeClr val="tx1"/>
+                        </a:solidFill>
+                        <a:latin typeface="Times" panose="02020603050405020304" pitchFamily="18" charset="0"/>
+                      </a:defRPr>
+                    </a:lvl1pPr>
+                    <a:lvl2pPr marL="742950" indent="-285750">
+                      <a:defRPr sz="2400">
+                        <a:solidFill>
+                          <a:schemeClr val="tx1"/>
+                        </a:solidFill>
+                        <a:latin typeface="Times" panose="02020603050405020304" pitchFamily="18" charset="0"/>
+                      </a:defRPr>
+                    </a:lvl2pPr>
+                    <a:lvl3pPr marL="1143000" indent="-228600">
+                      <a:defRPr sz="2400">
+                        <a:solidFill>
+                          <a:schemeClr val="tx1"/>
+                        </a:solidFill>
+                        <a:latin typeface="Times" panose="02020603050405020304" pitchFamily="18" charset="0"/>
+                      </a:defRPr>
+                    </a:lvl3pPr>
+                    <a:lvl4pPr marL="1600200" indent="-228600">
+                      <a:defRPr sz="2400">
+                        <a:solidFill>
+                          <a:schemeClr val="tx1"/>
+                        </a:solidFill>
+                        <a:latin typeface="Times" panose="02020603050405020304" pitchFamily="18" charset="0"/>
+                      </a:defRPr>
+                    </a:lvl4pPr>
+                    <a:lvl5pPr marL="2057400" indent="-228600">
+                      <a:defRPr sz="2400">
+                        <a:solidFill>
+                          <a:schemeClr val="tx1"/>
+                        </a:solidFill>
+                        <a:latin typeface="Times" panose="02020603050405020304" pitchFamily="18" charset="0"/>
+                      </a:defRPr>
+                    </a:lvl5pPr>
+                    <a:lvl6pPr marL="2514600" indent="-228600" eaLnBrk="0" fontAlgn="base" hangingPunct="0">
+                      <a:spcBef>
+                        <a:spcPct val="0"/>
+                      </a:spcBef>
+                      <a:spcAft>
+                        <a:spcPct val="0"/>
+                      </a:spcAft>
+                      <a:defRPr sz="2400">
+                        <a:solidFill>
+                          <a:schemeClr val="tx1"/>
+                        </a:solidFill>
+                        <a:latin typeface="Times" panose="02020603050405020304" pitchFamily="18" charset="0"/>
+                      </a:defRPr>
+                    </a:lvl6pPr>
+                    <a:lvl7pPr marL="2971800" indent="-228600" eaLnBrk="0" fontAlgn="base" hangingPunct="0">
+                      <a:spcBef>
+                        <a:spcPct val="0"/>
+                      </a:spcBef>
+                      <a:spcAft>
+                        <a:spcPct val="0"/>
+                      </a:spcAft>
+                      <a:defRPr sz="2400">
+                        <a:solidFill>
+                          <a:schemeClr val="tx1"/>
+                        </a:solidFill>
+                        <a:latin typeface="Times" panose="02020603050405020304" pitchFamily="18" charset="0"/>
+                      </a:defRPr>
+                    </a:lvl7pPr>
+                    <a:lvl8pPr marL="3429000" indent="-228600" eaLnBrk="0" fontAlgn="base" hangingPunct="0">
+                      <a:spcBef>
+                        <a:spcPct val="0"/>
+                      </a:spcBef>
+                      <a:spcAft>
+                        <a:spcPct val="0"/>
+                      </a:spcAft>
+                      <a:defRPr sz="2400">
+                        <a:solidFill>
+                          <a:schemeClr val="tx1"/>
+                        </a:solidFill>
+                        <a:latin typeface="Times" panose="02020603050405020304" pitchFamily="18" charset="0"/>
+                      </a:defRPr>
+                    </a:lvl8pPr>
+                    <a:lvl9pPr marL="3886200" indent="-228600" eaLnBrk="0" fontAlgn="base" hangingPunct="0">
+                      <a:spcBef>
+                        <a:spcPct val="0"/>
+                      </a:spcBef>
+                      <a:spcAft>
+                        <a:spcPct val="0"/>
+                      </a:spcAft>
+                      <a:defRPr sz="2400">
+                        <a:solidFill>
+                          <a:schemeClr val="tx1"/>
+                        </a:solidFill>
+                        <a:latin typeface="Times" panose="02020603050405020304" pitchFamily="18" charset="0"/>
+                      </a:defRPr>
+                    </a:lvl9pPr>
+                  </a:lstStyle>
+                  <a:p>
+                    <a:pPr marL="0" marR="0" lvl="0" indent="0" defTabSz="914400" eaLnBrk="1" fontAlgn="auto" latinLnBrk="0" hangingPunct="1">
+                      <a:lnSpc>
+                        <a:spcPct val="100000"/>
+                      </a:lnSpc>
+                      <a:spcBef>
+                        <a:spcPts val="0"/>
+                      </a:spcBef>
+                      <a:spcAft>
+                        <a:spcPts val="0"/>
+                      </a:spcAft>
+                      <a:buClrTx/>
+                      <a:buSzTx/>
+                      <a:buFontTx/>
+                      <a:buNone/>
+                      <a:tabLst/>
+                      <a:defRPr/>
+                    </a:pPr>
+                    <a:endParaRPr kumimoji="0" lang="en-US" altLang="en-US" sz="3600" b="0" i="0" u="none" strike="noStrike" kern="0" cap="none" spc="0" normalizeH="0" baseline="0" noProof="0">
+                      <a:ln>
+                        <a:noFill/>
+                      </a:ln>
+                      <a:solidFill>
+                        <a:srgbClr val="B2B2B2"/>
+                      </a:solidFill>
+                      <a:effectLst/>
+                      <a:uLnTx/>
+                      <a:uFillTx/>
+                      <a:latin typeface="Times" panose="02020603050405020304" pitchFamily="18" charset="0"/>
+                    </a:endParaRPr>
+                  </a:p>
+                </p:txBody>
+              </p:sp>
+              <p:sp>
+                <p:nvSpPr>
+                  <p:cNvPr id="256" name="ZoneTexte 20"/>
+                  <p:cNvSpPr txBox="1">
+                    <a:spLocks noChangeArrowheads="1"/>
+                  </p:cNvSpPr>
+                  <p:nvPr/>
+                </p:nvSpPr>
+                <p:spPr bwMode="auto">
+                  <a:xfrm>
+                    <a:off x="934344" y="3234104"/>
+                    <a:ext cx="824084" cy="210707"/>
+                  </a:xfrm>
+                  <a:prstGeom prst="rect">
+                    <a:avLst/>
+                  </a:prstGeom>
+                  <a:noFill/>
+                  <a:ln>
+                    <a:noFill/>
+                  </a:ln>
+                  <a:extLst>
+                    <a:ext uri="{909E8E84-426E-40DD-AFC4-6F175D3DCCD1}">
+                      <a14:hiddenFill xmlns:a14="http://schemas.microsoft.com/office/drawing/2010/main">
+                        <a:solidFill>
+                          <a:srgbClr val="FFFFFF"/>
+                        </a:solidFill>
+                      </a14:hiddenFill>
+                    </a:ext>
+                    <a:ext uri="{91240B29-F687-4F45-9708-019B960494DF}">
+                      <a14:hiddenLine xmlns:a14="http://schemas.microsoft.com/office/drawing/2010/main" w="9525">
+                        <a:solidFill>
+                          <a:srgbClr val="000000"/>
+                        </a:solidFill>
+                        <a:miter lim="800000"/>
+                        <a:headEnd/>
+                        <a:tailEnd/>
+                      </a14:hiddenLine>
+                    </a:ext>
+                  </a:extLst>
+                </p:spPr>
+                <p:txBody>
+                  <a:bodyPr wrap="none">
+                    <a:spAutoFit/>
+                  </a:bodyPr>
+                  <a:lstStyle>
+                    <a:lvl1pPr>
+                      <a:defRPr sz="2400">
+                        <a:solidFill>
+                          <a:schemeClr val="tx1"/>
+                        </a:solidFill>
+                        <a:latin typeface="Times" panose="02020603050405020304" pitchFamily="18" charset="0"/>
+                      </a:defRPr>
+                    </a:lvl1pPr>
+                    <a:lvl2pPr marL="742950" indent="-285750">
+                      <a:defRPr sz="2400">
+                        <a:solidFill>
+                          <a:schemeClr val="tx1"/>
+                        </a:solidFill>
+                        <a:latin typeface="Times" panose="02020603050405020304" pitchFamily="18" charset="0"/>
+                      </a:defRPr>
+                    </a:lvl2pPr>
+                    <a:lvl3pPr marL="1143000" indent="-228600">
+                      <a:defRPr sz="2400">
+                        <a:solidFill>
+                          <a:schemeClr val="tx1"/>
+                        </a:solidFill>
+                        <a:latin typeface="Times" panose="02020603050405020304" pitchFamily="18" charset="0"/>
+                      </a:defRPr>
+                    </a:lvl3pPr>
+                    <a:lvl4pPr marL="1600200" indent="-228600">
+                      <a:defRPr sz="2400">
+                        <a:solidFill>
+                          <a:schemeClr val="tx1"/>
+                        </a:solidFill>
+                        <a:latin typeface="Times" panose="02020603050405020304" pitchFamily="18" charset="0"/>
+                      </a:defRPr>
+                    </a:lvl4pPr>
+                    <a:lvl5pPr marL="2057400" indent="-228600">
+                      <a:defRPr sz="2400">
+                        <a:solidFill>
+                          <a:schemeClr val="tx1"/>
+                        </a:solidFill>
+                        <a:latin typeface="Times" panose="02020603050405020304" pitchFamily="18" charset="0"/>
+                      </a:defRPr>
+                    </a:lvl5pPr>
+                    <a:lvl6pPr marL="2514600" indent="-228600" eaLnBrk="0" fontAlgn="base" hangingPunct="0">
+                      <a:spcBef>
+                        <a:spcPct val="0"/>
+                      </a:spcBef>
+                      <a:spcAft>
+                        <a:spcPct val="0"/>
+                      </a:spcAft>
+                      <a:defRPr sz="2400">
+                        <a:solidFill>
+                          <a:schemeClr val="tx1"/>
+                        </a:solidFill>
+                        <a:latin typeface="Times" panose="02020603050405020304" pitchFamily="18" charset="0"/>
+                      </a:defRPr>
+                    </a:lvl6pPr>
+                    <a:lvl7pPr marL="2971800" indent="-228600" eaLnBrk="0" fontAlgn="base" hangingPunct="0">
+                      <a:spcBef>
+                        <a:spcPct val="0"/>
+                      </a:spcBef>
+                      <a:spcAft>
+                        <a:spcPct val="0"/>
+                      </a:spcAft>
+                      <a:defRPr sz="2400">
+                        <a:solidFill>
+                          <a:schemeClr val="tx1"/>
+                        </a:solidFill>
+                        <a:latin typeface="Times" panose="02020603050405020304" pitchFamily="18" charset="0"/>
+                      </a:defRPr>
+                    </a:lvl7pPr>
+                    <a:lvl8pPr marL="3429000" indent="-228600" eaLnBrk="0" fontAlgn="base" hangingPunct="0">
+                      <a:spcBef>
+                        <a:spcPct val="0"/>
+                      </a:spcBef>
+                      <a:spcAft>
+                        <a:spcPct val="0"/>
+                      </a:spcAft>
+                      <a:defRPr sz="2400">
+                        <a:solidFill>
+                          <a:schemeClr val="tx1"/>
+                        </a:solidFill>
+                        <a:latin typeface="Times" panose="02020603050405020304" pitchFamily="18" charset="0"/>
+                      </a:defRPr>
+                    </a:lvl8pPr>
+                    <a:lvl9pPr marL="3886200" indent="-228600" eaLnBrk="0" fontAlgn="base" hangingPunct="0">
+                      <a:spcBef>
+                        <a:spcPct val="0"/>
+                      </a:spcBef>
+                      <a:spcAft>
+                        <a:spcPct val="0"/>
+                      </a:spcAft>
+                      <a:defRPr sz="2400">
+                        <a:solidFill>
+                          <a:schemeClr val="tx1"/>
+                        </a:solidFill>
+                        <a:latin typeface="Times" panose="02020603050405020304" pitchFamily="18" charset="0"/>
+                      </a:defRPr>
+                    </a:lvl9pPr>
+                  </a:lstStyle>
+                  <a:p>
+                    <a:pPr marL="0" marR="0" lvl="0" indent="0" defTabSz="914400" eaLnBrk="1" fontAlgn="auto" latinLnBrk="0" hangingPunct="1">
+                      <a:lnSpc>
+                        <a:spcPct val="100000"/>
+                      </a:lnSpc>
+                      <a:spcBef>
+                        <a:spcPts val="0"/>
+                      </a:spcBef>
+                      <a:spcAft>
+                        <a:spcPts val="0"/>
+                      </a:spcAft>
+                      <a:buClrTx/>
+                      <a:buSzTx/>
+                      <a:buFontTx/>
+                      <a:buNone/>
+                      <a:tabLst/>
+                      <a:defRPr/>
+                    </a:pPr>
+                    <a:r>
+                      <a:rPr kumimoji="0" lang="fr-FR" altLang="en-US" sz="2000" b="0" i="0" u="none" strike="noStrike" kern="0" cap="none" spc="0" normalizeH="0" baseline="0" noProof="0" dirty="0" smtClean="0">
+                        <a:ln>
+                          <a:noFill/>
+                        </a:ln>
+                        <a:solidFill>
+                          <a:srgbClr val="70AD47"/>
+                        </a:solidFill>
+                        <a:effectLst/>
+                        <a:uLnTx/>
+                        <a:uFillTx/>
+                        <a:latin typeface="Times" panose="02020603050405020304" pitchFamily="18" charset="0"/>
+                      </a:rPr>
+                      <a:t>Communauté</a:t>
+                    </a:r>
+                    <a:endParaRPr kumimoji="0" lang="en-US" altLang="en-US" sz="2000" b="0" i="0" u="none" strike="noStrike" kern="0" cap="none" spc="0" normalizeH="0" baseline="0" noProof="0" dirty="0">
+                      <a:ln>
+                        <a:noFill/>
+                      </a:ln>
+                      <a:solidFill>
+                        <a:srgbClr val="70AD47"/>
+                      </a:solidFill>
+                      <a:effectLst/>
+                      <a:uLnTx/>
+                      <a:uFillTx/>
+                      <a:latin typeface="Times" panose="02020603050405020304" pitchFamily="18" charset="0"/>
+                    </a:endParaRPr>
+                  </a:p>
+                </p:txBody>
+              </p:sp>
+            </p:grpSp>
+          </p:grpSp>
+          <p:sp>
+            <p:nvSpPr>
+              <p:cNvPr id="250" name="Rectangle 249"/>
+              <p:cNvSpPr/>
+              <p:nvPr/>
+            </p:nvSpPr>
+            <p:spPr>
+              <a:xfrm>
+                <a:off x="3947918" y="507283"/>
+                <a:ext cx="1011868" cy="273889"/>
+              </a:xfrm>
+              <a:prstGeom prst="rect">
+                <a:avLst/>
+              </a:prstGeom>
+            </p:spPr>
+            <p:txBody>
+              <a:bodyPr wrap="none">
+                <a:spAutoFit/>
+              </a:bodyPr>
+              <a:lstStyle/>
+              <a:p>
+                <a:pPr marL="0" marR="0" lvl="0" indent="0" defTabSz="914400" eaLnBrk="1" fontAlgn="auto" latinLnBrk="0" hangingPunct="1">
+                  <a:lnSpc>
+                    <a:spcPct val="100000"/>
+                  </a:lnSpc>
+                  <a:spcBef>
+                    <a:spcPts val="0"/>
+                  </a:spcBef>
+                  <a:spcAft>
+                    <a:spcPts val="0"/>
+                  </a:spcAft>
+                  <a:buClrTx/>
+                  <a:buSzTx/>
+                  <a:buFontTx/>
+                  <a:buNone/>
+                  <a:tabLst/>
+                  <a:defRPr/>
+                </a:pPr>
+                <a:r>
+                  <a:rPr kumimoji="0" lang="fr-FR" altLang="en-US" b="0" i="0" u="none" strike="noStrike" kern="0" cap="none" spc="0" normalizeH="0" baseline="0" noProof="0" dirty="0" smtClean="0">
+                    <a:ln>
+                      <a:noFill/>
+                    </a:ln>
+                    <a:solidFill>
+                      <a:prstClr val="black"/>
+                    </a:solidFill>
+                    <a:effectLst/>
+                    <a:uLnTx/>
+                    <a:uFillTx/>
+                    <a:latin typeface="Times" panose="02020603050405020304" pitchFamily="18" charset="0"/>
+                    <a:cs typeface="Times" panose="02020603050405020304" pitchFamily="18" charset="0"/>
+                  </a:rPr>
+                  <a:t>Recrutement</a:t>
+                </a:r>
+                <a:endParaRPr kumimoji="0" lang="en-US" b="0" i="0" u="none" strike="noStrike" kern="0" cap="none" spc="0" normalizeH="0" baseline="0" noProof="0" dirty="0" smtClean="0">
+                  <a:ln>
+                    <a:noFill/>
+                  </a:ln>
+                  <a:solidFill>
+                    <a:prstClr val="black"/>
+                  </a:solidFill>
+                  <a:effectLst/>
+                  <a:uLnTx/>
+                  <a:uFillTx/>
+                  <a:latin typeface="Times" panose="02020603050405020304" pitchFamily="18" charset="0"/>
+                  <a:cs typeface="Times" panose="02020603050405020304" pitchFamily="18" charset="0"/>
+                </a:endParaRPr>
+              </a:p>
+            </p:txBody>
+          </p:sp>
+        </p:grpSp>
+        <p:sp>
+          <p:nvSpPr>
+            <p:cNvPr id="257" name="Flèche droite 256"/>
+            <p:cNvSpPr/>
+            <p:nvPr/>
+          </p:nvSpPr>
+          <p:spPr>
+            <a:xfrm>
+              <a:off x="3139595" y="1686302"/>
+              <a:ext cx="737372" cy="141121"/>
+            </a:xfrm>
+            <a:prstGeom prst="rightArrow">
+              <a:avLst/>
+            </a:prstGeom>
+            <a:solidFill>
+              <a:srgbClr val="C00000"/>
+            </a:solidFill>
+            <a:ln w="12700" cap="flat" cmpd="sng" algn="ctr">
+              <a:noFill/>
+              <a:prstDash val="solid"/>
+              <a:miter lim="800000"/>
+            </a:ln>
+            <a:effectLst/>
+          </p:spPr>
+          <p:txBody>
+            <a:bodyPr rtlCol="0" anchor="ctr"/>
+            <a:lstStyle/>
+            <a:p>
+              <a:pPr marL="0" marR="0" lvl="0" indent="0" algn="ctr" defTabSz="914400" eaLnBrk="1" fontAlgn="auto" latinLnBrk="0" hangingPunct="1">
+                <a:lnSpc>
+                  <a:spcPct val="100000"/>
+                </a:lnSpc>
+                <a:spcBef>
+                  <a:spcPts val="0"/>
+                </a:spcBef>
+                <a:spcAft>
+                  <a:spcPts val="0"/>
+                </a:spcAft>
+                <a:buClrTx/>
+                <a:buSzTx/>
+                <a:buFontTx/>
+                <a:buNone/>
+                <a:tabLst/>
+                <a:defRPr/>
+              </a:pPr>
+              <a:endParaRPr kumimoji="0" lang="fr-FR" sz="2400" b="0" i="0" u="none" strike="noStrike" kern="0" cap="none" spc="0" normalizeH="0" baseline="0" noProof="0" smtClean="0">
+                <a:ln>
+                  <a:noFill/>
+                </a:ln>
+                <a:solidFill>
+                  <a:prstClr val="white"/>
+                </a:solidFill>
+                <a:effectLst/>
+                <a:uLnTx/>
+                <a:uFillTx/>
+                <a:latin typeface="Calibri" panose="020F0502020204030204"/>
+                <a:ea typeface="+mn-ea"/>
+                <a:cs typeface="+mn-cs"/>
+              </a:endParaRPr>
+            </a:p>
+          </p:txBody>
+        </p:sp>
+        <p:grpSp>
+          <p:nvGrpSpPr>
+            <p:cNvPr id="258" name="Groupe 257"/>
+            <p:cNvGrpSpPr/>
+            <p:nvPr/>
+          </p:nvGrpSpPr>
+          <p:grpSpPr>
+            <a:xfrm>
+              <a:off x="4758905" y="938033"/>
+              <a:ext cx="1963549" cy="1814193"/>
+              <a:chOff x="7002651" y="910382"/>
+              <a:chExt cx="1963549" cy="1814193"/>
+            </a:xfrm>
+          </p:grpSpPr>
+          <p:pic>
+            <p:nvPicPr>
+              <p:cNvPr id="260" name="Image 259"/>
+              <p:cNvPicPr>
+                <a:picLocks noChangeAspect="1"/>
+              </p:cNvPicPr>
+              <p:nvPr/>
+            </p:nvPicPr>
+            <p:blipFill>
+              <a:blip r:embed="rId2" cstate="print">
+                <a:clrChange>
+                  <a:clrFrom>
+                    <a:srgbClr val="FFFFFF"/>
+                  </a:clrFrom>
+                  <a:clrTo>
+                    <a:srgbClr val="FFFFFF">
+                      <a:alpha val="0"/>
+                    </a:srgbClr>
+                  </a:clrTo>
+                </a:clrChange>
+                <a:duotone>
+                  <a:prstClr val="black"/>
+                  <a:srgbClr val="70AD47">
+                    <a:tint val="45000"/>
+                    <a:satMod val="400000"/>
+                  </a:srgbClr>
+                </a:duotone>
+                <a:extLst>
+                  <a:ext uri="{28A0092B-C50C-407E-A947-70E740481C1C}">
+                    <a14:useLocalDpi xmlns:a14="http://schemas.microsoft.com/office/drawing/2010/main" val="0"/>
+                  </a:ext>
+                </a:extLst>
+              </a:blip>
+              <a:stretch>
+                <a:fillRect/>
+              </a:stretch>
+            </p:blipFill>
+            <p:spPr>
+              <a:xfrm>
+                <a:off x="8268545" y="1650506"/>
+                <a:ext cx="210141" cy="444686"/>
+              </a:xfrm>
+              <a:prstGeom prst="rect">
+                <a:avLst/>
+              </a:prstGeom>
+            </p:spPr>
+          </p:pic>
+          <p:pic>
+            <p:nvPicPr>
+              <p:cNvPr id="262" name="Image 261"/>
+              <p:cNvPicPr>
+                <a:picLocks noChangeAspect="1"/>
+              </p:cNvPicPr>
+              <p:nvPr/>
+            </p:nvPicPr>
+            <p:blipFill>
+              <a:blip r:embed="rId2" cstate="print">
+                <a:duotone>
+                  <a:prstClr val="black"/>
+                  <a:srgbClr val="70AD47">
+                    <a:tint val="45000"/>
+                    <a:satMod val="400000"/>
+                  </a:srgbClr>
+                </a:duotone>
+                <a:clrChange>
+                  <a:clrFrom>
+                    <a:srgbClr val="FFFFFF"/>
+                  </a:clrFrom>
+                  <a:clrTo>
+                    <a:srgbClr val="FFFFFF">
+                      <a:alpha val="0"/>
+                    </a:srgbClr>
+                  </a:clrTo>
+                </a:clrChange>
+                <a:extLst>
+                  <a:ext uri="{28A0092B-C50C-407E-A947-70E740481C1C}">
+                    <a14:useLocalDpi xmlns:a14="http://schemas.microsoft.com/office/drawing/2010/main" val="0"/>
+                  </a:ext>
+                </a:extLst>
+              </a:blip>
+              <a:stretch>
+                <a:fillRect/>
+              </a:stretch>
+            </p:blipFill>
+            <p:spPr>
+              <a:xfrm>
+                <a:off x="7601592" y="2268701"/>
+                <a:ext cx="210141" cy="444686"/>
+              </a:xfrm>
+              <a:prstGeom prst="rect">
+                <a:avLst/>
+              </a:prstGeom>
+            </p:spPr>
+          </p:pic>
+          <p:pic>
+            <p:nvPicPr>
+              <p:cNvPr id="263" name="Image 262"/>
+              <p:cNvPicPr>
+                <a:picLocks noChangeAspect="1"/>
+              </p:cNvPicPr>
+              <p:nvPr/>
+            </p:nvPicPr>
+            <p:blipFill>
+              <a:blip r:embed="rId2" cstate="print">
+                <a:clrChange>
+                  <a:clrFrom>
+                    <a:srgbClr val="FFFFFF"/>
+                  </a:clrFrom>
+                  <a:clrTo>
+                    <a:srgbClr val="FFFFFF">
+                      <a:alpha val="0"/>
+                    </a:srgbClr>
+                  </a:clrTo>
+                </a:clrChange>
+                <a:duotone>
+                  <a:prstClr val="black"/>
+                  <a:srgbClr val="70AD47">
+                    <a:tint val="45000"/>
+                    <a:satMod val="400000"/>
+                  </a:srgbClr>
+                </a:duotone>
+                <a:extLst>
+                  <a:ext uri="{28A0092B-C50C-407E-A947-70E740481C1C}">
+                    <a14:useLocalDpi xmlns:a14="http://schemas.microsoft.com/office/drawing/2010/main" val="0"/>
+                  </a:ext>
+                </a:extLst>
+              </a:blip>
+              <a:stretch>
+                <a:fillRect/>
+              </a:stretch>
+            </p:blipFill>
+            <p:spPr>
+              <a:xfrm>
+                <a:off x="7751588" y="1752005"/>
+                <a:ext cx="210141" cy="444686"/>
+              </a:xfrm>
+              <a:prstGeom prst="rect">
+                <a:avLst/>
+              </a:prstGeom>
+            </p:spPr>
+          </p:pic>
+          <p:pic>
+            <p:nvPicPr>
+              <p:cNvPr id="264" name="Image 263"/>
+              <p:cNvPicPr>
+                <a:picLocks noChangeAspect="1"/>
+              </p:cNvPicPr>
+              <p:nvPr/>
+            </p:nvPicPr>
+            <p:blipFill>
+              <a:blip r:embed="rId2" cstate="print">
+                <a:duotone>
+                  <a:prstClr val="black"/>
+                  <a:srgbClr val="70AD47">
+                    <a:tint val="45000"/>
+                    <a:satMod val="400000"/>
+                  </a:srgbClr>
+                </a:duotone>
+                <a:clrChange>
+                  <a:clrFrom>
+                    <a:srgbClr val="FFFFFF"/>
+                  </a:clrFrom>
+                  <a:clrTo>
+                    <a:srgbClr val="FFFFFF">
+                      <a:alpha val="0"/>
+                    </a:srgbClr>
+                  </a:clrTo>
+                </a:clrChange>
+                <a:extLst>
+                  <a:ext uri="{28A0092B-C50C-407E-A947-70E740481C1C}">
+                    <a14:useLocalDpi xmlns:a14="http://schemas.microsoft.com/office/drawing/2010/main" val="0"/>
+                  </a:ext>
+                </a:extLst>
+              </a:blip>
+              <a:stretch>
+                <a:fillRect/>
+              </a:stretch>
+            </p:blipFill>
+            <p:spPr>
+              <a:xfrm>
+                <a:off x="7972135" y="1690886"/>
+                <a:ext cx="210141" cy="444686"/>
+              </a:xfrm>
+              <a:prstGeom prst="rect">
+                <a:avLst/>
+              </a:prstGeom>
+            </p:spPr>
+          </p:pic>
+          <p:pic>
+            <p:nvPicPr>
+              <p:cNvPr id="265" name="Image 264"/>
+              <p:cNvPicPr>
+                <a:picLocks noChangeAspect="1"/>
+              </p:cNvPicPr>
+              <p:nvPr/>
+            </p:nvPicPr>
+            <p:blipFill>
+              <a:blip r:embed="rId2" cstate="print">
+                <a:duotone>
+                  <a:prstClr val="black"/>
+                  <a:srgbClr val="4472C4">
+                    <a:tint val="45000"/>
+                    <a:satMod val="400000"/>
+                  </a:srgbClr>
+                </a:duotone>
+                <a:clrChange>
+                  <a:clrFrom>
+                    <a:srgbClr val="FFFFFF"/>
+                  </a:clrFrom>
+                  <a:clrTo>
+                    <a:srgbClr val="FFFFFF">
+                      <a:alpha val="0"/>
+                    </a:srgbClr>
+                  </a:clrTo>
+                </a:clrChange>
+                <a:extLst>
+                  <a:ext uri="{28A0092B-C50C-407E-A947-70E740481C1C}">
+                    <a14:useLocalDpi xmlns:a14="http://schemas.microsoft.com/office/drawing/2010/main" val="0"/>
+                  </a:ext>
+                </a:extLst>
+              </a:blip>
+              <a:stretch>
+                <a:fillRect/>
+              </a:stretch>
+            </p:blipFill>
+            <p:spPr>
+              <a:xfrm>
+                <a:off x="8696073" y="1564657"/>
+                <a:ext cx="210141" cy="444686"/>
+              </a:xfrm>
+              <a:prstGeom prst="rect">
+                <a:avLst/>
+              </a:prstGeom>
+            </p:spPr>
+          </p:pic>
+          <p:grpSp>
+            <p:nvGrpSpPr>
+              <p:cNvPr id="266" name="Groupe 265"/>
+              <p:cNvGrpSpPr/>
+              <p:nvPr/>
+            </p:nvGrpSpPr>
+            <p:grpSpPr>
+              <a:xfrm>
+                <a:off x="7002651" y="910382"/>
+                <a:ext cx="1963549" cy="1814193"/>
+                <a:chOff x="4264918" y="1013780"/>
+                <a:chExt cx="1963549" cy="1814193"/>
+              </a:xfrm>
+            </p:grpSpPr>
+            <p:pic>
+              <p:nvPicPr>
+                <p:cNvPr id="270" name="Image 269"/>
+                <p:cNvPicPr>
+                  <a:picLocks noChangeAspect="1"/>
+                </p:cNvPicPr>
+                <p:nvPr/>
+              </p:nvPicPr>
+              <p:blipFill>
+                <a:blip r:embed="rId2" cstate="print">
+                  <a:clrChange>
+                    <a:clrFrom>
+                      <a:srgbClr val="FFFFFF"/>
+                    </a:clrFrom>
+                    <a:clrTo>
+                      <a:srgbClr val="FFFFFF">
+                        <a:alpha val="0"/>
+                      </a:srgbClr>
+                    </a:clrTo>
+                  </a:clrChange>
+                  <a:duotone>
+                    <a:prstClr val="black"/>
+                    <a:srgbClr val="70AD47">
+                      <a:tint val="45000"/>
+                      <a:satMod val="400000"/>
+                    </a:srgbClr>
+                  </a:duotone>
+                  <a:extLst>
+                    <a:ext uri="{28A0092B-C50C-407E-A947-70E740481C1C}">
+                      <a14:useLocalDpi xmlns:a14="http://schemas.microsoft.com/office/drawing/2010/main" val="0"/>
+                    </a:ext>
+                  </a:extLst>
+                </a:blip>
+                <a:stretch>
+                  <a:fillRect/>
+                </a:stretch>
+              </p:blipFill>
+              <p:spPr>
+                <a:xfrm>
+                  <a:off x="5420699" y="1335912"/>
+                  <a:ext cx="210141" cy="444686"/>
+                </a:xfrm>
+                <a:prstGeom prst="rect">
+                  <a:avLst/>
+                </a:prstGeom>
+              </p:spPr>
+            </p:pic>
+            <p:pic>
+              <p:nvPicPr>
+                <p:cNvPr id="271" name="Image 270"/>
+                <p:cNvPicPr>
+                  <a:picLocks noChangeAspect="1"/>
+                </p:cNvPicPr>
+                <p:nvPr/>
+              </p:nvPicPr>
+              <p:blipFill>
+                <a:blip r:embed="rId2" cstate="print">
+                  <a:duotone>
+                    <a:prstClr val="black"/>
+                    <a:schemeClr val="accent2">
+                      <a:tint val="45000"/>
+                      <a:satMod val="400000"/>
+                    </a:schemeClr>
+                  </a:duotone>
+                  <a:clrChange>
+                    <a:clrFrom>
+                      <a:srgbClr val="FFFFFF"/>
+                    </a:clrFrom>
+                    <a:clrTo>
+                      <a:srgbClr val="FFFFFF">
+                        <a:alpha val="0"/>
+                      </a:srgbClr>
+                    </a:clrTo>
+                  </a:clrChange>
+                  <a:extLst>
+                    <a:ext uri="{28A0092B-C50C-407E-A947-70E740481C1C}">
+                      <a14:useLocalDpi xmlns:a14="http://schemas.microsoft.com/office/drawing/2010/main" val="0"/>
+                    </a:ext>
+                  </a:extLst>
+                </a:blip>
+                <a:stretch>
+                  <a:fillRect/>
+                </a:stretch>
+              </p:blipFill>
+              <p:spPr>
+                <a:xfrm>
+                  <a:off x="5765270" y="1198090"/>
+                  <a:ext cx="210141" cy="444686"/>
+                </a:xfrm>
+                <a:prstGeom prst="rect">
+                  <a:avLst/>
+                </a:prstGeom>
+              </p:spPr>
+            </p:pic>
+            <p:pic>
+              <p:nvPicPr>
+                <p:cNvPr id="272" name="Image 271"/>
+                <p:cNvPicPr>
+                  <a:picLocks noChangeAspect="1"/>
+                </p:cNvPicPr>
+                <p:nvPr/>
+              </p:nvPicPr>
+              <p:blipFill>
+                <a:blip r:embed="rId2" cstate="print">
+                  <a:clrChange>
+                    <a:clrFrom>
+                      <a:srgbClr val="FFFFFF"/>
+                    </a:clrFrom>
+                    <a:clrTo>
+                      <a:srgbClr val="FFFFFF">
+                        <a:alpha val="0"/>
+                      </a:srgbClr>
+                    </a:clrTo>
+                  </a:clrChange>
+                  <a:duotone>
+                    <a:prstClr val="black"/>
+                    <a:srgbClr val="4472C4">
+                      <a:tint val="45000"/>
+                      <a:satMod val="400000"/>
+                    </a:srgbClr>
+                  </a:duotone>
+                  <a:extLst>
+                    <a:ext uri="{28A0092B-C50C-407E-A947-70E740481C1C}">
+                      <a14:useLocalDpi xmlns:a14="http://schemas.microsoft.com/office/drawing/2010/main" val="0"/>
+                    </a:ext>
+                  </a:extLst>
+                </a:blip>
+                <a:stretch>
+                  <a:fillRect/>
+                </a:stretch>
+              </p:blipFill>
+              <p:spPr>
+                <a:xfrm>
+                  <a:off x="5332889" y="1543526"/>
+                  <a:ext cx="210141" cy="444686"/>
+                </a:xfrm>
+                <a:prstGeom prst="rect">
+                  <a:avLst/>
+                </a:prstGeom>
+              </p:spPr>
+            </p:pic>
+            <p:pic>
+              <p:nvPicPr>
+                <p:cNvPr id="274" name="Image 273"/>
+                <p:cNvPicPr>
+                  <a:picLocks noChangeAspect="1"/>
+                </p:cNvPicPr>
+                <p:nvPr/>
+              </p:nvPicPr>
+              <p:blipFill>
+                <a:blip r:embed="rId2" cstate="print">
+                  <a:clrChange>
+                    <a:clrFrom>
+                      <a:srgbClr val="FFFFFF"/>
+                    </a:clrFrom>
+                    <a:clrTo>
+                      <a:srgbClr val="FFFFFF">
+                        <a:alpha val="0"/>
+                      </a:srgbClr>
+                    </a:clrTo>
+                  </a:clrChange>
+                  <a:duotone>
+                    <a:prstClr val="black"/>
+                    <a:schemeClr val="accent2">
+                      <a:tint val="45000"/>
+                      <a:satMod val="400000"/>
+                    </a:schemeClr>
+                  </a:duotone>
+                  <a:extLst>
+                    <a:ext uri="{28A0092B-C50C-407E-A947-70E740481C1C}">
+                      <a14:useLocalDpi xmlns:a14="http://schemas.microsoft.com/office/drawing/2010/main" val="0"/>
+                    </a:ext>
+                  </a:extLst>
+                </a:blip>
+                <a:stretch>
+                  <a:fillRect/>
+                </a:stretch>
+              </p:blipFill>
+              <p:spPr>
+                <a:xfrm>
+                  <a:off x="5366169" y="2121694"/>
+                  <a:ext cx="210141" cy="444686"/>
+                </a:xfrm>
+                <a:prstGeom prst="rect">
+                  <a:avLst/>
+                </a:prstGeom>
+              </p:spPr>
+            </p:pic>
+            <p:pic>
+              <p:nvPicPr>
+                <p:cNvPr id="275" name="Image 274"/>
+                <p:cNvPicPr>
+                  <a:picLocks noChangeAspect="1"/>
+                </p:cNvPicPr>
+                <p:nvPr/>
+              </p:nvPicPr>
+              <p:blipFill>
+                <a:blip r:embed="rId2" cstate="print">
+                  <a:clrChange>
+                    <a:clrFrom>
+                      <a:srgbClr val="FFFFFF"/>
+                    </a:clrFrom>
+                    <a:clrTo>
+                      <a:srgbClr val="FFFFFF">
+                        <a:alpha val="0"/>
+                      </a:srgbClr>
+                    </a:clrTo>
+                  </a:clrChange>
+                  <a:duotone>
+                    <a:prstClr val="black"/>
+                    <a:schemeClr val="accent2">
+                      <a:tint val="45000"/>
+                      <a:satMod val="400000"/>
+                    </a:schemeClr>
+                  </a:duotone>
+                  <a:extLst>
+                    <a:ext uri="{28A0092B-C50C-407E-A947-70E740481C1C}">
+                      <a14:useLocalDpi xmlns:a14="http://schemas.microsoft.com/office/drawing/2010/main" val="0"/>
+                    </a:ext>
+                  </a:extLst>
+                </a:blip>
+                <a:stretch>
+                  <a:fillRect/>
+                </a:stretch>
+              </p:blipFill>
+              <p:spPr>
+                <a:xfrm>
+                  <a:off x="5190504" y="2359483"/>
+                  <a:ext cx="210141" cy="444686"/>
+                </a:xfrm>
+                <a:prstGeom prst="rect">
+                  <a:avLst/>
+                </a:prstGeom>
+              </p:spPr>
+            </p:pic>
+            <p:pic>
+              <p:nvPicPr>
+                <p:cNvPr id="276" name="Image 275"/>
+                <p:cNvPicPr>
+                  <a:picLocks noChangeAspect="1"/>
+                </p:cNvPicPr>
+                <p:nvPr/>
+              </p:nvPicPr>
+              <p:blipFill>
+                <a:blip r:embed="rId2" cstate="print">
+                  <a:clrChange>
+                    <a:clrFrom>
+                      <a:srgbClr val="FFFFFF"/>
+                    </a:clrFrom>
+                    <a:clrTo>
+                      <a:srgbClr val="FFFFFF">
+                        <a:alpha val="0"/>
+                      </a:srgbClr>
+                    </a:clrTo>
+                  </a:clrChange>
+                  <a:duotone>
+                    <a:prstClr val="black"/>
+                    <a:srgbClr val="4472C4">
+                      <a:tint val="45000"/>
+                      <a:satMod val="400000"/>
+                    </a:srgbClr>
+                  </a:duotone>
+                  <a:extLst>
+                    <a:ext uri="{28A0092B-C50C-407E-A947-70E740481C1C}">
+                      <a14:useLocalDpi xmlns:a14="http://schemas.microsoft.com/office/drawing/2010/main" val="0"/>
+                    </a:ext>
+                  </a:extLst>
+                </a:blip>
+                <a:stretch>
+                  <a:fillRect/>
+                </a:stretch>
+              </p:blipFill>
+              <p:spPr>
+                <a:xfrm>
+                  <a:off x="5975411" y="1013780"/>
+                  <a:ext cx="210141" cy="444686"/>
+                </a:xfrm>
+                <a:prstGeom prst="rect">
+                  <a:avLst/>
+                </a:prstGeom>
+              </p:spPr>
+            </p:pic>
+            <p:pic>
+              <p:nvPicPr>
+                <p:cNvPr id="277" name="Image 276"/>
+                <p:cNvPicPr>
+                  <a:picLocks noChangeAspect="1"/>
+                </p:cNvPicPr>
+                <p:nvPr/>
+              </p:nvPicPr>
+              <p:blipFill>
+                <a:blip r:embed="rId2" cstate="print">
+                  <a:clrChange>
+                    <a:clrFrom>
+                      <a:srgbClr val="FFFFFF"/>
+                    </a:clrFrom>
+                    <a:clrTo>
+                      <a:srgbClr val="FFFFFF">
+                        <a:alpha val="0"/>
+                      </a:srgbClr>
+                    </a:clrTo>
+                  </a:clrChange>
+                  <a:duotone>
+                    <a:prstClr val="black"/>
+                    <a:schemeClr val="accent2">
+                      <a:tint val="45000"/>
+                      <a:satMod val="400000"/>
+                    </a:schemeClr>
+                  </a:duotone>
+                  <a:extLst>
+                    <a:ext uri="{28A0092B-C50C-407E-A947-70E740481C1C}">
+                      <a14:useLocalDpi xmlns:a14="http://schemas.microsoft.com/office/drawing/2010/main" val="0"/>
+                    </a:ext>
+                  </a:extLst>
+                </a:blip>
+                <a:stretch>
+                  <a:fillRect/>
+                </a:stretch>
+              </p:blipFill>
+              <p:spPr>
+                <a:xfrm>
+                  <a:off x="4433988" y="2304816"/>
+                  <a:ext cx="210141" cy="444686"/>
+                </a:xfrm>
+                <a:prstGeom prst="rect">
+                  <a:avLst/>
+                </a:prstGeom>
+              </p:spPr>
+            </p:pic>
+            <p:pic>
+              <p:nvPicPr>
+                <p:cNvPr id="278" name="Image 277"/>
+                <p:cNvPicPr>
+                  <a:picLocks noChangeAspect="1"/>
+                </p:cNvPicPr>
+                <p:nvPr/>
+              </p:nvPicPr>
+              <p:blipFill>
+                <a:blip r:embed="rId2" cstate="print">
+                  <a:clrChange>
+                    <a:clrFrom>
+                      <a:srgbClr val="FFFFFF"/>
+                    </a:clrFrom>
+                    <a:clrTo>
+                      <a:srgbClr val="FFFFFF">
+                        <a:alpha val="0"/>
+                      </a:srgbClr>
+                    </a:clrTo>
+                  </a:clrChange>
+                  <a:duotone>
+                    <a:prstClr val="black"/>
+                    <a:srgbClr val="70AD47">
+                      <a:tint val="45000"/>
+                      <a:satMod val="400000"/>
+                    </a:srgbClr>
+                  </a:duotone>
+                  <a:extLst>
+                    <a:ext uri="{28A0092B-C50C-407E-A947-70E740481C1C}">
+                      <a14:useLocalDpi xmlns:a14="http://schemas.microsoft.com/office/drawing/2010/main" val="0"/>
+                    </a:ext>
+                  </a:extLst>
+                </a:blip>
+                <a:stretch>
+                  <a:fillRect/>
+                </a:stretch>
+              </p:blipFill>
+              <p:spPr>
+                <a:xfrm>
+                  <a:off x="5173372" y="1250486"/>
+                  <a:ext cx="210141" cy="444686"/>
+                </a:xfrm>
+                <a:prstGeom prst="rect">
+                  <a:avLst/>
+                </a:prstGeom>
+              </p:spPr>
+            </p:pic>
+            <p:pic>
+              <p:nvPicPr>
+                <p:cNvPr id="280" name="Image 279"/>
+                <p:cNvPicPr>
+                  <a:picLocks noChangeAspect="1"/>
+                </p:cNvPicPr>
+                <p:nvPr/>
+              </p:nvPicPr>
+              <p:blipFill>
+                <a:blip r:embed="rId2" cstate="print">
+                  <a:clrChange>
+                    <a:clrFrom>
+                      <a:srgbClr val="FFFFFF"/>
+                    </a:clrFrom>
+                    <a:clrTo>
+                      <a:srgbClr val="FFFFFF">
+                        <a:alpha val="0"/>
+                      </a:srgbClr>
+                    </a:clrTo>
+                  </a:clrChange>
+                  <a:duotone>
+                    <a:prstClr val="black"/>
+                    <a:schemeClr val="accent2">
+                      <a:tint val="45000"/>
+                      <a:satMod val="400000"/>
+                    </a:schemeClr>
+                  </a:duotone>
+                  <a:extLst>
+                    <a:ext uri="{28A0092B-C50C-407E-A947-70E740481C1C}">
+                      <a14:useLocalDpi xmlns:a14="http://schemas.microsoft.com/office/drawing/2010/main" val="0"/>
+                    </a:ext>
+                  </a:extLst>
+                </a:blip>
+                <a:stretch>
+                  <a:fillRect/>
+                </a:stretch>
+              </p:blipFill>
+              <p:spPr>
+                <a:xfrm>
+                  <a:off x="5313979" y="1045444"/>
+                  <a:ext cx="210141" cy="444686"/>
+                </a:xfrm>
+                <a:prstGeom prst="rect">
+                  <a:avLst/>
+                </a:prstGeom>
+              </p:spPr>
+            </p:pic>
+            <p:pic>
+              <p:nvPicPr>
+                <p:cNvPr id="282" name="Image 281"/>
+                <p:cNvPicPr>
+                  <a:picLocks noChangeAspect="1"/>
+                </p:cNvPicPr>
+                <p:nvPr/>
+              </p:nvPicPr>
+              <p:blipFill>
+                <a:blip r:embed="rId2" cstate="print">
+                  <a:clrChange>
+                    <a:clrFrom>
+                      <a:srgbClr val="FFFFFF"/>
+                    </a:clrFrom>
+                    <a:clrTo>
+                      <a:srgbClr val="FFFFFF">
+                        <a:alpha val="0"/>
+                      </a:srgbClr>
+                    </a:clrTo>
+                  </a:clrChange>
+                  <a:duotone>
+                    <a:prstClr val="black"/>
+                    <a:srgbClr val="4472C4">
+                      <a:tint val="45000"/>
+                      <a:satMod val="400000"/>
+                    </a:srgbClr>
+                  </a:duotone>
+                  <a:extLst>
+                    <a:ext uri="{28A0092B-C50C-407E-A947-70E740481C1C}">
+                      <a14:useLocalDpi xmlns:a14="http://schemas.microsoft.com/office/drawing/2010/main" val="0"/>
+                    </a:ext>
+                  </a:extLst>
+                </a:blip>
+                <a:stretch>
+                  <a:fillRect/>
+                </a:stretch>
+              </p:blipFill>
+              <p:spPr>
+                <a:xfrm>
+                  <a:off x="6018326" y="2269439"/>
+                  <a:ext cx="210141" cy="444686"/>
+                </a:xfrm>
+                <a:prstGeom prst="rect">
+                  <a:avLst/>
+                </a:prstGeom>
+              </p:spPr>
+            </p:pic>
+            <p:pic>
+              <p:nvPicPr>
+                <p:cNvPr id="283" name="Image 282"/>
+                <p:cNvPicPr>
+                  <a:picLocks noChangeAspect="1"/>
+                </p:cNvPicPr>
+                <p:nvPr/>
+              </p:nvPicPr>
+              <p:blipFill>
+                <a:blip r:embed="rId2" cstate="print">
+                  <a:clrChange>
+                    <a:clrFrom>
+                      <a:srgbClr val="FFFFFF"/>
+                    </a:clrFrom>
+                    <a:clrTo>
+                      <a:srgbClr val="FFFFFF">
+                        <a:alpha val="0"/>
+                      </a:srgbClr>
+                    </a:clrTo>
+                  </a:clrChange>
+                  <a:duotone>
+                    <a:prstClr val="black"/>
+                    <a:srgbClr val="4472C4">
+                      <a:tint val="45000"/>
+                      <a:satMod val="400000"/>
+                    </a:srgbClr>
+                  </a:duotone>
+                  <a:extLst>
+                    <a:ext uri="{28A0092B-C50C-407E-A947-70E740481C1C}">
+                      <a14:useLocalDpi xmlns:a14="http://schemas.microsoft.com/office/drawing/2010/main" val="0"/>
+                    </a:ext>
+                  </a:extLst>
+                </a:blip>
+                <a:stretch>
+                  <a:fillRect/>
+                </a:stretch>
+              </p:blipFill>
+              <p:spPr>
+                <a:xfrm>
+                  <a:off x="5008193" y="2162652"/>
+                  <a:ext cx="210141" cy="444686"/>
+                </a:xfrm>
+                <a:prstGeom prst="rect">
+                  <a:avLst/>
+                </a:prstGeom>
+              </p:spPr>
+            </p:pic>
+            <p:pic>
+              <p:nvPicPr>
+                <p:cNvPr id="284" name="Image 283"/>
+                <p:cNvPicPr>
+                  <a:picLocks noChangeAspect="1"/>
+                </p:cNvPicPr>
+                <p:nvPr/>
+              </p:nvPicPr>
+              <p:blipFill>
+                <a:blip r:embed="rId2" cstate="print">
+                  <a:clrChange>
+                    <a:clrFrom>
+                      <a:srgbClr val="FFFFFF"/>
+                    </a:clrFrom>
+                    <a:clrTo>
+                      <a:srgbClr val="FFFFFF">
+                        <a:alpha val="0"/>
+                      </a:srgbClr>
+                    </a:clrTo>
+                  </a:clrChange>
+                  <a:extLst>
+                    <a:ext uri="{28A0092B-C50C-407E-A947-70E740481C1C}">
+                      <a14:useLocalDpi xmlns:a14="http://schemas.microsoft.com/office/drawing/2010/main" val="0"/>
+                    </a:ext>
+                  </a:extLst>
+                </a:blip>
+                <a:stretch>
+                  <a:fillRect/>
+                </a:stretch>
+              </p:blipFill>
+              <p:spPr>
+                <a:xfrm>
+                  <a:off x="4639575" y="1997142"/>
+                  <a:ext cx="210141" cy="444686"/>
+                </a:xfrm>
+                <a:prstGeom prst="rect">
+                  <a:avLst/>
+                </a:prstGeom>
+              </p:spPr>
+            </p:pic>
+            <p:pic>
+              <p:nvPicPr>
+                <p:cNvPr id="285" name="Image 284"/>
+                <p:cNvPicPr>
+                  <a:picLocks noChangeAspect="1"/>
+                </p:cNvPicPr>
+                <p:nvPr/>
+              </p:nvPicPr>
+              <p:blipFill>
+                <a:blip r:embed="rId2" cstate="print">
+                  <a:clrChange>
+                    <a:clrFrom>
+                      <a:srgbClr val="FFFFFF"/>
+                    </a:clrFrom>
+                    <a:clrTo>
+                      <a:srgbClr val="FFFFFF">
+                        <a:alpha val="0"/>
+                      </a:srgbClr>
+                    </a:clrTo>
+                  </a:clrChange>
+                  <a:extLst>
+                    <a:ext uri="{28A0092B-C50C-407E-A947-70E740481C1C}">
+                      <a14:useLocalDpi xmlns:a14="http://schemas.microsoft.com/office/drawing/2010/main" val="0"/>
+                    </a:ext>
+                  </a:extLst>
+                </a:blip>
+                <a:stretch>
+                  <a:fillRect/>
+                </a:stretch>
+              </p:blipFill>
+              <p:spPr>
+                <a:xfrm>
+                  <a:off x="5689481" y="2383287"/>
+                  <a:ext cx="210141" cy="444686"/>
+                </a:xfrm>
+                <a:prstGeom prst="rect">
+                  <a:avLst/>
+                </a:prstGeom>
+              </p:spPr>
+            </p:pic>
+            <p:pic>
+              <p:nvPicPr>
+                <p:cNvPr id="288" name="Image 287"/>
+                <p:cNvPicPr>
+                  <a:picLocks noChangeAspect="1"/>
+                </p:cNvPicPr>
+                <p:nvPr/>
+              </p:nvPicPr>
+              <p:blipFill>
+                <a:blip r:embed="rId2" cstate="print">
+                  <a:clrChange>
+                    <a:clrFrom>
+                      <a:srgbClr val="FFFFFF"/>
+                    </a:clrFrom>
+                    <a:clrTo>
+                      <a:srgbClr val="FFFFFF">
+                        <a:alpha val="0"/>
+                      </a:srgbClr>
+                    </a:clrTo>
+                  </a:clrChange>
+                  <a:extLst>
+                    <a:ext uri="{28A0092B-C50C-407E-A947-70E740481C1C}">
+                      <a14:useLocalDpi xmlns:a14="http://schemas.microsoft.com/office/drawing/2010/main" val="0"/>
+                    </a:ext>
+                  </a:extLst>
+                </a:blip>
+                <a:stretch>
+                  <a:fillRect/>
+                </a:stretch>
+              </p:blipFill>
+              <p:spPr>
+                <a:xfrm>
+                  <a:off x="4659638" y="2332869"/>
+                  <a:ext cx="210141" cy="444686"/>
+                </a:xfrm>
+                <a:prstGeom prst="rect">
+                  <a:avLst/>
+                </a:prstGeom>
+              </p:spPr>
+            </p:pic>
+            <p:pic>
+              <p:nvPicPr>
+                <p:cNvPr id="289" name="Image 288"/>
+                <p:cNvPicPr>
+                  <a:picLocks noChangeAspect="1"/>
+                </p:cNvPicPr>
+                <p:nvPr/>
+              </p:nvPicPr>
+              <p:blipFill>
+                <a:blip r:embed="rId2" cstate="print">
+                  <a:clrChange>
+                    <a:clrFrom>
+                      <a:srgbClr val="FFFFFF"/>
+                    </a:clrFrom>
+                    <a:clrTo>
+                      <a:srgbClr val="FFFFFF">
+                        <a:alpha val="0"/>
+                      </a:srgbClr>
+                    </a:clrTo>
+                  </a:clrChange>
+                  <a:extLst>
+                    <a:ext uri="{28A0092B-C50C-407E-A947-70E740481C1C}">
+                      <a14:useLocalDpi xmlns:a14="http://schemas.microsoft.com/office/drawing/2010/main" val="0"/>
+                    </a:ext>
+                  </a:extLst>
+                </a:blip>
+                <a:stretch>
+                  <a:fillRect/>
+                </a:stretch>
+              </p:blipFill>
+              <p:spPr>
+                <a:xfrm>
+                  <a:off x="5992765" y="1324542"/>
+                  <a:ext cx="210141" cy="444686"/>
+                </a:xfrm>
+                <a:prstGeom prst="rect">
+                  <a:avLst/>
+                </a:prstGeom>
+              </p:spPr>
+            </p:pic>
+            <p:pic>
+              <p:nvPicPr>
+                <p:cNvPr id="290" name="Image 289"/>
+                <p:cNvPicPr>
+                  <a:picLocks noChangeAspect="1"/>
+                </p:cNvPicPr>
+                <p:nvPr/>
+              </p:nvPicPr>
+              <p:blipFill>
+                <a:blip r:embed="rId2" cstate="print">
+                  <a:duotone>
+                    <a:prstClr val="black"/>
+                    <a:srgbClr val="4472C4">
+                      <a:tint val="45000"/>
+                      <a:satMod val="400000"/>
+                    </a:srgbClr>
+                  </a:duotone>
+                  <a:clrChange>
+                    <a:clrFrom>
+                      <a:srgbClr val="FFFFFF"/>
+                    </a:clrFrom>
+                    <a:clrTo>
+                      <a:srgbClr val="FFFFFF">
+                        <a:alpha val="0"/>
+                      </a:srgbClr>
+                    </a:clrTo>
+                  </a:clrChange>
+                  <a:extLst>
+                    <a:ext uri="{28A0092B-C50C-407E-A947-70E740481C1C}">
+                      <a14:useLocalDpi xmlns:a14="http://schemas.microsoft.com/office/drawing/2010/main" val="0"/>
+                    </a:ext>
+                  </a:extLst>
+                </a:blip>
+                <a:stretch>
+                  <a:fillRect/>
+                </a:stretch>
+              </p:blipFill>
+              <p:spPr>
+                <a:xfrm>
+                  <a:off x="4264918" y="2098792"/>
+                  <a:ext cx="210141" cy="444686"/>
+                </a:xfrm>
+                <a:prstGeom prst="rect">
+                  <a:avLst/>
+                </a:prstGeom>
+              </p:spPr>
+            </p:pic>
+          </p:grpSp>
+        </p:grpSp>
+        <p:sp>
+          <p:nvSpPr>
+            <p:cNvPr id="291" name="Flèche droite 290"/>
+            <p:cNvSpPr/>
+            <p:nvPr/>
+          </p:nvSpPr>
+          <p:spPr>
+            <a:xfrm>
+              <a:off x="3046689" y="3176999"/>
+              <a:ext cx="737372" cy="141121"/>
+            </a:xfrm>
+            <a:prstGeom prst="rightArrow">
+              <a:avLst/>
+            </a:prstGeom>
+            <a:solidFill>
+              <a:sysClr val="window" lastClr="FFFFFF">
+                <a:lumMod val="65000"/>
+              </a:sysClr>
+            </a:solidFill>
+            <a:ln w="12700" cap="flat" cmpd="sng" algn="ctr">
+              <a:noFill/>
+              <a:prstDash val="solid"/>
+              <a:miter lim="800000"/>
+            </a:ln>
+            <a:effectLst/>
+          </p:spPr>
+          <p:txBody>
+            <a:bodyPr rtlCol="0" anchor="ctr"/>
+            <a:lstStyle/>
+            <a:p>
+              <a:pPr marL="0" marR="0" lvl="0" indent="0" algn="ctr" defTabSz="914400" eaLnBrk="1" fontAlgn="auto" latinLnBrk="0" hangingPunct="1">
+                <a:lnSpc>
+                  <a:spcPct val="100000"/>
+                </a:lnSpc>
+                <a:spcBef>
+                  <a:spcPts val="0"/>
+                </a:spcBef>
+                <a:spcAft>
+                  <a:spcPts val="0"/>
+                </a:spcAft>
+                <a:buClrTx/>
+                <a:buSzTx/>
+                <a:buFontTx/>
+                <a:buNone/>
+                <a:tabLst/>
+                <a:defRPr/>
+              </a:pPr>
+              <a:endParaRPr kumimoji="0" lang="fr-FR" sz="2400" b="0" i="0" u="none" strike="noStrike" kern="0" cap="none" spc="0" normalizeH="0" baseline="0" noProof="0" smtClean="0">
+                <a:ln>
+                  <a:noFill/>
+                </a:ln>
+                <a:solidFill>
+                  <a:prstClr val="white"/>
+                </a:solidFill>
+                <a:effectLst/>
+                <a:uLnTx/>
+                <a:uFillTx/>
+                <a:latin typeface="Calibri" panose="020F0502020204030204"/>
+                <a:ea typeface="+mn-ea"/>
+                <a:cs typeface="+mn-cs"/>
+              </a:endParaRPr>
+            </a:p>
+          </p:txBody>
+        </p:sp>
+        <p:sp>
+          <p:nvSpPr>
+            <p:cNvPr id="292" name="Rectangle 291"/>
+            <p:cNvSpPr/>
+            <p:nvPr/>
+          </p:nvSpPr>
+          <p:spPr>
+            <a:xfrm>
+              <a:off x="3019461" y="3293108"/>
+              <a:ext cx="844918" cy="273889"/>
+            </a:xfrm>
+            <a:prstGeom prst="rect">
+              <a:avLst/>
+            </a:prstGeom>
+          </p:spPr>
+          <p:txBody>
+            <a:bodyPr wrap="square">
+              <a:spAutoFit/>
+            </a:bodyPr>
+            <a:lstStyle/>
+            <a:p>
+              <a:r>
+                <a:rPr lang="fr-FR" dirty="0" smtClean="0">
+                  <a:solidFill>
+                    <a:prstClr val="white">
+                      <a:lumMod val="50000"/>
+                    </a:prstClr>
+                  </a:solidFill>
+                  <a:latin typeface="Times" panose="02020603050405020304" pitchFamily="18" charset="0"/>
+                  <a:cs typeface="Times" panose="02020603050405020304" pitchFamily="18" charset="0"/>
+                </a:rPr>
+                <a:t>Aléatoire</a:t>
+              </a:r>
+              <a:endParaRPr lang="en-US" dirty="0">
+                <a:solidFill>
+                  <a:prstClr val="white">
+                    <a:lumMod val="50000"/>
+                  </a:prstClr>
+                </a:solidFill>
+                <a:latin typeface="Times" panose="02020603050405020304" pitchFamily="18" charset="0"/>
+                <a:cs typeface="Times" panose="02020603050405020304" pitchFamily="18" charset="0"/>
+              </a:endParaRPr>
+            </a:p>
+          </p:txBody>
+        </p:sp>
+        <p:grpSp>
+          <p:nvGrpSpPr>
+            <p:cNvPr id="294" name="Groupe 293"/>
+            <p:cNvGrpSpPr/>
+            <p:nvPr/>
+          </p:nvGrpSpPr>
+          <p:grpSpPr>
+            <a:xfrm>
+              <a:off x="4770963" y="2849368"/>
+              <a:ext cx="2033272" cy="981466"/>
+              <a:chOff x="4770963" y="2849368"/>
+              <a:chExt cx="2033272" cy="981466"/>
+            </a:xfrm>
+          </p:grpSpPr>
+          <p:pic>
+            <p:nvPicPr>
+              <p:cNvPr id="295" name="Image 294"/>
+              <p:cNvPicPr>
+                <a:picLocks noChangeAspect="1"/>
+              </p:cNvPicPr>
+              <p:nvPr/>
+            </p:nvPicPr>
+            <p:blipFill>
+              <a:blip r:embed="rId2" cstate="print">
+                <a:clrChange>
+                  <a:clrFrom>
+                    <a:srgbClr val="FFFFFF"/>
+                  </a:clrFrom>
+                  <a:clrTo>
+                    <a:srgbClr val="FFFFFF">
+                      <a:alpha val="0"/>
+                    </a:srgbClr>
+                  </a:clrTo>
+                </a:clrChange>
+                <a:extLst>
+                  <a:ext uri="{28A0092B-C50C-407E-A947-70E740481C1C}">
+                    <a14:useLocalDpi xmlns:a14="http://schemas.microsoft.com/office/drawing/2010/main" val="0"/>
+                  </a:ext>
+                </a:extLst>
+              </a:blip>
+              <a:stretch>
+                <a:fillRect/>
+              </a:stretch>
+            </p:blipFill>
+            <p:spPr>
+              <a:xfrm>
+                <a:off x="5720003" y="2860428"/>
+                <a:ext cx="210141" cy="444686"/>
+              </a:xfrm>
+              <a:prstGeom prst="rect">
+                <a:avLst/>
+              </a:prstGeom>
+            </p:spPr>
+          </p:pic>
+          <p:grpSp>
+            <p:nvGrpSpPr>
+              <p:cNvPr id="298" name="Groupe 297"/>
+              <p:cNvGrpSpPr/>
+              <p:nvPr/>
+            </p:nvGrpSpPr>
+            <p:grpSpPr>
+              <a:xfrm>
+                <a:off x="4770963" y="2849368"/>
+                <a:ext cx="2033272" cy="981466"/>
+                <a:chOff x="6551662" y="-1082918"/>
+                <a:chExt cx="2033272" cy="981466"/>
+              </a:xfrm>
+            </p:grpSpPr>
+            <p:pic>
+              <p:nvPicPr>
+                <p:cNvPr id="299" name="Image 298"/>
+                <p:cNvPicPr>
+                  <a:picLocks noChangeAspect="1"/>
+                </p:cNvPicPr>
+                <p:nvPr/>
+              </p:nvPicPr>
+              <p:blipFill>
+                <a:blip r:embed="rId2" cstate="print">
+                  <a:clrChange>
+                    <a:clrFrom>
+                      <a:srgbClr val="FFFFFF"/>
+                    </a:clrFrom>
+                    <a:clrTo>
+                      <a:srgbClr val="FFFFFF">
+                        <a:alpha val="0"/>
+                      </a:srgbClr>
+                    </a:clrTo>
+                  </a:clrChange>
+                  <a:duotone>
+                    <a:prstClr val="black"/>
+                    <a:srgbClr val="4472C4">
+                      <a:tint val="45000"/>
+                      <a:satMod val="400000"/>
+                    </a:srgbClr>
+                  </a:duotone>
+                  <a:extLst>
+                    <a:ext uri="{28A0092B-C50C-407E-A947-70E740481C1C}">
+                      <a14:useLocalDpi xmlns:a14="http://schemas.microsoft.com/office/drawing/2010/main" val="0"/>
+                    </a:ext>
+                  </a:extLst>
+                </a:blip>
+                <a:stretch>
+                  <a:fillRect/>
+                </a:stretch>
+              </p:blipFill>
+              <p:spPr>
+                <a:xfrm>
+                  <a:off x="7752806" y="-1071214"/>
+                  <a:ext cx="210141" cy="444686"/>
+                </a:xfrm>
+                <a:prstGeom prst="rect">
+                  <a:avLst/>
+                </a:prstGeom>
+              </p:spPr>
+            </p:pic>
+            <p:pic>
+              <p:nvPicPr>
+                <p:cNvPr id="300" name="Image 299"/>
+                <p:cNvPicPr>
+                  <a:picLocks noChangeAspect="1"/>
+                </p:cNvPicPr>
+                <p:nvPr/>
+              </p:nvPicPr>
+              <p:blipFill>
+                <a:blip r:embed="rId2" cstate="print">
+                  <a:clrChange>
+                    <a:clrFrom>
+                      <a:srgbClr val="FFFFFF"/>
+                    </a:clrFrom>
+                    <a:clrTo>
+                      <a:srgbClr val="FFFFFF">
+                        <a:alpha val="0"/>
+                      </a:srgbClr>
+                    </a:clrTo>
+                  </a:clrChange>
+                  <a:duotone>
+                    <a:prstClr val="black"/>
+                    <a:srgbClr val="70AD47">
+                      <a:tint val="45000"/>
+                      <a:satMod val="400000"/>
+                    </a:srgbClr>
+                  </a:duotone>
+                  <a:extLst>
+                    <a:ext uri="{28A0092B-C50C-407E-A947-70E740481C1C}">
+                      <a14:useLocalDpi xmlns:a14="http://schemas.microsoft.com/office/drawing/2010/main" val="0"/>
+                    </a:ext>
+                  </a:extLst>
+                </a:blip>
+                <a:stretch>
+                  <a:fillRect/>
+                </a:stretch>
+              </p:blipFill>
+              <p:spPr>
+                <a:xfrm>
+                  <a:off x="8374793" y="-1082918"/>
+                  <a:ext cx="210141" cy="444686"/>
+                </a:xfrm>
+                <a:prstGeom prst="rect">
+                  <a:avLst/>
+                </a:prstGeom>
+              </p:spPr>
+            </p:pic>
+            <p:pic>
+              <p:nvPicPr>
+                <p:cNvPr id="301" name="Image 300"/>
+                <p:cNvPicPr>
+                  <a:picLocks noChangeAspect="1"/>
+                </p:cNvPicPr>
+                <p:nvPr/>
+              </p:nvPicPr>
+              <p:blipFill>
+                <a:blip r:embed="rId2" cstate="print">
+                  <a:duotone>
+                    <a:prstClr val="black"/>
+                    <a:schemeClr val="accent2">
+                      <a:tint val="45000"/>
+                      <a:satMod val="400000"/>
+                    </a:schemeClr>
+                  </a:duotone>
+                  <a:clrChange>
+                    <a:clrFrom>
+                      <a:srgbClr val="FFFFFF"/>
+                    </a:clrFrom>
+                    <a:clrTo>
+                      <a:srgbClr val="FFFFFF">
+                        <a:alpha val="0"/>
+                      </a:srgbClr>
+                    </a:clrTo>
+                  </a:clrChange>
+                  <a:extLst>
+                    <a:ext uri="{28A0092B-C50C-407E-A947-70E740481C1C}">
+                      <a14:useLocalDpi xmlns:a14="http://schemas.microsoft.com/office/drawing/2010/main" val="0"/>
+                    </a:ext>
+                  </a:extLst>
+                </a:blip>
+                <a:stretch>
+                  <a:fillRect/>
+                </a:stretch>
+              </p:blipFill>
+              <p:spPr>
+                <a:xfrm>
+                  <a:off x="8024093" y="-550547"/>
+                  <a:ext cx="210141" cy="444686"/>
+                </a:xfrm>
+                <a:prstGeom prst="rect">
+                  <a:avLst/>
+                </a:prstGeom>
+              </p:spPr>
+            </p:pic>
+            <p:pic>
+              <p:nvPicPr>
+                <p:cNvPr id="302" name="Image 301"/>
+                <p:cNvPicPr>
+                  <a:picLocks noChangeAspect="1"/>
+                </p:cNvPicPr>
+                <p:nvPr/>
+              </p:nvPicPr>
+              <p:blipFill>
+                <a:blip r:embed="rId2" cstate="print">
+                  <a:duotone>
+                    <a:prstClr val="black"/>
+                    <a:schemeClr val="accent2">
+                      <a:tint val="45000"/>
+                      <a:satMod val="400000"/>
+                    </a:schemeClr>
+                  </a:duotone>
+                  <a:clrChange>
+                    <a:clrFrom>
+                      <a:srgbClr val="FFFFFF"/>
+                    </a:clrFrom>
+                    <a:clrTo>
+                      <a:srgbClr val="FFFFFF">
+                        <a:alpha val="0"/>
+                      </a:srgbClr>
+                    </a:clrTo>
+                  </a:clrChange>
+                  <a:extLst>
+                    <a:ext uri="{28A0092B-C50C-407E-A947-70E740481C1C}">
+                      <a14:useLocalDpi xmlns:a14="http://schemas.microsoft.com/office/drawing/2010/main" val="0"/>
+                    </a:ext>
+                  </a:extLst>
+                </a:blip>
+                <a:stretch>
+                  <a:fillRect/>
+                </a:stretch>
+              </p:blipFill>
+              <p:spPr>
+                <a:xfrm>
+                  <a:off x="6551662" y="-1071858"/>
+                  <a:ext cx="210141" cy="444686"/>
+                </a:xfrm>
+                <a:prstGeom prst="rect">
+                  <a:avLst/>
+                </a:prstGeom>
+              </p:spPr>
+            </p:pic>
+            <p:grpSp>
+              <p:nvGrpSpPr>
+                <p:cNvPr id="303" name="Groupe 302"/>
+                <p:cNvGrpSpPr/>
+                <p:nvPr/>
+              </p:nvGrpSpPr>
+              <p:grpSpPr>
+                <a:xfrm>
+                  <a:off x="6663198" y="-1082918"/>
+                  <a:ext cx="1856958" cy="981466"/>
+                  <a:chOff x="3925465" y="-979520"/>
+                  <a:chExt cx="1856958" cy="981466"/>
+                </a:xfrm>
+              </p:grpSpPr>
+              <p:pic>
+                <p:nvPicPr>
+                  <p:cNvPr id="304" name="Image 303"/>
+                  <p:cNvPicPr>
+                    <a:picLocks noChangeAspect="1"/>
+                  </p:cNvPicPr>
+                  <p:nvPr/>
+                </p:nvPicPr>
+                <p:blipFill>
+                  <a:blip r:embed="rId2" cstate="print">
+                    <a:duotone>
+                      <a:prstClr val="black"/>
+                      <a:schemeClr val="accent6">
+                        <a:tint val="45000"/>
+                        <a:satMod val="400000"/>
+                      </a:schemeClr>
+                    </a:duotone>
+                    <a:clrChange>
+                      <a:clrFrom>
+                        <a:srgbClr val="FFFFFF"/>
+                      </a:clrFrom>
+                      <a:clrTo>
+                        <a:srgbClr val="FFFFFF">
+                          <a:alpha val="0"/>
+                        </a:srgbClr>
+                      </a:clrTo>
+                    </a:clrChange>
+                    <a:extLst>
+                      <a:ext uri="{28A0092B-C50C-407E-A947-70E740481C1C}">
+                        <a14:useLocalDpi xmlns:a14="http://schemas.microsoft.com/office/drawing/2010/main" val="0"/>
+                      </a:ext>
+                    </a:extLst>
+                  </a:blip>
+                  <a:stretch>
+                    <a:fillRect/>
+                  </a:stretch>
+                </p:blipFill>
+                <p:spPr>
+                  <a:xfrm>
+                    <a:off x="5385041" y="-895256"/>
+                    <a:ext cx="210141" cy="424387"/>
+                  </a:xfrm>
+                  <a:prstGeom prst="rect">
+                    <a:avLst/>
+                  </a:prstGeom>
+                </p:spPr>
+              </p:pic>
+              <p:pic>
+                <p:nvPicPr>
+                  <p:cNvPr id="305" name="Image 304"/>
+                  <p:cNvPicPr>
+                    <a:picLocks noChangeAspect="1"/>
+                  </p:cNvPicPr>
+                  <p:nvPr/>
+                </p:nvPicPr>
+                <p:blipFill>
+                  <a:blip r:embed="rId2" cstate="print">
+                    <a:clrChange>
+                      <a:clrFrom>
+                        <a:srgbClr val="FFFFFF"/>
+                      </a:clrFrom>
+                      <a:clrTo>
+                        <a:srgbClr val="FFFFFF">
+                          <a:alpha val="0"/>
+                        </a:srgbClr>
+                      </a:clrTo>
+                    </a:clrChange>
+                    <a:duotone>
+                      <a:schemeClr val="accent5">
+                        <a:shade val="45000"/>
+                        <a:satMod val="135000"/>
+                      </a:schemeClr>
+                      <a:prstClr val="white"/>
+                    </a:duotone>
+                    <a:extLst>
+                      <a:ext uri="{28A0092B-C50C-407E-A947-70E740481C1C}">
+                        <a14:useLocalDpi xmlns:a14="http://schemas.microsoft.com/office/drawing/2010/main" val="0"/>
+                      </a:ext>
+                    </a:extLst>
+                  </a:blip>
+                  <a:stretch>
+                    <a:fillRect/>
+                  </a:stretch>
+                </p:blipFill>
+                <p:spPr>
+                  <a:xfrm>
+                    <a:off x="4630421" y="-452614"/>
+                    <a:ext cx="210141" cy="444686"/>
+                  </a:xfrm>
+                  <a:prstGeom prst="rect">
+                    <a:avLst/>
+                  </a:prstGeom>
+                </p:spPr>
+              </p:pic>
+              <p:pic>
+                <p:nvPicPr>
+                  <p:cNvPr id="308" name="Image 307"/>
+                  <p:cNvPicPr>
+                    <a:picLocks noChangeAspect="1"/>
+                  </p:cNvPicPr>
+                  <p:nvPr/>
+                </p:nvPicPr>
+                <p:blipFill>
+                  <a:blip r:embed="rId2" cstate="print">
+                    <a:clrChange>
+                      <a:clrFrom>
+                        <a:srgbClr val="FFFFFF"/>
+                      </a:clrFrom>
+                      <a:clrTo>
+                        <a:srgbClr val="FFFFFF">
+                          <a:alpha val="0"/>
+                        </a:srgbClr>
+                      </a:clrTo>
+                    </a:clrChange>
+                    <a:duotone>
+                      <a:prstClr val="black"/>
+                      <a:srgbClr val="70AD47">
+                        <a:tint val="45000"/>
+                        <a:satMod val="400000"/>
+                      </a:srgbClr>
+                    </a:duotone>
+                    <a:extLst>
+                      <a:ext uri="{28A0092B-C50C-407E-A947-70E740481C1C}">
+                        <a14:useLocalDpi xmlns:a14="http://schemas.microsoft.com/office/drawing/2010/main" val="0"/>
+                      </a:ext>
+                    </a:extLst>
+                  </a:blip>
+                  <a:stretch>
+                    <a:fillRect/>
+                  </a:stretch>
+                </p:blipFill>
+                <p:spPr>
+                  <a:xfrm>
+                    <a:off x="4378060" y="-507097"/>
+                    <a:ext cx="210141" cy="444686"/>
+                  </a:xfrm>
+                  <a:prstGeom prst="rect">
+                    <a:avLst/>
+                  </a:prstGeom>
+                </p:spPr>
+              </p:pic>
+              <p:pic>
+                <p:nvPicPr>
+                  <p:cNvPr id="310" name="Image 309"/>
+                  <p:cNvPicPr>
+                    <a:picLocks noChangeAspect="1"/>
+                  </p:cNvPicPr>
+                  <p:nvPr/>
+                </p:nvPicPr>
+                <p:blipFill>
+                  <a:blip r:embed="rId2" cstate="print">
+                    <a:clrChange>
+                      <a:clrFrom>
+                        <a:srgbClr val="FFFFFF"/>
+                      </a:clrFrom>
+                      <a:clrTo>
+                        <a:srgbClr val="FFFFFF">
+                          <a:alpha val="0"/>
+                        </a:srgbClr>
+                      </a:clrTo>
+                    </a:clrChange>
+                    <a:duotone>
+                      <a:schemeClr val="accent5">
+                        <a:shade val="45000"/>
+                        <a:satMod val="135000"/>
+                      </a:schemeClr>
+                      <a:prstClr val="white"/>
+                    </a:duotone>
+                    <a:extLst>
+                      <a:ext uri="{28A0092B-C50C-407E-A947-70E740481C1C}">
+                        <a14:useLocalDpi xmlns:a14="http://schemas.microsoft.com/office/drawing/2010/main" val="0"/>
+                      </a:ext>
+                    </a:extLst>
+                  </a:blip>
+                  <a:stretch>
+                    <a:fillRect/>
+                  </a:stretch>
+                </p:blipFill>
+                <p:spPr>
+                  <a:xfrm>
+                    <a:off x="3925465" y="-640659"/>
+                    <a:ext cx="210141" cy="444686"/>
+                  </a:xfrm>
+                  <a:prstGeom prst="rect">
+                    <a:avLst/>
+                  </a:prstGeom>
+                </p:spPr>
+              </p:pic>
+              <p:pic>
+                <p:nvPicPr>
+                  <p:cNvPr id="317" name="Image 316"/>
+                  <p:cNvPicPr>
+                    <a:picLocks noChangeAspect="1"/>
+                  </p:cNvPicPr>
+                  <p:nvPr/>
+                </p:nvPicPr>
+                <p:blipFill>
+                  <a:blip r:embed="rId2" cstate="print">
+                    <a:duotone>
+                      <a:prstClr val="black"/>
+                      <a:schemeClr val="accent6">
+                        <a:tint val="45000"/>
+                        <a:satMod val="400000"/>
+                      </a:schemeClr>
+                    </a:duotone>
+                    <a:clrChange>
+                      <a:clrFrom>
+                        <a:srgbClr val="FFFFFF"/>
+                      </a:clrFrom>
+                      <a:clrTo>
+                        <a:srgbClr val="FFFFFF">
+                          <a:alpha val="0"/>
+                        </a:srgbClr>
+                      </a:clrTo>
+                    </a:clrChange>
+                    <a:extLst>
+                      <a:ext uri="{28A0092B-C50C-407E-A947-70E740481C1C}">
+                        <a14:useLocalDpi xmlns:a14="http://schemas.microsoft.com/office/drawing/2010/main" val="0"/>
+                      </a:ext>
+                    </a:extLst>
+                  </a:blip>
+                  <a:stretch>
+                    <a:fillRect/>
+                  </a:stretch>
+                </p:blipFill>
+                <p:spPr>
+                  <a:xfrm>
+                    <a:off x="4550020" y="-979520"/>
+                    <a:ext cx="210141" cy="444686"/>
+                  </a:xfrm>
+                  <a:prstGeom prst="rect">
+                    <a:avLst/>
+                  </a:prstGeom>
+                </p:spPr>
+              </p:pic>
+              <p:pic>
+                <p:nvPicPr>
+                  <p:cNvPr id="319" name="Image 318"/>
+                  <p:cNvPicPr>
+                    <a:picLocks noChangeAspect="1"/>
+                  </p:cNvPicPr>
+                  <p:nvPr/>
+                </p:nvPicPr>
+                <p:blipFill>
+                  <a:blip r:embed="rId2" cstate="print">
+                    <a:clrChange>
+                      <a:clrFrom>
+                        <a:srgbClr val="FFFFFF"/>
+                      </a:clrFrom>
+                      <a:clrTo>
+                        <a:srgbClr val="FFFFFF">
+                          <a:alpha val="0"/>
+                        </a:srgbClr>
+                      </a:clrTo>
+                    </a:clrChange>
+                    <a:duotone>
+                      <a:prstClr val="black"/>
+                      <a:srgbClr val="4472C4">
+                        <a:tint val="45000"/>
+                        <a:satMod val="400000"/>
+                      </a:srgbClr>
+                    </a:duotone>
+                    <a:extLst>
+                      <a:ext uri="{28A0092B-C50C-407E-A947-70E740481C1C}">
+                        <a14:useLocalDpi xmlns:a14="http://schemas.microsoft.com/office/drawing/2010/main" val="0"/>
+                      </a:ext>
+                    </a:extLst>
+                  </a:blip>
+                  <a:stretch>
+                    <a:fillRect/>
+                  </a:stretch>
+                </p:blipFill>
+                <p:spPr>
+                  <a:xfrm>
+                    <a:off x="4240386" y="-977091"/>
+                    <a:ext cx="210141" cy="444686"/>
+                  </a:xfrm>
+                  <a:prstGeom prst="rect">
+                    <a:avLst/>
+                  </a:prstGeom>
+                </p:spPr>
+              </p:pic>
+              <p:pic>
+                <p:nvPicPr>
+                  <p:cNvPr id="320" name="Image 319"/>
+                  <p:cNvPicPr>
+                    <a:picLocks noChangeAspect="1"/>
+                  </p:cNvPicPr>
+                  <p:nvPr/>
+                </p:nvPicPr>
+                <p:blipFill>
+                  <a:blip r:embed="rId2" cstate="print">
+                    <a:duotone>
+                      <a:prstClr val="black"/>
+                      <a:schemeClr val="accent6">
+                        <a:tint val="45000"/>
+                        <a:satMod val="400000"/>
+                      </a:schemeClr>
+                    </a:duotone>
+                    <a:clrChange>
+                      <a:clrFrom>
+                        <a:srgbClr val="FFFFFF"/>
+                      </a:clrFrom>
+                      <a:clrTo>
+                        <a:srgbClr val="FFFFFF">
+                          <a:alpha val="0"/>
+                        </a:srgbClr>
+                      </a:clrTo>
+                    </a:clrChange>
+                    <a:extLst>
+                      <a:ext uri="{28A0092B-C50C-407E-A947-70E740481C1C}">
+                        <a14:useLocalDpi xmlns:a14="http://schemas.microsoft.com/office/drawing/2010/main" val="0"/>
+                      </a:ext>
+                    </a:extLst>
+                  </a:blip>
+                  <a:stretch>
+                    <a:fillRect/>
+                  </a:stretch>
+                </p:blipFill>
+                <p:spPr>
+                  <a:xfrm>
+                    <a:off x="5099119" y="-589573"/>
+                    <a:ext cx="210141" cy="444686"/>
+                  </a:xfrm>
+                  <a:prstGeom prst="rect">
+                    <a:avLst/>
+                  </a:prstGeom>
+                </p:spPr>
+              </p:pic>
+              <p:pic>
+                <p:nvPicPr>
+                  <p:cNvPr id="323" name="Image 322"/>
+                  <p:cNvPicPr>
+                    <a:picLocks noChangeAspect="1"/>
+                  </p:cNvPicPr>
+                  <p:nvPr/>
+                </p:nvPicPr>
+                <p:blipFill>
+                  <a:blip r:embed="rId2" cstate="print">
+                    <a:duotone>
+                      <a:prstClr val="black"/>
+                      <a:schemeClr val="accent2">
+                        <a:tint val="45000"/>
+                        <a:satMod val="400000"/>
+                      </a:schemeClr>
+                    </a:duotone>
+                    <a:clrChange>
+                      <a:clrFrom>
+                        <a:srgbClr val="FFFFFF"/>
+                      </a:clrFrom>
+                      <a:clrTo>
+                        <a:srgbClr val="FFFFFF">
+                          <a:alpha val="0"/>
+                        </a:srgbClr>
+                      </a:clrTo>
+                    </a:clrChange>
+                    <a:extLst>
+                      <a:ext uri="{28A0092B-C50C-407E-A947-70E740481C1C}">
+                        <a14:useLocalDpi xmlns:a14="http://schemas.microsoft.com/office/drawing/2010/main" val="0"/>
+                      </a:ext>
+                    </a:extLst>
+                  </a:blip>
+                  <a:stretch>
+                    <a:fillRect/>
+                  </a:stretch>
+                </p:blipFill>
+                <p:spPr>
+                  <a:xfrm>
+                    <a:off x="4798052" y="-723375"/>
+                    <a:ext cx="210141" cy="444686"/>
+                  </a:xfrm>
+                  <a:prstGeom prst="rect">
+                    <a:avLst/>
+                  </a:prstGeom>
+                </p:spPr>
+              </p:pic>
+              <p:pic>
+                <p:nvPicPr>
+                  <p:cNvPr id="326" name="Image 325"/>
+                  <p:cNvPicPr>
+                    <a:picLocks noChangeAspect="1"/>
+                  </p:cNvPicPr>
+                  <p:nvPr/>
+                </p:nvPicPr>
+                <p:blipFill>
+                  <a:blip r:embed="rId2" cstate="print">
+                    <a:clrChange>
+                      <a:clrFrom>
+                        <a:srgbClr val="FFFFFF"/>
+                      </a:clrFrom>
+                      <a:clrTo>
+                        <a:srgbClr val="FFFFFF">
+                          <a:alpha val="0"/>
+                        </a:srgbClr>
+                      </a:clrTo>
+                    </a:clrChange>
+                    <a:duotone>
+                      <a:prstClr val="black"/>
+                      <a:srgbClr val="4472C4">
+                        <a:tint val="45000"/>
+                        <a:satMod val="400000"/>
+                      </a:srgbClr>
+                    </a:duotone>
+                    <a:extLst>
+                      <a:ext uri="{28A0092B-C50C-407E-A947-70E740481C1C}">
+                        <a14:useLocalDpi xmlns:a14="http://schemas.microsoft.com/office/drawing/2010/main" val="0"/>
+                      </a:ext>
+                    </a:extLst>
+                  </a:blip>
+                  <a:stretch>
+                    <a:fillRect/>
+                  </a:stretch>
+                </p:blipFill>
+                <p:spPr>
+                  <a:xfrm>
+                    <a:off x="4904744" y="-469118"/>
+                    <a:ext cx="210141" cy="444686"/>
+                  </a:xfrm>
+                  <a:prstGeom prst="rect">
+                    <a:avLst/>
+                  </a:prstGeom>
+                </p:spPr>
+              </p:pic>
+              <p:pic>
+                <p:nvPicPr>
+                  <p:cNvPr id="327" name="Image 326"/>
+                  <p:cNvPicPr>
+                    <a:picLocks noChangeAspect="1"/>
+                  </p:cNvPicPr>
+                  <p:nvPr/>
+                </p:nvPicPr>
+                <p:blipFill>
+                  <a:blip r:embed="rId2" cstate="print">
+                    <a:clrChange>
+                      <a:clrFrom>
+                        <a:srgbClr val="FFFFFF"/>
+                      </a:clrFrom>
+                      <a:clrTo>
+                        <a:srgbClr val="FFFFFF">
+                          <a:alpha val="0"/>
+                        </a:srgbClr>
+                      </a:clrTo>
+                    </a:clrChange>
+                    <a:duotone>
+                      <a:prstClr val="black"/>
+                      <a:srgbClr val="FFC000">
+                        <a:tint val="45000"/>
+                        <a:satMod val="400000"/>
+                      </a:srgbClr>
+                    </a:duotone>
+                    <a:extLst>
+                      <a:ext uri="{28A0092B-C50C-407E-A947-70E740481C1C}">
+                        <a14:useLocalDpi xmlns:a14="http://schemas.microsoft.com/office/drawing/2010/main" val="0"/>
+                      </a:ext>
+                    </a:extLst>
+                  </a:blip>
+                  <a:stretch>
+                    <a:fillRect/>
+                  </a:stretch>
+                </p:blipFill>
+                <p:spPr>
+                  <a:xfrm>
+                    <a:off x="5572282" y="-533685"/>
+                    <a:ext cx="210141" cy="444686"/>
+                  </a:xfrm>
+                  <a:prstGeom prst="rect">
+                    <a:avLst/>
+                  </a:prstGeom>
+                </p:spPr>
+              </p:pic>
+              <p:pic>
+                <p:nvPicPr>
+                  <p:cNvPr id="329" name="Image 328"/>
+                  <p:cNvPicPr>
+                    <a:picLocks noChangeAspect="1"/>
+                  </p:cNvPicPr>
+                  <p:nvPr/>
+                </p:nvPicPr>
+                <p:blipFill>
+                  <a:blip r:embed="rId2" cstate="print">
+                    <a:clrChange>
+                      <a:clrFrom>
+                        <a:srgbClr val="FFFFFF"/>
+                      </a:clrFrom>
+                      <a:clrTo>
+                        <a:srgbClr val="FFFFFF">
+                          <a:alpha val="0"/>
+                        </a:srgbClr>
+                      </a:clrTo>
+                    </a:clrChange>
+                    <a:duotone>
+                      <a:prstClr val="black"/>
+                      <a:srgbClr val="FFC000">
+                        <a:tint val="45000"/>
+                        <a:satMod val="400000"/>
+                      </a:srgbClr>
+                    </a:duotone>
+                    <a:extLst>
+                      <a:ext uri="{28A0092B-C50C-407E-A947-70E740481C1C}">
+                        <a14:useLocalDpi xmlns:a14="http://schemas.microsoft.com/office/drawing/2010/main" val="0"/>
+                      </a:ext>
+                    </a:extLst>
+                  </a:blip>
+                  <a:stretch>
+                    <a:fillRect/>
+                  </a:stretch>
+                </p:blipFill>
+                <p:spPr>
+                  <a:xfrm>
+                    <a:off x="4118477" y="-442740"/>
+                    <a:ext cx="210141" cy="444686"/>
+                  </a:xfrm>
+                  <a:prstGeom prst="rect">
+                    <a:avLst/>
+                  </a:prstGeom>
+                </p:spPr>
+              </p:pic>
+            </p:grpSp>
+          </p:grpSp>
+        </p:grpSp>
+        <p:pic>
+          <p:nvPicPr>
+            <p:cNvPr id="331" name="Image 330"/>
+            <p:cNvPicPr>
+              <a:picLocks noChangeAspect="1"/>
+            </p:cNvPicPr>
+            <p:nvPr/>
+          </p:nvPicPr>
+          <p:blipFill>
+            <a:blip r:embed="rId2" cstate="print">
+              <a:clrChange>
+                <a:clrFrom>
+                  <a:srgbClr val="FFFFFF"/>
+                </a:clrFrom>
+                <a:clrTo>
+                  <a:srgbClr val="FFFFFF">
+                    <a:alpha val="0"/>
+                  </a:srgbClr>
+                </a:clrTo>
+              </a:clrChange>
+              <a:duotone>
+                <a:schemeClr val="accent5">
+                  <a:shade val="45000"/>
+                  <a:satMod val="135000"/>
+                </a:schemeClr>
+                <a:prstClr val="white"/>
+              </a:duotone>
+              <a:extLst>
+                <a:ext uri="{28A0092B-C50C-407E-A947-70E740481C1C}">
+                  <a14:useLocalDpi xmlns:a14="http://schemas.microsoft.com/office/drawing/2010/main" val="0"/>
+                </a:ext>
+              </a:extLst>
+            </a:blip>
+            <a:stretch>
+              <a:fillRect/>
+            </a:stretch>
+          </p:blipFill>
+          <p:spPr>
+            <a:xfrm>
+              <a:off x="6112860" y="3076178"/>
+              <a:ext cx="210141" cy="444686"/>
+            </a:xfrm>
+            <a:prstGeom prst="rect">
+              <a:avLst/>
+            </a:prstGeom>
+          </p:spPr>
+        </p:pic>
+        <p:pic>
+          <p:nvPicPr>
+            <p:cNvPr id="332" name="Image 331"/>
+            <p:cNvPicPr>
+              <a:picLocks noChangeAspect="1"/>
+            </p:cNvPicPr>
+            <p:nvPr/>
+          </p:nvPicPr>
+          <p:blipFill>
+            <a:blip r:embed="rId2" cstate="print">
+              <a:duotone>
+                <a:prstClr val="black"/>
+                <a:srgbClr val="70AD47">
+                  <a:tint val="45000"/>
+                  <a:satMod val="400000"/>
+                </a:srgbClr>
+              </a:duotone>
+              <a:clrChange>
+                <a:clrFrom>
+                  <a:srgbClr val="FFFFFF"/>
+                </a:clrFrom>
+                <a:clrTo>
+                  <a:srgbClr val="FFFFFF">
+                    <a:alpha val="0"/>
+                  </a:srgbClr>
+                </a:clrTo>
+              </a:clrChange>
+              <a:extLst>
+                <a:ext uri="{28A0092B-C50C-407E-A947-70E740481C1C}">
+                  <a14:useLocalDpi xmlns:a14="http://schemas.microsoft.com/office/drawing/2010/main" val="0"/>
+                </a:ext>
+              </a:extLst>
+            </a:blip>
+            <a:stretch>
+              <a:fillRect/>
+            </a:stretch>
+          </p:blipFill>
+          <p:spPr>
+            <a:xfrm>
+              <a:off x="4985957" y="2969782"/>
+              <a:ext cx="210141" cy="444686"/>
+            </a:xfrm>
+            <a:prstGeom prst="rect">
+              <a:avLst/>
+            </a:prstGeom>
+          </p:spPr>
+        </p:pic>
+        <p:sp>
+          <p:nvSpPr>
+            <p:cNvPr id="336" name="Rectangle 335"/>
+            <p:cNvSpPr/>
+            <p:nvPr/>
+          </p:nvSpPr>
+          <p:spPr>
+            <a:xfrm>
+              <a:off x="6767865" y="511166"/>
+              <a:ext cx="774117" cy="273889"/>
+            </a:xfrm>
+            <a:prstGeom prst="rect">
+              <a:avLst/>
+            </a:prstGeom>
+          </p:spPr>
+          <p:txBody>
+            <a:bodyPr wrap="none">
+              <a:spAutoFit/>
+            </a:bodyPr>
+            <a:lstStyle/>
+            <a:p>
+              <a:r>
+                <a:rPr lang="fr-FR" altLang="en-US" dirty="0" smtClean="0">
+                  <a:solidFill>
+                    <a:prstClr val="black"/>
+                  </a:solidFill>
+                  <a:latin typeface="Times" panose="02020603050405020304" pitchFamily="18" charset="0"/>
+                  <a:cs typeface="Times" panose="02020603050405020304" pitchFamily="18" charset="0"/>
+                </a:rPr>
+                <a:t>Mortalité</a:t>
+              </a:r>
+              <a:endParaRPr lang="en-US" dirty="0">
+                <a:solidFill>
+                  <a:prstClr val="black"/>
+                </a:solidFill>
+                <a:latin typeface="Times" panose="02020603050405020304" pitchFamily="18" charset="0"/>
+                <a:cs typeface="Times" panose="02020603050405020304" pitchFamily="18" charset="0"/>
+              </a:endParaRPr>
+            </a:p>
+          </p:txBody>
+        </p:sp>
+        <p:pic>
+          <p:nvPicPr>
+            <p:cNvPr id="342" name="Image 341"/>
+            <p:cNvPicPr>
+              <a:picLocks noChangeAspect="1"/>
+            </p:cNvPicPr>
+            <p:nvPr/>
+          </p:nvPicPr>
+          <p:blipFill>
+            <a:blip r:embed="rId2" cstate="print">
+              <a:clrChange>
+                <a:clrFrom>
+                  <a:srgbClr val="FFFFFF"/>
+                </a:clrFrom>
+                <a:clrTo>
+                  <a:srgbClr val="FFFFFF">
+                    <a:alpha val="0"/>
+                  </a:srgbClr>
+                </a:clrTo>
+              </a:clrChange>
+              <a:duotone>
+                <a:prstClr val="black"/>
+                <a:srgbClr val="FFC000">
+                  <a:tint val="45000"/>
+                  <a:satMod val="400000"/>
+                </a:srgbClr>
+              </a:duotone>
+              <a:extLst>
+                <a:ext uri="{28A0092B-C50C-407E-A947-70E740481C1C}">
+                  <a14:useLocalDpi xmlns:a14="http://schemas.microsoft.com/office/drawing/2010/main" val="0"/>
+                </a:ext>
+              </a:extLst>
+            </a:blip>
+            <a:stretch>
+              <a:fillRect/>
+            </a:stretch>
+          </p:blipFill>
+          <p:spPr>
+            <a:xfrm>
+              <a:off x="5377088" y="3091196"/>
+              <a:ext cx="210141" cy="444686"/>
+            </a:xfrm>
+            <a:prstGeom prst="rect">
+              <a:avLst/>
+            </a:prstGeom>
+          </p:spPr>
+        </p:pic>
+        <p:sp>
+          <p:nvSpPr>
+            <p:cNvPr id="343" name="Croix 342"/>
+            <p:cNvSpPr/>
+            <p:nvPr/>
+          </p:nvSpPr>
+          <p:spPr>
+            <a:xfrm rot="2863819">
+              <a:off x="2676837" y="1286822"/>
+              <a:ext cx="360000" cy="359107"/>
+            </a:xfrm>
+            <a:prstGeom prst="plus">
+              <a:avLst>
+                <a:gd name="adj" fmla="val 39589"/>
+              </a:avLst>
+            </a:prstGeom>
+            <a:solidFill>
+              <a:srgbClr val="C00000"/>
+            </a:solidFill>
+            <a:ln w="12700" cap="flat" cmpd="sng" algn="ctr">
+              <a:noFill/>
+              <a:prstDash val="solid"/>
+              <a:miter lim="800000"/>
+            </a:ln>
+            <a:effectLst/>
+          </p:spPr>
+          <p:txBody>
+            <a:bodyPr rtlCol="0" anchor="ctr"/>
+            <a:lstStyle/>
+            <a:p>
+              <a:pPr marL="0" marR="0" lvl="0" indent="0" algn="ctr" defTabSz="914400" eaLnBrk="1" fontAlgn="auto" latinLnBrk="0" hangingPunct="1">
+                <a:lnSpc>
+                  <a:spcPct val="100000"/>
+                </a:lnSpc>
+                <a:spcBef>
+                  <a:spcPts val="0"/>
+                </a:spcBef>
+                <a:spcAft>
+                  <a:spcPts val="0"/>
+                </a:spcAft>
+                <a:buClrTx/>
+                <a:buSzTx/>
+                <a:buFontTx/>
+                <a:buNone/>
+                <a:tabLst/>
+                <a:defRPr/>
+              </a:pPr>
+              <a:endParaRPr kumimoji="0" lang="fr-FR" sz="2400" b="0" i="0" u="none" strike="noStrike" kern="0" cap="none" spc="0" normalizeH="0" baseline="0" noProof="0" smtClean="0">
+                <a:ln>
+                  <a:noFill/>
+                </a:ln>
+                <a:solidFill>
+                  <a:prstClr val="white"/>
+                </a:solidFill>
+                <a:effectLst/>
+                <a:uLnTx/>
+                <a:uFillTx/>
+                <a:latin typeface="Calibri" panose="020F0502020204030204"/>
+                <a:ea typeface="+mn-ea"/>
+                <a:cs typeface="+mn-cs"/>
+              </a:endParaRPr>
+            </a:p>
+          </p:txBody>
+        </p:sp>
+        <p:grpSp>
+          <p:nvGrpSpPr>
+            <p:cNvPr id="346" name="Groupe 345"/>
+            <p:cNvGrpSpPr/>
+            <p:nvPr/>
+          </p:nvGrpSpPr>
+          <p:grpSpPr>
+            <a:xfrm>
+              <a:off x="3890324" y="1401258"/>
+              <a:ext cx="654009" cy="852164"/>
+              <a:chOff x="8135162" y="2718637"/>
+              <a:chExt cx="654009" cy="852164"/>
+            </a:xfrm>
+          </p:grpSpPr>
+          <p:pic>
+            <p:nvPicPr>
+              <p:cNvPr id="347" name="Image 346"/>
+              <p:cNvPicPr>
+                <a:picLocks noChangeAspect="1"/>
+              </p:cNvPicPr>
+              <p:nvPr/>
+            </p:nvPicPr>
+            <p:blipFill>
+              <a:blip r:embed="rId2" cstate="print">
+                <a:duotone>
+                  <a:prstClr val="black"/>
+                  <a:schemeClr val="accent2">
+                    <a:tint val="45000"/>
+                    <a:satMod val="400000"/>
+                  </a:schemeClr>
+                </a:duotone>
+                <a:clrChange>
+                  <a:clrFrom>
+                    <a:srgbClr val="FFFFFF"/>
+                  </a:clrFrom>
+                  <a:clrTo>
+                    <a:srgbClr val="FFFFFF">
+                      <a:alpha val="0"/>
+                    </a:srgbClr>
+                  </a:clrTo>
+                </a:clrChange>
+                <a:extLst>
+                  <a:ext uri="{28A0092B-C50C-407E-A947-70E740481C1C}">
+                    <a14:useLocalDpi xmlns:a14="http://schemas.microsoft.com/office/drawing/2010/main" val="0"/>
+                  </a:ext>
+                </a:extLst>
+              </a:blip>
+              <a:stretch>
+                <a:fillRect/>
+              </a:stretch>
+            </p:blipFill>
+            <p:spPr>
+              <a:xfrm>
+                <a:off x="8579030" y="2980498"/>
+                <a:ext cx="210141" cy="444686"/>
+              </a:xfrm>
+              <a:prstGeom prst="rect">
+                <a:avLst/>
+              </a:prstGeom>
+            </p:spPr>
+          </p:pic>
+          <p:pic>
+            <p:nvPicPr>
+              <p:cNvPr id="348" name="Image 347"/>
+              <p:cNvPicPr>
+                <a:picLocks noChangeAspect="1"/>
+              </p:cNvPicPr>
+              <p:nvPr/>
+            </p:nvPicPr>
+            <p:blipFill>
+              <a:blip r:embed="rId2" cstate="print">
+                <a:clrChange>
+                  <a:clrFrom>
+                    <a:srgbClr val="FFFFFF"/>
+                  </a:clrFrom>
+                  <a:clrTo>
+                    <a:srgbClr val="FFFFFF">
+                      <a:alpha val="0"/>
+                    </a:srgbClr>
+                  </a:clrTo>
+                </a:clrChange>
+                <a:duotone>
+                  <a:prstClr val="black"/>
+                  <a:srgbClr val="70AD47">
+                    <a:tint val="45000"/>
+                    <a:satMod val="400000"/>
+                  </a:srgbClr>
+                </a:duotone>
+                <a:extLst>
+                  <a:ext uri="{28A0092B-C50C-407E-A947-70E740481C1C}">
+                    <a14:useLocalDpi xmlns:a14="http://schemas.microsoft.com/office/drawing/2010/main" val="0"/>
+                  </a:ext>
+                </a:extLst>
+              </a:blip>
+              <a:stretch>
+                <a:fillRect/>
+              </a:stretch>
+            </p:blipFill>
+            <p:spPr>
+              <a:xfrm>
+                <a:off x="8260208" y="2718637"/>
+                <a:ext cx="210141" cy="444686"/>
+              </a:xfrm>
+              <a:prstGeom prst="rect">
+                <a:avLst/>
+              </a:prstGeom>
+            </p:spPr>
+          </p:pic>
+          <p:pic>
+            <p:nvPicPr>
+              <p:cNvPr id="356" name="Image 355"/>
+              <p:cNvPicPr>
+                <a:picLocks noChangeAspect="1"/>
+              </p:cNvPicPr>
+              <p:nvPr/>
+            </p:nvPicPr>
+            <p:blipFill>
+              <a:blip r:embed="rId2" cstate="print">
+                <a:clrChange>
+                  <a:clrFrom>
+                    <a:srgbClr val="FFFFFF"/>
+                  </a:clrFrom>
+                  <a:clrTo>
+                    <a:srgbClr val="FFFFFF">
+                      <a:alpha val="0"/>
+                    </a:srgbClr>
+                  </a:clrTo>
+                </a:clrChange>
+                <a:duotone>
+                  <a:prstClr val="black"/>
+                  <a:srgbClr val="4472C4">
+                    <a:tint val="45000"/>
+                    <a:satMod val="400000"/>
+                  </a:srgbClr>
+                </a:duotone>
+                <a:extLst>
+                  <a:ext uri="{28A0092B-C50C-407E-A947-70E740481C1C}">
+                    <a14:useLocalDpi xmlns:a14="http://schemas.microsoft.com/office/drawing/2010/main" val="0"/>
+                  </a:ext>
+                </a:extLst>
+              </a:blip>
+              <a:stretch>
+                <a:fillRect/>
+              </a:stretch>
+            </p:blipFill>
+            <p:spPr>
+              <a:xfrm>
+                <a:off x="8135162" y="3108620"/>
+                <a:ext cx="210141" cy="444686"/>
+              </a:xfrm>
+              <a:prstGeom prst="rect">
+                <a:avLst/>
+              </a:prstGeom>
+            </p:spPr>
+          </p:pic>
+          <p:pic>
+            <p:nvPicPr>
+              <p:cNvPr id="357" name="Image 356"/>
+              <p:cNvPicPr>
+                <a:picLocks noChangeAspect="1"/>
+              </p:cNvPicPr>
+              <p:nvPr/>
+            </p:nvPicPr>
+            <p:blipFill>
+              <a:blip r:embed="rId2" cstate="print">
+                <a:clrChange>
+                  <a:clrFrom>
+                    <a:srgbClr val="FFFFFF"/>
+                  </a:clrFrom>
+                  <a:clrTo>
+                    <a:srgbClr val="FFFFFF">
+                      <a:alpha val="0"/>
+                    </a:srgbClr>
+                  </a:clrTo>
+                </a:clrChange>
+                <a:extLst>
+                  <a:ext uri="{28A0092B-C50C-407E-A947-70E740481C1C}">
+                    <a14:useLocalDpi xmlns:a14="http://schemas.microsoft.com/office/drawing/2010/main" val="0"/>
+                  </a:ext>
+                </a:extLst>
+              </a:blip>
+              <a:stretch>
+                <a:fillRect/>
+              </a:stretch>
+            </p:blipFill>
+            <p:spPr>
+              <a:xfrm>
+                <a:off x="8386121" y="3126115"/>
+                <a:ext cx="210141" cy="444686"/>
+              </a:xfrm>
+              <a:prstGeom prst="rect">
+                <a:avLst/>
+              </a:prstGeom>
+            </p:spPr>
+          </p:pic>
+        </p:grpSp>
+        <p:grpSp>
+          <p:nvGrpSpPr>
+            <p:cNvPr id="358" name="Groupe 357"/>
+            <p:cNvGrpSpPr/>
+            <p:nvPr/>
+          </p:nvGrpSpPr>
+          <p:grpSpPr>
+            <a:xfrm>
+              <a:off x="2332446" y="775271"/>
+              <a:ext cx="654009" cy="1843341"/>
+              <a:chOff x="2332446" y="775271"/>
+              <a:chExt cx="654009" cy="1843341"/>
+            </a:xfrm>
+          </p:grpSpPr>
+          <p:grpSp>
+            <p:nvGrpSpPr>
+              <p:cNvPr id="359" name="Groupe 358"/>
+              <p:cNvGrpSpPr/>
+              <p:nvPr/>
+            </p:nvGrpSpPr>
+            <p:grpSpPr>
+              <a:xfrm>
+                <a:off x="2332446" y="775271"/>
+                <a:ext cx="654009" cy="1511305"/>
+                <a:chOff x="2332446" y="775271"/>
+                <a:chExt cx="654009" cy="1511305"/>
+              </a:xfrm>
+            </p:grpSpPr>
+            <p:pic>
+              <p:nvPicPr>
+                <p:cNvPr id="361" name="Image 360"/>
+                <p:cNvPicPr>
+                  <a:picLocks noChangeAspect="1"/>
+                </p:cNvPicPr>
+                <p:nvPr/>
+              </p:nvPicPr>
+              <p:blipFill>
+                <a:blip r:embed="rId2" cstate="print">
+                  <a:duotone>
+                    <a:prstClr val="black"/>
+                    <a:schemeClr val="accent2">
+                      <a:tint val="45000"/>
+                      <a:satMod val="400000"/>
+                    </a:schemeClr>
+                  </a:duotone>
+                  <a:clrChange>
+                    <a:clrFrom>
+                      <a:srgbClr val="FFFFFF"/>
+                    </a:clrFrom>
+                    <a:clrTo>
+                      <a:srgbClr val="FFFFFF">
+                        <a:alpha val="0"/>
+                      </a:srgbClr>
+                    </a:clrTo>
+                  </a:clrChange>
+                  <a:extLst>
+                    <a:ext uri="{28A0092B-C50C-407E-A947-70E740481C1C}">
+                      <a14:useLocalDpi xmlns:a14="http://schemas.microsoft.com/office/drawing/2010/main" val="0"/>
+                    </a:ext>
+                  </a:extLst>
+                </a:blip>
+                <a:stretch>
+                  <a:fillRect/>
+                </a:stretch>
+              </p:blipFill>
+              <p:spPr>
+                <a:xfrm>
+                  <a:off x="2776314" y="1696273"/>
+                  <a:ext cx="210141" cy="444686"/>
+                </a:xfrm>
+                <a:prstGeom prst="rect">
+                  <a:avLst/>
+                </a:prstGeom>
+              </p:spPr>
+            </p:pic>
+            <p:pic>
+              <p:nvPicPr>
+                <p:cNvPr id="362" name="Image 361"/>
+                <p:cNvPicPr>
+                  <a:picLocks noChangeAspect="1"/>
+                </p:cNvPicPr>
+                <p:nvPr/>
+              </p:nvPicPr>
+              <p:blipFill>
+                <a:blip r:embed="rId2" cstate="print">
+                  <a:duotone>
+                    <a:prstClr val="black"/>
+                    <a:srgbClr val="FFC000">
+                      <a:tint val="45000"/>
+                      <a:satMod val="400000"/>
+                    </a:srgbClr>
+                  </a:duotone>
+                  <a:clrChange>
+                    <a:clrFrom>
+                      <a:srgbClr val="FFFFFF"/>
+                    </a:clrFrom>
+                    <a:clrTo>
+                      <a:srgbClr val="FFFFFF">
+                        <a:alpha val="0"/>
+                      </a:srgbClr>
+                    </a:clrTo>
+                  </a:clrChange>
+                  <a:extLst>
+                    <a:ext uri="{28A0092B-C50C-407E-A947-70E740481C1C}">
+                      <a14:useLocalDpi xmlns:a14="http://schemas.microsoft.com/office/drawing/2010/main" val="0"/>
+                    </a:ext>
+                  </a:extLst>
+                </a:blip>
+                <a:stretch>
+                  <a:fillRect/>
+                </a:stretch>
+              </p:blipFill>
+              <p:spPr>
+                <a:xfrm>
+                  <a:off x="2756562" y="1219957"/>
+                  <a:ext cx="210141" cy="444686"/>
+                </a:xfrm>
+                <a:prstGeom prst="rect">
+                  <a:avLst/>
+                </a:prstGeom>
+              </p:spPr>
+            </p:pic>
+            <p:pic>
+              <p:nvPicPr>
+                <p:cNvPr id="363" name="Image 362"/>
+                <p:cNvPicPr>
+                  <a:picLocks noChangeAspect="1"/>
+                </p:cNvPicPr>
+                <p:nvPr/>
+              </p:nvPicPr>
+              <p:blipFill>
+                <a:blip r:embed="rId2" cstate="print">
+                  <a:clrChange>
+                    <a:clrFrom>
+                      <a:srgbClr val="FFFFFF"/>
+                    </a:clrFrom>
+                    <a:clrTo>
+                      <a:srgbClr val="FFFFFF">
+                        <a:alpha val="0"/>
+                      </a:srgbClr>
+                    </a:clrTo>
+                  </a:clrChange>
+                  <a:duotone>
+                    <a:prstClr val="black"/>
+                    <a:srgbClr val="70AD47">
+                      <a:tint val="45000"/>
+                      <a:satMod val="400000"/>
+                    </a:srgbClr>
+                  </a:duotone>
+                  <a:extLst>
+                    <a:ext uri="{28A0092B-C50C-407E-A947-70E740481C1C}">
+                      <a14:useLocalDpi xmlns:a14="http://schemas.microsoft.com/office/drawing/2010/main" val="0"/>
+                    </a:ext>
+                  </a:extLst>
+                </a:blip>
+                <a:stretch>
+                  <a:fillRect/>
+                </a:stretch>
+              </p:blipFill>
+              <p:spPr>
+                <a:xfrm>
+                  <a:off x="2457492" y="1434412"/>
+                  <a:ext cx="210141" cy="444686"/>
+                </a:xfrm>
+                <a:prstGeom prst="rect">
+                  <a:avLst/>
+                </a:prstGeom>
+              </p:spPr>
+            </p:pic>
+            <p:pic>
+              <p:nvPicPr>
+                <p:cNvPr id="374" name="Image 373"/>
+                <p:cNvPicPr>
+                  <a:picLocks noChangeAspect="1"/>
+                </p:cNvPicPr>
+                <p:nvPr/>
+              </p:nvPicPr>
+              <p:blipFill>
+                <a:blip r:embed="rId2" cstate="print">
+                  <a:duotone>
+                    <a:prstClr val="black"/>
+                    <a:schemeClr val="accent6">
+                      <a:tint val="45000"/>
+                      <a:satMod val="400000"/>
+                    </a:schemeClr>
+                  </a:duotone>
+                  <a:clrChange>
+                    <a:clrFrom>
+                      <a:srgbClr val="FFFFFF"/>
+                    </a:clrFrom>
+                    <a:clrTo>
+                      <a:srgbClr val="FFFFFF">
+                        <a:alpha val="0"/>
+                      </a:srgbClr>
+                    </a:clrTo>
+                  </a:clrChange>
+                  <a:extLst>
+                    <a:ext uri="{28A0092B-C50C-407E-A947-70E740481C1C}">
+                      <a14:useLocalDpi xmlns:a14="http://schemas.microsoft.com/office/drawing/2010/main" val="0"/>
+                    </a:ext>
+                  </a:extLst>
+                </a:blip>
+                <a:stretch>
+                  <a:fillRect/>
+                </a:stretch>
+              </p:blipFill>
+              <p:spPr>
+                <a:xfrm>
+                  <a:off x="2546421" y="775271"/>
+                  <a:ext cx="210141" cy="444686"/>
+                </a:xfrm>
+                <a:prstGeom prst="rect">
+                  <a:avLst/>
+                </a:prstGeom>
+              </p:spPr>
+            </p:pic>
+            <p:pic>
+              <p:nvPicPr>
+                <p:cNvPr id="376" name="Image 375"/>
+                <p:cNvPicPr>
+                  <a:picLocks noChangeAspect="1"/>
+                </p:cNvPicPr>
+                <p:nvPr/>
+              </p:nvPicPr>
+              <p:blipFill>
+                <a:blip r:embed="rId2" cstate="print">
+                  <a:clrChange>
+                    <a:clrFrom>
+                      <a:srgbClr val="FFFFFF"/>
+                    </a:clrFrom>
+                    <a:clrTo>
+                      <a:srgbClr val="FFFFFF">
+                        <a:alpha val="0"/>
+                      </a:srgbClr>
+                    </a:clrTo>
+                  </a:clrChange>
+                  <a:duotone>
+                    <a:prstClr val="black"/>
+                    <a:srgbClr val="4472C4">
+                      <a:tint val="45000"/>
+                      <a:satMod val="400000"/>
+                    </a:srgbClr>
+                  </a:duotone>
+                  <a:extLst>
+                    <a:ext uri="{28A0092B-C50C-407E-A947-70E740481C1C}">
+                      <a14:useLocalDpi xmlns:a14="http://schemas.microsoft.com/office/drawing/2010/main" val="0"/>
+                    </a:ext>
+                  </a:extLst>
+                </a:blip>
+                <a:stretch>
+                  <a:fillRect/>
+                </a:stretch>
+              </p:blipFill>
+              <p:spPr>
+                <a:xfrm>
+                  <a:off x="2332446" y="1824395"/>
+                  <a:ext cx="210141" cy="444686"/>
+                </a:xfrm>
+                <a:prstGeom prst="rect">
+                  <a:avLst/>
+                </a:prstGeom>
+              </p:spPr>
+            </p:pic>
+            <p:pic>
+              <p:nvPicPr>
+                <p:cNvPr id="377" name="Image 376"/>
+                <p:cNvPicPr>
+                  <a:picLocks noChangeAspect="1"/>
+                </p:cNvPicPr>
+                <p:nvPr/>
+              </p:nvPicPr>
+              <p:blipFill>
+                <a:blip r:embed="rId2" cstate="print">
+                  <a:clrChange>
+                    <a:clrFrom>
+                      <a:srgbClr val="FFFFFF"/>
+                    </a:clrFrom>
+                    <a:clrTo>
+                      <a:srgbClr val="FFFFFF">
+                        <a:alpha val="0"/>
+                      </a:srgbClr>
+                    </a:clrTo>
+                  </a:clrChange>
+                  <a:extLst>
+                    <a:ext uri="{28A0092B-C50C-407E-A947-70E740481C1C}">
+                      <a14:useLocalDpi xmlns:a14="http://schemas.microsoft.com/office/drawing/2010/main" val="0"/>
+                    </a:ext>
+                  </a:extLst>
+                </a:blip>
+                <a:stretch>
+                  <a:fillRect/>
+                </a:stretch>
+              </p:blipFill>
+              <p:spPr>
+                <a:xfrm>
+                  <a:off x="2583405" y="1841890"/>
+                  <a:ext cx="210141" cy="444686"/>
+                </a:xfrm>
+                <a:prstGeom prst="rect">
+                  <a:avLst/>
+                </a:prstGeom>
+              </p:spPr>
+            </p:pic>
+          </p:grpSp>
+          <p:pic>
+            <p:nvPicPr>
+              <p:cNvPr id="360" name="Image 359"/>
+              <p:cNvPicPr>
+                <a:picLocks noChangeAspect="1"/>
+              </p:cNvPicPr>
+              <p:nvPr/>
+            </p:nvPicPr>
+            <p:blipFill>
+              <a:blip r:embed="rId2" cstate="print">
+                <a:duotone>
+                  <a:schemeClr val="accent5">
+                    <a:shade val="45000"/>
+                    <a:satMod val="135000"/>
+                  </a:schemeClr>
+                  <a:prstClr val="white"/>
+                </a:duotone>
+                <a:clrChange>
+                  <a:clrFrom>
+                    <a:srgbClr val="FFFFFF"/>
+                  </a:clrFrom>
+                  <a:clrTo>
+                    <a:srgbClr val="FFFFFF">
+                      <a:alpha val="0"/>
+                    </a:srgbClr>
+                  </a:clrTo>
+                </a:clrChange>
+                <a:extLst>
+                  <a:ext uri="{28A0092B-C50C-407E-A947-70E740481C1C}">
+                    <a14:useLocalDpi xmlns:a14="http://schemas.microsoft.com/office/drawing/2010/main" val="0"/>
+                  </a:ext>
+                </a:extLst>
+              </a:blip>
+              <a:stretch>
+                <a:fillRect/>
+              </a:stretch>
+            </p:blipFill>
+            <p:spPr>
+              <a:xfrm>
+                <a:off x="2651057" y="2173926"/>
+                <a:ext cx="210141" cy="444686"/>
+              </a:xfrm>
+              <a:prstGeom prst="rect">
+                <a:avLst/>
+              </a:prstGeom>
+            </p:spPr>
+          </p:pic>
+        </p:grpSp>
+        <p:sp>
+          <p:nvSpPr>
+            <p:cNvPr id="382" name="Croix 381"/>
+            <p:cNvSpPr/>
+            <p:nvPr/>
+          </p:nvSpPr>
+          <p:spPr>
+            <a:xfrm rot="2863819">
+              <a:off x="2569658" y="2220196"/>
+              <a:ext cx="360000" cy="359107"/>
+            </a:xfrm>
+            <a:prstGeom prst="plus">
+              <a:avLst>
+                <a:gd name="adj" fmla="val 39589"/>
+              </a:avLst>
+            </a:prstGeom>
+            <a:solidFill>
+              <a:srgbClr val="C00000"/>
+            </a:solidFill>
+            <a:ln w="12700" cap="flat" cmpd="sng" algn="ctr">
+              <a:noFill/>
+              <a:prstDash val="solid"/>
+              <a:miter lim="800000"/>
+            </a:ln>
+            <a:effectLst/>
+          </p:spPr>
+          <p:txBody>
+            <a:bodyPr rtlCol="0" anchor="ctr"/>
+            <a:lstStyle/>
+            <a:p>
+              <a:pPr marL="0" marR="0" lvl="0" indent="0" algn="ctr" defTabSz="914400" eaLnBrk="1" fontAlgn="auto" latinLnBrk="0" hangingPunct="1">
+                <a:lnSpc>
+                  <a:spcPct val="100000"/>
+                </a:lnSpc>
+                <a:spcBef>
+                  <a:spcPts val="0"/>
+                </a:spcBef>
+                <a:spcAft>
+                  <a:spcPts val="0"/>
+                </a:spcAft>
+                <a:buClrTx/>
+                <a:buSzTx/>
+                <a:buFontTx/>
+                <a:buNone/>
+                <a:tabLst/>
+                <a:defRPr/>
+              </a:pPr>
+              <a:endParaRPr kumimoji="0" lang="fr-FR" sz="2400" b="0" i="0" u="none" strike="noStrike" kern="0" cap="none" spc="0" normalizeH="0" baseline="0" noProof="0" smtClean="0">
+                <a:ln>
+                  <a:noFill/>
+                </a:ln>
+                <a:solidFill>
+                  <a:prstClr val="white"/>
+                </a:solidFill>
+                <a:effectLst/>
+                <a:uLnTx/>
+                <a:uFillTx/>
+                <a:latin typeface="Calibri" panose="020F0502020204030204"/>
+                <a:ea typeface="+mn-ea"/>
+                <a:cs typeface="+mn-cs"/>
+              </a:endParaRPr>
+            </a:p>
+          </p:txBody>
+        </p:sp>
+        <p:grpSp>
+          <p:nvGrpSpPr>
+            <p:cNvPr id="385" name="Groupe 384"/>
+            <p:cNvGrpSpPr/>
+            <p:nvPr/>
+          </p:nvGrpSpPr>
+          <p:grpSpPr>
+            <a:xfrm>
+              <a:off x="2306816" y="2868323"/>
+              <a:ext cx="654009" cy="1843341"/>
+              <a:chOff x="2332446" y="775271"/>
+              <a:chExt cx="654009" cy="1843341"/>
+            </a:xfrm>
+          </p:grpSpPr>
+          <p:grpSp>
+            <p:nvGrpSpPr>
+              <p:cNvPr id="386" name="Groupe 385"/>
+              <p:cNvGrpSpPr/>
+              <p:nvPr/>
+            </p:nvGrpSpPr>
+            <p:grpSpPr>
+              <a:xfrm>
+                <a:off x="2332446" y="775271"/>
+                <a:ext cx="654009" cy="1511305"/>
+                <a:chOff x="2332446" y="775271"/>
+                <a:chExt cx="654009" cy="1511305"/>
+              </a:xfrm>
+            </p:grpSpPr>
+            <p:pic>
+              <p:nvPicPr>
+                <p:cNvPr id="388" name="Image 387"/>
+                <p:cNvPicPr>
+                  <a:picLocks noChangeAspect="1"/>
+                </p:cNvPicPr>
+                <p:nvPr/>
+              </p:nvPicPr>
+              <p:blipFill>
+                <a:blip r:embed="rId2" cstate="print">
+                  <a:duotone>
+                    <a:prstClr val="black"/>
+                    <a:schemeClr val="accent2">
+                      <a:tint val="45000"/>
+                      <a:satMod val="400000"/>
+                    </a:schemeClr>
+                  </a:duotone>
+                  <a:clrChange>
+                    <a:clrFrom>
+                      <a:srgbClr val="FFFFFF"/>
+                    </a:clrFrom>
+                    <a:clrTo>
+                      <a:srgbClr val="FFFFFF">
+                        <a:alpha val="0"/>
+                      </a:srgbClr>
+                    </a:clrTo>
+                  </a:clrChange>
+                  <a:extLst>
+                    <a:ext uri="{28A0092B-C50C-407E-A947-70E740481C1C}">
+                      <a14:useLocalDpi xmlns:a14="http://schemas.microsoft.com/office/drawing/2010/main" val="0"/>
+                    </a:ext>
+                  </a:extLst>
+                </a:blip>
+                <a:stretch>
+                  <a:fillRect/>
+                </a:stretch>
+              </p:blipFill>
+              <p:spPr>
+                <a:xfrm>
+                  <a:off x="2776314" y="1696273"/>
+                  <a:ext cx="210141" cy="444686"/>
+                </a:xfrm>
+                <a:prstGeom prst="rect">
+                  <a:avLst/>
+                </a:prstGeom>
+              </p:spPr>
+            </p:pic>
+            <p:pic>
+              <p:nvPicPr>
+                <p:cNvPr id="389" name="Image 388"/>
+                <p:cNvPicPr>
+                  <a:picLocks noChangeAspect="1"/>
+                </p:cNvPicPr>
+                <p:nvPr/>
+              </p:nvPicPr>
+              <p:blipFill>
+                <a:blip r:embed="rId2" cstate="print">
+                  <a:duotone>
+                    <a:prstClr val="black"/>
+                    <a:srgbClr val="FFC000">
+                      <a:tint val="45000"/>
+                      <a:satMod val="400000"/>
+                    </a:srgbClr>
+                  </a:duotone>
+                  <a:clrChange>
+                    <a:clrFrom>
+                      <a:srgbClr val="FFFFFF"/>
+                    </a:clrFrom>
+                    <a:clrTo>
+                      <a:srgbClr val="FFFFFF">
+                        <a:alpha val="0"/>
+                      </a:srgbClr>
+                    </a:clrTo>
+                  </a:clrChange>
+                  <a:extLst>
+                    <a:ext uri="{28A0092B-C50C-407E-A947-70E740481C1C}">
+                      <a14:useLocalDpi xmlns:a14="http://schemas.microsoft.com/office/drawing/2010/main" val="0"/>
+                    </a:ext>
+                  </a:extLst>
+                </a:blip>
+                <a:stretch>
+                  <a:fillRect/>
+                </a:stretch>
+              </p:blipFill>
+              <p:spPr>
+                <a:xfrm>
+                  <a:off x="2756562" y="1219957"/>
+                  <a:ext cx="210141" cy="444686"/>
+                </a:xfrm>
+                <a:prstGeom prst="rect">
+                  <a:avLst/>
+                </a:prstGeom>
+              </p:spPr>
+            </p:pic>
+            <p:pic>
+              <p:nvPicPr>
+                <p:cNvPr id="390" name="Image 389"/>
+                <p:cNvPicPr>
+                  <a:picLocks noChangeAspect="1"/>
+                </p:cNvPicPr>
+                <p:nvPr/>
+              </p:nvPicPr>
+              <p:blipFill>
+                <a:blip r:embed="rId2" cstate="print">
+                  <a:clrChange>
+                    <a:clrFrom>
+                      <a:srgbClr val="FFFFFF"/>
+                    </a:clrFrom>
+                    <a:clrTo>
+                      <a:srgbClr val="FFFFFF">
+                        <a:alpha val="0"/>
+                      </a:srgbClr>
+                    </a:clrTo>
+                  </a:clrChange>
+                  <a:duotone>
+                    <a:prstClr val="black"/>
+                    <a:srgbClr val="70AD47">
+                      <a:tint val="45000"/>
+                      <a:satMod val="400000"/>
+                    </a:srgbClr>
+                  </a:duotone>
+                  <a:extLst>
+                    <a:ext uri="{28A0092B-C50C-407E-A947-70E740481C1C}">
+                      <a14:useLocalDpi xmlns:a14="http://schemas.microsoft.com/office/drawing/2010/main" val="0"/>
+                    </a:ext>
+                  </a:extLst>
+                </a:blip>
+                <a:stretch>
+                  <a:fillRect/>
+                </a:stretch>
+              </p:blipFill>
+              <p:spPr>
+                <a:xfrm>
+                  <a:off x="2379377" y="1255855"/>
+                  <a:ext cx="210141" cy="444686"/>
+                </a:xfrm>
+                <a:prstGeom prst="rect">
+                  <a:avLst/>
+                </a:prstGeom>
+              </p:spPr>
+            </p:pic>
+            <p:pic>
+              <p:nvPicPr>
+                <p:cNvPr id="391" name="Image 390"/>
+                <p:cNvPicPr>
+                  <a:picLocks noChangeAspect="1"/>
+                </p:cNvPicPr>
+                <p:nvPr/>
+              </p:nvPicPr>
+              <p:blipFill>
+                <a:blip r:embed="rId2" cstate="print">
+                  <a:duotone>
+                    <a:prstClr val="black"/>
+                    <a:schemeClr val="accent6">
+                      <a:tint val="45000"/>
+                      <a:satMod val="400000"/>
+                    </a:schemeClr>
+                  </a:duotone>
+                  <a:clrChange>
+                    <a:clrFrom>
+                      <a:srgbClr val="FFFFFF"/>
+                    </a:clrFrom>
+                    <a:clrTo>
+                      <a:srgbClr val="FFFFFF">
+                        <a:alpha val="0"/>
+                      </a:srgbClr>
+                    </a:clrTo>
+                  </a:clrChange>
+                  <a:extLst>
+                    <a:ext uri="{28A0092B-C50C-407E-A947-70E740481C1C}">
+                      <a14:useLocalDpi xmlns:a14="http://schemas.microsoft.com/office/drawing/2010/main" val="0"/>
+                    </a:ext>
+                  </a:extLst>
+                </a:blip>
+                <a:stretch>
+                  <a:fillRect/>
+                </a:stretch>
+              </p:blipFill>
+              <p:spPr>
+                <a:xfrm>
+                  <a:off x="2546421" y="775271"/>
+                  <a:ext cx="210141" cy="444686"/>
+                </a:xfrm>
+                <a:prstGeom prst="rect">
+                  <a:avLst/>
+                </a:prstGeom>
+              </p:spPr>
+            </p:pic>
+            <p:pic>
+              <p:nvPicPr>
+                <p:cNvPr id="392" name="Image 391"/>
+                <p:cNvPicPr>
+                  <a:picLocks noChangeAspect="1"/>
+                </p:cNvPicPr>
+                <p:nvPr/>
+              </p:nvPicPr>
+              <p:blipFill>
+                <a:blip r:embed="rId2" cstate="print">
+                  <a:clrChange>
+                    <a:clrFrom>
+                      <a:srgbClr val="FFFFFF"/>
+                    </a:clrFrom>
+                    <a:clrTo>
+                      <a:srgbClr val="FFFFFF">
+                        <a:alpha val="0"/>
+                      </a:srgbClr>
+                    </a:clrTo>
+                  </a:clrChange>
+                  <a:duotone>
+                    <a:prstClr val="black"/>
+                    <a:srgbClr val="4472C4">
+                      <a:tint val="45000"/>
+                      <a:satMod val="400000"/>
+                    </a:srgbClr>
+                  </a:duotone>
+                  <a:extLst>
+                    <a:ext uri="{28A0092B-C50C-407E-A947-70E740481C1C}">
+                      <a14:useLocalDpi xmlns:a14="http://schemas.microsoft.com/office/drawing/2010/main" val="0"/>
+                    </a:ext>
+                  </a:extLst>
+                </a:blip>
+                <a:stretch>
+                  <a:fillRect/>
+                </a:stretch>
+              </p:blipFill>
+              <p:spPr>
+                <a:xfrm>
+                  <a:off x="2332446" y="1824395"/>
+                  <a:ext cx="210141" cy="444686"/>
+                </a:xfrm>
+                <a:prstGeom prst="rect">
+                  <a:avLst/>
+                </a:prstGeom>
+              </p:spPr>
+            </p:pic>
+            <p:pic>
+              <p:nvPicPr>
+                <p:cNvPr id="393" name="Image 392"/>
+                <p:cNvPicPr>
+                  <a:picLocks noChangeAspect="1"/>
+                </p:cNvPicPr>
+                <p:nvPr/>
+              </p:nvPicPr>
+              <p:blipFill>
+                <a:blip r:embed="rId2" cstate="print">
+                  <a:clrChange>
+                    <a:clrFrom>
+                      <a:srgbClr val="FFFFFF"/>
+                    </a:clrFrom>
+                    <a:clrTo>
+                      <a:srgbClr val="FFFFFF">
+                        <a:alpha val="0"/>
+                      </a:srgbClr>
+                    </a:clrTo>
+                  </a:clrChange>
+                  <a:extLst>
+                    <a:ext uri="{28A0092B-C50C-407E-A947-70E740481C1C}">
+                      <a14:useLocalDpi xmlns:a14="http://schemas.microsoft.com/office/drawing/2010/main" val="0"/>
+                    </a:ext>
+                  </a:extLst>
+                </a:blip>
+                <a:stretch>
+                  <a:fillRect/>
+                </a:stretch>
+              </p:blipFill>
+              <p:spPr>
+                <a:xfrm>
+                  <a:off x="2583405" y="1841890"/>
+                  <a:ext cx="210141" cy="444686"/>
+                </a:xfrm>
+                <a:prstGeom prst="rect">
+                  <a:avLst/>
+                </a:prstGeom>
+              </p:spPr>
+            </p:pic>
+          </p:grpSp>
+          <p:pic>
+            <p:nvPicPr>
+              <p:cNvPr id="387" name="Image 386"/>
+              <p:cNvPicPr>
+                <a:picLocks noChangeAspect="1"/>
+              </p:cNvPicPr>
+              <p:nvPr/>
+            </p:nvPicPr>
+            <p:blipFill>
+              <a:blip r:embed="rId2" cstate="print">
+                <a:clrChange>
+                  <a:clrFrom>
+                    <a:srgbClr val="FFFFFF"/>
+                  </a:clrFrom>
+                  <a:clrTo>
+                    <a:srgbClr val="FFFFFF">
+                      <a:alpha val="0"/>
+                    </a:srgbClr>
+                  </a:clrTo>
+                </a:clrChange>
+                <a:duotone>
+                  <a:schemeClr val="accent5">
+                    <a:shade val="45000"/>
+                    <a:satMod val="135000"/>
+                  </a:schemeClr>
+                  <a:prstClr val="white"/>
+                </a:duotone>
+                <a:extLst>
+                  <a:ext uri="{28A0092B-C50C-407E-A947-70E740481C1C}">
+                    <a14:useLocalDpi xmlns:a14="http://schemas.microsoft.com/office/drawing/2010/main" val="0"/>
+                  </a:ext>
+                </a:extLst>
+              </a:blip>
+              <a:stretch>
+                <a:fillRect/>
+              </a:stretch>
+            </p:blipFill>
+            <p:spPr>
+              <a:xfrm>
+                <a:off x="2651057" y="2173926"/>
+                <a:ext cx="210141" cy="444686"/>
+              </a:xfrm>
+              <a:prstGeom prst="rect">
+                <a:avLst/>
+              </a:prstGeom>
+            </p:spPr>
+          </p:pic>
+        </p:grpSp>
+        <p:grpSp>
+          <p:nvGrpSpPr>
+            <p:cNvPr id="394" name="Groupe 393"/>
+            <p:cNvGrpSpPr/>
+            <p:nvPr/>
+          </p:nvGrpSpPr>
+          <p:grpSpPr>
+            <a:xfrm>
+              <a:off x="3856720" y="2868323"/>
+              <a:ext cx="634257" cy="1493810"/>
+              <a:chOff x="2332446" y="775271"/>
+              <a:chExt cx="634257" cy="1493810"/>
+            </a:xfrm>
+          </p:grpSpPr>
+          <p:pic>
+            <p:nvPicPr>
+              <p:cNvPr id="395" name="Image 394"/>
+              <p:cNvPicPr>
+                <a:picLocks noChangeAspect="1"/>
+              </p:cNvPicPr>
+              <p:nvPr/>
+            </p:nvPicPr>
+            <p:blipFill>
+              <a:blip r:embed="rId2" cstate="print">
+                <a:duotone>
+                  <a:prstClr val="black"/>
+                  <a:srgbClr val="FFC000">
+                    <a:tint val="45000"/>
+                    <a:satMod val="400000"/>
+                  </a:srgbClr>
+                </a:duotone>
+                <a:clrChange>
+                  <a:clrFrom>
+                    <a:srgbClr val="FFFFFF"/>
+                  </a:clrFrom>
+                  <a:clrTo>
+                    <a:srgbClr val="FFFFFF">
+                      <a:alpha val="0"/>
+                    </a:srgbClr>
+                  </a:clrTo>
+                </a:clrChange>
+                <a:extLst>
+                  <a:ext uri="{28A0092B-C50C-407E-A947-70E740481C1C}">
+                    <a14:useLocalDpi xmlns:a14="http://schemas.microsoft.com/office/drawing/2010/main" val="0"/>
+                  </a:ext>
+                </a:extLst>
+              </a:blip>
+              <a:stretch>
+                <a:fillRect/>
+              </a:stretch>
+            </p:blipFill>
+            <p:spPr>
+              <a:xfrm>
+                <a:off x="2756562" y="1219957"/>
+                <a:ext cx="210141" cy="444686"/>
+              </a:xfrm>
+              <a:prstGeom prst="rect">
+                <a:avLst/>
+              </a:prstGeom>
+            </p:spPr>
+          </p:pic>
+          <p:pic>
+            <p:nvPicPr>
+              <p:cNvPr id="396" name="Image 395"/>
+              <p:cNvPicPr>
+                <a:picLocks noChangeAspect="1"/>
+              </p:cNvPicPr>
+              <p:nvPr/>
+            </p:nvPicPr>
+            <p:blipFill>
+              <a:blip r:embed="rId2" cstate="print">
+                <a:clrChange>
+                  <a:clrFrom>
+                    <a:srgbClr val="FFFFFF"/>
+                  </a:clrFrom>
+                  <a:clrTo>
+                    <a:srgbClr val="FFFFFF">
+                      <a:alpha val="0"/>
+                    </a:srgbClr>
+                  </a:clrTo>
+                </a:clrChange>
+                <a:duotone>
+                  <a:prstClr val="black"/>
+                  <a:srgbClr val="70AD47">
+                    <a:tint val="45000"/>
+                    <a:satMod val="400000"/>
+                  </a:srgbClr>
+                </a:duotone>
+                <a:extLst>
+                  <a:ext uri="{28A0092B-C50C-407E-A947-70E740481C1C}">
+                    <a14:useLocalDpi xmlns:a14="http://schemas.microsoft.com/office/drawing/2010/main" val="0"/>
+                  </a:ext>
+                </a:extLst>
+              </a:blip>
+              <a:stretch>
+                <a:fillRect/>
+              </a:stretch>
+            </p:blipFill>
+            <p:spPr>
+              <a:xfrm>
+                <a:off x="2390727" y="1257632"/>
+                <a:ext cx="210141" cy="444686"/>
+              </a:xfrm>
+              <a:prstGeom prst="rect">
+                <a:avLst/>
+              </a:prstGeom>
+            </p:spPr>
+          </p:pic>
+          <p:pic>
+            <p:nvPicPr>
+              <p:cNvPr id="397" name="Image 396"/>
+              <p:cNvPicPr>
+                <a:picLocks noChangeAspect="1"/>
+              </p:cNvPicPr>
+              <p:nvPr/>
+            </p:nvPicPr>
+            <p:blipFill>
+              <a:blip r:embed="rId2" cstate="print">
+                <a:duotone>
+                  <a:prstClr val="black"/>
+                  <a:schemeClr val="accent6">
+                    <a:tint val="45000"/>
+                    <a:satMod val="400000"/>
+                  </a:schemeClr>
+                </a:duotone>
+                <a:clrChange>
+                  <a:clrFrom>
+                    <a:srgbClr val="FFFFFF"/>
+                  </a:clrFrom>
+                  <a:clrTo>
+                    <a:srgbClr val="FFFFFF">
+                      <a:alpha val="0"/>
+                    </a:srgbClr>
+                  </a:clrTo>
+                </a:clrChange>
+                <a:extLst>
+                  <a:ext uri="{28A0092B-C50C-407E-A947-70E740481C1C}">
+                    <a14:useLocalDpi xmlns:a14="http://schemas.microsoft.com/office/drawing/2010/main" val="0"/>
+                  </a:ext>
+                </a:extLst>
+              </a:blip>
+              <a:stretch>
+                <a:fillRect/>
+              </a:stretch>
+            </p:blipFill>
+            <p:spPr>
+              <a:xfrm>
+                <a:off x="2546421" y="775271"/>
+                <a:ext cx="210141" cy="444686"/>
+              </a:xfrm>
+              <a:prstGeom prst="rect">
+                <a:avLst/>
+              </a:prstGeom>
+            </p:spPr>
+          </p:pic>
+          <p:pic>
+            <p:nvPicPr>
+              <p:cNvPr id="398" name="Image 397"/>
+              <p:cNvPicPr>
+                <a:picLocks noChangeAspect="1"/>
+              </p:cNvPicPr>
+              <p:nvPr/>
+            </p:nvPicPr>
+            <p:blipFill>
+              <a:blip r:embed="rId2" cstate="print">
+                <a:clrChange>
+                  <a:clrFrom>
+                    <a:srgbClr val="FFFFFF"/>
+                  </a:clrFrom>
+                  <a:clrTo>
+                    <a:srgbClr val="FFFFFF">
+                      <a:alpha val="0"/>
+                    </a:srgbClr>
+                  </a:clrTo>
+                </a:clrChange>
+                <a:duotone>
+                  <a:prstClr val="black"/>
+                  <a:srgbClr val="4472C4">
+                    <a:tint val="45000"/>
+                    <a:satMod val="400000"/>
+                  </a:srgbClr>
+                </a:duotone>
+                <a:extLst>
+                  <a:ext uri="{28A0092B-C50C-407E-A947-70E740481C1C}">
+                    <a14:useLocalDpi xmlns:a14="http://schemas.microsoft.com/office/drawing/2010/main" val="0"/>
+                  </a:ext>
+                </a:extLst>
+              </a:blip>
+              <a:stretch>
+                <a:fillRect/>
+              </a:stretch>
+            </p:blipFill>
+            <p:spPr>
+              <a:xfrm>
+                <a:off x="2332446" y="1824395"/>
+                <a:ext cx="210141" cy="444686"/>
+              </a:xfrm>
+              <a:prstGeom prst="rect">
+                <a:avLst/>
+              </a:prstGeom>
+            </p:spPr>
+          </p:pic>
+        </p:grpSp>
+        <p:grpSp>
+          <p:nvGrpSpPr>
+            <p:cNvPr id="399" name="Groupe 398"/>
+            <p:cNvGrpSpPr/>
+            <p:nvPr/>
+          </p:nvGrpSpPr>
+          <p:grpSpPr>
+            <a:xfrm>
+              <a:off x="4847407" y="979158"/>
+              <a:ext cx="654009" cy="852164"/>
+              <a:chOff x="8135162" y="2718637"/>
+              <a:chExt cx="654009" cy="852164"/>
+            </a:xfrm>
+          </p:grpSpPr>
+          <p:pic>
+            <p:nvPicPr>
+              <p:cNvPr id="400" name="Image 399"/>
+              <p:cNvPicPr>
+                <a:picLocks noChangeAspect="1"/>
+              </p:cNvPicPr>
+              <p:nvPr/>
+            </p:nvPicPr>
+            <p:blipFill>
+              <a:blip r:embed="rId2" cstate="print">
+                <a:duotone>
+                  <a:prstClr val="black"/>
+                  <a:schemeClr val="accent2">
+                    <a:tint val="45000"/>
+                    <a:satMod val="400000"/>
+                  </a:schemeClr>
+                </a:duotone>
+                <a:clrChange>
+                  <a:clrFrom>
+                    <a:srgbClr val="FFFFFF"/>
+                  </a:clrFrom>
+                  <a:clrTo>
+                    <a:srgbClr val="FFFFFF">
+                      <a:alpha val="0"/>
+                    </a:srgbClr>
+                  </a:clrTo>
+                </a:clrChange>
+                <a:extLst>
+                  <a:ext uri="{28A0092B-C50C-407E-A947-70E740481C1C}">
+                    <a14:useLocalDpi xmlns:a14="http://schemas.microsoft.com/office/drawing/2010/main" val="0"/>
+                  </a:ext>
+                </a:extLst>
+              </a:blip>
+              <a:stretch>
+                <a:fillRect/>
+              </a:stretch>
+            </p:blipFill>
+            <p:spPr>
+              <a:xfrm>
+                <a:off x="8579030" y="2980498"/>
+                <a:ext cx="210141" cy="444686"/>
+              </a:xfrm>
+              <a:prstGeom prst="rect">
+                <a:avLst/>
+              </a:prstGeom>
+            </p:spPr>
+          </p:pic>
+          <p:pic>
+            <p:nvPicPr>
+              <p:cNvPr id="401" name="Image 400"/>
+              <p:cNvPicPr>
+                <a:picLocks noChangeAspect="1"/>
+              </p:cNvPicPr>
+              <p:nvPr/>
+            </p:nvPicPr>
+            <p:blipFill>
+              <a:blip r:embed="rId2" cstate="print">
+                <a:clrChange>
+                  <a:clrFrom>
+                    <a:srgbClr val="FFFFFF"/>
+                  </a:clrFrom>
+                  <a:clrTo>
+                    <a:srgbClr val="FFFFFF">
+                      <a:alpha val="0"/>
+                    </a:srgbClr>
+                  </a:clrTo>
+                </a:clrChange>
+                <a:duotone>
+                  <a:prstClr val="black"/>
+                  <a:srgbClr val="70AD47">
+                    <a:tint val="45000"/>
+                    <a:satMod val="400000"/>
+                  </a:srgbClr>
+                </a:duotone>
+                <a:extLst>
+                  <a:ext uri="{28A0092B-C50C-407E-A947-70E740481C1C}">
+                    <a14:useLocalDpi xmlns:a14="http://schemas.microsoft.com/office/drawing/2010/main" val="0"/>
+                  </a:ext>
+                </a:extLst>
+              </a:blip>
+              <a:stretch>
+                <a:fillRect/>
+              </a:stretch>
+            </p:blipFill>
+            <p:spPr>
+              <a:xfrm>
+                <a:off x="8260208" y="2718637"/>
+                <a:ext cx="210141" cy="444686"/>
+              </a:xfrm>
+              <a:prstGeom prst="rect">
+                <a:avLst/>
+              </a:prstGeom>
+            </p:spPr>
+          </p:pic>
+          <p:pic>
+            <p:nvPicPr>
+              <p:cNvPr id="402" name="Image 401"/>
+              <p:cNvPicPr>
+                <a:picLocks noChangeAspect="1"/>
+              </p:cNvPicPr>
+              <p:nvPr/>
+            </p:nvPicPr>
+            <p:blipFill>
+              <a:blip r:embed="rId2" cstate="print">
+                <a:clrChange>
+                  <a:clrFrom>
+                    <a:srgbClr val="FFFFFF"/>
+                  </a:clrFrom>
+                  <a:clrTo>
+                    <a:srgbClr val="FFFFFF">
+                      <a:alpha val="0"/>
+                    </a:srgbClr>
+                  </a:clrTo>
+                </a:clrChange>
+                <a:duotone>
+                  <a:prstClr val="black"/>
+                  <a:srgbClr val="4472C4">
+                    <a:tint val="45000"/>
+                    <a:satMod val="400000"/>
+                  </a:srgbClr>
+                </a:duotone>
+                <a:extLst>
+                  <a:ext uri="{28A0092B-C50C-407E-A947-70E740481C1C}">
+                    <a14:useLocalDpi xmlns:a14="http://schemas.microsoft.com/office/drawing/2010/main" val="0"/>
+                  </a:ext>
+                </a:extLst>
+              </a:blip>
+              <a:stretch>
+                <a:fillRect/>
+              </a:stretch>
+            </p:blipFill>
+            <p:spPr>
+              <a:xfrm>
+                <a:off x="8135162" y="3108620"/>
+                <a:ext cx="210141" cy="444686"/>
+              </a:xfrm>
+              <a:prstGeom prst="rect">
+                <a:avLst/>
+              </a:prstGeom>
+            </p:spPr>
+          </p:pic>
+          <p:pic>
+            <p:nvPicPr>
+              <p:cNvPr id="403" name="Image 402"/>
+              <p:cNvPicPr>
+                <a:picLocks noChangeAspect="1"/>
+              </p:cNvPicPr>
+              <p:nvPr/>
+            </p:nvPicPr>
+            <p:blipFill>
+              <a:blip r:embed="rId2" cstate="print">
+                <a:clrChange>
+                  <a:clrFrom>
+                    <a:srgbClr val="FFFFFF"/>
+                  </a:clrFrom>
+                  <a:clrTo>
+                    <a:srgbClr val="FFFFFF">
+                      <a:alpha val="0"/>
+                    </a:srgbClr>
+                  </a:clrTo>
+                </a:clrChange>
+                <a:extLst>
+                  <a:ext uri="{28A0092B-C50C-407E-A947-70E740481C1C}">
+                    <a14:useLocalDpi xmlns:a14="http://schemas.microsoft.com/office/drawing/2010/main" val="0"/>
+                  </a:ext>
+                </a:extLst>
+              </a:blip>
+              <a:stretch>
+                <a:fillRect/>
+              </a:stretch>
+            </p:blipFill>
+            <p:spPr>
+              <a:xfrm>
+                <a:off x="8386121" y="3126115"/>
+                <a:ext cx="210141" cy="444686"/>
+              </a:xfrm>
+              <a:prstGeom prst="rect">
+                <a:avLst/>
+              </a:prstGeom>
+            </p:spPr>
+          </p:pic>
+        </p:grpSp>
+        <p:sp>
+          <p:nvSpPr>
+            <p:cNvPr id="2" name="Rectangle 1"/>
+            <p:cNvSpPr/>
+            <p:nvPr/>
+          </p:nvSpPr>
+          <p:spPr>
+            <a:xfrm>
+              <a:off x="4761702" y="970359"/>
+              <a:ext cx="748937" cy="842344"/>
+            </a:xfrm>
+            <a:prstGeom prst="rect">
+              <a:avLst/>
+            </a:prstGeom>
+            <a:solidFill>
+              <a:srgbClr val="FFFFFF">
+                <a:alpha val="49020"/>
+              </a:srgbClr>
+            </a:solidFill>
+            <a:ln>
+              <a:noFill/>
+            </a:ln>
+          </p:spPr>
+          <p:style>
+            <a:lnRef idx="2">
+              <a:schemeClr val="accent1">
+                <a:shade val="50000"/>
+              </a:schemeClr>
+            </a:lnRef>
+            <a:fillRef idx="1">
+              <a:schemeClr val="accent1"/>
+            </a:fillRef>
+            <a:effectRef idx="0">
+              <a:schemeClr val="accent1"/>
+            </a:effectRef>
+            <a:fontRef idx="minor">
+              <a:schemeClr val="lt1"/>
+            </a:fontRef>
+          </p:style>
+          <p:txBody>
+            <a:bodyPr rtlCol="0" anchor="ctr"/>
+            <a:lstStyle/>
+            <a:p>
+              <a:pPr algn="ctr"/>
+              <a:endParaRPr lang="fr-FR" sz="2400"/>
+            </a:p>
+          </p:txBody>
+        </p:sp>
+        <p:pic>
+          <p:nvPicPr>
+            <p:cNvPr id="427" name="Image 426"/>
+            <p:cNvPicPr>
+              <a:picLocks noChangeAspect="1"/>
+            </p:cNvPicPr>
+            <p:nvPr/>
+          </p:nvPicPr>
+          <p:blipFill>
+            <a:blip r:embed="rId2" cstate="print">
+              <a:clrChange>
+                <a:clrFrom>
+                  <a:srgbClr val="FFFFFF"/>
+                </a:clrFrom>
+                <a:clrTo>
+                  <a:srgbClr val="FFFFFF">
+                    <a:alpha val="0"/>
+                  </a:srgbClr>
+                </a:clrTo>
+              </a:clrChange>
+              <a:duotone>
+                <a:prstClr val="black"/>
+                <a:srgbClr val="4472C4">
+                  <a:tint val="45000"/>
+                  <a:satMod val="400000"/>
+                </a:srgbClr>
+              </a:duotone>
+              <a:extLst>
+                <a:ext uri="{28A0092B-C50C-407E-A947-70E740481C1C}">
+                  <a14:useLocalDpi xmlns:a14="http://schemas.microsoft.com/office/drawing/2010/main" val="0"/>
+                </a:ext>
+              </a:extLst>
+            </a:blip>
+            <a:stretch>
+              <a:fillRect/>
+            </a:stretch>
+          </p:blipFill>
+          <p:spPr>
+            <a:xfrm>
+              <a:off x="5924305" y="2273414"/>
+              <a:ext cx="210141" cy="444686"/>
+            </a:xfrm>
+            <a:prstGeom prst="rect">
+              <a:avLst/>
+            </a:prstGeom>
+          </p:spPr>
+        </p:pic>
+        <p:sp>
+          <p:nvSpPr>
+            <p:cNvPr id="428" name="Rectangle 427"/>
+            <p:cNvSpPr/>
+            <p:nvPr/>
+          </p:nvSpPr>
+          <p:spPr>
+            <a:xfrm>
+              <a:off x="6240983" y="920228"/>
+              <a:ext cx="550816" cy="1159730"/>
+            </a:xfrm>
+            <a:prstGeom prst="rect">
+              <a:avLst/>
+            </a:prstGeom>
+            <a:solidFill>
+              <a:srgbClr val="FFFFFF">
+                <a:alpha val="49020"/>
+              </a:srgbClr>
+            </a:solidFill>
+            <a:ln>
+              <a:noFill/>
+            </a:ln>
+          </p:spPr>
+          <p:style>
+            <a:lnRef idx="2">
+              <a:schemeClr val="accent1">
+                <a:shade val="50000"/>
+              </a:schemeClr>
+            </a:lnRef>
+            <a:fillRef idx="1">
+              <a:schemeClr val="accent1"/>
+            </a:fillRef>
+            <a:effectRef idx="0">
+              <a:schemeClr val="accent1"/>
+            </a:effectRef>
+            <a:fontRef idx="minor">
+              <a:schemeClr val="lt1"/>
+            </a:fontRef>
+          </p:style>
+          <p:txBody>
+            <a:bodyPr rtlCol="0" anchor="ctr"/>
+            <a:lstStyle/>
+            <a:p>
+              <a:pPr algn="ctr"/>
+              <a:endParaRPr lang="fr-FR" sz="2400"/>
+            </a:p>
+          </p:txBody>
+        </p:sp>
+        <p:sp>
+          <p:nvSpPr>
+            <p:cNvPr id="429" name="Curved Left Arrow 24"/>
+            <p:cNvSpPr/>
+            <p:nvPr/>
+          </p:nvSpPr>
+          <p:spPr bwMode="auto">
+            <a:xfrm rot="16200000">
+              <a:off x="6933388" y="520826"/>
+              <a:ext cx="413647" cy="922462"/>
+            </a:xfrm>
+            <a:prstGeom prst="curvedLeftArrow">
+              <a:avLst>
+                <a:gd name="adj1" fmla="val 17699"/>
+                <a:gd name="adj2" fmla="val 50000"/>
+                <a:gd name="adj3" fmla="val 25000"/>
+              </a:avLst>
+            </a:prstGeom>
+            <a:solidFill>
+              <a:sysClr val="window" lastClr="FFFFFF">
+                <a:lumMod val="50000"/>
+              </a:sysClr>
+            </a:solidFill>
+            <a:ln w="9525" cap="flat" cmpd="sng" algn="ctr">
+              <a:noFill/>
+              <a:prstDash val="solid"/>
+              <a:round/>
+              <a:headEnd type="none" w="med" len="med"/>
+              <a:tailEnd type="none" w="med" len="med"/>
+            </a:ln>
+            <a:effectLst/>
+          </p:spPr>
+          <p:txBody>
+            <a:bodyPr/>
+            <a:lstStyle/>
+            <a:p>
+              <a:pPr marL="0" marR="0" lvl="0" indent="0" defTabSz="914400" eaLnBrk="1" fontAlgn="auto" latinLnBrk="0" hangingPunct="1">
+                <a:lnSpc>
+                  <a:spcPct val="100000"/>
+                </a:lnSpc>
+                <a:spcBef>
+                  <a:spcPts val="0"/>
+                </a:spcBef>
+                <a:spcAft>
+                  <a:spcPts val="0"/>
+                </a:spcAft>
+                <a:buClrTx/>
+                <a:buSzTx/>
+                <a:buFontTx/>
+                <a:buNone/>
+                <a:tabLst/>
+                <a:defRPr/>
+              </a:pPr>
+              <a:endParaRPr kumimoji="0" lang="en-US" sz="2800" b="0" i="0" u="none" strike="noStrike" kern="0" cap="none" spc="0" normalizeH="0" baseline="0" noProof="0">
+                <a:ln>
+                  <a:noFill/>
+                </a:ln>
+                <a:solidFill>
+                  <a:prstClr val="black"/>
+                </a:solidFill>
+                <a:effectLst/>
+                <a:uLnTx/>
+                <a:uFillTx/>
+                <a:latin typeface="Calibri" panose="020F0502020204030204"/>
+              </a:endParaRPr>
+            </a:p>
+          </p:txBody>
+        </p:sp>
+        <p:sp>
+          <p:nvSpPr>
+            <p:cNvPr id="430" name="Curved Left Arrow 24"/>
+            <p:cNvSpPr/>
+            <p:nvPr/>
+          </p:nvSpPr>
+          <p:spPr bwMode="auto">
+            <a:xfrm rot="16200000">
+              <a:off x="4292689" y="520861"/>
+              <a:ext cx="413647" cy="922462"/>
+            </a:xfrm>
+            <a:prstGeom prst="curvedLeftArrow">
+              <a:avLst>
+                <a:gd name="adj1" fmla="val 17699"/>
+                <a:gd name="adj2" fmla="val 50000"/>
+                <a:gd name="adj3" fmla="val 25000"/>
+              </a:avLst>
+            </a:prstGeom>
+            <a:solidFill>
+              <a:sysClr val="window" lastClr="FFFFFF">
+                <a:lumMod val="50000"/>
+              </a:sysClr>
+            </a:solidFill>
+            <a:ln w="9525" cap="flat" cmpd="sng" algn="ctr">
+              <a:noFill/>
+              <a:prstDash val="solid"/>
+              <a:round/>
+              <a:headEnd type="none" w="med" len="med"/>
+              <a:tailEnd type="none" w="med" len="med"/>
+            </a:ln>
+            <a:effectLst/>
+          </p:spPr>
+          <p:txBody>
+            <a:bodyPr/>
+            <a:lstStyle/>
+            <a:p>
+              <a:pPr marL="0" marR="0" lvl="0" indent="0" defTabSz="914400" eaLnBrk="1" fontAlgn="auto" latinLnBrk="0" hangingPunct="1">
+                <a:lnSpc>
+                  <a:spcPct val="100000"/>
+                </a:lnSpc>
+                <a:spcBef>
+                  <a:spcPts val="0"/>
+                </a:spcBef>
+                <a:spcAft>
+                  <a:spcPts val="0"/>
+                </a:spcAft>
+                <a:buClrTx/>
+                <a:buSzTx/>
+                <a:buFontTx/>
+                <a:buNone/>
+                <a:tabLst/>
+                <a:defRPr/>
+              </a:pPr>
+              <a:endParaRPr kumimoji="0" lang="en-US" sz="2800" b="0" i="0" u="none" strike="noStrike" kern="0" cap="none" spc="0" normalizeH="0" baseline="0" noProof="0">
+                <a:ln>
+                  <a:noFill/>
+                </a:ln>
+                <a:solidFill>
+                  <a:prstClr val="black"/>
+                </a:solidFill>
+                <a:effectLst/>
+                <a:uLnTx/>
+                <a:uFillTx/>
+                <a:latin typeface="Calibri" panose="020F0502020204030204"/>
+              </a:endParaRPr>
+            </a:p>
+          </p:txBody>
+        </p:sp>
+      </p:grpSp>
+      <p:sp>
+        <p:nvSpPr>
+          <p:cNvPr id="8" name="Rectangle 7"/>
+          <p:cNvSpPr/>
+          <p:nvPr/>
+        </p:nvSpPr>
+        <p:spPr>
+          <a:xfrm>
+            <a:off x="251520" y="6381328"/>
+            <a:ext cx="720080" cy="432048"/>
+          </a:xfrm>
+          <a:prstGeom prst="rect">
+            <a:avLst/>
+          </a:prstGeom>
+          <a:solidFill>
+            <a:srgbClr val="FFFFFF"/>
+          </a:solidFill>
+          <a:ln>
+            <a:noFill/>
+          </a:ln>
+        </p:spPr>
+        <p:style>
+          <a:lnRef idx="2">
+            <a:schemeClr val="accent1">
+              <a:shade val="50000"/>
+            </a:schemeClr>
+          </a:lnRef>
+          <a:fillRef idx="1">
+            <a:schemeClr val="accent1"/>
+          </a:fillRef>
+          <a:effectRef idx="0">
+            <a:schemeClr val="accent1"/>
+          </a:effectRef>
+          <a:fontRef idx="minor">
+            <a:schemeClr val="lt1"/>
+          </a:fontRef>
+        </p:style>
+        <p:txBody>
+          <a:bodyPr rtlCol="0" anchor="ctr"/>
+          <a:lstStyle/>
+          <a:p>
+            <a:pPr algn="ctr"/>
+            <a:endParaRPr lang="fr-FR"/>
+          </a:p>
+        </p:txBody>
+      </p:sp>
+      <p:sp>
+        <p:nvSpPr>
+          <p:cNvPr id="432" name="Rectangle 431"/>
+          <p:cNvSpPr/>
+          <p:nvPr/>
+        </p:nvSpPr>
+        <p:spPr>
+          <a:xfrm>
+            <a:off x="8190757" y="6431041"/>
+            <a:ext cx="720080" cy="432048"/>
+          </a:xfrm>
+          <a:prstGeom prst="rect">
+            <a:avLst/>
+          </a:prstGeom>
+          <a:solidFill>
+            <a:srgbClr val="FFFFFF"/>
+          </a:solidFill>
+          <a:ln>
+            <a:noFill/>
+          </a:ln>
+        </p:spPr>
+        <p:style>
+          <a:lnRef idx="2">
+            <a:schemeClr val="accent1">
+              <a:shade val="50000"/>
+            </a:schemeClr>
+          </a:lnRef>
+          <a:fillRef idx="1">
+            <a:schemeClr val="accent1"/>
+          </a:fillRef>
+          <a:effectRef idx="0">
+            <a:schemeClr val="accent1"/>
+          </a:effectRef>
+          <a:fontRef idx="minor">
+            <a:schemeClr val="lt1"/>
+          </a:fontRef>
+        </p:style>
+        <p:txBody>
+          <a:bodyPr rtlCol="0" anchor="ctr"/>
+          <a:lstStyle/>
+          <a:p>
+            <a:pPr algn="ctr"/>
+            <a:endParaRPr lang="fr-FR"/>
+          </a:p>
+        </p:txBody>
+      </p:sp>
+      <p:sp>
+        <p:nvSpPr>
+          <p:cNvPr id="9" name="Rectangle 8"/>
+          <p:cNvSpPr/>
+          <p:nvPr/>
+        </p:nvSpPr>
+        <p:spPr>
+          <a:xfrm>
+            <a:off x="2921966" y="2329158"/>
+            <a:ext cx="902811" cy="369332"/>
+          </a:xfrm>
+          <a:prstGeom prst="rect">
+            <a:avLst/>
+          </a:prstGeom>
+        </p:spPr>
+        <p:txBody>
+          <a:bodyPr wrap="none">
+            <a:spAutoFit/>
+          </a:bodyPr>
+          <a:lstStyle/>
+          <a:p>
+            <a:pPr lvl="0">
+              <a:defRPr/>
+            </a:pPr>
+            <a:r>
+              <a:rPr lang="fr-FR" kern="0" dirty="0">
+                <a:solidFill>
+                  <a:srgbClr val="C00000"/>
+                </a:solidFill>
+                <a:latin typeface="Times" panose="02020603050405020304" pitchFamily="18" charset="0"/>
+                <a:cs typeface="Times" panose="02020603050405020304" pitchFamily="18" charset="0"/>
+              </a:rPr>
+              <a:t>Filtrage</a:t>
+            </a:r>
+            <a:endParaRPr lang="en-US" kern="0" dirty="0">
+              <a:solidFill>
+                <a:srgbClr val="C00000"/>
+              </a:solidFill>
+              <a:latin typeface="Times" panose="02020603050405020304" pitchFamily="18" charset="0"/>
+              <a:cs typeface="Times" panose="02020603050405020304" pitchFamily="18" charset="0"/>
+            </a:endParaRPr>
+          </a:p>
+        </p:txBody>
+      </p:sp>
+      <p:sp>
+        <p:nvSpPr>
+          <p:cNvPr id="433" name="Curved Left Arrow 24"/>
+          <p:cNvSpPr/>
+          <p:nvPr/>
+        </p:nvSpPr>
+        <p:spPr bwMode="auto">
+          <a:xfrm rot="5400000" flipV="1">
+            <a:off x="4550124" y="4526068"/>
+            <a:ext cx="557792" cy="1243915"/>
+          </a:xfrm>
+          <a:prstGeom prst="curvedLeftArrow">
+            <a:avLst>
+              <a:gd name="adj1" fmla="val 17699"/>
+              <a:gd name="adj2" fmla="val 50000"/>
+              <a:gd name="adj3" fmla="val 25000"/>
+            </a:avLst>
+          </a:prstGeom>
+          <a:solidFill>
+            <a:sysClr val="window" lastClr="FFFFFF">
+              <a:lumMod val="50000"/>
+            </a:sysClr>
+          </a:solidFill>
+          <a:ln w="9525" cap="flat" cmpd="sng" algn="ctr">
+            <a:noFill/>
+            <a:prstDash val="solid"/>
+            <a:round/>
+            <a:headEnd type="none" w="med" len="med"/>
+            <a:tailEnd type="none" w="med" len="med"/>
+          </a:ln>
+          <a:effectLst/>
+        </p:spPr>
+        <p:txBody>
+          <a:bodyPr/>
+          <a:lstStyle/>
+          <a:p>
+            <a:pPr marL="0" marR="0" lvl="0" indent="0" defTabSz="914400" eaLnBrk="1" fontAlgn="auto" latinLnBrk="0" hangingPunct="1">
+              <a:lnSpc>
+                <a:spcPct val="100000"/>
+              </a:lnSpc>
+              <a:spcBef>
+                <a:spcPts val="0"/>
+              </a:spcBef>
+              <a:spcAft>
+                <a:spcPts val="0"/>
+              </a:spcAft>
+              <a:buClrTx/>
+              <a:buSzTx/>
+              <a:buFontTx/>
+              <a:buNone/>
+              <a:tabLst/>
+              <a:defRPr/>
+            </a:pPr>
+            <a:endParaRPr kumimoji="0" lang="en-US" sz="2800" b="0" i="0" u="none" strike="noStrike" kern="0" cap="none" spc="0" normalizeH="0" baseline="0" noProof="0">
+              <a:ln>
+                <a:noFill/>
+              </a:ln>
+              <a:solidFill>
+                <a:prstClr val="black"/>
+              </a:solidFill>
+              <a:effectLst/>
+              <a:uLnTx/>
+              <a:uFillTx/>
+              <a:latin typeface="Calibri" panose="020F0502020204030204"/>
+            </a:endParaRPr>
+          </a:p>
+        </p:txBody>
+      </p:sp>
+      <p:sp>
+        <p:nvSpPr>
+          <p:cNvPr id="434" name="Curved Left Arrow 24"/>
+          <p:cNvSpPr/>
+          <p:nvPr/>
+        </p:nvSpPr>
+        <p:spPr bwMode="auto">
+          <a:xfrm rot="5400000" flipV="1">
+            <a:off x="8090165" y="4605340"/>
+            <a:ext cx="557792" cy="1243915"/>
+          </a:xfrm>
+          <a:prstGeom prst="curvedLeftArrow">
+            <a:avLst>
+              <a:gd name="adj1" fmla="val 17699"/>
+              <a:gd name="adj2" fmla="val 50000"/>
+              <a:gd name="adj3" fmla="val 25000"/>
+            </a:avLst>
+          </a:prstGeom>
+          <a:solidFill>
+            <a:sysClr val="window" lastClr="FFFFFF">
+              <a:lumMod val="50000"/>
+            </a:sysClr>
+          </a:solidFill>
+          <a:ln w="9525" cap="flat" cmpd="sng" algn="ctr">
+            <a:noFill/>
+            <a:prstDash val="solid"/>
+            <a:round/>
+            <a:headEnd type="none" w="med" len="med"/>
+            <a:tailEnd type="none" w="med" len="med"/>
+          </a:ln>
+          <a:effectLst/>
+        </p:spPr>
+        <p:txBody>
+          <a:bodyPr/>
+          <a:lstStyle/>
+          <a:p>
+            <a:pPr marL="0" marR="0" lvl="0" indent="0" defTabSz="914400" eaLnBrk="1" fontAlgn="auto" latinLnBrk="0" hangingPunct="1">
+              <a:lnSpc>
+                <a:spcPct val="100000"/>
+              </a:lnSpc>
+              <a:spcBef>
+                <a:spcPts val="0"/>
+              </a:spcBef>
+              <a:spcAft>
+                <a:spcPts val="0"/>
+              </a:spcAft>
+              <a:buClrTx/>
+              <a:buSzTx/>
+              <a:buFontTx/>
+              <a:buNone/>
+              <a:tabLst/>
+              <a:defRPr/>
+            </a:pPr>
+            <a:endParaRPr kumimoji="0" lang="en-US" sz="2800" b="0" i="0" u="none" strike="noStrike" kern="0" cap="none" spc="0" normalizeH="0" baseline="0" noProof="0">
+              <a:ln>
+                <a:noFill/>
+              </a:ln>
+              <a:solidFill>
+                <a:prstClr val="black"/>
+              </a:solidFill>
+              <a:effectLst/>
+              <a:uLnTx/>
+              <a:uFillTx/>
+              <a:latin typeface="Calibri" panose="020F0502020204030204"/>
+            </a:endParaRPr>
+          </a:p>
+        </p:txBody>
+      </p:sp>
+    </p:spTree>
+    <p:extLst>
+      <p:ext uri="{BB962C8B-B14F-4D97-AF65-F5344CB8AC3E}">
+        <p14:creationId xmlns:p14="http://schemas.microsoft.com/office/powerpoint/2010/main" val="2177930026"/>
+      </p:ext>
+    </p:extLst>
+  </p:cSld>
+  <p:clrMapOvr>
+    <a:masterClrMapping/>
+  </p:clrMapOvr>
+</p:sld>
+</file>
+
+<file path=ppt/slides/slide6.xml><?xml version="1.0" encoding="utf-8"?>
+<p:sld xmlns:a="http://schemas.openxmlformats.org/drawingml/2006/main" xmlns:r="http://schemas.openxmlformats.org/officeDocument/2006/relationships" xmlns:p="http://schemas.openxmlformats.org/presentationml/2006/main">
+  <p:cSld>
+    <p:spTree>
+      <p:nvGrpSpPr>
+        <p:cNvPr id="1" name=""/>
+        <p:cNvGrpSpPr/>
+        <p:nvPr/>
+      </p:nvGrpSpPr>
+      <p:grpSpPr>
+        <a:xfrm>
+          <a:off x="0" y="0"/>
+          <a:ext cx="0" cy="0"/>
+          <a:chOff x="0" y="0"/>
+          <a:chExt cx="0" cy="0"/>
+        </a:xfrm>
+      </p:grpSpPr>
+      <p:sp>
+        <p:nvSpPr>
+          <p:cNvPr id="4" name="Rectangle 3"/>
+          <p:cNvSpPr/>
+          <p:nvPr/>
+        </p:nvSpPr>
+        <p:spPr>
+          <a:xfrm>
+            <a:off x="938660" y="1555657"/>
+            <a:ext cx="1249060" cy="338554"/>
+          </a:xfrm>
+          <a:prstGeom prst="rect">
+            <a:avLst/>
+          </a:prstGeom>
+          <a:ln>
+            <a:solidFill>
+              <a:schemeClr val="tx1"/>
+            </a:solidFill>
+          </a:ln>
+        </p:spPr>
+        <p:txBody>
+          <a:bodyPr wrap="none">
+            <a:spAutoFit/>
+          </a:bodyPr>
+          <a:lstStyle/>
+          <a:p>
+            <a:r>
+              <a:rPr lang="fr-FR" altLang="en-US" sz="1600" dirty="0" smtClean="0">
+                <a:latin typeface="Times" panose="02020603050405020304" pitchFamily="18" charset="0"/>
+                <a:cs typeface="Times" panose="02020603050405020304" pitchFamily="18" charset="0"/>
+              </a:rPr>
+              <a:t>Déterministe</a:t>
+            </a:r>
+            <a:endParaRPr lang="en-US" sz="1600" dirty="0">
+              <a:latin typeface="Times" panose="02020603050405020304" pitchFamily="18" charset="0"/>
+              <a:cs typeface="Times" panose="02020603050405020304" pitchFamily="18" charset="0"/>
+            </a:endParaRPr>
+          </a:p>
+        </p:txBody>
+      </p:sp>
+      <p:sp>
+        <p:nvSpPr>
+          <p:cNvPr id="5" name="Rectangle 4"/>
+          <p:cNvSpPr/>
+          <p:nvPr/>
+        </p:nvSpPr>
+        <p:spPr>
+          <a:xfrm>
+            <a:off x="1160984" y="3019465"/>
+            <a:ext cx="744114" cy="338554"/>
+          </a:xfrm>
+          <a:prstGeom prst="rect">
+            <a:avLst/>
+          </a:prstGeom>
+          <a:ln>
+            <a:solidFill>
+              <a:schemeClr val="tx1"/>
+            </a:solidFill>
+          </a:ln>
+        </p:spPr>
+        <p:txBody>
+          <a:bodyPr wrap="none">
+            <a:spAutoFit/>
+          </a:bodyPr>
+          <a:lstStyle/>
+          <a:p>
+            <a:r>
+              <a:rPr lang="fr-FR" altLang="en-US" sz="1600" dirty="0" smtClean="0">
+                <a:latin typeface="Times" panose="02020603050405020304" pitchFamily="18" charset="0"/>
+                <a:cs typeface="Times" panose="02020603050405020304" pitchFamily="18" charset="0"/>
+              </a:rPr>
+              <a:t>Neutre</a:t>
+            </a:r>
+            <a:endParaRPr lang="en-US" sz="1600" dirty="0">
+              <a:latin typeface="Times" panose="02020603050405020304" pitchFamily="18" charset="0"/>
+              <a:cs typeface="Times" panose="02020603050405020304" pitchFamily="18" charset="0"/>
+            </a:endParaRPr>
+          </a:p>
+        </p:txBody>
+      </p:sp>
+      <p:cxnSp>
+        <p:nvCxnSpPr>
+          <p:cNvPr id="6" name="Connecteur droit 5"/>
+          <p:cNvCxnSpPr/>
+          <p:nvPr/>
+        </p:nvCxnSpPr>
+        <p:spPr>
+          <a:xfrm>
+            <a:off x="977401" y="2777130"/>
+            <a:ext cx="5978028" cy="14753"/>
+          </a:xfrm>
+          <a:prstGeom prst="line">
+            <a:avLst/>
+          </a:prstGeom>
+          <a:ln>
+            <a:solidFill>
+              <a:schemeClr val="tx1"/>
+            </a:solidFill>
+            <a:prstDash val="dash"/>
+          </a:ln>
+        </p:spPr>
+        <p:style>
+          <a:lnRef idx="1">
+            <a:schemeClr val="accent1"/>
+          </a:lnRef>
+          <a:fillRef idx="0">
+            <a:schemeClr val="accent1"/>
+          </a:fillRef>
+          <a:effectRef idx="0">
+            <a:schemeClr val="accent1"/>
+          </a:effectRef>
+          <a:fontRef idx="minor">
+            <a:schemeClr val="tx1"/>
+          </a:fontRef>
+        </p:style>
+      </p:cxnSp>
+      <p:sp>
+        <p:nvSpPr>
+          <p:cNvPr id="7" name="Croix 6"/>
+          <p:cNvSpPr/>
+          <p:nvPr/>
+        </p:nvSpPr>
+        <p:spPr>
+          <a:xfrm rot="2863819">
+            <a:off x="2465440" y="806055"/>
+            <a:ext cx="360000" cy="359107"/>
+          </a:xfrm>
+          <a:prstGeom prst="plus">
+            <a:avLst>
+              <a:gd name="adj" fmla="val 39589"/>
+            </a:avLst>
+          </a:prstGeom>
+          <a:solidFill>
+            <a:srgbClr val="C00000"/>
+          </a:solidFill>
+          <a:ln>
+            <a:noFill/>
+          </a:ln>
+        </p:spPr>
+        <p:style>
+          <a:lnRef idx="2">
+            <a:schemeClr val="accent1">
+              <a:shade val="50000"/>
+            </a:schemeClr>
+          </a:lnRef>
+          <a:fillRef idx="1">
+            <a:schemeClr val="accent1"/>
+          </a:fillRef>
+          <a:effectRef idx="0">
+            <a:schemeClr val="accent1"/>
+          </a:effectRef>
+          <a:fontRef idx="minor">
+            <a:schemeClr val="lt1"/>
+          </a:fontRef>
+        </p:style>
+        <p:txBody>
+          <a:bodyPr rtlCol="0" anchor="ctr"/>
+          <a:lstStyle/>
+          <a:p>
+            <a:pPr algn="ctr"/>
+            <a:endParaRPr lang="fr-FR"/>
+          </a:p>
+        </p:txBody>
+      </p:sp>
+      <p:grpSp>
+        <p:nvGrpSpPr>
+          <p:cNvPr id="8" name="Groupe 7"/>
+          <p:cNvGrpSpPr/>
+          <p:nvPr/>
+        </p:nvGrpSpPr>
+        <p:grpSpPr>
+          <a:xfrm>
+            <a:off x="3050231" y="507283"/>
+            <a:ext cx="3905198" cy="3708679"/>
+            <a:chOff x="3050231" y="507283"/>
+            <a:chExt cx="3905198" cy="3708679"/>
+          </a:xfrm>
+        </p:grpSpPr>
+        <p:grpSp>
+          <p:nvGrpSpPr>
+            <p:cNvPr id="9" name="Group 11"/>
+            <p:cNvGrpSpPr/>
+            <p:nvPr/>
+          </p:nvGrpSpPr>
+          <p:grpSpPr>
+            <a:xfrm>
+              <a:off x="3050231" y="775268"/>
+              <a:ext cx="3905198" cy="3440694"/>
+              <a:chOff x="-1931878" y="1020901"/>
+              <a:chExt cx="2773216" cy="2443356"/>
+            </a:xfrm>
+          </p:grpSpPr>
+          <p:sp>
+            <p:nvSpPr>
+              <p:cNvPr id="11" name="Rectangle 10"/>
+              <p:cNvSpPr/>
+              <p:nvPr/>
+            </p:nvSpPr>
+            <p:spPr>
+              <a:xfrm>
+                <a:off x="-1931878" y="1509381"/>
+                <a:ext cx="999242" cy="196707"/>
+              </a:xfrm>
+              <a:prstGeom prst="rect">
+                <a:avLst/>
+              </a:prstGeom>
+            </p:spPr>
+            <p:txBody>
+              <a:bodyPr wrap="square">
+                <a:spAutoFit/>
+              </a:bodyPr>
+              <a:lstStyle/>
+              <a:p>
+                <a:r>
+                  <a:rPr lang="fr-FR" sz="1200" dirty="0" smtClean="0">
+                    <a:solidFill>
+                      <a:srgbClr val="C00000"/>
+                    </a:solidFill>
+                    <a:latin typeface="Times" panose="02020603050405020304" pitchFamily="18" charset="0"/>
+                    <a:cs typeface="Times" panose="02020603050405020304" pitchFamily="18" charset="0"/>
+                  </a:rPr>
+                  <a:t>Compétition</a:t>
+                </a:r>
+                <a:endParaRPr lang="en-US" sz="1200" dirty="0">
+                  <a:solidFill>
+                    <a:srgbClr val="C00000"/>
+                  </a:solidFill>
+                  <a:latin typeface="Times" panose="02020603050405020304" pitchFamily="18" charset="0"/>
+                  <a:cs typeface="Times" panose="02020603050405020304" pitchFamily="18" charset="0"/>
+                </a:endParaRPr>
+              </a:p>
+            </p:txBody>
+          </p:sp>
+          <p:grpSp>
+            <p:nvGrpSpPr>
+              <p:cNvPr id="12" name="Group 10"/>
+              <p:cNvGrpSpPr/>
+              <p:nvPr/>
+            </p:nvGrpSpPr>
+            <p:grpSpPr>
+              <a:xfrm>
+                <a:off x="-1230229" y="1020901"/>
+                <a:ext cx="2071567" cy="2443356"/>
+                <a:chOff x="-1230229" y="1020901"/>
+                <a:chExt cx="2071567" cy="2443356"/>
+              </a:xfrm>
+            </p:grpSpPr>
+            <p:grpSp>
+              <p:nvGrpSpPr>
+                <p:cNvPr id="13" name="Group 8"/>
+                <p:cNvGrpSpPr/>
+                <p:nvPr/>
+              </p:nvGrpSpPr>
+              <p:grpSpPr>
+                <a:xfrm>
+                  <a:off x="-792087" y="1180925"/>
+                  <a:ext cx="1633425" cy="2283332"/>
+                  <a:chOff x="515666" y="1201201"/>
+                  <a:chExt cx="1633425" cy="2283332"/>
+                </a:xfrm>
+              </p:grpSpPr>
+              <p:sp>
+                <p:nvSpPr>
+                  <p:cNvPr id="15" name="Rectangle 1"/>
+                  <p:cNvSpPr>
+                    <a:spLocks noChangeArrowheads="1"/>
+                  </p:cNvSpPr>
+                  <p:nvPr/>
+                </p:nvSpPr>
+                <p:spPr bwMode="auto">
+                  <a:xfrm>
+                    <a:off x="515666" y="1201201"/>
+                    <a:ext cx="1542316" cy="2016688"/>
+                  </a:xfrm>
+                  <a:prstGeom prst="rect">
+                    <a:avLst/>
+                  </a:prstGeom>
+                  <a:noFill/>
+                  <a:ln w="28575" algn="ctr">
+                    <a:solidFill>
+                      <a:schemeClr val="accent6">
+                        <a:alpha val="50196"/>
+                      </a:schemeClr>
+                    </a:solidFill>
+                    <a:prstDash val="sysDash"/>
+                    <a:round/>
+                    <a:headEnd/>
+                    <a:tailEnd/>
+                  </a:ln>
+                  <a:extLst>
+                    <a:ext uri="{909E8E84-426E-40DD-AFC4-6F175D3DCCD1}">
+                      <a14:hiddenFill xmlns:a14="http://schemas.microsoft.com/office/drawing/2010/main">
+                        <a:solidFill>
+                          <a:srgbClr val="FFFFFF"/>
+                        </a:solidFill>
+                      </a14:hiddenFill>
+                    </a:ext>
+                  </a:extLst>
+                </p:spPr>
+                <p:txBody>
+                  <a:bodyPr/>
+                  <a:lstStyle>
+                    <a:lvl1pPr>
+                      <a:defRPr sz="2400">
+                        <a:solidFill>
+                          <a:schemeClr val="tx1"/>
+                        </a:solidFill>
+                        <a:latin typeface="Times" panose="02020603050405020304" pitchFamily="18" charset="0"/>
+                      </a:defRPr>
+                    </a:lvl1pPr>
+                    <a:lvl2pPr marL="742950" indent="-285750">
+                      <a:defRPr sz="2400">
+                        <a:solidFill>
+                          <a:schemeClr val="tx1"/>
+                        </a:solidFill>
+                        <a:latin typeface="Times" panose="02020603050405020304" pitchFamily="18" charset="0"/>
+                      </a:defRPr>
+                    </a:lvl2pPr>
+                    <a:lvl3pPr marL="1143000" indent="-228600">
+                      <a:defRPr sz="2400">
+                        <a:solidFill>
+                          <a:schemeClr val="tx1"/>
+                        </a:solidFill>
+                        <a:latin typeface="Times" panose="02020603050405020304" pitchFamily="18" charset="0"/>
+                      </a:defRPr>
+                    </a:lvl3pPr>
+                    <a:lvl4pPr marL="1600200" indent="-228600">
+                      <a:defRPr sz="2400">
+                        <a:solidFill>
+                          <a:schemeClr val="tx1"/>
+                        </a:solidFill>
+                        <a:latin typeface="Times" panose="02020603050405020304" pitchFamily="18" charset="0"/>
+                      </a:defRPr>
+                    </a:lvl4pPr>
+                    <a:lvl5pPr marL="2057400" indent="-228600">
+                      <a:defRPr sz="2400">
+                        <a:solidFill>
+                          <a:schemeClr val="tx1"/>
+                        </a:solidFill>
+                        <a:latin typeface="Times" panose="02020603050405020304" pitchFamily="18" charset="0"/>
+                      </a:defRPr>
+                    </a:lvl5pPr>
+                    <a:lvl6pPr marL="2514600" indent="-228600" eaLnBrk="0" fontAlgn="base" hangingPunct="0">
+                      <a:spcBef>
+                        <a:spcPct val="0"/>
+                      </a:spcBef>
+                      <a:spcAft>
+                        <a:spcPct val="0"/>
+                      </a:spcAft>
+                      <a:defRPr sz="2400">
+                        <a:solidFill>
+                          <a:schemeClr val="tx1"/>
+                        </a:solidFill>
+                        <a:latin typeface="Times" panose="02020603050405020304" pitchFamily="18" charset="0"/>
+                      </a:defRPr>
+                    </a:lvl6pPr>
+                    <a:lvl7pPr marL="2971800" indent="-228600" eaLnBrk="0" fontAlgn="base" hangingPunct="0">
+                      <a:spcBef>
+                        <a:spcPct val="0"/>
+                      </a:spcBef>
+                      <a:spcAft>
+                        <a:spcPct val="0"/>
+                      </a:spcAft>
+                      <a:defRPr sz="2400">
+                        <a:solidFill>
+                          <a:schemeClr val="tx1"/>
+                        </a:solidFill>
+                        <a:latin typeface="Times" panose="02020603050405020304" pitchFamily="18" charset="0"/>
+                      </a:defRPr>
+                    </a:lvl7pPr>
+                    <a:lvl8pPr marL="3429000" indent="-228600" eaLnBrk="0" fontAlgn="base" hangingPunct="0">
+                      <a:spcBef>
+                        <a:spcPct val="0"/>
+                      </a:spcBef>
+                      <a:spcAft>
+                        <a:spcPct val="0"/>
+                      </a:spcAft>
+                      <a:defRPr sz="2400">
+                        <a:solidFill>
+                          <a:schemeClr val="tx1"/>
+                        </a:solidFill>
+                        <a:latin typeface="Times" panose="02020603050405020304" pitchFamily="18" charset="0"/>
+                      </a:defRPr>
+                    </a:lvl8pPr>
+                    <a:lvl9pPr marL="3886200" indent="-228600" eaLnBrk="0" fontAlgn="base" hangingPunct="0">
+                      <a:spcBef>
+                        <a:spcPct val="0"/>
+                      </a:spcBef>
+                      <a:spcAft>
+                        <a:spcPct val="0"/>
+                      </a:spcAft>
+                      <a:defRPr sz="2400">
+                        <a:solidFill>
+                          <a:schemeClr val="tx1"/>
+                        </a:solidFill>
+                        <a:latin typeface="Times" panose="02020603050405020304" pitchFamily="18" charset="0"/>
+                      </a:defRPr>
+                    </a:lvl9pPr>
+                  </a:lstStyle>
+                  <a:p>
+                    <a:endParaRPr lang="en-US" altLang="en-US" sz="2800">
+                      <a:solidFill>
+                        <a:srgbClr val="B2B2B2"/>
+                      </a:solidFill>
+                    </a:endParaRPr>
+                  </a:p>
+                </p:txBody>
+              </p:sp>
+              <p:sp>
+                <p:nvSpPr>
+                  <p:cNvPr id="16" name="ZoneTexte 20"/>
+                  <p:cNvSpPr txBox="1">
+                    <a:spLocks noChangeArrowheads="1"/>
+                  </p:cNvSpPr>
+                  <p:nvPr/>
+                </p:nvSpPr>
+                <p:spPr bwMode="auto">
+                  <a:xfrm>
+                    <a:off x="1134595" y="3222258"/>
+                    <a:ext cx="1014496" cy="262275"/>
+                  </a:xfrm>
+                  <a:prstGeom prst="rect">
+                    <a:avLst/>
+                  </a:prstGeom>
+                  <a:noFill/>
+                  <a:ln>
+                    <a:noFill/>
+                  </a:ln>
+                  <a:extLst>
+                    <a:ext uri="{909E8E84-426E-40DD-AFC4-6F175D3DCCD1}">
+                      <a14:hiddenFill xmlns:a14="http://schemas.microsoft.com/office/drawing/2010/main">
+                        <a:solidFill>
+                          <a:srgbClr val="FFFFFF"/>
+                        </a:solidFill>
+                      </a14:hiddenFill>
+                    </a:ext>
+                    <a:ext uri="{91240B29-F687-4F45-9708-019B960494DF}">
+                      <a14:hiddenLine xmlns:a14="http://schemas.microsoft.com/office/drawing/2010/main" w="9525">
+                        <a:solidFill>
+                          <a:srgbClr val="000000"/>
+                        </a:solidFill>
+                        <a:miter lim="800000"/>
+                        <a:headEnd/>
+                        <a:tailEnd/>
+                      </a14:hiddenLine>
+                    </a:ext>
+                  </a:extLst>
+                </p:spPr>
+                <p:txBody>
+                  <a:bodyPr wrap="none">
+                    <a:spAutoFit/>
+                  </a:bodyPr>
+                  <a:lstStyle>
+                    <a:lvl1pPr>
+                      <a:defRPr sz="2400">
+                        <a:solidFill>
+                          <a:schemeClr val="tx1"/>
+                        </a:solidFill>
+                        <a:latin typeface="Times" panose="02020603050405020304" pitchFamily="18" charset="0"/>
+                      </a:defRPr>
+                    </a:lvl1pPr>
+                    <a:lvl2pPr marL="742950" indent="-285750">
+                      <a:defRPr sz="2400">
+                        <a:solidFill>
+                          <a:schemeClr val="tx1"/>
+                        </a:solidFill>
+                        <a:latin typeface="Times" panose="02020603050405020304" pitchFamily="18" charset="0"/>
+                      </a:defRPr>
+                    </a:lvl2pPr>
+                    <a:lvl3pPr marL="1143000" indent="-228600">
+                      <a:defRPr sz="2400">
+                        <a:solidFill>
+                          <a:schemeClr val="tx1"/>
+                        </a:solidFill>
+                        <a:latin typeface="Times" panose="02020603050405020304" pitchFamily="18" charset="0"/>
+                      </a:defRPr>
+                    </a:lvl3pPr>
+                    <a:lvl4pPr marL="1600200" indent="-228600">
+                      <a:defRPr sz="2400">
+                        <a:solidFill>
+                          <a:schemeClr val="tx1"/>
+                        </a:solidFill>
+                        <a:latin typeface="Times" panose="02020603050405020304" pitchFamily="18" charset="0"/>
+                      </a:defRPr>
+                    </a:lvl4pPr>
+                    <a:lvl5pPr marL="2057400" indent="-228600">
+                      <a:defRPr sz="2400">
+                        <a:solidFill>
+                          <a:schemeClr val="tx1"/>
+                        </a:solidFill>
+                        <a:latin typeface="Times" panose="02020603050405020304" pitchFamily="18" charset="0"/>
+                      </a:defRPr>
+                    </a:lvl5pPr>
+                    <a:lvl6pPr marL="2514600" indent="-228600" eaLnBrk="0" fontAlgn="base" hangingPunct="0">
+                      <a:spcBef>
+                        <a:spcPct val="0"/>
+                      </a:spcBef>
+                      <a:spcAft>
+                        <a:spcPct val="0"/>
+                      </a:spcAft>
+                      <a:defRPr sz="2400">
+                        <a:solidFill>
+                          <a:schemeClr val="tx1"/>
+                        </a:solidFill>
+                        <a:latin typeface="Times" panose="02020603050405020304" pitchFamily="18" charset="0"/>
+                      </a:defRPr>
+                    </a:lvl6pPr>
+                    <a:lvl7pPr marL="2971800" indent="-228600" eaLnBrk="0" fontAlgn="base" hangingPunct="0">
+                      <a:spcBef>
+                        <a:spcPct val="0"/>
+                      </a:spcBef>
+                      <a:spcAft>
+                        <a:spcPct val="0"/>
+                      </a:spcAft>
+                      <a:defRPr sz="2400">
+                        <a:solidFill>
+                          <a:schemeClr val="tx1"/>
+                        </a:solidFill>
+                        <a:latin typeface="Times" panose="02020603050405020304" pitchFamily="18" charset="0"/>
+                      </a:defRPr>
+                    </a:lvl7pPr>
+                    <a:lvl8pPr marL="3429000" indent="-228600" eaLnBrk="0" fontAlgn="base" hangingPunct="0">
+                      <a:spcBef>
+                        <a:spcPct val="0"/>
+                      </a:spcBef>
+                      <a:spcAft>
+                        <a:spcPct val="0"/>
+                      </a:spcAft>
+                      <a:defRPr sz="2400">
+                        <a:solidFill>
+                          <a:schemeClr val="tx1"/>
+                        </a:solidFill>
+                        <a:latin typeface="Times" panose="02020603050405020304" pitchFamily="18" charset="0"/>
+                      </a:defRPr>
+                    </a:lvl8pPr>
+                    <a:lvl9pPr marL="3886200" indent="-228600" eaLnBrk="0" fontAlgn="base" hangingPunct="0">
+                      <a:spcBef>
+                        <a:spcPct val="0"/>
+                      </a:spcBef>
+                      <a:spcAft>
+                        <a:spcPct val="0"/>
+                      </a:spcAft>
+                      <a:defRPr sz="2400">
+                        <a:solidFill>
+                          <a:schemeClr val="tx1"/>
+                        </a:solidFill>
+                        <a:latin typeface="Times" panose="02020603050405020304" pitchFamily="18" charset="0"/>
+                      </a:defRPr>
+                    </a:lvl9pPr>
+                  </a:lstStyle>
+                  <a:p>
+                    <a:r>
+                      <a:rPr lang="fr-FR" altLang="en-US" sz="1800" dirty="0" smtClean="0">
+                        <a:solidFill>
+                          <a:schemeClr val="accent6"/>
+                        </a:solidFill>
+                      </a:rPr>
+                      <a:t>Communauté</a:t>
+                    </a:r>
+                    <a:endParaRPr lang="en-US" altLang="en-US" sz="1800" dirty="0">
+                      <a:solidFill>
+                        <a:schemeClr val="accent6"/>
+                      </a:solidFill>
+                    </a:endParaRPr>
+                  </a:p>
+                </p:txBody>
+              </p:sp>
+            </p:grpSp>
+            <p:sp>
+              <p:nvSpPr>
+                <p:cNvPr id="14" name="Curved Left Arrow 24"/>
+                <p:cNvSpPr/>
+                <p:nvPr/>
+              </p:nvSpPr>
+              <p:spPr bwMode="auto">
+                <a:xfrm rot="16200000">
+                  <a:off x="-1049566" y="840238"/>
+                  <a:ext cx="293745" cy="655072"/>
+                </a:xfrm>
+                <a:prstGeom prst="curvedLeftArrow">
+                  <a:avLst>
+                    <a:gd name="adj1" fmla="val 17699"/>
+                    <a:gd name="adj2" fmla="val 50000"/>
+                    <a:gd name="adj3" fmla="val 25000"/>
+                  </a:avLst>
+                </a:prstGeom>
+                <a:solidFill>
+                  <a:schemeClr val="bg1">
+                    <a:lumMod val="50000"/>
+                  </a:schemeClr>
+                </a:solidFill>
+                <a:ln w="9525" cap="flat" cmpd="sng" algn="ctr">
+                  <a:noFill/>
+                  <a:prstDash val="solid"/>
+                  <a:round/>
+                  <a:headEnd type="none" w="med" len="med"/>
+                  <a:tailEnd type="none" w="med" len="med"/>
+                </a:ln>
+                <a:effectLst/>
+              </p:spPr>
+              <p:txBody>
+                <a:bodyPr/>
+                <a:lstStyle/>
+                <a:p>
+                  <a:pPr>
+                    <a:defRPr/>
+                  </a:pPr>
+                  <a:endParaRPr lang="en-US" sz="2000"/>
+                </a:p>
+              </p:txBody>
+            </p:sp>
+          </p:grpSp>
+        </p:grpSp>
+        <p:sp>
+          <p:nvSpPr>
+            <p:cNvPr id="10" name="Rectangle 9"/>
+            <p:cNvSpPr/>
+            <p:nvPr/>
+          </p:nvSpPr>
+          <p:spPr>
+            <a:xfrm>
+              <a:off x="3947918" y="507283"/>
+              <a:ext cx="1103187" cy="307777"/>
+            </a:xfrm>
+            <a:prstGeom prst="rect">
+              <a:avLst/>
+            </a:prstGeom>
+          </p:spPr>
+          <p:txBody>
+            <a:bodyPr wrap="none">
+              <a:spAutoFit/>
+            </a:bodyPr>
+            <a:lstStyle/>
+            <a:p>
+              <a:r>
+                <a:rPr lang="fr-FR" altLang="en-US" sz="1400" dirty="0" smtClean="0">
+                  <a:latin typeface="Times" panose="02020603050405020304" pitchFamily="18" charset="0"/>
+                  <a:cs typeface="Times" panose="02020603050405020304" pitchFamily="18" charset="0"/>
+                </a:rPr>
+                <a:t>Recrutement</a:t>
+              </a:r>
+              <a:endParaRPr lang="en-US" sz="1400" dirty="0">
+                <a:latin typeface="Times" panose="02020603050405020304" pitchFamily="18" charset="0"/>
+                <a:cs typeface="Times" panose="02020603050405020304" pitchFamily="18" charset="0"/>
+              </a:endParaRPr>
+            </a:p>
+          </p:txBody>
+        </p:sp>
+      </p:grpSp>
+      <p:sp>
+        <p:nvSpPr>
+          <p:cNvPr id="17" name="Flèche droite 16"/>
+          <p:cNvSpPr/>
+          <p:nvPr/>
+        </p:nvSpPr>
+        <p:spPr>
+          <a:xfrm>
+            <a:off x="3139595" y="1686302"/>
+            <a:ext cx="737372" cy="141121"/>
+          </a:xfrm>
+          <a:prstGeom prst="rightArrow">
+            <a:avLst/>
+          </a:prstGeom>
+          <a:solidFill>
+            <a:srgbClr val="C00000"/>
+          </a:solidFill>
+          <a:ln>
+            <a:noFill/>
+          </a:ln>
+        </p:spPr>
+        <p:style>
+          <a:lnRef idx="2">
+            <a:schemeClr val="accent1">
+              <a:shade val="50000"/>
+            </a:schemeClr>
+          </a:lnRef>
+          <a:fillRef idx="1">
+            <a:schemeClr val="accent1"/>
+          </a:fillRef>
+          <a:effectRef idx="0">
+            <a:schemeClr val="accent1"/>
+          </a:effectRef>
+          <a:fontRef idx="minor">
+            <a:schemeClr val="lt1"/>
+          </a:fontRef>
+        </p:style>
+        <p:txBody>
+          <a:bodyPr rtlCol="0" anchor="ctr"/>
+          <a:lstStyle/>
+          <a:p>
+            <a:pPr algn="ctr"/>
+            <a:endParaRPr lang="fr-FR"/>
+          </a:p>
+        </p:txBody>
+      </p:sp>
+      <p:grpSp>
+        <p:nvGrpSpPr>
+          <p:cNvPr id="18" name="Groupe 17"/>
+          <p:cNvGrpSpPr/>
+          <p:nvPr/>
+        </p:nvGrpSpPr>
+        <p:grpSpPr>
+          <a:xfrm>
+            <a:off x="4697956" y="1012209"/>
+            <a:ext cx="1993169" cy="1611510"/>
+            <a:chOff x="6978410" y="892430"/>
+            <a:chExt cx="1993169" cy="1611510"/>
+          </a:xfrm>
+        </p:grpSpPr>
+        <p:pic>
+          <p:nvPicPr>
+            <p:cNvPr id="19" name="Image 18"/>
+            <p:cNvPicPr>
+              <a:picLocks noChangeAspect="1"/>
+            </p:cNvPicPr>
+            <p:nvPr/>
+          </p:nvPicPr>
+          <p:blipFill>
+            <a:blip r:embed="rId2" cstate="print">
+              <a:clrChange>
+                <a:clrFrom>
+                  <a:srgbClr val="FFFFFF"/>
+                </a:clrFrom>
+                <a:clrTo>
+                  <a:srgbClr val="FFFFFF">
+                    <a:alpha val="0"/>
+                  </a:srgbClr>
+                </a:clrTo>
+              </a:clrChange>
+              <a:duotone>
+                <a:prstClr val="black"/>
+                <a:schemeClr val="accent6">
+                  <a:tint val="45000"/>
+                  <a:satMod val="400000"/>
+                </a:schemeClr>
+              </a:duotone>
+              <a:extLst>
+                <a:ext uri="{28A0092B-C50C-407E-A947-70E740481C1C}">
+                  <a14:useLocalDpi xmlns:a14="http://schemas.microsoft.com/office/drawing/2010/main" val="0"/>
+                </a:ext>
+              </a:extLst>
+            </a:blip>
+            <a:stretch>
+              <a:fillRect/>
+            </a:stretch>
+          </p:blipFill>
+          <p:spPr>
+            <a:xfrm>
+              <a:off x="8266021" y="1541075"/>
+              <a:ext cx="210141" cy="444686"/>
+            </a:xfrm>
+            <a:prstGeom prst="rect">
+              <a:avLst/>
+            </a:prstGeom>
+          </p:spPr>
+        </p:pic>
+        <p:pic>
+          <p:nvPicPr>
+            <p:cNvPr id="20" name="Image 19"/>
+            <p:cNvPicPr>
+              <a:picLocks noChangeAspect="1"/>
+            </p:cNvPicPr>
+            <p:nvPr/>
+          </p:nvPicPr>
+          <p:blipFill>
+            <a:blip r:embed="rId2" cstate="print">
+              <a:clrChange>
+                <a:clrFrom>
+                  <a:srgbClr val="FFFFFF"/>
+                </a:clrFrom>
+                <a:clrTo>
+                  <a:srgbClr val="FFFFFF">
+                    <a:alpha val="0"/>
+                  </a:srgbClr>
+                </a:clrTo>
+              </a:clrChange>
+              <a:duotone>
+                <a:prstClr val="black"/>
+                <a:schemeClr val="accent5">
+                  <a:tint val="45000"/>
+                  <a:satMod val="400000"/>
+                </a:schemeClr>
+              </a:duotone>
+              <a:extLst>
+                <a:ext uri="{28A0092B-C50C-407E-A947-70E740481C1C}">
+                  <a14:useLocalDpi xmlns:a14="http://schemas.microsoft.com/office/drawing/2010/main" val="0"/>
+                </a:ext>
+              </a:extLst>
+            </a:blip>
+            <a:stretch>
+              <a:fillRect/>
+            </a:stretch>
+          </p:blipFill>
+          <p:spPr>
+            <a:xfrm>
+              <a:off x="8576859" y="1686817"/>
+              <a:ext cx="210141" cy="444686"/>
+            </a:xfrm>
+            <a:prstGeom prst="rect">
+              <a:avLst/>
+            </a:prstGeom>
+          </p:spPr>
+        </p:pic>
+        <p:pic>
+          <p:nvPicPr>
+            <p:cNvPr id="21" name="Image 20"/>
+            <p:cNvPicPr>
+              <a:picLocks noChangeAspect="1"/>
+            </p:cNvPicPr>
+            <p:nvPr/>
+          </p:nvPicPr>
+          <p:blipFill>
+            <a:blip r:embed="rId2" cstate="print">
+              <a:duotone>
+                <a:prstClr val="black"/>
+                <a:schemeClr val="accent6">
+                  <a:tint val="45000"/>
+                  <a:satMod val="400000"/>
+                </a:schemeClr>
+              </a:duotone>
+              <a:clrChange>
+                <a:clrFrom>
+                  <a:srgbClr val="FFFFFF"/>
+                </a:clrFrom>
+                <a:clrTo>
+                  <a:srgbClr val="FFFFFF">
+                    <a:alpha val="0"/>
+                  </a:srgbClr>
+                </a:clrTo>
+              </a:clrChange>
+              <a:extLst>
+                <a:ext uri="{28A0092B-C50C-407E-A947-70E740481C1C}">
+                  <a14:useLocalDpi xmlns:a14="http://schemas.microsoft.com/office/drawing/2010/main" val="0"/>
+                </a:ext>
+              </a:extLst>
+            </a:blip>
+            <a:stretch>
+              <a:fillRect/>
+            </a:stretch>
+          </p:blipFill>
+          <p:spPr>
+            <a:xfrm>
+              <a:off x="8361268" y="974206"/>
+              <a:ext cx="210141" cy="444686"/>
+            </a:xfrm>
+            <a:prstGeom prst="rect">
+              <a:avLst/>
+            </a:prstGeom>
+          </p:spPr>
+        </p:pic>
+        <p:pic>
+          <p:nvPicPr>
+            <p:cNvPr id="22" name="Image 21"/>
+            <p:cNvPicPr>
+              <a:picLocks noChangeAspect="1"/>
+            </p:cNvPicPr>
+            <p:nvPr/>
+          </p:nvPicPr>
+          <p:blipFill>
+            <a:blip r:embed="rId2" cstate="print">
+              <a:clrChange>
+                <a:clrFrom>
+                  <a:srgbClr val="FFFFFF"/>
+                </a:clrFrom>
+                <a:clrTo>
+                  <a:srgbClr val="FFFFFF">
+                    <a:alpha val="0"/>
+                  </a:srgbClr>
+                </a:clrTo>
+              </a:clrChange>
+              <a:duotone>
+                <a:prstClr val="black"/>
+                <a:schemeClr val="accent6">
+                  <a:tint val="45000"/>
+                  <a:satMod val="400000"/>
+                </a:schemeClr>
+              </a:duotone>
+              <a:extLst>
+                <a:ext uri="{28A0092B-C50C-407E-A947-70E740481C1C}">
+                  <a14:useLocalDpi xmlns:a14="http://schemas.microsoft.com/office/drawing/2010/main" val="0"/>
+                </a:ext>
+              </a:extLst>
+            </a:blip>
+            <a:stretch>
+              <a:fillRect/>
+            </a:stretch>
+          </p:blipFill>
+          <p:spPr>
+            <a:xfrm>
+              <a:off x="7705702" y="1782945"/>
+              <a:ext cx="210141" cy="444686"/>
+            </a:xfrm>
+            <a:prstGeom prst="rect">
+              <a:avLst/>
+            </a:prstGeom>
+          </p:spPr>
+        </p:pic>
+        <p:pic>
+          <p:nvPicPr>
+            <p:cNvPr id="23" name="Image 22"/>
+            <p:cNvPicPr>
+              <a:picLocks noChangeAspect="1"/>
+            </p:cNvPicPr>
+            <p:nvPr/>
+          </p:nvPicPr>
+          <p:blipFill>
+            <a:blip r:embed="rId2" cstate="print">
+              <a:duotone>
+                <a:prstClr val="black"/>
+                <a:schemeClr val="accent6">
+                  <a:tint val="45000"/>
+                  <a:satMod val="400000"/>
+                </a:schemeClr>
+              </a:duotone>
+              <a:clrChange>
+                <a:clrFrom>
+                  <a:srgbClr val="FFFFFF"/>
+                </a:clrFrom>
+                <a:clrTo>
+                  <a:srgbClr val="FFFFFF">
+                    <a:alpha val="0"/>
+                  </a:srgbClr>
+                </a:clrTo>
+              </a:clrChange>
+              <a:extLst>
+                <a:ext uri="{28A0092B-C50C-407E-A947-70E740481C1C}">
+                  <a14:useLocalDpi xmlns:a14="http://schemas.microsoft.com/office/drawing/2010/main" val="0"/>
+                </a:ext>
+              </a:extLst>
+            </a:blip>
+            <a:stretch>
+              <a:fillRect/>
+            </a:stretch>
+          </p:blipFill>
+          <p:spPr>
+            <a:xfrm>
+              <a:off x="7917366" y="1690660"/>
+              <a:ext cx="210141" cy="444686"/>
+            </a:xfrm>
+            <a:prstGeom prst="rect">
+              <a:avLst/>
+            </a:prstGeom>
+          </p:spPr>
+        </p:pic>
+        <p:pic>
+          <p:nvPicPr>
+            <p:cNvPr id="24" name="Image 23"/>
+            <p:cNvPicPr>
+              <a:picLocks noChangeAspect="1"/>
+            </p:cNvPicPr>
+            <p:nvPr/>
+          </p:nvPicPr>
+          <p:blipFill>
+            <a:blip r:embed="rId2" cstate="print">
+              <a:duotone>
+                <a:prstClr val="black"/>
+                <a:schemeClr val="accent5">
+                  <a:tint val="45000"/>
+                  <a:satMod val="400000"/>
+                </a:schemeClr>
+              </a:duotone>
+              <a:clrChange>
+                <a:clrFrom>
+                  <a:srgbClr val="FFFFFF"/>
+                </a:clrFrom>
+                <a:clrTo>
+                  <a:srgbClr val="FFFFFF">
+                    <a:alpha val="0"/>
+                  </a:srgbClr>
+                </a:clrTo>
+              </a:clrChange>
+              <a:extLst>
+                <a:ext uri="{28A0092B-C50C-407E-A947-70E740481C1C}">
+                  <a14:useLocalDpi xmlns:a14="http://schemas.microsoft.com/office/drawing/2010/main" val="0"/>
+                </a:ext>
+              </a:extLst>
+            </a:blip>
+            <a:stretch>
+              <a:fillRect/>
+            </a:stretch>
+          </p:blipFill>
+          <p:spPr>
+            <a:xfrm>
+              <a:off x="8696073" y="1564657"/>
+              <a:ext cx="210141" cy="444686"/>
+            </a:xfrm>
+            <a:prstGeom prst="rect">
+              <a:avLst/>
+            </a:prstGeom>
+          </p:spPr>
+        </p:pic>
+        <p:grpSp>
+          <p:nvGrpSpPr>
+            <p:cNvPr id="25" name="Groupe 24"/>
+            <p:cNvGrpSpPr/>
+            <p:nvPr/>
+          </p:nvGrpSpPr>
+          <p:grpSpPr>
+            <a:xfrm>
+              <a:off x="6978410" y="892430"/>
+              <a:ext cx="1993169" cy="1611510"/>
+              <a:chOff x="4240677" y="995828"/>
+              <a:chExt cx="1993169" cy="1611510"/>
+            </a:xfrm>
+          </p:grpSpPr>
+          <p:pic>
+            <p:nvPicPr>
+              <p:cNvPr id="26" name="Image 25"/>
+              <p:cNvPicPr>
+                <a:picLocks noChangeAspect="1"/>
+              </p:cNvPicPr>
+              <p:nvPr/>
+            </p:nvPicPr>
+            <p:blipFill>
+              <a:blip r:embed="rId2" cstate="print">
+                <a:clrChange>
+                  <a:clrFrom>
+                    <a:srgbClr val="FFFFFF"/>
+                  </a:clrFrom>
+                  <a:clrTo>
+                    <a:srgbClr val="FFFFFF">
+                      <a:alpha val="0"/>
+                    </a:srgbClr>
+                  </a:clrTo>
+                </a:clrChange>
+                <a:extLst>
+                  <a:ext uri="{28A0092B-C50C-407E-A947-70E740481C1C}">
+                    <a14:useLocalDpi xmlns:a14="http://schemas.microsoft.com/office/drawing/2010/main" val="0"/>
+                  </a:ext>
+                </a:extLst>
+              </a:blip>
+              <a:stretch>
+                <a:fillRect/>
+              </a:stretch>
+            </p:blipFill>
+            <p:spPr>
+              <a:xfrm>
+                <a:off x="5729656" y="1542018"/>
+                <a:ext cx="210141" cy="424387"/>
+              </a:xfrm>
+              <a:prstGeom prst="rect">
+                <a:avLst/>
+              </a:prstGeom>
+            </p:spPr>
+          </p:pic>
+          <p:pic>
+            <p:nvPicPr>
+              <p:cNvPr id="27" name="Image 26"/>
+              <p:cNvPicPr>
+                <a:picLocks noChangeAspect="1"/>
+              </p:cNvPicPr>
+              <p:nvPr/>
+            </p:nvPicPr>
+            <p:blipFill>
+              <a:blip r:embed="rId2" cstate="print">
+                <a:clrChange>
+                  <a:clrFrom>
+                    <a:srgbClr val="FFFFFF"/>
+                  </a:clrFrom>
+                  <a:clrTo>
+                    <a:srgbClr val="FFFFFF">
+                      <a:alpha val="0"/>
+                    </a:srgbClr>
+                  </a:clrTo>
+                </a:clrChange>
+                <a:duotone>
+                  <a:prstClr val="black"/>
+                  <a:schemeClr val="accent5">
+                    <a:tint val="45000"/>
+                    <a:satMod val="400000"/>
+                  </a:schemeClr>
+                </a:duotone>
+                <a:extLst>
+                  <a:ext uri="{28A0092B-C50C-407E-A947-70E740481C1C}">
+                    <a14:useLocalDpi xmlns:a14="http://schemas.microsoft.com/office/drawing/2010/main" val="0"/>
+                  </a:ext>
+                </a:extLst>
+              </a:blip>
+              <a:stretch>
+                <a:fillRect/>
+              </a:stretch>
+            </p:blipFill>
+            <p:spPr>
+              <a:xfrm>
+                <a:off x="4879040" y="1605323"/>
+                <a:ext cx="210141" cy="444686"/>
+              </a:xfrm>
+              <a:prstGeom prst="rect">
+                <a:avLst/>
+              </a:prstGeom>
+            </p:spPr>
+          </p:pic>
+          <p:pic>
+            <p:nvPicPr>
+              <p:cNvPr id="28" name="Image 27"/>
+              <p:cNvPicPr>
+                <a:picLocks noChangeAspect="1"/>
+              </p:cNvPicPr>
+              <p:nvPr/>
+            </p:nvPicPr>
+            <p:blipFill>
+              <a:blip r:embed="rId2" cstate="print">
+                <a:clrChange>
+                  <a:clrFrom>
+                    <a:srgbClr val="FFFFFF"/>
+                  </a:clrFrom>
+                  <a:clrTo>
+                    <a:srgbClr val="FFFFFF">
+                      <a:alpha val="0"/>
+                    </a:srgbClr>
+                  </a:clrTo>
+                </a:clrChange>
+                <a:duotone>
+                  <a:prstClr val="black"/>
+                  <a:schemeClr val="accent3">
+                    <a:tint val="45000"/>
+                    <a:satMod val="400000"/>
+                  </a:schemeClr>
+                </a:duotone>
+                <a:extLst>
+                  <a:ext uri="{28A0092B-C50C-407E-A947-70E740481C1C}">
+                    <a14:useLocalDpi xmlns:a14="http://schemas.microsoft.com/office/drawing/2010/main" val="0"/>
+                  </a:ext>
+                </a:extLst>
+              </a:blip>
+              <a:stretch>
+                <a:fillRect/>
+              </a:stretch>
+            </p:blipFill>
+            <p:spPr>
+              <a:xfrm>
+                <a:off x="4426945" y="1527919"/>
+                <a:ext cx="210141" cy="444686"/>
+              </a:xfrm>
+              <a:prstGeom prst="rect">
+                <a:avLst/>
+              </a:prstGeom>
+            </p:spPr>
+          </p:pic>
+          <p:pic>
+            <p:nvPicPr>
+              <p:cNvPr id="29" name="Image 28"/>
+              <p:cNvPicPr>
+                <a:picLocks noChangeAspect="1"/>
+              </p:cNvPicPr>
+              <p:nvPr/>
+            </p:nvPicPr>
+            <p:blipFill>
+              <a:blip r:embed="rId2" cstate="print">
+                <a:clrChange>
+                  <a:clrFrom>
+                    <a:srgbClr val="FFFFFF"/>
+                  </a:clrFrom>
+                  <a:clrTo>
+                    <a:srgbClr val="FFFFFF">
+                      <a:alpha val="0"/>
+                    </a:srgbClr>
+                  </a:clrTo>
+                </a:clrChange>
+                <a:duotone>
+                  <a:prstClr val="black"/>
+                  <a:schemeClr val="accent6">
+                    <a:tint val="45000"/>
+                    <a:satMod val="400000"/>
+                  </a:schemeClr>
+                </a:duotone>
+                <a:extLst>
+                  <a:ext uri="{28A0092B-C50C-407E-A947-70E740481C1C}">
+                    <a14:useLocalDpi xmlns:a14="http://schemas.microsoft.com/office/drawing/2010/main" val="0"/>
+                  </a:ext>
+                </a:extLst>
+              </a:blip>
+              <a:stretch>
+                <a:fillRect/>
+              </a:stretch>
+            </p:blipFill>
+            <p:spPr>
+              <a:xfrm>
+                <a:off x="5450989" y="1252054"/>
+                <a:ext cx="210141" cy="444686"/>
+              </a:xfrm>
+              <a:prstGeom prst="rect">
+                <a:avLst/>
+              </a:prstGeom>
+            </p:spPr>
+          </p:pic>
+          <p:pic>
+            <p:nvPicPr>
+              <p:cNvPr id="30" name="Image 29"/>
+              <p:cNvPicPr>
+                <a:picLocks noChangeAspect="1"/>
+              </p:cNvPicPr>
+              <p:nvPr/>
+            </p:nvPicPr>
+            <p:blipFill>
+              <a:blip r:embed="rId2" cstate="print">
+                <a:duotone>
+                  <a:schemeClr val="accent3">
+                    <a:shade val="45000"/>
+                    <a:satMod val="135000"/>
+                  </a:schemeClr>
+                  <a:prstClr val="white"/>
+                </a:duotone>
+                <a:clrChange>
+                  <a:clrFrom>
+                    <a:srgbClr val="FFFFFF"/>
+                  </a:clrFrom>
+                  <a:clrTo>
+                    <a:srgbClr val="FFFFFF">
+                      <a:alpha val="0"/>
+                    </a:srgbClr>
+                  </a:clrTo>
+                </a:clrChange>
+                <a:extLst>
+                  <a:ext uri="{28A0092B-C50C-407E-A947-70E740481C1C}">
+                    <a14:useLocalDpi xmlns:a14="http://schemas.microsoft.com/office/drawing/2010/main" val="0"/>
+                  </a:ext>
+                </a:extLst>
+              </a:blip>
+              <a:stretch>
+                <a:fillRect/>
+              </a:stretch>
+            </p:blipFill>
+            <p:spPr>
+              <a:xfrm>
+                <a:off x="5624517" y="1303926"/>
+                <a:ext cx="210141" cy="444686"/>
+              </a:xfrm>
+              <a:prstGeom prst="rect">
+                <a:avLst/>
+              </a:prstGeom>
+            </p:spPr>
+          </p:pic>
+          <p:pic>
+            <p:nvPicPr>
+              <p:cNvPr id="31" name="Image 30"/>
+              <p:cNvPicPr>
+                <a:picLocks noChangeAspect="1"/>
+              </p:cNvPicPr>
+              <p:nvPr/>
+            </p:nvPicPr>
+            <p:blipFill>
+              <a:blip r:embed="rId2" cstate="print">
+                <a:clrChange>
+                  <a:clrFrom>
+                    <a:srgbClr val="FFFFFF"/>
+                  </a:clrFrom>
+                  <a:clrTo>
+                    <a:srgbClr val="FFFFFF">
+                      <a:alpha val="0"/>
+                    </a:srgbClr>
+                  </a:clrTo>
+                </a:clrChange>
+                <a:duotone>
+                  <a:prstClr val="black"/>
+                  <a:schemeClr val="accent5">
+                    <a:tint val="45000"/>
+                    <a:satMod val="400000"/>
+                  </a:schemeClr>
+                </a:duotone>
+                <a:extLst>
+                  <a:ext uri="{28A0092B-C50C-407E-A947-70E740481C1C}">
+                    <a14:useLocalDpi xmlns:a14="http://schemas.microsoft.com/office/drawing/2010/main" val="0"/>
+                  </a:ext>
+                </a:extLst>
+              </a:blip>
+              <a:stretch>
+                <a:fillRect/>
+              </a:stretch>
+            </p:blipFill>
+            <p:spPr>
+              <a:xfrm>
+                <a:off x="5372090" y="1542018"/>
+                <a:ext cx="210141" cy="444686"/>
+              </a:xfrm>
+              <a:prstGeom prst="rect">
+                <a:avLst/>
+              </a:prstGeom>
+            </p:spPr>
+          </p:pic>
+          <p:pic>
+            <p:nvPicPr>
+              <p:cNvPr id="32" name="Image 31"/>
+              <p:cNvPicPr>
+                <a:picLocks noChangeAspect="1"/>
+              </p:cNvPicPr>
+              <p:nvPr/>
+            </p:nvPicPr>
+            <p:blipFill>
+              <a:blip r:embed="rId2" cstate="print">
+                <a:duotone>
+                  <a:prstClr val="black"/>
+                  <a:schemeClr val="accent5">
+                    <a:tint val="45000"/>
+                    <a:satMod val="400000"/>
+                  </a:schemeClr>
+                </a:duotone>
+                <a:clrChange>
+                  <a:clrFrom>
+                    <a:srgbClr val="FFFFFF"/>
+                  </a:clrFrom>
+                  <a:clrTo>
+                    <a:srgbClr val="FFFFFF">
+                      <a:alpha val="0"/>
+                    </a:srgbClr>
+                  </a:clrTo>
+                </a:clrChange>
+                <a:extLst>
+                  <a:ext uri="{28A0092B-C50C-407E-A947-70E740481C1C}">
+                    <a14:useLocalDpi xmlns:a14="http://schemas.microsoft.com/office/drawing/2010/main" val="0"/>
+                  </a:ext>
+                </a:extLst>
+              </a:blip>
+              <a:stretch>
+                <a:fillRect/>
+              </a:stretch>
+            </p:blipFill>
+            <p:spPr>
+              <a:xfrm>
+                <a:off x="4657827" y="1172041"/>
+                <a:ext cx="210141" cy="444686"/>
+              </a:xfrm>
+              <a:prstGeom prst="rect">
+                <a:avLst/>
+              </a:prstGeom>
+            </p:spPr>
+          </p:pic>
+          <p:pic>
+            <p:nvPicPr>
+              <p:cNvPr id="33" name="Image 32"/>
+              <p:cNvPicPr>
+                <a:picLocks noChangeAspect="1"/>
+              </p:cNvPicPr>
+              <p:nvPr/>
+            </p:nvPicPr>
+            <p:blipFill>
+              <a:blip r:embed="rId2" cstate="print">
+                <a:duotone>
+                  <a:schemeClr val="accent3">
+                    <a:shade val="45000"/>
+                    <a:satMod val="135000"/>
+                  </a:schemeClr>
+                  <a:prstClr val="white"/>
+                </a:duotone>
+                <a:clrChange>
+                  <a:clrFrom>
+                    <a:srgbClr val="FFFFFF"/>
+                  </a:clrFrom>
+                  <a:clrTo>
+                    <a:srgbClr val="FFFFFF">
+                      <a:alpha val="0"/>
+                    </a:srgbClr>
+                  </a:clrTo>
+                </a:clrChange>
+                <a:extLst>
+                  <a:ext uri="{28A0092B-C50C-407E-A947-70E740481C1C}">
+                    <a14:useLocalDpi xmlns:a14="http://schemas.microsoft.com/office/drawing/2010/main" val="0"/>
+                  </a:ext>
+                </a:extLst>
+              </a:blip>
+              <a:stretch>
+                <a:fillRect/>
+              </a:stretch>
+            </p:blipFill>
+            <p:spPr>
+              <a:xfrm>
+                <a:off x="5395633" y="2121946"/>
+                <a:ext cx="210141" cy="444686"/>
+              </a:xfrm>
+              <a:prstGeom prst="rect">
+                <a:avLst/>
+              </a:prstGeom>
+            </p:spPr>
+          </p:pic>
+          <p:pic>
+            <p:nvPicPr>
+              <p:cNvPr id="34" name="Image 33"/>
+              <p:cNvPicPr>
+                <a:picLocks noChangeAspect="1"/>
+              </p:cNvPicPr>
+              <p:nvPr/>
+            </p:nvPicPr>
+            <p:blipFill>
+              <a:blip r:embed="rId2" cstate="print">
+                <a:duotone>
+                  <a:schemeClr val="accent3">
+                    <a:shade val="45000"/>
+                    <a:satMod val="135000"/>
+                  </a:schemeClr>
+                  <a:prstClr val="white"/>
+                </a:duotone>
+                <a:clrChange>
+                  <a:clrFrom>
+                    <a:srgbClr val="FFFFFF"/>
+                  </a:clrFrom>
+                  <a:clrTo>
+                    <a:srgbClr val="FFFFFF">
+                      <a:alpha val="0"/>
+                    </a:srgbClr>
+                  </a:clrTo>
+                </a:clrChange>
+                <a:extLst>
+                  <a:ext uri="{28A0092B-C50C-407E-A947-70E740481C1C}">
+                    <a14:useLocalDpi xmlns:a14="http://schemas.microsoft.com/office/drawing/2010/main" val="0"/>
+                  </a:ext>
+                </a:extLst>
+              </a:blip>
+              <a:stretch>
+                <a:fillRect/>
+              </a:stretch>
+            </p:blipFill>
+            <p:spPr>
+              <a:xfrm>
+                <a:off x="5067103" y="1348427"/>
+                <a:ext cx="210141" cy="444686"/>
+              </a:xfrm>
+              <a:prstGeom prst="rect">
+                <a:avLst/>
+              </a:prstGeom>
+            </p:spPr>
+          </p:pic>
+          <p:pic>
+            <p:nvPicPr>
+              <p:cNvPr id="35" name="Image 34"/>
+              <p:cNvPicPr>
+                <a:picLocks noChangeAspect="1"/>
+              </p:cNvPicPr>
+              <p:nvPr/>
+            </p:nvPicPr>
+            <p:blipFill>
+              <a:blip r:embed="rId2" cstate="print">
+                <a:clrChange>
+                  <a:clrFrom>
+                    <a:srgbClr val="FFFFFF"/>
+                  </a:clrFrom>
+                  <a:clrTo>
+                    <a:srgbClr val="FFFFFF">
+                      <a:alpha val="0"/>
+                    </a:srgbClr>
+                  </a:clrTo>
+                </a:clrChange>
+                <a:duotone>
+                  <a:prstClr val="black"/>
+                  <a:schemeClr val="accent5">
+                    <a:tint val="45000"/>
+                    <a:satMod val="400000"/>
+                  </a:schemeClr>
+                </a:duotone>
+                <a:extLst>
+                  <a:ext uri="{28A0092B-C50C-407E-A947-70E740481C1C}">
+                    <a14:useLocalDpi xmlns:a14="http://schemas.microsoft.com/office/drawing/2010/main" val="0"/>
+                  </a:ext>
+                </a:extLst>
+              </a:blip>
+              <a:stretch>
+                <a:fillRect/>
+              </a:stretch>
+            </p:blipFill>
+            <p:spPr>
+              <a:xfrm>
+                <a:off x="5975411" y="1013780"/>
+                <a:ext cx="210141" cy="444686"/>
+              </a:xfrm>
+              <a:prstGeom prst="rect">
+                <a:avLst/>
+              </a:prstGeom>
+            </p:spPr>
+          </p:pic>
+          <p:pic>
+            <p:nvPicPr>
+              <p:cNvPr id="36" name="Image 35"/>
+              <p:cNvPicPr>
+                <a:picLocks noChangeAspect="1"/>
+              </p:cNvPicPr>
+              <p:nvPr/>
+            </p:nvPicPr>
+            <p:blipFill>
+              <a:blip r:embed="rId2" cstate="print">
+                <a:duotone>
+                  <a:schemeClr val="accent3">
+                    <a:shade val="45000"/>
+                    <a:satMod val="135000"/>
+                  </a:schemeClr>
+                  <a:prstClr val="white"/>
+                </a:duotone>
+                <a:clrChange>
+                  <a:clrFrom>
+                    <a:srgbClr val="FFFFFF"/>
+                  </a:clrFrom>
+                  <a:clrTo>
+                    <a:srgbClr val="FFFFFF">
+                      <a:alpha val="0"/>
+                    </a:srgbClr>
+                  </a:clrTo>
+                </a:clrChange>
+                <a:extLst>
+                  <a:ext uri="{28A0092B-C50C-407E-A947-70E740481C1C}">
+                    <a14:useLocalDpi xmlns:a14="http://schemas.microsoft.com/office/drawing/2010/main" val="0"/>
+                  </a:ext>
+                </a:extLst>
+              </a:blip>
+              <a:stretch>
+                <a:fillRect/>
+              </a:stretch>
+            </p:blipFill>
+            <p:spPr>
+              <a:xfrm>
+                <a:off x="4534850" y="1902603"/>
+                <a:ext cx="210141" cy="444686"/>
+              </a:xfrm>
+              <a:prstGeom prst="rect">
+                <a:avLst/>
+              </a:prstGeom>
+            </p:spPr>
+          </p:pic>
+          <p:pic>
+            <p:nvPicPr>
+              <p:cNvPr id="37" name="Image 36"/>
+              <p:cNvPicPr>
+                <a:picLocks noChangeAspect="1"/>
+              </p:cNvPicPr>
+              <p:nvPr/>
+            </p:nvPicPr>
+            <p:blipFill>
+              <a:blip r:embed="rId2" cstate="print">
+                <a:clrChange>
+                  <a:clrFrom>
+                    <a:srgbClr val="FFFFFF"/>
+                  </a:clrFrom>
+                  <a:clrTo>
+                    <a:srgbClr val="FFFFFF">
+                      <a:alpha val="0"/>
+                    </a:srgbClr>
+                  </a:clrTo>
+                </a:clrChange>
+                <a:duotone>
+                  <a:prstClr val="black"/>
+                  <a:schemeClr val="accent6">
+                    <a:tint val="45000"/>
+                    <a:satMod val="400000"/>
+                  </a:schemeClr>
+                </a:duotone>
+                <a:extLst>
+                  <a:ext uri="{28A0092B-C50C-407E-A947-70E740481C1C}">
+                    <a14:useLocalDpi xmlns:a14="http://schemas.microsoft.com/office/drawing/2010/main" val="0"/>
+                  </a:ext>
+                </a:extLst>
+              </a:blip>
+              <a:stretch>
+                <a:fillRect/>
+              </a:stretch>
+            </p:blipFill>
+            <p:spPr>
+              <a:xfrm>
+                <a:off x="4882979" y="995828"/>
+                <a:ext cx="210141" cy="444686"/>
+              </a:xfrm>
+              <a:prstGeom prst="rect">
+                <a:avLst/>
+              </a:prstGeom>
+            </p:spPr>
+          </p:pic>
+          <p:pic>
+            <p:nvPicPr>
+              <p:cNvPr id="38" name="Image 37"/>
+              <p:cNvPicPr>
+                <a:picLocks noChangeAspect="1"/>
+              </p:cNvPicPr>
+              <p:nvPr/>
+            </p:nvPicPr>
+            <p:blipFill>
+              <a:blip r:embed="rId2" cstate="print">
+                <a:clrChange>
+                  <a:clrFrom>
+                    <a:srgbClr val="FFFFFF"/>
+                  </a:clrFrom>
+                  <a:clrTo>
+                    <a:srgbClr val="FFFFFF">
+                      <a:alpha val="0"/>
+                    </a:srgbClr>
+                  </a:clrTo>
+                </a:clrChange>
+                <a:duotone>
+                  <a:prstClr val="black"/>
+                  <a:schemeClr val="accent5">
+                    <a:tint val="45000"/>
+                    <a:satMod val="400000"/>
+                  </a:schemeClr>
+                </a:duotone>
+                <a:extLst>
+                  <a:ext uri="{28A0092B-C50C-407E-A947-70E740481C1C}">
+                    <a14:useLocalDpi xmlns:a14="http://schemas.microsoft.com/office/drawing/2010/main" val="0"/>
+                  </a:ext>
+                </a:extLst>
+              </a:blip>
+              <a:stretch>
+                <a:fillRect/>
+              </a:stretch>
+            </p:blipFill>
+            <p:spPr>
+              <a:xfrm>
+                <a:off x="4466452" y="1101069"/>
+                <a:ext cx="210141" cy="444686"/>
+              </a:xfrm>
+              <a:prstGeom prst="rect">
+                <a:avLst/>
+              </a:prstGeom>
+            </p:spPr>
+          </p:pic>
+          <p:pic>
+            <p:nvPicPr>
+              <p:cNvPr id="39" name="Image 38"/>
+              <p:cNvPicPr>
+                <a:picLocks noChangeAspect="1"/>
+              </p:cNvPicPr>
+              <p:nvPr/>
+            </p:nvPicPr>
+            <p:blipFill>
+              <a:blip r:embed="rId2" cstate="print">
+                <a:duotone>
+                  <a:schemeClr val="accent3">
+                    <a:shade val="45000"/>
+                    <a:satMod val="135000"/>
+                  </a:schemeClr>
+                  <a:prstClr val="white"/>
+                </a:duotone>
+                <a:clrChange>
+                  <a:clrFrom>
+                    <a:srgbClr val="FFFFFF"/>
+                  </a:clrFrom>
+                  <a:clrTo>
+                    <a:srgbClr val="FFFFFF">
+                      <a:alpha val="0"/>
+                    </a:srgbClr>
+                  </a:clrTo>
+                </a:clrChange>
+                <a:extLst>
+                  <a:ext uri="{28A0092B-C50C-407E-A947-70E740481C1C}">
+                    <a14:useLocalDpi xmlns:a14="http://schemas.microsoft.com/office/drawing/2010/main" val="0"/>
+                  </a:ext>
+                </a:extLst>
+              </a:blip>
+              <a:stretch>
+                <a:fillRect/>
+              </a:stretch>
+            </p:blipFill>
+            <p:spPr>
+              <a:xfrm>
+                <a:off x="5166588" y="1052270"/>
+                <a:ext cx="210141" cy="444686"/>
+              </a:xfrm>
+              <a:prstGeom prst="rect">
+                <a:avLst/>
+              </a:prstGeom>
+            </p:spPr>
+          </p:pic>
+          <p:pic>
+            <p:nvPicPr>
+              <p:cNvPr id="40" name="Image 39"/>
+              <p:cNvPicPr>
+                <a:picLocks noChangeAspect="1"/>
+              </p:cNvPicPr>
+              <p:nvPr/>
+            </p:nvPicPr>
+            <p:blipFill>
+              <a:blip r:embed="rId2" cstate="print">
+                <a:duotone>
+                  <a:schemeClr val="accent3">
+                    <a:shade val="45000"/>
+                    <a:satMod val="135000"/>
+                  </a:schemeClr>
+                  <a:prstClr val="white"/>
+                </a:duotone>
+                <a:clrChange>
+                  <a:clrFrom>
+                    <a:srgbClr val="FFFFFF"/>
+                  </a:clrFrom>
+                  <a:clrTo>
+                    <a:srgbClr val="FFFFFF">
+                      <a:alpha val="0"/>
+                    </a:srgbClr>
+                  </a:clrTo>
+                </a:clrChange>
+                <a:extLst>
+                  <a:ext uri="{28A0092B-C50C-407E-A947-70E740481C1C}">
+                    <a14:useLocalDpi xmlns:a14="http://schemas.microsoft.com/office/drawing/2010/main" val="0"/>
+                  </a:ext>
+                </a:extLst>
+              </a:blip>
+              <a:stretch>
+                <a:fillRect/>
+              </a:stretch>
+            </p:blipFill>
+            <p:spPr>
+              <a:xfrm>
+                <a:off x="4240677" y="1303926"/>
+                <a:ext cx="210141" cy="444686"/>
+              </a:xfrm>
+              <a:prstGeom prst="rect">
+                <a:avLst/>
+              </a:prstGeom>
+            </p:spPr>
+          </p:pic>
+          <p:pic>
+            <p:nvPicPr>
+              <p:cNvPr id="41" name="Image 40"/>
+              <p:cNvPicPr>
+                <a:picLocks noChangeAspect="1"/>
+              </p:cNvPicPr>
+              <p:nvPr/>
+            </p:nvPicPr>
+            <p:blipFill>
+              <a:blip r:embed="rId2" cstate="print">
+                <a:clrChange>
+                  <a:clrFrom>
+                    <a:srgbClr val="FFFFFF"/>
+                  </a:clrFrom>
+                  <a:clrTo>
+                    <a:srgbClr val="FFFFFF">
+                      <a:alpha val="0"/>
+                    </a:srgbClr>
+                  </a:clrTo>
+                </a:clrChange>
+                <a:duotone>
+                  <a:prstClr val="black"/>
+                  <a:schemeClr val="accent5">
+                    <a:tint val="45000"/>
+                    <a:satMod val="400000"/>
+                  </a:schemeClr>
+                </a:duotone>
+                <a:extLst>
+                  <a:ext uri="{28A0092B-C50C-407E-A947-70E740481C1C}">
+                    <a14:useLocalDpi xmlns:a14="http://schemas.microsoft.com/office/drawing/2010/main" val="0"/>
+                  </a:ext>
+                </a:extLst>
+              </a:blip>
+              <a:stretch>
+                <a:fillRect/>
+              </a:stretch>
+            </p:blipFill>
+            <p:spPr>
+              <a:xfrm>
+                <a:off x="5735904" y="2030191"/>
+                <a:ext cx="210141" cy="444686"/>
+              </a:xfrm>
+              <a:prstGeom prst="rect">
+                <a:avLst/>
+              </a:prstGeom>
+            </p:spPr>
+          </p:pic>
+          <p:pic>
+            <p:nvPicPr>
+              <p:cNvPr id="42" name="Image 41"/>
+              <p:cNvPicPr>
+                <a:picLocks noChangeAspect="1"/>
+              </p:cNvPicPr>
+              <p:nvPr/>
+            </p:nvPicPr>
+            <p:blipFill>
+              <a:blip r:embed="rId2" cstate="print">
+                <a:clrChange>
+                  <a:clrFrom>
+                    <a:srgbClr val="FFFFFF"/>
+                  </a:clrFrom>
+                  <a:clrTo>
+                    <a:srgbClr val="FFFFFF">
+                      <a:alpha val="0"/>
+                    </a:srgbClr>
+                  </a:clrTo>
+                </a:clrChange>
+                <a:duotone>
+                  <a:prstClr val="black"/>
+                  <a:schemeClr val="accent5">
+                    <a:tint val="45000"/>
+                    <a:satMod val="400000"/>
+                  </a:schemeClr>
+                </a:duotone>
+                <a:extLst>
+                  <a:ext uri="{28A0092B-C50C-407E-A947-70E740481C1C}">
+                    <a14:useLocalDpi xmlns:a14="http://schemas.microsoft.com/office/drawing/2010/main" val="0"/>
+                  </a:ext>
+                </a:extLst>
+              </a:blip>
+              <a:stretch>
+                <a:fillRect/>
+              </a:stretch>
+            </p:blipFill>
+            <p:spPr>
+              <a:xfrm>
+                <a:off x="5008193" y="2162652"/>
+                <a:ext cx="210141" cy="444686"/>
+              </a:xfrm>
+              <a:prstGeom prst="rect">
+                <a:avLst/>
+              </a:prstGeom>
+            </p:spPr>
+          </p:pic>
+          <p:pic>
+            <p:nvPicPr>
+              <p:cNvPr id="43" name="Image 42"/>
+              <p:cNvPicPr>
+                <a:picLocks noChangeAspect="1"/>
+              </p:cNvPicPr>
+              <p:nvPr/>
+            </p:nvPicPr>
+            <p:blipFill>
+              <a:blip r:embed="rId2" cstate="print">
+                <a:duotone>
+                  <a:prstClr val="black"/>
+                  <a:schemeClr val="accent3">
+                    <a:tint val="45000"/>
+                    <a:satMod val="400000"/>
+                  </a:schemeClr>
+                </a:duotone>
+                <a:clrChange>
+                  <a:clrFrom>
+                    <a:srgbClr val="FFFFFF"/>
+                  </a:clrFrom>
+                  <a:clrTo>
+                    <a:srgbClr val="FFFFFF">
+                      <a:alpha val="0"/>
+                    </a:srgbClr>
+                  </a:clrTo>
+                </a:clrChange>
+                <a:extLst>
+                  <a:ext uri="{28A0092B-C50C-407E-A947-70E740481C1C}">
+                    <a14:useLocalDpi xmlns:a14="http://schemas.microsoft.com/office/drawing/2010/main" val="0"/>
+                  </a:ext>
+                </a:extLst>
+              </a:blip>
+              <a:stretch>
+                <a:fillRect/>
+              </a:stretch>
+            </p:blipFill>
+            <p:spPr>
+              <a:xfrm>
+                <a:off x="4788029" y="2131962"/>
+                <a:ext cx="210141" cy="444686"/>
+              </a:xfrm>
+              <a:prstGeom prst="rect">
+                <a:avLst/>
+              </a:prstGeom>
+            </p:spPr>
+          </p:pic>
+          <p:pic>
+            <p:nvPicPr>
+              <p:cNvPr id="44" name="Image 43"/>
+              <p:cNvPicPr>
+                <a:picLocks noChangeAspect="1"/>
+              </p:cNvPicPr>
+              <p:nvPr/>
+            </p:nvPicPr>
+            <p:blipFill>
+              <a:blip r:embed="rId2" cstate="print">
+                <a:duotone>
+                  <a:prstClr val="black"/>
+                  <a:schemeClr val="accent3">
+                    <a:tint val="45000"/>
+                    <a:satMod val="400000"/>
+                  </a:schemeClr>
+                </a:duotone>
+                <a:clrChange>
+                  <a:clrFrom>
+                    <a:srgbClr val="FFFFFF"/>
+                  </a:clrFrom>
+                  <a:clrTo>
+                    <a:srgbClr val="FFFFFF">
+                      <a:alpha val="0"/>
+                    </a:srgbClr>
+                  </a:clrTo>
+                </a:clrChange>
+                <a:extLst>
+                  <a:ext uri="{28A0092B-C50C-407E-A947-70E740481C1C}">
+                    <a14:useLocalDpi xmlns:a14="http://schemas.microsoft.com/office/drawing/2010/main" val="0"/>
+                  </a:ext>
+                </a:extLst>
+              </a:blip>
+              <a:stretch>
+                <a:fillRect/>
+              </a:stretch>
+            </p:blipFill>
+            <p:spPr>
+              <a:xfrm>
+                <a:off x="6023705" y="2127338"/>
+                <a:ext cx="210141" cy="444686"/>
+              </a:xfrm>
+              <a:prstGeom prst="rect">
+                <a:avLst/>
+              </a:prstGeom>
+            </p:spPr>
+          </p:pic>
+          <p:pic>
+            <p:nvPicPr>
+              <p:cNvPr id="45" name="Image 44"/>
+              <p:cNvPicPr>
+                <a:picLocks noChangeAspect="1"/>
+              </p:cNvPicPr>
+              <p:nvPr/>
+            </p:nvPicPr>
+            <p:blipFill>
+              <a:blip r:embed="rId2" cstate="print">
+                <a:duotone>
+                  <a:prstClr val="black"/>
+                  <a:schemeClr val="accent3">
+                    <a:tint val="45000"/>
+                    <a:satMod val="400000"/>
+                  </a:schemeClr>
+                </a:duotone>
+                <a:clrChange>
+                  <a:clrFrom>
+                    <a:srgbClr val="FFFFFF"/>
+                  </a:clrFrom>
+                  <a:clrTo>
+                    <a:srgbClr val="FFFFFF">
+                      <a:alpha val="0"/>
+                    </a:srgbClr>
+                  </a:clrTo>
+                </a:clrChange>
+                <a:extLst>
+                  <a:ext uri="{28A0092B-C50C-407E-A947-70E740481C1C}">
+                    <a14:useLocalDpi xmlns:a14="http://schemas.microsoft.com/office/drawing/2010/main" val="0"/>
+                  </a:ext>
+                </a:extLst>
+              </a:blip>
+              <a:stretch>
+                <a:fillRect/>
+              </a:stretch>
+            </p:blipFill>
+            <p:spPr>
+              <a:xfrm>
+                <a:off x="4659464" y="1682536"/>
+                <a:ext cx="210141" cy="444686"/>
+              </a:xfrm>
+              <a:prstGeom prst="rect">
+                <a:avLst/>
+              </a:prstGeom>
+            </p:spPr>
+          </p:pic>
+          <p:pic>
+            <p:nvPicPr>
+              <p:cNvPr id="46" name="Image 45"/>
+              <p:cNvPicPr>
+                <a:picLocks noChangeAspect="1"/>
+              </p:cNvPicPr>
+              <p:nvPr/>
+            </p:nvPicPr>
+            <p:blipFill>
+              <a:blip r:embed="rId2" cstate="print">
+                <a:duotone>
+                  <a:prstClr val="black"/>
+                  <a:schemeClr val="accent3">
+                    <a:tint val="45000"/>
+                    <a:satMod val="400000"/>
+                  </a:schemeClr>
+                </a:duotone>
+                <a:clrChange>
+                  <a:clrFrom>
+                    <a:srgbClr val="FFFFFF"/>
+                  </a:clrFrom>
+                  <a:clrTo>
+                    <a:srgbClr val="FFFFFF">
+                      <a:alpha val="0"/>
+                    </a:srgbClr>
+                  </a:clrTo>
+                </a:clrChange>
+                <a:extLst>
+                  <a:ext uri="{28A0092B-C50C-407E-A947-70E740481C1C}">
+                    <a14:useLocalDpi xmlns:a14="http://schemas.microsoft.com/office/drawing/2010/main" val="0"/>
+                  </a:ext>
+                </a:extLst>
+              </a:blip>
+              <a:stretch>
+                <a:fillRect/>
+              </a:stretch>
+            </p:blipFill>
+            <p:spPr>
+              <a:xfrm>
+                <a:off x="5992765" y="1324542"/>
+                <a:ext cx="210141" cy="444686"/>
+              </a:xfrm>
+              <a:prstGeom prst="rect">
+                <a:avLst/>
+              </a:prstGeom>
+            </p:spPr>
+          </p:pic>
+          <p:pic>
+            <p:nvPicPr>
+              <p:cNvPr id="47" name="Image 46"/>
+              <p:cNvPicPr>
+                <a:picLocks noChangeAspect="1"/>
+              </p:cNvPicPr>
+              <p:nvPr/>
+            </p:nvPicPr>
+            <p:blipFill>
+              <a:blip r:embed="rId2" cstate="print">
+                <a:duotone>
+                  <a:prstClr val="black"/>
+                  <a:schemeClr val="accent5">
+                    <a:tint val="45000"/>
+                    <a:satMod val="400000"/>
+                  </a:schemeClr>
+                </a:duotone>
+                <a:clrChange>
+                  <a:clrFrom>
+                    <a:srgbClr val="FFFFFF"/>
+                  </a:clrFrom>
+                  <a:clrTo>
+                    <a:srgbClr val="FFFFFF">
+                      <a:alpha val="0"/>
+                    </a:srgbClr>
+                  </a:clrTo>
+                </a:clrChange>
+                <a:extLst>
+                  <a:ext uri="{28A0092B-C50C-407E-A947-70E740481C1C}">
+                    <a14:useLocalDpi xmlns:a14="http://schemas.microsoft.com/office/drawing/2010/main" val="0"/>
+                  </a:ext>
+                </a:extLst>
+              </a:blip>
+              <a:stretch>
+                <a:fillRect/>
+              </a:stretch>
+            </p:blipFill>
+            <p:spPr>
+              <a:xfrm>
+                <a:off x="4264918" y="2098792"/>
+                <a:ext cx="210141" cy="444686"/>
+              </a:xfrm>
+              <a:prstGeom prst="rect">
+                <a:avLst/>
+              </a:prstGeom>
+            </p:spPr>
+          </p:pic>
+        </p:grpSp>
+      </p:grpSp>
+      <p:sp>
+        <p:nvSpPr>
+          <p:cNvPr id="48" name="Flèche droite 47"/>
+          <p:cNvSpPr/>
+          <p:nvPr/>
+        </p:nvSpPr>
+        <p:spPr>
+          <a:xfrm>
+            <a:off x="3046689" y="3176999"/>
+            <a:ext cx="737372" cy="141121"/>
+          </a:xfrm>
+          <a:prstGeom prst="rightArrow">
+            <a:avLst/>
+          </a:prstGeom>
+          <a:solidFill>
+            <a:schemeClr val="bg1">
+              <a:lumMod val="65000"/>
+            </a:schemeClr>
+          </a:solidFill>
+          <a:ln>
+            <a:noFill/>
+          </a:ln>
+        </p:spPr>
+        <p:style>
+          <a:lnRef idx="2">
+            <a:schemeClr val="accent1">
+              <a:shade val="50000"/>
+            </a:schemeClr>
+          </a:lnRef>
+          <a:fillRef idx="1">
+            <a:schemeClr val="accent1"/>
+          </a:fillRef>
+          <a:effectRef idx="0">
+            <a:schemeClr val="accent1"/>
+          </a:effectRef>
+          <a:fontRef idx="minor">
+            <a:schemeClr val="lt1"/>
+          </a:fontRef>
+        </p:style>
+        <p:txBody>
+          <a:bodyPr rtlCol="0" anchor="ctr"/>
+          <a:lstStyle/>
+          <a:p>
+            <a:pPr algn="ctr"/>
+            <a:endParaRPr lang="fr-FR"/>
+          </a:p>
+        </p:txBody>
+      </p:sp>
+      <p:sp>
+        <p:nvSpPr>
+          <p:cNvPr id="49" name="Rectangle 48"/>
+          <p:cNvSpPr/>
+          <p:nvPr/>
+        </p:nvSpPr>
+        <p:spPr>
+          <a:xfrm>
+            <a:off x="3019462" y="3293108"/>
+            <a:ext cx="757632" cy="276999"/>
+          </a:xfrm>
+          <a:prstGeom prst="rect">
+            <a:avLst/>
+          </a:prstGeom>
+        </p:spPr>
+        <p:txBody>
+          <a:bodyPr wrap="square">
+            <a:spAutoFit/>
+          </a:bodyPr>
+          <a:lstStyle/>
+          <a:p>
+            <a:r>
+              <a:rPr lang="fr-FR" sz="1200" dirty="0" smtClean="0">
+                <a:solidFill>
+                  <a:schemeClr val="bg1">
+                    <a:lumMod val="50000"/>
+                  </a:schemeClr>
+                </a:solidFill>
+                <a:latin typeface="Times" panose="02020603050405020304" pitchFamily="18" charset="0"/>
+                <a:cs typeface="Times" panose="02020603050405020304" pitchFamily="18" charset="0"/>
+              </a:rPr>
+              <a:t>Aléatoire</a:t>
+            </a:r>
+            <a:endParaRPr lang="en-US" sz="1200" dirty="0">
+              <a:solidFill>
+                <a:schemeClr val="bg1">
+                  <a:lumMod val="50000"/>
+                </a:schemeClr>
+              </a:solidFill>
+              <a:latin typeface="Times" panose="02020603050405020304" pitchFamily="18" charset="0"/>
+              <a:cs typeface="Times" panose="02020603050405020304" pitchFamily="18" charset="0"/>
+            </a:endParaRPr>
+          </a:p>
+        </p:txBody>
+      </p:sp>
+      <p:sp>
+        <p:nvSpPr>
+          <p:cNvPr id="50" name="Curved Left Arrow 24"/>
+          <p:cNvSpPr/>
+          <p:nvPr/>
+        </p:nvSpPr>
+        <p:spPr bwMode="auto">
+          <a:xfrm rot="5400000" flipV="1">
+            <a:off x="4362340" y="3491251"/>
+            <a:ext cx="311348" cy="724447"/>
+          </a:xfrm>
+          <a:prstGeom prst="curvedLeftArrow">
+            <a:avLst>
+              <a:gd name="adj1" fmla="val 17699"/>
+              <a:gd name="adj2" fmla="val 50000"/>
+              <a:gd name="adj3" fmla="val 25000"/>
+            </a:avLst>
+          </a:prstGeom>
+          <a:solidFill>
+            <a:schemeClr val="bg1">
+              <a:lumMod val="50000"/>
+            </a:schemeClr>
+          </a:solidFill>
+          <a:ln w="9525" cap="flat" cmpd="sng" algn="ctr">
+            <a:noFill/>
+            <a:prstDash val="solid"/>
+            <a:round/>
+            <a:headEnd type="none" w="med" len="med"/>
+            <a:tailEnd type="none" w="med" len="med"/>
+          </a:ln>
+          <a:effectLst/>
+        </p:spPr>
+        <p:txBody>
+          <a:bodyPr/>
+          <a:lstStyle/>
+          <a:p>
+            <a:pPr>
+              <a:defRPr/>
+            </a:pPr>
+            <a:endParaRPr lang="en-US" sz="2000"/>
+          </a:p>
+        </p:txBody>
+      </p:sp>
+      <p:grpSp>
+        <p:nvGrpSpPr>
+          <p:cNvPr id="51" name="Groupe 50"/>
+          <p:cNvGrpSpPr/>
+          <p:nvPr/>
+        </p:nvGrpSpPr>
+        <p:grpSpPr>
+          <a:xfrm>
+            <a:off x="4770963" y="2849368"/>
+            <a:ext cx="2033272" cy="981466"/>
+            <a:chOff x="4770963" y="2849368"/>
+            <a:chExt cx="2033272" cy="981466"/>
+          </a:xfrm>
+        </p:grpSpPr>
+        <p:pic>
+          <p:nvPicPr>
+            <p:cNvPr id="52" name="Image 51"/>
+            <p:cNvPicPr>
+              <a:picLocks noChangeAspect="1"/>
+            </p:cNvPicPr>
+            <p:nvPr/>
+          </p:nvPicPr>
+          <p:blipFill>
+            <a:blip r:embed="rId2" cstate="print">
+              <a:duotone>
+                <a:prstClr val="black"/>
+                <a:schemeClr val="accent3">
+                  <a:tint val="45000"/>
+                  <a:satMod val="400000"/>
+                </a:schemeClr>
+              </a:duotone>
+              <a:clrChange>
+                <a:clrFrom>
+                  <a:srgbClr val="FFFFFF"/>
+                </a:clrFrom>
+                <a:clrTo>
+                  <a:srgbClr val="FFFFFF">
+                    <a:alpha val="0"/>
+                  </a:srgbClr>
+                </a:clrTo>
+              </a:clrChange>
+              <a:extLst>
+                <a:ext uri="{28A0092B-C50C-407E-A947-70E740481C1C}">
+                  <a14:useLocalDpi xmlns:a14="http://schemas.microsoft.com/office/drawing/2010/main" val="0"/>
+                </a:ext>
+              </a:extLst>
+            </a:blip>
+            <a:stretch>
+              <a:fillRect/>
+            </a:stretch>
+          </p:blipFill>
+          <p:spPr>
+            <a:xfrm>
+              <a:off x="5720003" y="2860428"/>
+              <a:ext cx="210141" cy="444686"/>
+            </a:xfrm>
+            <a:prstGeom prst="rect">
+              <a:avLst/>
+            </a:prstGeom>
+          </p:spPr>
+        </p:pic>
+        <p:grpSp>
+          <p:nvGrpSpPr>
+            <p:cNvPr id="53" name="Groupe 52"/>
+            <p:cNvGrpSpPr/>
+            <p:nvPr/>
+          </p:nvGrpSpPr>
+          <p:grpSpPr>
+            <a:xfrm>
+              <a:off x="4770963" y="2849368"/>
+              <a:ext cx="2033272" cy="981466"/>
+              <a:chOff x="6551662" y="-1082918"/>
+              <a:chExt cx="2033272" cy="981466"/>
+            </a:xfrm>
+          </p:grpSpPr>
+          <p:pic>
+            <p:nvPicPr>
+              <p:cNvPr id="54" name="Image 53"/>
+              <p:cNvPicPr>
+                <a:picLocks noChangeAspect="1"/>
+              </p:cNvPicPr>
+              <p:nvPr/>
+            </p:nvPicPr>
+            <p:blipFill>
+              <a:blip r:embed="rId2" cstate="print">
+                <a:clrChange>
+                  <a:clrFrom>
+                    <a:srgbClr val="FFFFFF"/>
+                  </a:clrFrom>
+                  <a:clrTo>
+                    <a:srgbClr val="FFFFFF">
+                      <a:alpha val="0"/>
+                    </a:srgbClr>
+                  </a:clrTo>
+                </a:clrChange>
+                <a:duotone>
+                  <a:prstClr val="black"/>
+                  <a:schemeClr val="accent5">
+                    <a:tint val="45000"/>
+                    <a:satMod val="400000"/>
+                  </a:schemeClr>
+                </a:duotone>
+                <a:extLst>
+                  <a:ext uri="{28A0092B-C50C-407E-A947-70E740481C1C}">
+                    <a14:useLocalDpi xmlns:a14="http://schemas.microsoft.com/office/drawing/2010/main" val="0"/>
+                  </a:ext>
+                </a:extLst>
+              </a:blip>
+              <a:stretch>
+                <a:fillRect/>
+              </a:stretch>
+            </p:blipFill>
+            <p:spPr>
+              <a:xfrm>
+                <a:off x="7752806" y="-1071214"/>
+                <a:ext cx="210141" cy="444686"/>
+              </a:xfrm>
+              <a:prstGeom prst="rect">
+                <a:avLst/>
+              </a:prstGeom>
+            </p:spPr>
+          </p:pic>
+          <p:pic>
+            <p:nvPicPr>
+              <p:cNvPr id="55" name="Image 54"/>
+              <p:cNvPicPr>
+                <a:picLocks noChangeAspect="1"/>
+              </p:cNvPicPr>
+              <p:nvPr/>
+            </p:nvPicPr>
+            <p:blipFill>
+              <a:blip r:embed="rId2" cstate="print">
+                <a:clrChange>
+                  <a:clrFrom>
+                    <a:srgbClr val="FFFFFF"/>
+                  </a:clrFrom>
+                  <a:clrTo>
+                    <a:srgbClr val="FFFFFF">
+                      <a:alpha val="0"/>
+                    </a:srgbClr>
+                  </a:clrTo>
+                </a:clrChange>
+                <a:duotone>
+                  <a:prstClr val="black"/>
+                  <a:schemeClr val="accent6">
+                    <a:tint val="45000"/>
+                    <a:satMod val="400000"/>
+                  </a:schemeClr>
+                </a:duotone>
+                <a:extLst>
+                  <a:ext uri="{28A0092B-C50C-407E-A947-70E740481C1C}">
+                    <a14:useLocalDpi xmlns:a14="http://schemas.microsoft.com/office/drawing/2010/main" val="0"/>
+                  </a:ext>
+                </a:extLst>
+              </a:blip>
+              <a:stretch>
+                <a:fillRect/>
+              </a:stretch>
+            </p:blipFill>
+            <p:spPr>
+              <a:xfrm>
+                <a:off x="8374793" y="-1082918"/>
+                <a:ext cx="210141" cy="444686"/>
+              </a:xfrm>
+              <a:prstGeom prst="rect">
+                <a:avLst/>
+              </a:prstGeom>
+            </p:spPr>
+          </p:pic>
+          <p:pic>
+            <p:nvPicPr>
+              <p:cNvPr id="56" name="Image 55"/>
+              <p:cNvPicPr>
+                <a:picLocks noChangeAspect="1"/>
+              </p:cNvPicPr>
+              <p:nvPr/>
+            </p:nvPicPr>
+            <p:blipFill>
+              <a:blip r:embed="rId2" cstate="print">
+                <a:duotone>
+                  <a:schemeClr val="accent3">
+                    <a:shade val="45000"/>
+                    <a:satMod val="135000"/>
+                  </a:schemeClr>
+                  <a:prstClr val="white"/>
+                </a:duotone>
+                <a:clrChange>
+                  <a:clrFrom>
+                    <a:srgbClr val="FFFFFF"/>
+                  </a:clrFrom>
+                  <a:clrTo>
+                    <a:srgbClr val="FFFFFF">
+                      <a:alpha val="0"/>
+                    </a:srgbClr>
+                  </a:clrTo>
+                </a:clrChange>
+                <a:extLst>
+                  <a:ext uri="{28A0092B-C50C-407E-A947-70E740481C1C}">
+                    <a14:useLocalDpi xmlns:a14="http://schemas.microsoft.com/office/drawing/2010/main" val="0"/>
+                  </a:ext>
+                </a:extLst>
+              </a:blip>
+              <a:stretch>
+                <a:fillRect/>
+              </a:stretch>
+            </p:blipFill>
+            <p:spPr>
+              <a:xfrm>
+                <a:off x="8024093" y="-550547"/>
+                <a:ext cx="210141" cy="444686"/>
+              </a:xfrm>
+              <a:prstGeom prst="rect">
+                <a:avLst/>
+              </a:prstGeom>
+            </p:spPr>
+          </p:pic>
+          <p:pic>
+            <p:nvPicPr>
+              <p:cNvPr id="57" name="Image 56"/>
+              <p:cNvPicPr>
+                <a:picLocks noChangeAspect="1"/>
+              </p:cNvPicPr>
+              <p:nvPr/>
+            </p:nvPicPr>
+            <p:blipFill>
+              <a:blip r:embed="rId2" cstate="print">
+                <a:duotone>
+                  <a:schemeClr val="accent3">
+                    <a:shade val="45000"/>
+                    <a:satMod val="135000"/>
+                  </a:schemeClr>
+                  <a:prstClr val="white"/>
+                </a:duotone>
+                <a:clrChange>
+                  <a:clrFrom>
+                    <a:srgbClr val="FFFFFF"/>
+                  </a:clrFrom>
+                  <a:clrTo>
+                    <a:srgbClr val="FFFFFF">
+                      <a:alpha val="0"/>
+                    </a:srgbClr>
+                  </a:clrTo>
+                </a:clrChange>
+                <a:extLst>
+                  <a:ext uri="{28A0092B-C50C-407E-A947-70E740481C1C}">
+                    <a14:useLocalDpi xmlns:a14="http://schemas.microsoft.com/office/drawing/2010/main" val="0"/>
+                  </a:ext>
+                </a:extLst>
+              </a:blip>
+              <a:stretch>
+                <a:fillRect/>
+              </a:stretch>
+            </p:blipFill>
+            <p:spPr>
+              <a:xfrm>
+                <a:off x="6551662" y="-1071858"/>
+                <a:ext cx="210141" cy="444686"/>
+              </a:xfrm>
+              <a:prstGeom prst="rect">
+                <a:avLst/>
+              </a:prstGeom>
+            </p:spPr>
+          </p:pic>
+          <p:grpSp>
+            <p:nvGrpSpPr>
+              <p:cNvPr id="58" name="Groupe 57"/>
+              <p:cNvGrpSpPr/>
+              <p:nvPr/>
+            </p:nvGrpSpPr>
+            <p:grpSpPr>
+              <a:xfrm>
+                <a:off x="6663198" y="-1082918"/>
+                <a:ext cx="1856958" cy="981466"/>
+                <a:chOff x="3925465" y="-979520"/>
+                <a:chExt cx="1856958" cy="981466"/>
+              </a:xfrm>
+            </p:grpSpPr>
+            <p:pic>
+              <p:nvPicPr>
+                <p:cNvPr id="59" name="Image 58"/>
+                <p:cNvPicPr>
+                  <a:picLocks noChangeAspect="1"/>
+                </p:cNvPicPr>
+                <p:nvPr/>
+              </p:nvPicPr>
+              <p:blipFill>
+                <a:blip r:embed="rId2" cstate="print">
+                  <a:clrChange>
+                    <a:clrFrom>
+                      <a:srgbClr val="FFFFFF"/>
+                    </a:clrFrom>
+                    <a:clrTo>
+                      <a:srgbClr val="FFFFFF">
+                        <a:alpha val="0"/>
+                      </a:srgbClr>
+                    </a:clrTo>
+                  </a:clrChange>
+                  <a:duotone>
+                    <a:prstClr val="black"/>
+                    <a:schemeClr val="accent2">
+                      <a:tint val="45000"/>
+                      <a:satMod val="400000"/>
+                    </a:schemeClr>
+                  </a:duotone>
+                  <a:extLst>
+                    <a:ext uri="{28A0092B-C50C-407E-A947-70E740481C1C}">
+                      <a14:useLocalDpi xmlns:a14="http://schemas.microsoft.com/office/drawing/2010/main" val="0"/>
+                    </a:ext>
+                  </a:extLst>
+                </a:blip>
+                <a:stretch>
+                  <a:fillRect/>
+                </a:stretch>
+              </p:blipFill>
+              <p:spPr>
+                <a:xfrm>
+                  <a:off x="5385041" y="-895256"/>
+                  <a:ext cx="210141" cy="424387"/>
+                </a:xfrm>
+                <a:prstGeom prst="rect">
+                  <a:avLst/>
+                </a:prstGeom>
+              </p:spPr>
+            </p:pic>
+            <p:pic>
+              <p:nvPicPr>
+                <p:cNvPr id="60" name="Image 59"/>
+                <p:cNvPicPr>
+                  <a:picLocks noChangeAspect="1"/>
+                </p:cNvPicPr>
+                <p:nvPr/>
+              </p:nvPicPr>
+              <p:blipFill>
+                <a:blip r:embed="rId2" cstate="print">
+                  <a:duotone>
+                    <a:schemeClr val="accent5">
+                      <a:shade val="45000"/>
+                      <a:satMod val="135000"/>
+                    </a:schemeClr>
+                    <a:prstClr val="white"/>
+                  </a:duotone>
+                  <a:clrChange>
+                    <a:clrFrom>
+                      <a:srgbClr val="FFFFFF"/>
+                    </a:clrFrom>
+                    <a:clrTo>
+                      <a:srgbClr val="FFFFFF">
+                        <a:alpha val="0"/>
+                      </a:srgbClr>
+                    </a:clrTo>
+                  </a:clrChange>
+                  <a:extLst>
+                    <a:ext uri="{28A0092B-C50C-407E-A947-70E740481C1C}">
+                      <a14:useLocalDpi xmlns:a14="http://schemas.microsoft.com/office/drawing/2010/main" val="0"/>
+                    </a:ext>
+                  </a:extLst>
+                </a:blip>
+                <a:stretch>
+                  <a:fillRect/>
+                </a:stretch>
+              </p:blipFill>
+              <p:spPr>
+                <a:xfrm>
+                  <a:off x="4630421" y="-452614"/>
+                  <a:ext cx="210141" cy="444686"/>
+                </a:xfrm>
+                <a:prstGeom prst="rect">
+                  <a:avLst/>
+                </a:prstGeom>
+              </p:spPr>
+            </p:pic>
+            <p:pic>
+              <p:nvPicPr>
+                <p:cNvPr id="61" name="Image 60"/>
+                <p:cNvPicPr>
+                  <a:picLocks noChangeAspect="1"/>
+                </p:cNvPicPr>
+                <p:nvPr/>
+              </p:nvPicPr>
+              <p:blipFill>
+                <a:blip r:embed="rId2" cstate="print">
+                  <a:clrChange>
+                    <a:clrFrom>
+                      <a:srgbClr val="FFFFFF"/>
+                    </a:clrFrom>
+                    <a:clrTo>
+                      <a:srgbClr val="FFFFFF">
+                        <a:alpha val="0"/>
+                      </a:srgbClr>
+                    </a:clrTo>
+                  </a:clrChange>
+                  <a:duotone>
+                    <a:prstClr val="black"/>
+                    <a:schemeClr val="accent6">
+                      <a:tint val="45000"/>
+                      <a:satMod val="400000"/>
+                    </a:schemeClr>
+                  </a:duotone>
+                  <a:extLst>
+                    <a:ext uri="{28A0092B-C50C-407E-A947-70E740481C1C}">
+                      <a14:useLocalDpi xmlns:a14="http://schemas.microsoft.com/office/drawing/2010/main" val="0"/>
+                    </a:ext>
+                  </a:extLst>
+                </a:blip>
+                <a:stretch>
+                  <a:fillRect/>
+                </a:stretch>
+              </p:blipFill>
+              <p:spPr>
+                <a:xfrm>
+                  <a:off x="4378060" y="-507097"/>
+                  <a:ext cx="210141" cy="444686"/>
+                </a:xfrm>
+                <a:prstGeom prst="rect">
+                  <a:avLst/>
+                </a:prstGeom>
+              </p:spPr>
+            </p:pic>
+            <p:pic>
+              <p:nvPicPr>
+                <p:cNvPr id="62" name="Image 61"/>
+                <p:cNvPicPr>
+                  <a:picLocks noChangeAspect="1"/>
+                </p:cNvPicPr>
+                <p:nvPr/>
+              </p:nvPicPr>
+              <p:blipFill>
+                <a:blip r:embed="rId2" cstate="print">
+                  <a:clrChange>
+                    <a:clrFrom>
+                      <a:srgbClr val="FFFFFF"/>
+                    </a:clrFrom>
+                    <a:clrTo>
+                      <a:srgbClr val="FFFFFF">
+                        <a:alpha val="0"/>
+                      </a:srgbClr>
+                    </a:clrTo>
+                  </a:clrChange>
+                  <a:duotone>
+                    <a:schemeClr val="accent5">
+                      <a:shade val="45000"/>
+                      <a:satMod val="135000"/>
+                    </a:schemeClr>
+                    <a:prstClr val="white"/>
+                  </a:duotone>
+                  <a:extLst>
+                    <a:ext uri="{28A0092B-C50C-407E-A947-70E740481C1C}">
+                      <a14:useLocalDpi xmlns:a14="http://schemas.microsoft.com/office/drawing/2010/main" val="0"/>
+                    </a:ext>
+                  </a:extLst>
+                </a:blip>
+                <a:stretch>
+                  <a:fillRect/>
+                </a:stretch>
+              </p:blipFill>
+              <p:spPr>
+                <a:xfrm>
+                  <a:off x="3925465" y="-640659"/>
+                  <a:ext cx="210141" cy="444686"/>
+                </a:xfrm>
+                <a:prstGeom prst="rect">
+                  <a:avLst/>
+                </a:prstGeom>
+              </p:spPr>
+            </p:pic>
+            <p:pic>
+              <p:nvPicPr>
+                <p:cNvPr id="63" name="Image 62"/>
+                <p:cNvPicPr>
+                  <a:picLocks noChangeAspect="1"/>
+                </p:cNvPicPr>
+                <p:nvPr/>
+              </p:nvPicPr>
+              <p:blipFill>
+                <a:blip r:embed="rId2" cstate="print">
+                  <a:duotone>
+                    <a:prstClr val="black"/>
+                    <a:schemeClr val="accent2">
+                      <a:tint val="45000"/>
+                      <a:satMod val="400000"/>
+                    </a:schemeClr>
+                  </a:duotone>
+                  <a:clrChange>
+                    <a:clrFrom>
+                      <a:srgbClr val="FFFFFF"/>
+                    </a:clrFrom>
+                    <a:clrTo>
+                      <a:srgbClr val="FFFFFF">
+                        <a:alpha val="0"/>
+                      </a:srgbClr>
+                    </a:clrTo>
+                  </a:clrChange>
+                  <a:extLst>
+                    <a:ext uri="{28A0092B-C50C-407E-A947-70E740481C1C}">
+                      <a14:useLocalDpi xmlns:a14="http://schemas.microsoft.com/office/drawing/2010/main" val="0"/>
+                    </a:ext>
+                  </a:extLst>
+                </a:blip>
+                <a:stretch>
+                  <a:fillRect/>
+                </a:stretch>
+              </p:blipFill>
+              <p:spPr>
+                <a:xfrm>
+                  <a:off x="4550020" y="-979520"/>
+                  <a:ext cx="210141" cy="444686"/>
+                </a:xfrm>
+                <a:prstGeom prst="rect">
+                  <a:avLst/>
+                </a:prstGeom>
+              </p:spPr>
+            </p:pic>
+            <p:pic>
+              <p:nvPicPr>
+                <p:cNvPr id="64" name="Image 63"/>
+                <p:cNvPicPr>
+                  <a:picLocks noChangeAspect="1"/>
+                </p:cNvPicPr>
+                <p:nvPr/>
+              </p:nvPicPr>
+              <p:blipFill>
+                <a:blip r:embed="rId2" cstate="print">
+                  <a:clrChange>
+                    <a:clrFrom>
+                      <a:srgbClr val="FFFFFF"/>
+                    </a:clrFrom>
+                    <a:clrTo>
+                      <a:srgbClr val="FFFFFF">
+                        <a:alpha val="0"/>
+                      </a:srgbClr>
+                    </a:clrTo>
+                  </a:clrChange>
+                  <a:duotone>
+                    <a:prstClr val="black"/>
+                    <a:schemeClr val="accent5">
+                      <a:tint val="45000"/>
+                      <a:satMod val="400000"/>
+                    </a:schemeClr>
+                  </a:duotone>
+                  <a:extLst>
+                    <a:ext uri="{28A0092B-C50C-407E-A947-70E740481C1C}">
+                      <a14:useLocalDpi xmlns:a14="http://schemas.microsoft.com/office/drawing/2010/main" val="0"/>
+                    </a:ext>
+                  </a:extLst>
+                </a:blip>
+                <a:stretch>
+                  <a:fillRect/>
+                </a:stretch>
+              </p:blipFill>
+              <p:spPr>
+                <a:xfrm>
+                  <a:off x="4240386" y="-977091"/>
+                  <a:ext cx="210141" cy="444686"/>
+                </a:xfrm>
+                <a:prstGeom prst="rect">
+                  <a:avLst/>
+                </a:prstGeom>
+              </p:spPr>
+            </p:pic>
+            <p:pic>
+              <p:nvPicPr>
+                <p:cNvPr id="65" name="Image 64"/>
+                <p:cNvPicPr>
+                  <a:picLocks noChangeAspect="1"/>
+                </p:cNvPicPr>
+                <p:nvPr/>
+              </p:nvPicPr>
+              <p:blipFill>
+                <a:blip r:embed="rId2" cstate="print">
+                  <a:duotone>
+                    <a:prstClr val="black"/>
+                    <a:schemeClr val="accent2">
+                      <a:tint val="45000"/>
+                      <a:satMod val="400000"/>
+                    </a:schemeClr>
+                  </a:duotone>
+                  <a:clrChange>
+                    <a:clrFrom>
+                      <a:srgbClr val="FFFFFF"/>
+                    </a:clrFrom>
+                    <a:clrTo>
+                      <a:srgbClr val="FFFFFF">
+                        <a:alpha val="0"/>
+                      </a:srgbClr>
+                    </a:clrTo>
+                  </a:clrChange>
+                  <a:extLst>
+                    <a:ext uri="{28A0092B-C50C-407E-A947-70E740481C1C}">
+                      <a14:useLocalDpi xmlns:a14="http://schemas.microsoft.com/office/drawing/2010/main" val="0"/>
+                    </a:ext>
+                  </a:extLst>
+                </a:blip>
+                <a:stretch>
+                  <a:fillRect/>
+                </a:stretch>
+              </p:blipFill>
+              <p:spPr>
+                <a:xfrm>
+                  <a:off x="5099119" y="-589573"/>
+                  <a:ext cx="210141" cy="444686"/>
+                </a:xfrm>
+                <a:prstGeom prst="rect">
+                  <a:avLst/>
+                </a:prstGeom>
+              </p:spPr>
+            </p:pic>
+            <p:pic>
+              <p:nvPicPr>
+                <p:cNvPr id="66" name="Image 65"/>
+                <p:cNvPicPr>
+                  <a:picLocks noChangeAspect="1"/>
+                </p:cNvPicPr>
+                <p:nvPr/>
+              </p:nvPicPr>
+              <p:blipFill>
+                <a:blip r:embed="rId2" cstate="print">
+                  <a:duotone>
+                    <a:schemeClr val="accent3">
+                      <a:shade val="45000"/>
+                      <a:satMod val="135000"/>
+                    </a:schemeClr>
+                    <a:prstClr val="white"/>
+                  </a:duotone>
+                  <a:clrChange>
+                    <a:clrFrom>
+                      <a:srgbClr val="FFFFFF"/>
+                    </a:clrFrom>
+                    <a:clrTo>
+                      <a:srgbClr val="FFFFFF">
+                        <a:alpha val="0"/>
+                      </a:srgbClr>
+                    </a:clrTo>
+                  </a:clrChange>
+                  <a:extLst>
+                    <a:ext uri="{28A0092B-C50C-407E-A947-70E740481C1C}">
+                      <a14:useLocalDpi xmlns:a14="http://schemas.microsoft.com/office/drawing/2010/main" val="0"/>
+                    </a:ext>
+                  </a:extLst>
+                </a:blip>
+                <a:stretch>
+                  <a:fillRect/>
+                </a:stretch>
+              </p:blipFill>
+              <p:spPr>
+                <a:xfrm>
+                  <a:off x="4798052" y="-723375"/>
+                  <a:ext cx="210141" cy="444686"/>
+                </a:xfrm>
+                <a:prstGeom prst="rect">
+                  <a:avLst/>
+                </a:prstGeom>
+              </p:spPr>
+            </p:pic>
+            <p:pic>
+              <p:nvPicPr>
+                <p:cNvPr id="67" name="Image 66"/>
+                <p:cNvPicPr>
+                  <a:picLocks noChangeAspect="1"/>
+                </p:cNvPicPr>
+                <p:nvPr/>
+              </p:nvPicPr>
+              <p:blipFill>
+                <a:blip r:embed="rId2" cstate="print">
+                  <a:clrChange>
+                    <a:clrFrom>
+                      <a:srgbClr val="FFFFFF"/>
+                    </a:clrFrom>
+                    <a:clrTo>
+                      <a:srgbClr val="FFFFFF">
+                        <a:alpha val="0"/>
+                      </a:srgbClr>
+                    </a:clrTo>
+                  </a:clrChange>
+                  <a:duotone>
+                    <a:prstClr val="black"/>
+                    <a:schemeClr val="accent5">
+                      <a:tint val="45000"/>
+                      <a:satMod val="400000"/>
+                    </a:schemeClr>
+                  </a:duotone>
+                  <a:extLst>
+                    <a:ext uri="{28A0092B-C50C-407E-A947-70E740481C1C}">
+                      <a14:useLocalDpi xmlns:a14="http://schemas.microsoft.com/office/drawing/2010/main" val="0"/>
+                    </a:ext>
+                  </a:extLst>
+                </a:blip>
+                <a:stretch>
+                  <a:fillRect/>
+                </a:stretch>
+              </p:blipFill>
+              <p:spPr>
+                <a:xfrm>
+                  <a:off x="4904744" y="-469118"/>
+                  <a:ext cx="210141" cy="444686"/>
+                </a:xfrm>
+                <a:prstGeom prst="rect">
+                  <a:avLst/>
+                </a:prstGeom>
+              </p:spPr>
+            </p:pic>
+            <p:pic>
+              <p:nvPicPr>
+                <p:cNvPr id="68" name="Image 67"/>
+                <p:cNvPicPr>
+                  <a:picLocks noChangeAspect="1"/>
+                </p:cNvPicPr>
+                <p:nvPr/>
+              </p:nvPicPr>
+              <p:blipFill>
+                <a:blip r:embed="rId2" cstate="print">
+                  <a:clrChange>
+                    <a:clrFrom>
+                      <a:srgbClr val="FFFFFF"/>
+                    </a:clrFrom>
+                    <a:clrTo>
+                      <a:srgbClr val="FFFFFF">
+                        <a:alpha val="0"/>
+                      </a:srgbClr>
+                    </a:clrTo>
+                  </a:clrChange>
+                  <a:duotone>
+                    <a:prstClr val="black"/>
+                    <a:srgbClr val="FFC000">
+                      <a:tint val="45000"/>
+                      <a:satMod val="400000"/>
+                    </a:srgbClr>
+                  </a:duotone>
+                  <a:extLst>
+                    <a:ext uri="{28A0092B-C50C-407E-A947-70E740481C1C}">
+                      <a14:useLocalDpi xmlns:a14="http://schemas.microsoft.com/office/drawing/2010/main" val="0"/>
+                    </a:ext>
+                  </a:extLst>
+                </a:blip>
+                <a:stretch>
+                  <a:fillRect/>
+                </a:stretch>
+              </p:blipFill>
+              <p:spPr>
+                <a:xfrm>
+                  <a:off x="5572282" y="-533685"/>
+                  <a:ext cx="210141" cy="444686"/>
+                </a:xfrm>
+                <a:prstGeom prst="rect">
+                  <a:avLst/>
+                </a:prstGeom>
+              </p:spPr>
+            </p:pic>
+            <p:pic>
+              <p:nvPicPr>
+                <p:cNvPr id="69" name="Image 68"/>
+                <p:cNvPicPr>
+                  <a:picLocks noChangeAspect="1"/>
+                </p:cNvPicPr>
+                <p:nvPr/>
+              </p:nvPicPr>
+              <p:blipFill>
+                <a:blip r:embed="rId2" cstate="print">
+                  <a:clrChange>
+                    <a:clrFrom>
+                      <a:srgbClr val="FFFFFF"/>
+                    </a:clrFrom>
+                    <a:clrTo>
+                      <a:srgbClr val="FFFFFF">
+                        <a:alpha val="0"/>
+                      </a:srgbClr>
+                    </a:clrTo>
+                  </a:clrChange>
+                  <a:duotone>
+                    <a:prstClr val="black"/>
+                    <a:srgbClr val="FFC000">
+                      <a:tint val="45000"/>
+                      <a:satMod val="400000"/>
+                    </a:srgbClr>
+                  </a:duotone>
+                  <a:extLst>
+                    <a:ext uri="{28A0092B-C50C-407E-A947-70E740481C1C}">
+                      <a14:useLocalDpi xmlns:a14="http://schemas.microsoft.com/office/drawing/2010/main" val="0"/>
+                    </a:ext>
+                  </a:extLst>
+                </a:blip>
+                <a:stretch>
+                  <a:fillRect/>
+                </a:stretch>
+              </p:blipFill>
+              <p:spPr>
+                <a:xfrm>
+                  <a:off x="4118477" y="-442740"/>
+                  <a:ext cx="210141" cy="444686"/>
+                </a:xfrm>
+                <a:prstGeom prst="rect">
+                  <a:avLst/>
+                </a:prstGeom>
+              </p:spPr>
+            </p:pic>
+          </p:grpSp>
+        </p:grpSp>
+      </p:grpSp>
+      <p:pic>
+        <p:nvPicPr>
+          <p:cNvPr id="70" name="Image 69"/>
+          <p:cNvPicPr>
+            <a:picLocks noChangeAspect="1"/>
+          </p:cNvPicPr>
+          <p:nvPr/>
+        </p:nvPicPr>
+        <p:blipFill>
+          <a:blip r:embed="rId2" cstate="print">
+            <a:clrChange>
+              <a:clrFrom>
+                <a:srgbClr val="FFFFFF"/>
+              </a:clrFrom>
+              <a:clrTo>
+                <a:srgbClr val="FFFFFF">
+                  <a:alpha val="0"/>
+                </a:srgbClr>
+              </a:clrTo>
+            </a:clrChange>
+            <a:duotone>
+              <a:schemeClr val="accent5">
+                <a:shade val="45000"/>
+                <a:satMod val="135000"/>
+              </a:schemeClr>
+              <a:prstClr val="white"/>
+            </a:duotone>
+            <a:extLst>
+              <a:ext uri="{28A0092B-C50C-407E-A947-70E740481C1C}">
+                <a14:useLocalDpi xmlns:a14="http://schemas.microsoft.com/office/drawing/2010/main" val="0"/>
+              </a:ext>
+            </a:extLst>
+          </a:blip>
+          <a:stretch>
+            <a:fillRect/>
+          </a:stretch>
+        </p:blipFill>
+        <p:spPr>
+          <a:xfrm>
+            <a:off x="6112860" y="3076178"/>
+            <a:ext cx="210141" cy="444686"/>
+          </a:xfrm>
+          <a:prstGeom prst="rect">
+            <a:avLst/>
+          </a:prstGeom>
+        </p:spPr>
+      </p:pic>
+      <p:pic>
+        <p:nvPicPr>
+          <p:cNvPr id="71" name="Image 70"/>
+          <p:cNvPicPr>
+            <a:picLocks noChangeAspect="1"/>
+          </p:cNvPicPr>
+          <p:nvPr/>
+        </p:nvPicPr>
+        <p:blipFill>
+          <a:blip r:embed="rId2" cstate="print">
+            <a:duotone>
+              <a:prstClr val="black"/>
+              <a:schemeClr val="accent6">
+                <a:tint val="45000"/>
+                <a:satMod val="400000"/>
+              </a:schemeClr>
+            </a:duotone>
+            <a:clrChange>
+              <a:clrFrom>
+                <a:srgbClr val="FFFFFF"/>
+              </a:clrFrom>
+              <a:clrTo>
+                <a:srgbClr val="FFFFFF">
+                  <a:alpha val="0"/>
+                </a:srgbClr>
+              </a:clrTo>
+            </a:clrChange>
+            <a:extLst>
+              <a:ext uri="{28A0092B-C50C-407E-A947-70E740481C1C}">
+                <a14:useLocalDpi xmlns:a14="http://schemas.microsoft.com/office/drawing/2010/main" val="0"/>
+              </a:ext>
+            </a:extLst>
+          </a:blip>
+          <a:stretch>
+            <a:fillRect/>
+          </a:stretch>
+        </p:blipFill>
+        <p:spPr>
+          <a:xfrm>
+            <a:off x="4985957" y="2969782"/>
+            <a:ext cx="210141" cy="444686"/>
+          </a:xfrm>
+          <a:prstGeom prst="rect">
+            <a:avLst/>
+          </a:prstGeom>
+        </p:spPr>
+      </p:pic>
+      <p:sp>
+        <p:nvSpPr>
+          <p:cNvPr id="72" name="Curved Left Arrow 24"/>
+          <p:cNvSpPr/>
+          <p:nvPr/>
+        </p:nvSpPr>
+        <p:spPr bwMode="auto">
+          <a:xfrm rot="16200000">
+            <a:off x="6987602" y="520220"/>
+            <a:ext cx="413647" cy="922462"/>
+          </a:xfrm>
+          <a:prstGeom prst="curvedLeftArrow">
+            <a:avLst>
+              <a:gd name="adj1" fmla="val 17699"/>
+              <a:gd name="adj2" fmla="val 50000"/>
+              <a:gd name="adj3" fmla="val 25000"/>
+            </a:avLst>
+          </a:prstGeom>
+          <a:solidFill>
+            <a:schemeClr val="bg1">
+              <a:lumMod val="50000"/>
+            </a:schemeClr>
+          </a:solidFill>
+          <a:ln w="9525" cap="flat" cmpd="sng" algn="ctr">
+            <a:noFill/>
+            <a:prstDash val="solid"/>
+            <a:round/>
+            <a:headEnd type="none" w="med" len="med"/>
+            <a:tailEnd type="none" w="med" len="med"/>
+          </a:ln>
+          <a:effectLst/>
+        </p:spPr>
+        <p:txBody>
+          <a:bodyPr/>
+          <a:lstStyle/>
+          <a:p>
+            <a:pPr>
+              <a:defRPr/>
+            </a:pPr>
+            <a:endParaRPr lang="en-US" sz="2000"/>
+          </a:p>
+        </p:txBody>
+      </p:sp>
+      <p:sp>
+        <p:nvSpPr>
+          <p:cNvPr id="73" name="Rectangle 72"/>
+          <p:cNvSpPr/>
+          <p:nvPr/>
+        </p:nvSpPr>
+        <p:spPr>
+          <a:xfrm>
+            <a:off x="6767865" y="511166"/>
+            <a:ext cx="853119" cy="307777"/>
+          </a:xfrm>
+          <a:prstGeom prst="rect">
+            <a:avLst/>
+          </a:prstGeom>
+        </p:spPr>
+        <p:txBody>
+          <a:bodyPr wrap="none">
+            <a:spAutoFit/>
+          </a:bodyPr>
+          <a:lstStyle/>
+          <a:p>
+            <a:r>
+              <a:rPr lang="fr-FR" altLang="en-US" sz="1400" dirty="0" smtClean="0">
+                <a:latin typeface="Times" panose="02020603050405020304" pitchFamily="18" charset="0"/>
+                <a:cs typeface="Times" panose="02020603050405020304" pitchFamily="18" charset="0"/>
+              </a:rPr>
+              <a:t>Mortalité</a:t>
+            </a:r>
+            <a:endParaRPr lang="en-US" sz="1400" dirty="0">
+              <a:latin typeface="Times" panose="02020603050405020304" pitchFamily="18" charset="0"/>
+              <a:cs typeface="Times" panose="02020603050405020304" pitchFamily="18" charset="0"/>
+            </a:endParaRPr>
+          </a:p>
+        </p:txBody>
+      </p:sp>
+      <p:pic>
+        <p:nvPicPr>
+          <p:cNvPr id="74" name="Image 73"/>
+          <p:cNvPicPr>
+            <a:picLocks noChangeAspect="1"/>
+          </p:cNvPicPr>
+          <p:nvPr/>
+        </p:nvPicPr>
+        <p:blipFill>
+          <a:blip r:embed="rId2" cstate="print">
+            <a:clrChange>
+              <a:clrFrom>
+                <a:srgbClr val="FFFFFF"/>
+              </a:clrFrom>
+              <a:clrTo>
+                <a:srgbClr val="FFFFFF">
+                  <a:alpha val="0"/>
+                </a:srgbClr>
+              </a:clrTo>
+            </a:clrChange>
+            <a:duotone>
+              <a:prstClr val="black"/>
+              <a:srgbClr val="FFC000">
+                <a:tint val="45000"/>
+                <a:satMod val="400000"/>
+              </a:srgbClr>
+            </a:duotone>
+            <a:extLst>
+              <a:ext uri="{28A0092B-C50C-407E-A947-70E740481C1C}">
+                <a14:useLocalDpi xmlns:a14="http://schemas.microsoft.com/office/drawing/2010/main" val="0"/>
+              </a:ext>
+            </a:extLst>
+          </a:blip>
+          <a:stretch>
+            <a:fillRect/>
+          </a:stretch>
+        </p:blipFill>
+        <p:spPr>
+          <a:xfrm>
+            <a:off x="5377088" y="3091196"/>
+            <a:ext cx="210141" cy="444686"/>
+          </a:xfrm>
+          <a:prstGeom prst="rect">
+            <a:avLst/>
+          </a:prstGeom>
+        </p:spPr>
+      </p:pic>
+      <p:sp>
+        <p:nvSpPr>
+          <p:cNvPr id="75" name="Croix 74"/>
+          <p:cNvSpPr/>
+          <p:nvPr/>
+        </p:nvSpPr>
+        <p:spPr>
+          <a:xfrm rot="2863819">
+            <a:off x="2676837" y="1286822"/>
+            <a:ext cx="360000" cy="359107"/>
+          </a:xfrm>
+          <a:prstGeom prst="plus">
+            <a:avLst>
+              <a:gd name="adj" fmla="val 39589"/>
+            </a:avLst>
+          </a:prstGeom>
+          <a:solidFill>
+            <a:srgbClr val="C00000"/>
+          </a:solidFill>
+          <a:ln>
+            <a:noFill/>
+          </a:ln>
+        </p:spPr>
+        <p:style>
+          <a:lnRef idx="2">
+            <a:schemeClr val="accent1">
+              <a:shade val="50000"/>
+            </a:schemeClr>
+          </a:lnRef>
+          <a:fillRef idx="1">
+            <a:schemeClr val="accent1"/>
+          </a:fillRef>
+          <a:effectRef idx="0">
+            <a:schemeClr val="accent1"/>
+          </a:effectRef>
+          <a:fontRef idx="minor">
+            <a:schemeClr val="lt1"/>
+          </a:fontRef>
+        </p:style>
+        <p:txBody>
+          <a:bodyPr rtlCol="0" anchor="ctr"/>
+          <a:lstStyle/>
+          <a:p>
+            <a:pPr algn="ctr"/>
+            <a:endParaRPr lang="fr-FR"/>
+          </a:p>
+        </p:txBody>
+      </p:sp>
+      <p:grpSp>
+        <p:nvGrpSpPr>
+          <p:cNvPr id="76" name="Groupe 75"/>
+          <p:cNvGrpSpPr/>
+          <p:nvPr/>
+        </p:nvGrpSpPr>
+        <p:grpSpPr>
+          <a:xfrm>
+            <a:off x="3890324" y="1401258"/>
+            <a:ext cx="654009" cy="852164"/>
+            <a:chOff x="8135162" y="2718637"/>
+            <a:chExt cx="654009" cy="852164"/>
+          </a:xfrm>
+        </p:grpSpPr>
+        <p:pic>
+          <p:nvPicPr>
+            <p:cNvPr id="77" name="Image 76"/>
+            <p:cNvPicPr>
+              <a:picLocks noChangeAspect="1"/>
+            </p:cNvPicPr>
+            <p:nvPr/>
+          </p:nvPicPr>
+          <p:blipFill>
+            <a:blip r:embed="rId2" cstate="print">
+              <a:duotone>
+                <a:schemeClr val="accent3">
+                  <a:shade val="45000"/>
+                  <a:satMod val="135000"/>
+                </a:schemeClr>
+                <a:prstClr val="white"/>
+              </a:duotone>
+              <a:clrChange>
+                <a:clrFrom>
+                  <a:srgbClr val="FFFFFF"/>
+                </a:clrFrom>
+                <a:clrTo>
+                  <a:srgbClr val="FFFFFF">
+                    <a:alpha val="0"/>
+                  </a:srgbClr>
+                </a:clrTo>
+              </a:clrChange>
+              <a:extLst>
+                <a:ext uri="{28A0092B-C50C-407E-A947-70E740481C1C}">
+                  <a14:useLocalDpi xmlns:a14="http://schemas.microsoft.com/office/drawing/2010/main" val="0"/>
+                </a:ext>
+              </a:extLst>
+            </a:blip>
+            <a:stretch>
+              <a:fillRect/>
+            </a:stretch>
+          </p:blipFill>
+          <p:spPr>
+            <a:xfrm>
+              <a:off x="8579030" y="2980498"/>
+              <a:ext cx="210141" cy="444686"/>
+            </a:xfrm>
+            <a:prstGeom prst="rect">
+              <a:avLst/>
+            </a:prstGeom>
+          </p:spPr>
+        </p:pic>
+        <p:pic>
+          <p:nvPicPr>
+            <p:cNvPr id="78" name="Image 77"/>
+            <p:cNvPicPr>
+              <a:picLocks noChangeAspect="1"/>
+            </p:cNvPicPr>
+            <p:nvPr/>
+          </p:nvPicPr>
+          <p:blipFill>
+            <a:blip r:embed="rId2" cstate="print">
+              <a:clrChange>
+                <a:clrFrom>
+                  <a:srgbClr val="FFFFFF"/>
+                </a:clrFrom>
+                <a:clrTo>
+                  <a:srgbClr val="FFFFFF">
+                    <a:alpha val="0"/>
+                  </a:srgbClr>
+                </a:clrTo>
+              </a:clrChange>
+              <a:duotone>
+                <a:prstClr val="black"/>
+                <a:schemeClr val="accent6">
+                  <a:tint val="45000"/>
+                  <a:satMod val="400000"/>
+                </a:schemeClr>
+              </a:duotone>
+              <a:extLst>
+                <a:ext uri="{28A0092B-C50C-407E-A947-70E740481C1C}">
+                  <a14:useLocalDpi xmlns:a14="http://schemas.microsoft.com/office/drawing/2010/main" val="0"/>
+                </a:ext>
+              </a:extLst>
+            </a:blip>
+            <a:stretch>
+              <a:fillRect/>
+            </a:stretch>
+          </p:blipFill>
+          <p:spPr>
+            <a:xfrm>
+              <a:off x="8260208" y="2718637"/>
+              <a:ext cx="210141" cy="444686"/>
+            </a:xfrm>
+            <a:prstGeom prst="rect">
+              <a:avLst/>
+            </a:prstGeom>
+          </p:spPr>
+        </p:pic>
+        <p:pic>
+          <p:nvPicPr>
+            <p:cNvPr id="79" name="Image 78"/>
+            <p:cNvPicPr>
+              <a:picLocks noChangeAspect="1"/>
+            </p:cNvPicPr>
+            <p:nvPr/>
+          </p:nvPicPr>
+          <p:blipFill>
+            <a:blip r:embed="rId2" cstate="print">
+              <a:clrChange>
+                <a:clrFrom>
+                  <a:srgbClr val="FFFFFF"/>
+                </a:clrFrom>
+                <a:clrTo>
+                  <a:srgbClr val="FFFFFF">
+                    <a:alpha val="0"/>
+                  </a:srgbClr>
+                </a:clrTo>
+              </a:clrChange>
+              <a:duotone>
+                <a:prstClr val="black"/>
+                <a:schemeClr val="accent5">
+                  <a:tint val="45000"/>
+                  <a:satMod val="400000"/>
+                </a:schemeClr>
+              </a:duotone>
+              <a:extLst>
+                <a:ext uri="{28A0092B-C50C-407E-A947-70E740481C1C}">
+                  <a14:useLocalDpi xmlns:a14="http://schemas.microsoft.com/office/drawing/2010/main" val="0"/>
+                </a:ext>
+              </a:extLst>
+            </a:blip>
+            <a:stretch>
+              <a:fillRect/>
+            </a:stretch>
+          </p:blipFill>
+          <p:spPr>
+            <a:xfrm>
+              <a:off x="8135162" y="3108620"/>
+              <a:ext cx="210141" cy="444686"/>
+            </a:xfrm>
+            <a:prstGeom prst="rect">
+              <a:avLst/>
+            </a:prstGeom>
+          </p:spPr>
+        </p:pic>
+        <p:pic>
+          <p:nvPicPr>
+            <p:cNvPr id="80" name="Image 79"/>
+            <p:cNvPicPr>
+              <a:picLocks noChangeAspect="1"/>
+            </p:cNvPicPr>
+            <p:nvPr/>
+          </p:nvPicPr>
+          <p:blipFill>
+            <a:blip r:embed="rId2" cstate="print">
+              <a:duotone>
+                <a:prstClr val="black"/>
+                <a:schemeClr val="accent3">
+                  <a:tint val="45000"/>
+                  <a:satMod val="400000"/>
+                </a:schemeClr>
+              </a:duotone>
+              <a:clrChange>
+                <a:clrFrom>
+                  <a:srgbClr val="FFFFFF"/>
+                </a:clrFrom>
+                <a:clrTo>
+                  <a:srgbClr val="FFFFFF">
+                    <a:alpha val="0"/>
+                  </a:srgbClr>
+                </a:clrTo>
+              </a:clrChange>
+              <a:extLst>
+                <a:ext uri="{28A0092B-C50C-407E-A947-70E740481C1C}">
+                  <a14:useLocalDpi xmlns:a14="http://schemas.microsoft.com/office/drawing/2010/main" val="0"/>
+                </a:ext>
+              </a:extLst>
+            </a:blip>
+            <a:stretch>
+              <a:fillRect/>
+            </a:stretch>
+          </p:blipFill>
+          <p:spPr>
+            <a:xfrm>
+              <a:off x="8386121" y="3126115"/>
+              <a:ext cx="210141" cy="444686"/>
+            </a:xfrm>
+            <a:prstGeom prst="rect">
+              <a:avLst/>
+            </a:prstGeom>
+          </p:spPr>
+        </p:pic>
+      </p:grpSp>
+      <p:grpSp>
+        <p:nvGrpSpPr>
+          <p:cNvPr id="81" name="Groupe 80"/>
+          <p:cNvGrpSpPr/>
+          <p:nvPr/>
+        </p:nvGrpSpPr>
+        <p:grpSpPr>
+          <a:xfrm>
+            <a:off x="2332446" y="775271"/>
+            <a:ext cx="654009" cy="1843341"/>
+            <a:chOff x="2332446" y="775271"/>
+            <a:chExt cx="654009" cy="1843341"/>
+          </a:xfrm>
+        </p:grpSpPr>
+        <p:grpSp>
+          <p:nvGrpSpPr>
+            <p:cNvPr id="82" name="Groupe 81"/>
+            <p:cNvGrpSpPr/>
+            <p:nvPr/>
+          </p:nvGrpSpPr>
+          <p:grpSpPr>
+            <a:xfrm>
+              <a:off x="2332446" y="775271"/>
+              <a:ext cx="654009" cy="1511305"/>
+              <a:chOff x="2332446" y="775271"/>
+              <a:chExt cx="654009" cy="1511305"/>
+            </a:xfrm>
+          </p:grpSpPr>
+          <p:pic>
+            <p:nvPicPr>
+              <p:cNvPr id="84" name="Image 83"/>
+              <p:cNvPicPr>
+                <a:picLocks noChangeAspect="1"/>
+              </p:cNvPicPr>
+              <p:nvPr/>
+            </p:nvPicPr>
+            <p:blipFill>
+              <a:blip r:embed="rId2" cstate="print">
+                <a:clrChange>
+                  <a:clrFrom>
+                    <a:srgbClr val="FFFFFF"/>
+                  </a:clrFrom>
+                  <a:clrTo>
+                    <a:srgbClr val="FFFFFF">
+                      <a:alpha val="0"/>
+                    </a:srgbClr>
+                  </a:clrTo>
+                </a:clrChange>
+                <a:duotone>
+                  <a:schemeClr val="accent3">
+                    <a:shade val="45000"/>
+                    <a:satMod val="135000"/>
+                  </a:schemeClr>
+                  <a:prstClr val="white"/>
+                </a:duotone>
+                <a:extLst>
+                  <a:ext uri="{28A0092B-C50C-407E-A947-70E740481C1C}">
+                    <a14:useLocalDpi xmlns:a14="http://schemas.microsoft.com/office/drawing/2010/main" val="0"/>
+                  </a:ext>
+                </a:extLst>
+              </a:blip>
+              <a:stretch>
+                <a:fillRect/>
+              </a:stretch>
+            </p:blipFill>
+            <p:spPr>
+              <a:xfrm>
+                <a:off x="2776314" y="1696273"/>
+                <a:ext cx="210141" cy="444686"/>
+              </a:xfrm>
+              <a:prstGeom prst="rect">
+                <a:avLst/>
+              </a:prstGeom>
+            </p:spPr>
+          </p:pic>
+          <p:pic>
+            <p:nvPicPr>
+              <p:cNvPr id="85" name="Image 84"/>
+              <p:cNvPicPr>
+                <a:picLocks noChangeAspect="1"/>
+              </p:cNvPicPr>
+              <p:nvPr/>
+            </p:nvPicPr>
+            <p:blipFill>
+              <a:blip r:embed="rId2" cstate="print">
+                <a:duotone>
+                  <a:prstClr val="black"/>
+                  <a:srgbClr val="FFC000">
+                    <a:tint val="45000"/>
+                    <a:satMod val="400000"/>
+                  </a:srgbClr>
+                </a:duotone>
+                <a:clrChange>
+                  <a:clrFrom>
+                    <a:srgbClr val="FFFFFF"/>
+                  </a:clrFrom>
+                  <a:clrTo>
+                    <a:srgbClr val="FFFFFF">
+                      <a:alpha val="0"/>
+                    </a:srgbClr>
+                  </a:clrTo>
+                </a:clrChange>
+                <a:extLst>
+                  <a:ext uri="{28A0092B-C50C-407E-A947-70E740481C1C}">
+                    <a14:useLocalDpi xmlns:a14="http://schemas.microsoft.com/office/drawing/2010/main" val="0"/>
+                  </a:ext>
+                </a:extLst>
+              </a:blip>
+              <a:stretch>
+                <a:fillRect/>
+              </a:stretch>
+            </p:blipFill>
+            <p:spPr>
+              <a:xfrm>
+                <a:off x="2756562" y="1219957"/>
+                <a:ext cx="210141" cy="444686"/>
+              </a:xfrm>
+              <a:prstGeom prst="rect">
+                <a:avLst/>
+              </a:prstGeom>
+            </p:spPr>
+          </p:pic>
+          <p:pic>
+            <p:nvPicPr>
+              <p:cNvPr id="86" name="Image 85"/>
+              <p:cNvPicPr>
+                <a:picLocks noChangeAspect="1"/>
+              </p:cNvPicPr>
+              <p:nvPr/>
+            </p:nvPicPr>
+            <p:blipFill>
+              <a:blip r:embed="rId2" cstate="print">
+                <a:clrChange>
+                  <a:clrFrom>
+                    <a:srgbClr val="FFFFFF"/>
+                  </a:clrFrom>
+                  <a:clrTo>
+                    <a:srgbClr val="FFFFFF">
+                      <a:alpha val="0"/>
+                    </a:srgbClr>
+                  </a:clrTo>
+                </a:clrChange>
+                <a:duotone>
+                  <a:prstClr val="black"/>
+                  <a:schemeClr val="accent6">
+                    <a:tint val="45000"/>
+                    <a:satMod val="400000"/>
+                  </a:schemeClr>
+                </a:duotone>
+                <a:extLst>
+                  <a:ext uri="{28A0092B-C50C-407E-A947-70E740481C1C}">
+                    <a14:useLocalDpi xmlns:a14="http://schemas.microsoft.com/office/drawing/2010/main" val="0"/>
+                  </a:ext>
+                </a:extLst>
+              </a:blip>
+              <a:stretch>
+                <a:fillRect/>
+              </a:stretch>
+            </p:blipFill>
+            <p:spPr>
+              <a:xfrm>
+                <a:off x="2457492" y="1434412"/>
+                <a:ext cx="210141" cy="444686"/>
+              </a:xfrm>
+              <a:prstGeom prst="rect">
+                <a:avLst/>
+              </a:prstGeom>
+            </p:spPr>
+          </p:pic>
+          <p:pic>
+            <p:nvPicPr>
+              <p:cNvPr id="87" name="Image 86"/>
+              <p:cNvPicPr>
+                <a:picLocks noChangeAspect="1"/>
+              </p:cNvPicPr>
+              <p:nvPr/>
+            </p:nvPicPr>
+            <p:blipFill>
+              <a:blip r:embed="rId2" cstate="print">
+                <a:clrChange>
+                  <a:clrFrom>
+                    <a:srgbClr val="FFFFFF"/>
+                  </a:clrFrom>
+                  <a:clrTo>
+                    <a:srgbClr val="FFFFFF">
+                      <a:alpha val="0"/>
+                    </a:srgbClr>
+                  </a:clrTo>
+                </a:clrChange>
+                <a:duotone>
+                  <a:prstClr val="black"/>
+                  <a:schemeClr val="accent2">
+                    <a:tint val="45000"/>
+                    <a:satMod val="400000"/>
+                  </a:schemeClr>
+                </a:duotone>
+                <a:extLst>
+                  <a:ext uri="{28A0092B-C50C-407E-A947-70E740481C1C}">
+                    <a14:useLocalDpi xmlns:a14="http://schemas.microsoft.com/office/drawing/2010/main" val="0"/>
+                  </a:ext>
+                </a:extLst>
+              </a:blip>
+              <a:stretch>
+                <a:fillRect/>
+              </a:stretch>
+            </p:blipFill>
+            <p:spPr>
+              <a:xfrm>
+                <a:off x="2546421" y="775271"/>
+                <a:ext cx="210141" cy="444686"/>
+              </a:xfrm>
+              <a:prstGeom prst="rect">
+                <a:avLst/>
+              </a:prstGeom>
+            </p:spPr>
+          </p:pic>
+          <p:pic>
+            <p:nvPicPr>
+              <p:cNvPr id="88" name="Image 87"/>
+              <p:cNvPicPr>
+                <a:picLocks noChangeAspect="1"/>
+              </p:cNvPicPr>
+              <p:nvPr/>
+            </p:nvPicPr>
+            <p:blipFill>
+              <a:blip r:embed="rId2" cstate="print">
+                <a:clrChange>
+                  <a:clrFrom>
+                    <a:srgbClr val="FFFFFF"/>
+                  </a:clrFrom>
+                  <a:clrTo>
+                    <a:srgbClr val="FFFFFF">
+                      <a:alpha val="0"/>
+                    </a:srgbClr>
+                  </a:clrTo>
+                </a:clrChange>
+                <a:duotone>
+                  <a:prstClr val="black"/>
+                  <a:schemeClr val="accent5">
+                    <a:tint val="45000"/>
+                    <a:satMod val="400000"/>
+                  </a:schemeClr>
+                </a:duotone>
+                <a:extLst>
+                  <a:ext uri="{28A0092B-C50C-407E-A947-70E740481C1C}">
+                    <a14:useLocalDpi xmlns:a14="http://schemas.microsoft.com/office/drawing/2010/main" val="0"/>
+                  </a:ext>
+                </a:extLst>
+              </a:blip>
+              <a:stretch>
+                <a:fillRect/>
+              </a:stretch>
+            </p:blipFill>
+            <p:spPr>
+              <a:xfrm>
+                <a:off x="2332446" y="1824395"/>
+                <a:ext cx="210141" cy="444686"/>
+              </a:xfrm>
+              <a:prstGeom prst="rect">
+                <a:avLst/>
+              </a:prstGeom>
+            </p:spPr>
+          </p:pic>
+          <p:pic>
+            <p:nvPicPr>
+              <p:cNvPr id="89" name="Image 88"/>
+              <p:cNvPicPr>
+                <a:picLocks noChangeAspect="1"/>
+              </p:cNvPicPr>
+              <p:nvPr/>
+            </p:nvPicPr>
+            <p:blipFill>
+              <a:blip r:embed="rId2" cstate="print">
+                <a:duotone>
+                  <a:prstClr val="black"/>
+                  <a:schemeClr val="accent3">
+                    <a:tint val="45000"/>
+                    <a:satMod val="400000"/>
+                  </a:schemeClr>
+                </a:duotone>
+                <a:clrChange>
+                  <a:clrFrom>
+                    <a:srgbClr val="FFFFFF"/>
+                  </a:clrFrom>
+                  <a:clrTo>
+                    <a:srgbClr val="FFFFFF">
+                      <a:alpha val="0"/>
+                    </a:srgbClr>
+                  </a:clrTo>
+                </a:clrChange>
+                <a:extLst>
+                  <a:ext uri="{28A0092B-C50C-407E-A947-70E740481C1C}">
+                    <a14:useLocalDpi xmlns:a14="http://schemas.microsoft.com/office/drawing/2010/main" val="0"/>
+                  </a:ext>
+                </a:extLst>
+              </a:blip>
+              <a:stretch>
+                <a:fillRect/>
+              </a:stretch>
+            </p:blipFill>
+            <p:spPr>
+              <a:xfrm>
+                <a:off x="2583405" y="1841890"/>
+                <a:ext cx="210141" cy="444686"/>
+              </a:xfrm>
+              <a:prstGeom prst="rect">
+                <a:avLst/>
+              </a:prstGeom>
+            </p:spPr>
+          </p:pic>
+        </p:grpSp>
+        <p:pic>
+          <p:nvPicPr>
+            <p:cNvPr id="83" name="Image 82"/>
+            <p:cNvPicPr>
+              <a:picLocks noChangeAspect="1"/>
+            </p:cNvPicPr>
+            <p:nvPr/>
+          </p:nvPicPr>
+          <p:blipFill>
+            <a:blip r:embed="rId2" cstate="print">
+              <a:clrChange>
+                <a:clrFrom>
+                  <a:srgbClr val="FFFFFF"/>
+                </a:clrFrom>
+                <a:clrTo>
+                  <a:srgbClr val="FFFFFF">
+                    <a:alpha val="0"/>
+                  </a:srgbClr>
+                </a:clrTo>
+              </a:clrChange>
+              <a:duotone>
+                <a:schemeClr val="accent5">
+                  <a:shade val="45000"/>
+                  <a:satMod val="135000"/>
+                </a:schemeClr>
+                <a:prstClr val="white"/>
+              </a:duotone>
+              <a:extLst>
+                <a:ext uri="{28A0092B-C50C-407E-A947-70E740481C1C}">
+                  <a14:useLocalDpi xmlns:a14="http://schemas.microsoft.com/office/drawing/2010/main" val="0"/>
+                </a:ext>
+              </a:extLst>
+            </a:blip>
+            <a:stretch>
+              <a:fillRect/>
+            </a:stretch>
+          </p:blipFill>
+          <p:spPr>
+            <a:xfrm>
+              <a:off x="2651057" y="2173926"/>
+              <a:ext cx="210141" cy="444686"/>
+            </a:xfrm>
+            <a:prstGeom prst="rect">
+              <a:avLst/>
+            </a:prstGeom>
+          </p:spPr>
+        </p:pic>
+      </p:grpSp>
+      <p:sp>
+        <p:nvSpPr>
+          <p:cNvPr id="90" name="Croix 89"/>
+          <p:cNvSpPr/>
+          <p:nvPr/>
+        </p:nvSpPr>
+        <p:spPr>
+          <a:xfrm rot="2863819">
+            <a:off x="2569658" y="2220196"/>
+            <a:ext cx="360000" cy="359107"/>
+          </a:xfrm>
+          <a:prstGeom prst="plus">
+            <a:avLst>
+              <a:gd name="adj" fmla="val 39589"/>
+            </a:avLst>
+          </a:prstGeom>
+          <a:solidFill>
+            <a:srgbClr val="C00000"/>
+          </a:solidFill>
+          <a:ln>
+            <a:noFill/>
+          </a:ln>
+        </p:spPr>
+        <p:style>
+          <a:lnRef idx="2">
+            <a:schemeClr val="accent1">
+              <a:shade val="50000"/>
+            </a:schemeClr>
+          </a:lnRef>
+          <a:fillRef idx="1">
+            <a:schemeClr val="accent1"/>
+          </a:fillRef>
+          <a:effectRef idx="0">
+            <a:schemeClr val="accent1"/>
+          </a:effectRef>
+          <a:fontRef idx="minor">
+            <a:schemeClr val="lt1"/>
+          </a:fontRef>
+        </p:style>
+        <p:txBody>
+          <a:bodyPr rtlCol="0" anchor="ctr"/>
+          <a:lstStyle/>
+          <a:p>
+            <a:pPr algn="ctr"/>
+            <a:endParaRPr lang="fr-FR"/>
+          </a:p>
+        </p:txBody>
+      </p:sp>
+      <p:grpSp>
+        <p:nvGrpSpPr>
+          <p:cNvPr id="91" name="Groupe 90"/>
+          <p:cNvGrpSpPr/>
+          <p:nvPr/>
+        </p:nvGrpSpPr>
+        <p:grpSpPr>
+          <a:xfrm>
+            <a:off x="2306816" y="2868323"/>
+            <a:ext cx="654009" cy="1843341"/>
+            <a:chOff x="2332446" y="775271"/>
+            <a:chExt cx="654009" cy="1843341"/>
+          </a:xfrm>
+        </p:grpSpPr>
+        <p:grpSp>
+          <p:nvGrpSpPr>
+            <p:cNvPr id="92" name="Groupe 91"/>
+            <p:cNvGrpSpPr/>
+            <p:nvPr/>
+          </p:nvGrpSpPr>
+          <p:grpSpPr>
+            <a:xfrm>
+              <a:off x="2332446" y="775271"/>
+              <a:ext cx="654009" cy="1511305"/>
+              <a:chOff x="2332446" y="775271"/>
+              <a:chExt cx="654009" cy="1511305"/>
+            </a:xfrm>
+          </p:grpSpPr>
+          <p:pic>
+            <p:nvPicPr>
+              <p:cNvPr id="94" name="Image 93"/>
+              <p:cNvPicPr>
+                <a:picLocks noChangeAspect="1"/>
+              </p:cNvPicPr>
+              <p:nvPr/>
+            </p:nvPicPr>
+            <p:blipFill>
+              <a:blip r:embed="rId2" cstate="print">
+                <a:clrChange>
+                  <a:clrFrom>
+                    <a:srgbClr val="FFFFFF"/>
+                  </a:clrFrom>
+                  <a:clrTo>
+                    <a:srgbClr val="FFFFFF">
+                      <a:alpha val="0"/>
+                    </a:srgbClr>
+                  </a:clrTo>
+                </a:clrChange>
+                <a:duotone>
+                  <a:schemeClr val="accent3">
+                    <a:shade val="45000"/>
+                    <a:satMod val="135000"/>
+                  </a:schemeClr>
+                  <a:prstClr val="white"/>
+                </a:duotone>
+                <a:extLst>
+                  <a:ext uri="{28A0092B-C50C-407E-A947-70E740481C1C}">
+                    <a14:useLocalDpi xmlns:a14="http://schemas.microsoft.com/office/drawing/2010/main" val="0"/>
+                  </a:ext>
+                </a:extLst>
+              </a:blip>
+              <a:stretch>
+                <a:fillRect/>
+              </a:stretch>
+            </p:blipFill>
+            <p:spPr>
+              <a:xfrm>
+                <a:off x="2776314" y="1696273"/>
+                <a:ext cx="210141" cy="444686"/>
+              </a:xfrm>
+              <a:prstGeom prst="rect">
+                <a:avLst/>
+              </a:prstGeom>
+            </p:spPr>
+          </p:pic>
+          <p:pic>
+            <p:nvPicPr>
+              <p:cNvPr id="95" name="Image 94"/>
+              <p:cNvPicPr>
+                <a:picLocks noChangeAspect="1"/>
+              </p:cNvPicPr>
+              <p:nvPr/>
+            </p:nvPicPr>
+            <p:blipFill>
+              <a:blip r:embed="rId2" cstate="print">
+                <a:duotone>
+                  <a:prstClr val="black"/>
+                  <a:srgbClr val="FFC000">
+                    <a:tint val="45000"/>
+                    <a:satMod val="400000"/>
+                  </a:srgbClr>
+                </a:duotone>
+                <a:clrChange>
+                  <a:clrFrom>
+                    <a:srgbClr val="FFFFFF"/>
+                  </a:clrFrom>
+                  <a:clrTo>
+                    <a:srgbClr val="FFFFFF">
+                      <a:alpha val="0"/>
+                    </a:srgbClr>
+                  </a:clrTo>
+                </a:clrChange>
+                <a:extLst>
+                  <a:ext uri="{28A0092B-C50C-407E-A947-70E740481C1C}">
+                    <a14:useLocalDpi xmlns:a14="http://schemas.microsoft.com/office/drawing/2010/main" val="0"/>
+                  </a:ext>
+                </a:extLst>
+              </a:blip>
+              <a:stretch>
+                <a:fillRect/>
+              </a:stretch>
+            </p:blipFill>
+            <p:spPr>
+              <a:xfrm>
+                <a:off x="2756562" y="1219957"/>
+                <a:ext cx="210141" cy="444686"/>
+              </a:xfrm>
+              <a:prstGeom prst="rect">
+                <a:avLst/>
+              </a:prstGeom>
+            </p:spPr>
+          </p:pic>
+          <p:pic>
+            <p:nvPicPr>
+              <p:cNvPr id="96" name="Image 95"/>
+              <p:cNvPicPr>
+                <a:picLocks noChangeAspect="1"/>
+              </p:cNvPicPr>
+              <p:nvPr/>
+            </p:nvPicPr>
+            <p:blipFill>
+              <a:blip r:embed="rId2" cstate="print">
+                <a:clrChange>
+                  <a:clrFrom>
+                    <a:srgbClr val="FFFFFF"/>
+                  </a:clrFrom>
+                  <a:clrTo>
+                    <a:srgbClr val="FFFFFF">
+                      <a:alpha val="0"/>
+                    </a:srgbClr>
+                  </a:clrTo>
+                </a:clrChange>
+                <a:duotone>
+                  <a:prstClr val="black"/>
+                  <a:schemeClr val="accent6">
+                    <a:tint val="45000"/>
+                    <a:satMod val="400000"/>
+                  </a:schemeClr>
+                </a:duotone>
+                <a:extLst>
+                  <a:ext uri="{28A0092B-C50C-407E-A947-70E740481C1C}">
+                    <a14:useLocalDpi xmlns:a14="http://schemas.microsoft.com/office/drawing/2010/main" val="0"/>
+                  </a:ext>
+                </a:extLst>
+              </a:blip>
+              <a:stretch>
+                <a:fillRect/>
+              </a:stretch>
+            </p:blipFill>
+            <p:spPr>
+              <a:xfrm>
+                <a:off x="2457492" y="1434412"/>
+                <a:ext cx="210141" cy="444686"/>
+              </a:xfrm>
+              <a:prstGeom prst="rect">
+                <a:avLst/>
+              </a:prstGeom>
+            </p:spPr>
+          </p:pic>
+          <p:pic>
+            <p:nvPicPr>
+              <p:cNvPr id="97" name="Image 96"/>
+              <p:cNvPicPr>
+                <a:picLocks noChangeAspect="1"/>
+              </p:cNvPicPr>
+              <p:nvPr/>
+            </p:nvPicPr>
+            <p:blipFill>
+              <a:blip r:embed="rId2" cstate="print">
+                <a:clrChange>
+                  <a:clrFrom>
+                    <a:srgbClr val="FFFFFF"/>
+                  </a:clrFrom>
+                  <a:clrTo>
+                    <a:srgbClr val="FFFFFF">
+                      <a:alpha val="0"/>
+                    </a:srgbClr>
+                  </a:clrTo>
+                </a:clrChange>
+                <a:duotone>
+                  <a:prstClr val="black"/>
+                  <a:schemeClr val="accent2">
+                    <a:tint val="45000"/>
+                    <a:satMod val="400000"/>
+                  </a:schemeClr>
+                </a:duotone>
+                <a:extLst>
+                  <a:ext uri="{28A0092B-C50C-407E-A947-70E740481C1C}">
+                    <a14:useLocalDpi xmlns:a14="http://schemas.microsoft.com/office/drawing/2010/main" val="0"/>
+                  </a:ext>
+                </a:extLst>
+              </a:blip>
+              <a:stretch>
+                <a:fillRect/>
+              </a:stretch>
+            </p:blipFill>
+            <p:spPr>
+              <a:xfrm>
+                <a:off x="2546421" y="775271"/>
+                <a:ext cx="210141" cy="444686"/>
+              </a:xfrm>
+              <a:prstGeom prst="rect">
+                <a:avLst/>
+              </a:prstGeom>
+            </p:spPr>
+          </p:pic>
+          <p:pic>
+            <p:nvPicPr>
+              <p:cNvPr id="98" name="Image 97"/>
+              <p:cNvPicPr>
+                <a:picLocks noChangeAspect="1"/>
+              </p:cNvPicPr>
+              <p:nvPr/>
+            </p:nvPicPr>
+            <p:blipFill>
+              <a:blip r:embed="rId2" cstate="print">
+                <a:clrChange>
+                  <a:clrFrom>
+                    <a:srgbClr val="FFFFFF"/>
+                  </a:clrFrom>
+                  <a:clrTo>
+                    <a:srgbClr val="FFFFFF">
+                      <a:alpha val="0"/>
+                    </a:srgbClr>
+                  </a:clrTo>
+                </a:clrChange>
+                <a:duotone>
+                  <a:prstClr val="black"/>
+                  <a:schemeClr val="accent5">
+                    <a:tint val="45000"/>
+                    <a:satMod val="400000"/>
+                  </a:schemeClr>
+                </a:duotone>
+                <a:extLst>
+                  <a:ext uri="{28A0092B-C50C-407E-A947-70E740481C1C}">
+                    <a14:useLocalDpi xmlns:a14="http://schemas.microsoft.com/office/drawing/2010/main" val="0"/>
+                  </a:ext>
+                </a:extLst>
+              </a:blip>
+              <a:stretch>
+                <a:fillRect/>
+              </a:stretch>
+            </p:blipFill>
+            <p:spPr>
+              <a:xfrm>
+                <a:off x="2332446" y="1824395"/>
+                <a:ext cx="210141" cy="444686"/>
+              </a:xfrm>
+              <a:prstGeom prst="rect">
+                <a:avLst/>
+              </a:prstGeom>
+            </p:spPr>
+          </p:pic>
+          <p:pic>
+            <p:nvPicPr>
+              <p:cNvPr id="99" name="Image 98"/>
+              <p:cNvPicPr>
+                <a:picLocks noChangeAspect="1"/>
+              </p:cNvPicPr>
+              <p:nvPr/>
+            </p:nvPicPr>
+            <p:blipFill>
+              <a:blip r:embed="rId2" cstate="print">
+                <a:duotone>
+                  <a:prstClr val="black"/>
+                  <a:schemeClr val="accent3">
+                    <a:tint val="45000"/>
+                    <a:satMod val="400000"/>
+                  </a:schemeClr>
+                </a:duotone>
+                <a:clrChange>
+                  <a:clrFrom>
+                    <a:srgbClr val="FFFFFF"/>
+                  </a:clrFrom>
+                  <a:clrTo>
+                    <a:srgbClr val="FFFFFF">
+                      <a:alpha val="0"/>
+                    </a:srgbClr>
+                  </a:clrTo>
+                </a:clrChange>
+                <a:extLst>
+                  <a:ext uri="{28A0092B-C50C-407E-A947-70E740481C1C}">
+                    <a14:useLocalDpi xmlns:a14="http://schemas.microsoft.com/office/drawing/2010/main" val="0"/>
+                  </a:ext>
+                </a:extLst>
+              </a:blip>
+              <a:stretch>
+                <a:fillRect/>
+              </a:stretch>
+            </p:blipFill>
+            <p:spPr>
+              <a:xfrm>
+                <a:off x="2583405" y="1841890"/>
+                <a:ext cx="210141" cy="444686"/>
+              </a:xfrm>
+              <a:prstGeom prst="rect">
+                <a:avLst/>
+              </a:prstGeom>
+            </p:spPr>
+          </p:pic>
+        </p:grpSp>
+        <p:pic>
+          <p:nvPicPr>
+            <p:cNvPr id="93" name="Image 92"/>
+            <p:cNvPicPr>
+              <a:picLocks noChangeAspect="1"/>
+            </p:cNvPicPr>
+            <p:nvPr/>
+          </p:nvPicPr>
+          <p:blipFill>
+            <a:blip r:embed="rId2" cstate="print">
+              <a:clrChange>
+                <a:clrFrom>
+                  <a:srgbClr val="FFFFFF"/>
+                </a:clrFrom>
+                <a:clrTo>
+                  <a:srgbClr val="FFFFFF">
+                    <a:alpha val="0"/>
+                  </a:srgbClr>
+                </a:clrTo>
+              </a:clrChange>
+              <a:duotone>
+                <a:schemeClr val="accent5">
+                  <a:shade val="45000"/>
+                  <a:satMod val="135000"/>
+                </a:schemeClr>
+                <a:prstClr val="white"/>
+              </a:duotone>
+              <a:extLst>
+                <a:ext uri="{28A0092B-C50C-407E-A947-70E740481C1C}">
+                  <a14:useLocalDpi xmlns:a14="http://schemas.microsoft.com/office/drawing/2010/main" val="0"/>
+                </a:ext>
+              </a:extLst>
+            </a:blip>
+            <a:stretch>
+              <a:fillRect/>
+            </a:stretch>
+          </p:blipFill>
+          <p:spPr>
+            <a:xfrm>
+              <a:off x="2651057" y="2173926"/>
+              <a:ext cx="210141" cy="444686"/>
+            </a:xfrm>
+            <a:prstGeom prst="rect">
+              <a:avLst/>
+            </a:prstGeom>
+          </p:spPr>
+        </p:pic>
+      </p:grpSp>
+      <p:grpSp>
+        <p:nvGrpSpPr>
+          <p:cNvPr id="100" name="Groupe 99"/>
+          <p:cNvGrpSpPr/>
+          <p:nvPr/>
+        </p:nvGrpSpPr>
+        <p:grpSpPr>
+          <a:xfrm>
+            <a:off x="3856720" y="2868323"/>
+            <a:ext cx="634257" cy="1493810"/>
+            <a:chOff x="2332446" y="775271"/>
+            <a:chExt cx="634257" cy="1493810"/>
+          </a:xfrm>
+        </p:grpSpPr>
+        <p:pic>
+          <p:nvPicPr>
+            <p:cNvPr id="101" name="Image 100"/>
+            <p:cNvPicPr>
+              <a:picLocks noChangeAspect="1"/>
+            </p:cNvPicPr>
+            <p:nvPr/>
+          </p:nvPicPr>
+          <p:blipFill>
+            <a:blip r:embed="rId2" cstate="print">
+              <a:duotone>
+                <a:prstClr val="black"/>
+                <a:srgbClr val="FFC000">
+                  <a:tint val="45000"/>
+                  <a:satMod val="400000"/>
+                </a:srgbClr>
+              </a:duotone>
+              <a:clrChange>
+                <a:clrFrom>
+                  <a:srgbClr val="FFFFFF"/>
+                </a:clrFrom>
+                <a:clrTo>
+                  <a:srgbClr val="FFFFFF">
+                    <a:alpha val="0"/>
+                  </a:srgbClr>
+                </a:clrTo>
+              </a:clrChange>
+              <a:extLst>
+                <a:ext uri="{28A0092B-C50C-407E-A947-70E740481C1C}">
+                  <a14:useLocalDpi xmlns:a14="http://schemas.microsoft.com/office/drawing/2010/main" val="0"/>
+                </a:ext>
+              </a:extLst>
+            </a:blip>
+            <a:stretch>
+              <a:fillRect/>
+            </a:stretch>
+          </p:blipFill>
+          <p:spPr>
+            <a:xfrm>
+              <a:off x="2756562" y="1219957"/>
+              <a:ext cx="210141" cy="444686"/>
+            </a:xfrm>
+            <a:prstGeom prst="rect">
+              <a:avLst/>
+            </a:prstGeom>
+          </p:spPr>
+        </p:pic>
+        <p:pic>
+          <p:nvPicPr>
+            <p:cNvPr id="102" name="Image 101"/>
+            <p:cNvPicPr>
+              <a:picLocks noChangeAspect="1"/>
+            </p:cNvPicPr>
+            <p:nvPr/>
+          </p:nvPicPr>
+          <p:blipFill>
+            <a:blip r:embed="rId2" cstate="print">
+              <a:clrChange>
+                <a:clrFrom>
+                  <a:srgbClr val="FFFFFF"/>
+                </a:clrFrom>
+                <a:clrTo>
+                  <a:srgbClr val="FFFFFF">
+                    <a:alpha val="0"/>
+                  </a:srgbClr>
+                </a:clrTo>
+              </a:clrChange>
+              <a:duotone>
+                <a:prstClr val="black"/>
+                <a:schemeClr val="accent6">
+                  <a:tint val="45000"/>
+                  <a:satMod val="400000"/>
+                </a:schemeClr>
+              </a:duotone>
+              <a:extLst>
+                <a:ext uri="{28A0092B-C50C-407E-A947-70E740481C1C}">
+                  <a14:useLocalDpi xmlns:a14="http://schemas.microsoft.com/office/drawing/2010/main" val="0"/>
+                </a:ext>
+              </a:extLst>
+            </a:blip>
+            <a:stretch>
+              <a:fillRect/>
+            </a:stretch>
+          </p:blipFill>
+          <p:spPr>
+            <a:xfrm>
+              <a:off x="2457492" y="1434412"/>
+              <a:ext cx="210141" cy="444686"/>
+            </a:xfrm>
+            <a:prstGeom prst="rect">
+              <a:avLst/>
+            </a:prstGeom>
+          </p:spPr>
+        </p:pic>
+        <p:pic>
+          <p:nvPicPr>
+            <p:cNvPr id="103" name="Image 102"/>
+            <p:cNvPicPr>
+              <a:picLocks noChangeAspect="1"/>
+            </p:cNvPicPr>
+            <p:nvPr/>
+          </p:nvPicPr>
+          <p:blipFill>
+            <a:blip r:embed="rId2" cstate="print">
+              <a:clrChange>
+                <a:clrFrom>
+                  <a:srgbClr val="FFFFFF"/>
+                </a:clrFrom>
+                <a:clrTo>
+                  <a:srgbClr val="FFFFFF">
+                    <a:alpha val="0"/>
+                  </a:srgbClr>
+                </a:clrTo>
+              </a:clrChange>
+              <a:duotone>
+                <a:prstClr val="black"/>
+                <a:schemeClr val="accent2">
+                  <a:tint val="45000"/>
+                  <a:satMod val="400000"/>
+                </a:schemeClr>
+              </a:duotone>
+              <a:extLst>
+                <a:ext uri="{28A0092B-C50C-407E-A947-70E740481C1C}">
+                  <a14:useLocalDpi xmlns:a14="http://schemas.microsoft.com/office/drawing/2010/main" val="0"/>
+                </a:ext>
+              </a:extLst>
+            </a:blip>
+            <a:stretch>
+              <a:fillRect/>
+            </a:stretch>
+          </p:blipFill>
+          <p:spPr>
+            <a:xfrm>
+              <a:off x="2546421" y="775271"/>
+              <a:ext cx="210141" cy="444686"/>
+            </a:xfrm>
+            <a:prstGeom prst="rect">
+              <a:avLst/>
+            </a:prstGeom>
+          </p:spPr>
+        </p:pic>
+        <p:pic>
+          <p:nvPicPr>
+            <p:cNvPr id="104" name="Image 103"/>
+            <p:cNvPicPr>
+              <a:picLocks noChangeAspect="1"/>
+            </p:cNvPicPr>
+            <p:nvPr/>
+          </p:nvPicPr>
+          <p:blipFill>
+            <a:blip r:embed="rId2" cstate="print">
+              <a:clrChange>
+                <a:clrFrom>
+                  <a:srgbClr val="FFFFFF"/>
+                </a:clrFrom>
+                <a:clrTo>
+                  <a:srgbClr val="FFFFFF">
+                    <a:alpha val="0"/>
+                  </a:srgbClr>
+                </a:clrTo>
+              </a:clrChange>
+              <a:duotone>
+                <a:prstClr val="black"/>
+                <a:schemeClr val="accent5">
+                  <a:tint val="45000"/>
+                  <a:satMod val="400000"/>
+                </a:schemeClr>
+              </a:duotone>
+              <a:extLst>
+                <a:ext uri="{28A0092B-C50C-407E-A947-70E740481C1C}">
+                  <a14:useLocalDpi xmlns:a14="http://schemas.microsoft.com/office/drawing/2010/main" val="0"/>
+                </a:ext>
+              </a:extLst>
+            </a:blip>
+            <a:stretch>
+              <a:fillRect/>
+            </a:stretch>
+          </p:blipFill>
+          <p:spPr>
+            <a:xfrm>
+              <a:off x="2332446" y="1824395"/>
+              <a:ext cx="210141" cy="444686"/>
+            </a:xfrm>
+            <a:prstGeom prst="rect">
+              <a:avLst/>
+            </a:prstGeom>
+          </p:spPr>
+        </p:pic>
+      </p:grpSp>
+    </p:spTree>
+    <p:extLst>
+      <p:ext uri="{BB962C8B-B14F-4D97-AF65-F5344CB8AC3E}">
+        <p14:creationId xmlns:p14="http://schemas.microsoft.com/office/powerpoint/2010/main" val="1062346600"/>
+      </p:ext>
+    </p:extLst>
+  </p:cSld>
+  <p:clrMapOvr>
+    <a:masterClrMapping/>
+  </p:clrMapOvr>
+</p:sld>
+</file>
+
 <file path=ppt/theme/theme1.xml><?xml version="1.0" encoding="utf-8"?>
 <a:theme xmlns:a="http://schemas.openxmlformats.org/drawingml/2006/main" name="Exécutif">
   <a:themeElements>

--- a/ExternalFig/Figures.pptx
+++ b/ExternalFig/Figures.pptx
@@ -5,15 +5,16 @@
     <p:sldMasterId id="2147483708" r:id="rId1"/>
   </p:sldMasterIdLst>
   <p:notesMasterIdLst>
-    <p:notesMasterId r:id="rId8"/>
+    <p:notesMasterId r:id="rId9"/>
   </p:notesMasterIdLst>
   <p:sldIdLst>
     <p:sldId id="364" r:id="rId2"/>
-    <p:sldId id="366" r:id="rId3"/>
-    <p:sldId id="365" r:id="rId4"/>
-    <p:sldId id="367" r:id="rId5"/>
-    <p:sldId id="368" r:id="rId6"/>
-    <p:sldId id="369" r:id="rId7"/>
+    <p:sldId id="370" r:id="rId3"/>
+    <p:sldId id="366" r:id="rId4"/>
+    <p:sldId id="365" r:id="rId5"/>
+    <p:sldId id="367" r:id="rId6"/>
+    <p:sldId id="368" r:id="rId7"/>
+    <p:sldId id="369" r:id="rId8"/>
   </p:sldIdLst>
   <p:sldSz cx="9144000" cy="6858000" type="screen4x3"/>
   <p:notesSz cx="6858000" cy="9144000"/>
@@ -213,7 +214,7 @@
           <a:p>
             <a:fld id="{88EBA7CA-20BD-4061-AC3A-28B8D811EE60}" type="datetimeFigureOut">
               <a:rPr lang="en-US" smtClean="0"/>
-              <a:t>6/15/2018</a:t>
+              <a:t>6/25/2018</a:t>
             </a:fld>
             <a:endParaRPr lang="en-US"/>
           </a:p>
@@ -839,7 +840,7 @@
     </p:spTree>
     <p:extLst>
       <p:ext uri="{BB962C8B-B14F-4D97-AF65-F5344CB8AC3E}">
-        <p14:creationId xmlns:p14="http://schemas.microsoft.com/office/powerpoint/2010/main" val="3303058865"/>
+        <p14:creationId xmlns:p14="http://schemas.microsoft.com/office/powerpoint/2010/main" val="4259389838"/>
       </p:ext>
     </p:extLst>
   </p:cSld>
@@ -1023,7 +1024,7 @@
     </p:spTree>
     <p:extLst>
       <p:ext uri="{BB962C8B-B14F-4D97-AF65-F5344CB8AC3E}">
-        <p14:creationId xmlns:p14="http://schemas.microsoft.com/office/powerpoint/2010/main" val="3340720400"/>
+        <p14:creationId xmlns:p14="http://schemas.microsoft.com/office/powerpoint/2010/main" val="3303058865"/>
       </p:ext>
     </p:extLst>
   </p:cSld>
@@ -1199,6 +1200,190 @@
             <a:fld id="{10AAF743-93D6-45F3-85F6-EC8C44D1CB99}" type="slidenum">
               <a:rPr lang="en-US" smtClean="0"/>
               <a:t>4</a:t>
+            </a:fld>
+            <a:endParaRPr lang="en-US"/>
+          </a:p>
+        </p:txBody>
+      </p:sp>
+    </p:spTree>
+    <p:extLst>
+      <p:ext uri="{BB962C8B-B14F-4D97-AF65-F5344CB8AC3E}">
+        <p14:creationId xmlns:p14="http://schemas.microsoft.com/office/powerpoint/2010/main" val="3340720400"/>
+      </p:ext>
+    </p:extLst>
+  </p:cSld>
+  <p:clrMapOvr>
+    <a:masterClrMapping/>
+  </p:clrMapOvr>
+</p:notes>
+</file>
+
+<file path=ppt/notesSlides/notesSlide5.xml><?xml version="1.0" encoding="utf-8"?>
+<p:notes xmlns:a="http://schemas.openxmlformats.org/drawingml/2006/main" xmlns:r="http://schemas.openxmlformats.org/officeDocument/2006/relationships" xmlns:p="http://schemas.openxmlformats.org/presentationml/2006/main">
+  <p:cSld>
+    <p:spTree>
+      <p:nvGrpSpPr>
+        <p:cNvPr id="1" name=""/>
+        <p:cNvGrpSpPr/>
+        <p:nvPr/>
+      </p:nvGrpSpPr>
+      <p:grpSpPr>
+        <a:xfrm>
+          <a:off x="0" y="0"/>
+          <a:ext cx="0" cy="0"/>
+          <a:chOff x="0" y="0"/>
+          <a:chExt cx="0" cy="0"/>
+        </a:xfrm>
+      </p:grpSpPr>
+      <p:sp>
+        <p:nvSpPr>
+          <p:cNvPr id="2" name="Espace réservé de l'image des diapositives 1"/>
+          <p:cNvSpPr>
+            <a:spLocks noGrp="1" noRot="1" noChangeAspect="1"/>
+          </p:cNvSpPr>
+          <p:nvPr>
+            <p:ph type="sldImg"/>
+          </p:nvPr>
+        </p:nvSpPr>
+        <p:spPr/>
+      </p:sp>
+      <p:sp>
+        <p:nvSpPr>
+          <p:cNvPr id="3" name="Espace réservé des commentaires 2"/>
+          <p:cNvSpPr>
+            <a:spLocks noGrp="1"/>
+          </p:cNvSpPr>
+          <p:nvPr>
+            <p:ph type="body" idx="1"/>
+          </p:nvPr>
+        </p:nvSpPr>
+        <p:spPr/>
+        <p:txBody>
+          <a:bodyPr/>
+          <a:lstStyle/>
+          <a:p>
+            <a:r>
+              <a:rPr lang="fr-FR" dirty="0" smtClean="0"/>
+              <a:t>La </a:t>
+            </a:r>
+            <a:r>
+              <a:rPr lang="fr-FR" dirty="0" err="1" smtClean="0"/>
+              <a:t>dissimilarité</a:t>
+            </a:r>
+            <a:r>
+              <a:rPr lang="fr-FR" dirty="0" smtClean="0"/>
+              <a:t> entre communautés est-elle due à un changement de composition ou à un perte de certaines espèces</a:t>
+            </a:r>
+          </a:p>
+          <a:p>
+            <a:r>
+              <a:rPr lang="fr-FR" dirty="0" smtClean="0"/>
+              <a:t>Turnover </a:t>
+            </a:r>
+            <a:r>
+              <a:rPr lang="fr-FR" dirty="0" err="1" smtClean="0"/>
+              <a:t>based</a:t>
+            </a:r>
+            <a:r>
+              <a:rPr lang="fr-FR" dirty="0" smtClean="0"/>
+              <a:t> on </a:t>
+            </a:r>
+            <a:r>
+              <a:rPr lang="fr-FR" dirty="0" err="1" smtClean="0"/>
+              <a:t>abundance</a:t>
+            </a:r>
+            <a:r>
+              <a:rPr lang="fr-FR" dirty="0" smtClean="0"/>
+              <a:t> data: </a:t>
+            </a:r>
+            <a:r>
+              <a:rPr lang="fr-FR" dirty="0" err="1" smtClean="0"/>
+              <a:t>relativised</a:t>
+            </a:r>
+            <a:r>
+              <a:rPr lang="fr-FR" dirty="0" smtClean="0"/>
+              <a:t> </a:t>
+            </a:r>
+            <a:r>
+              <a:rPr lang="fr-FR" dirty="0" err="1" smtClean="0"/>
+              <a:t>abundance</a:t>
+            </a:r>
+            <a:r>
+              <a:rPr lang="fr-FR" dirty="0" smtClean="0"/>
+              <a:t> turnover </a:t>
+            </a:r>
+            <a:r>
+              <a:rPr lang="fr-FR" dirty="0" err="1" smtClean="0"/>
+              <a:t>normalized</a:t>
+            </a:r>
+            <a:r>
+              <a:rPr lang="fr-FR" dirty="0" smtClean="0"/>
+              <a:t> by the maximum possible</a:t>
+            </a:r>
+            <a:r>
+              <a:rPr lang="fr-FR" baseline="0" dirty="0" smtClean="0"/>
+              <a:t> </a:t>
+            </a:r>
+            <a:r>
+              <a:rPr lang="fr-FR" baseline="0" dirty="0" err="1" smtClean="0"/>
+              <a:t>abundance</a:t>
+            </a:r>
+            <a:r>
+              <a:rPr lang="fr-FR" baseline="0" dirty="0" smtClean="0"/>
+              <a:t> agreement</a:t>
+            </a:r>
+          </a:p>
+          <a:p>
+            <a:r>
+              <a:rPr lang="fr-FR" baseline="0" dirty="0" smtClean="0"/>
+              <a:t>Turnover=[∑|xi-</a:t>
+            </a:r>
+            <a:r>
+              <a:rPr lang="fr-FR" baseline="0" dirty="0" err="1" smtClean="0"/>
+              <a:t>xj</a:t>
+            </a:r>
+            <a:r>
+              <a:rPr lang="fr-FR" baseline="0" dirty="0" smtClean="0"/>
+              <a:t>|-|∑xi-∑</a:t>
+            </a:r>
+            <a:r>
+              <a:rPr lang="fr-FR" baseline="0" dirty="0" err="1" smtClean="0"/>
+              <a:t>xj</a:t>
+            </a:r>
+            <a:r>
+              <a:rPr lang="fr-FR" baseline="0" dirty="0" smtClean="0"/>
+              <a:t>|]/∑max(xi, </a:t>
+            </a:r>
+            <a:r>
+              <a:rPr lang="fr-FR" baseline="0" dirty="0" err="1" smtClean="0"/>
+              <a:t>xj</a:t>
+            </a:r>
+            <a:r>
+              <a:rPr lang="fr-FR" baseline="0" dirty="0" smtClean="0"/>
+              <a:t>)</a:t>
+            </a:r>
+            <a:endParaRPr lang="en-US" dirty="0"/>
+          </a:p>
+        </p:txBody>
+      </p:sp>
+      <p:sp>
+        <p:nvSpPr>
+          <p:cNvPr id="4" name="Espace réservé du numéro de diapositive 3"/>
+          <p:cNvSpPr>
+            <a:spLocks noGrp="1"/>
+          </p:cNvSpPr>
+          <p:nvPr>
+            <p:ph type="sldNum" sz="quarter" idx="10"/>
+          </p:nvPr>
+        </p:nvSpPr>
+        <p:spPr/>
+        <p:txBody>
+          <a:bodyPr/>
+          <a:lstStyle/>
+          <a:p>
+            <a:fld id="{10AAF743-93D6-45F3-85F6-EC8C44D1CB99}" type="slidenum">
+              <a:rPr lang="en-US" smtClean="0"/>
+              <a:t>5</a:t>
             </a:fld>
             <a:endParaRPr lang="en-US"/>
           </a:p>
@@ -1409,7 +1594,7 @@
           <a:p>
             <a:fld id="{D8B804F8-A8DF-44BA-8C13-CCD935C20FB1}" type="datetimeFigureOut">
               <a:rPr lang="en-US" smtClean="0"/>
-              <a:t>6/15/2018</a:t>
+              <a:t>6/25/2018</a:t>
             </a:fld>
             <a:endParaRPr lang="en-US"/>
           </a:p>
@@ -1574,7 +1759,7 @@
           <a:p>
             <a:fld id="{D8B804F8-A8DF-44BA-8C13-CCD935C20FB1}" type="datetimeFigureOut">
               <a:rPr lang="en-US" smtClean="0"/>
-              <a:t>6/15/2018</a:t>
+              <a:t>6/25/2018</a:t>
             </a:fld>
             <a:endParaRPr lang="en-US"/>
           </a:p>
@@ -1749,7 +1934,7 @@
           <a:p>
             <a:fld id="{D8B804F8-A8DF-44BA-8C13-CCD935C20FB1}" type="datetimeFigureOut">
               <a:rPr lang="en-US" smtClean="0"/>
-              <a:t>6/15/2018</a:t>
+              <a:t>6/25/2018</a:t>
             </a:fld>
             <a:endParaRPr lang="en-US"/>
           </a:p>
@@ -1932,7 +2117,7 @@
           <a:p>
             <a:fld id="{D8B804F8-A8DF-44BA-8C13-CCD935C20FB1}" type="datetimeFigureOut">
               <a:rPr lang="en-US" smtClean="0"/>
-              <a:t>6/15/2018</a:t>
+              <a:t>6/25/2018</a:t>
             </a:fld>
             <a:endParaRPr lang="en-US"/>
           </a:p>
@@ -2194,7 +2379,7 @@
           <a:p>
             <a:fld id="{D8B804F8-A8DF-44BA-8C13-CCD935C20FB1}" type="datetimeFigureOut">
               <a:rPr lang="en-US" smtClean="0"/>
-              <a:t>6/15/2018</a:t>
+              <a:t>6/25/2018</a:t>
             </a:fld>
             <a:endParaRPr lang="en-US"/>
           </a:p>
@@ -2542,7 +2727,7 @@
           <a:p>
             <a:fld id="{D8B804F8-A8DF-44BA-8C13-CCD935C20FB1}" type="datetimeFigureOut">
               <a:rPr lang="en-US" smtClean="0"/>
-              <a:t>6/15/2018</a:t>
+              <a:t>6/25/2018</a:t>
             </a:fld>
             <a:endParaRPr lang="en-US"/>
           </a:p>
@@ -2850,7 +3035,7 @@
           <a:p>
             <a:fld id="{D8B804F8-A8DF-44BA-8C13-CCD935C20FB1}" type="datetimeFigureOut">
               <a:rPr lang="en-US" smtClean="0"/>
-              <a:t>6/15/2018</a:t>
+              <a:t>6/25/2018</a:t>
             </a:fld>
             <a:endParaRPr lang="en-US"/>
           </a:p>
@@ -3077,7 +3262,7 @@
           <a:p>
             <a:fld id="{D8B804F8-A8DF-44BA-8C13-CCD935C20FB1}" type="datetimeFigureOut">
               <a:rPr lang="en-US" smtClean="0"/>
-              <a:t>6/15/2018</a:t>
+              <a:t>6/25/2018</a:t>
             </a:fld>
             <a:endParaRPr lang="en-US"/>
           </a:p>
@@ -3167,7 +3352,7 @@
           <a:p>
             <a:fld id="{D8B804F8-A8DF-44BA-8C13-CCD935C20FB1}" type="datetimeFigureOut">
               <a:rPr lang="en-US" smtClean="0"/>
-              <a:t>6/15/2018</a:t>
+              <a:t>6/25/2018</a:t>
             </a:fld>
             <a:endParaRPr lang="en-US"/>
           </a:p>
@@ -3455,7 +3640,7 @@
           <a:p>
             <a:fld id="{D8B804F8-A8DF-44BA-8C13-CCD935C20FB1}" type="datetimeFigureOut">
               <a:rPr lang="en-US" smtClean="0"/>
-              <a:t>6/15/2018</a:t>
+              <a:t>6/25/2018</a:t>
             </a:fld>
             <a:endParaRPr lang="en-US"/>
           </a:p>
@@ -3724,7 +3909,7 @@
           <a:p>
             <a:fld id="{D8B804F8-A8DF-44BA-8C13-CCD935C20FB1}" type="datetimeFigureOut">
               <a:rPr lang="en-US" smtClean="0"/>
-              <a:t>6/15/2018</a:t>
+              <a:t>6/25/2018</a:t>
             </a:fld>
             <a:endParaRPr lang="en-US"/>
           </a:p>
@@ -3943,7 +4128,7 @@
           <a:p>
             <a:fld id="{D8B804F8-A8DF-44BA-8C13-CCD935C20FB1}" type="datetimeFigureOut">
               <a:rPr lang="en-US" smtClean="0"/>
-              <a:t>6/15/2018</a:t>
+              <a:t>6/25/2018</a:t>
             </a:fld>
             <a:endParaRPr lang="en-US"/>
           </a:p>
@@ -12033,6 +12218,2251 @@
           <a:chExt cx="0" cy="0"/>
         </a:xfrm>
       </p:grpSpPr>
+      <p:grpSp>
+        <p:nvGrpSpPr>
+          <p:cNvPr id="211" name="Groupe 210"/>
+          <p:cNvGrpSpPr/>
+          <p:nvPr/>
+        </p:nvGrpSpPr>
+        <p:grpSpPr>
+          <a:xfrm>
+            <a:off x="2" y="975538"/>
+            <a:ext cx="12160153" cy="3606652"/>
+            <a:chOff x="-49168" y="40474"/>
+            <a:chExt cx="12160153" cy="3606652"/>
+          </a:xfrm>
+        </p:grpSpPr>
+        <p:grpSp>
+          <p:nvGrpSpPr>
+            <p:cNvPr id="212" name="Groupe 211"/>
+            <p:cNvGrpSpPr/>
+            <p:nvPr/>
+          </p:nvGrpSpPr>
+          <p:grpSpPr>
+            <a:xfrm>
+              <a:off x="-49168" y="40474"/>
+              <a:ext cx="2178260" cy="2666849"/>
+              <a:chOff x="1594322" y="-136341"/>
+              <a:chExt cx="2178260" cy="2666849"/>
+            </a:xfrm>
+          </p:grpSpPr>
+          <p:grpSp>
+            <p:nvGrpSpPr>
+              <p:cNvPr id="251" name="Groupe 250"/>
+              <p:cNvGrpSpPr/>
+              <p:nvPr/>
+            </p:nvGrpSpPr>
+            <p:grpSpPr>
+              <a:xfrm>
+                <a:off x="1612149" y="-136341"/>
+                <a:ext cx="2160433" cy="2666849"/>
+                <a:chOff x="111692" y="2169538"/>
+                <a:chExt cx="2160433" cy="2666849"/>
+              </a:xfrm>
+            </p:grpSpPr>
+            <p:pic>
+              <p:nvPicPr>
+                <p:cNvPr id="258" name="Picture 2"/>
+                <p:cNvPicPr>
+                  <a:picLocks noChangeAspect="1" noChangeArrowheads="1"/>
+                </p:cNvPicPr>
+                <p:nvPr/>
+              </p:nvPicPr>
+              <p:blipFill>
+                <a:blip r:embed="rId3">
+                  <a:extLst>
+                    <a:ext uri="{28A0092B-C50C-407E-A947-70E740481C1C}">
+                      <a14:useLocalDpi xmlns:a14="http://schemas.microsoft.com/office/drawing/2010/main" val="0"/>
+                    </a:ext>
+                  </a:extLst>
+                </a:blip>
+                <a:srcRect/>
+                <a:stretch>
+                  <a:fillRect/>
+                </a:stretch>
+              </p:blipFill>
+              <p:spPr bwMode="auto">
+                <a:xfrm>
+                  <a:off x="111692" y="2202512"/>
+                  <a:ext cx="847234" cy="2565442"/>
+                </a:xfrm>
+                <a:prstGeom prst="rect">
+                  <a:avLst/>
+                </a:prstGeom>
+                <a:noFill/>
+                <a:ln>
+                  <a:noFill/>
+                </a:ln>
+                <a:effectLst/>
+                <a:extLst>
+                  <a:ext uri="{909E8E84-426E-40DD-AFC4-6F175D3DCCD1}">
+                    <a14:hiddenFill xmlns:a14="http://schemas.microsoft.com/office/drawing/2010/main">
+                      <a:solidFill>
+                        <a:schemeClr val="accent1"/>
+                      </a:solidFill>
+                    </a14:hiddenFill>
+                  </a:ext>
+                  <a:ext uri="{91240B29-F687-4F45-9708-019B960494DF}">
+                    <a14:hiddenLine xmlns:a14="http://schemas.microsoft.com/office/drawing/2010/main" w="9525">
+                      <a:solidFill>
+                        <a:schemeClr val="tx1"/>
+                      </a:solidFill>
+                      <a:miter lim="800000"/>
+                      <a:headEnd/>
+                      <a:tailEnd/>
+                    </a14:hiddenLine>
+                  </a:ext>
+                  <a:ext uri="{AF507438-7753-43E0-B8FC-AC1667EBCBE1}">
+                    <a14:hiddenEffects xmlns:a14="http://schemas.microsoft.com/office/drawing/2010/main">
+                      <a:effectLst>
+                        <a:outerShdw dist="35921" dir="2700000" algn="ctr" rotWithShape="0">
+                          <a:schemeClr val="bg2"/>
+                        </a:outerShdw>
+                      </a:effectLst>
+                    </a14:hiddenEffects>
+                  </a:ext>
+                </a:extLst>
+              </p:spPr>
+            </p:pic>
+            <p:pic>
+              <p:nvPicPr>
+                <p:cNvPr id="259" name="Picture 2"/>
+                <p:cNvPicPr>
+                  <a:picLocks noChangeAspect="1" noChangeArrowheads="1"/>
+                </p:cNvPicPr>
+                <p:nvPr/>
+              </p:nvPicPr>
+              <p:blipFill>
+                <a:blip r:embed="rId3">
+                  <a:extLst>
+                    <a:ext uri="{28A0092B-C50C-407E-A947-70E740481C1C}">
+                      <a14:useLocalDpi xmlns:a14="http://schemas.microsoft.com/office/drawing/2010/main" val="0"/>
+                    </a:ext>
+                  </a:extLst>
+                </a:blip>
+                <a:srcRect/>
+                <a:stretch>
+                  <a:fillRect/>
+                </a:stretch>
+              </p:blipFill>
+              <p:spPr bwMode="auto">
+                <a:xfrm flipH="1">
+                  <a:off x="1418846" y="2169538"/>
+                  <a:ext cx="853279" cy="2666849"/>
+                </a:xfrm>
+                <a:prstGeom prst="rect">
+                  <a:avLst/>
+                </a:prstGeom>
+                <a:noFill/>
+                <a:ln>
+                  <a:noFill/>
+                </a:ln>
+                <a:effectLst/>
+                <a:extLst>
+                  <a:ext uri="{909E8E84-426E-40DD-AFC4-6F175D3DCCD1}">
+                    <a14:hiddenFill xmlns:a14="http://schemas.microsoft.com/office/drawing/2010/main">
+                      <a:solidFill>
+                        <a:schemeClr val="accent1"/>
+                      </a:solidFill>
+                    </a14:hiddenFill>
+                  </a:ext>
+                  <a:ext uri="{91240B29-F687-4F45-9708-019B960494DF}">
+                    <a14:hiddenLine xmlns:a14="http://schemas.microsoft.com/office/drawing/2010/main" w="9525">
+                      <a:solidFill>
+                        <a:schemeClr val="tx1"/>
+                      </a:solidFill>
+                      <a:miter lim="800000"/>
+                      <a:headEnd/>
+                      <a:tailEnd/>
+                    </a14:hiddenLine>
+                  </a:ext>
+                  <a:ext uri="{AF507438-7753-43E0-B8FC-AC1667EBCBE1}">
+                    <a14:hiddenEffects xmlns:a14="http://schemas.microsoft.com/office/drawing/2010/main">
+                      <a:effectLst>
+                        <a:outerShdw dist="35921" dir="2700000" algn="ctr" rotWithShape="0">
+                          <a:schemeClr val="bg2"/>
+                        </a:outerShdw>
+                      </a:effectLst>
+                    </a14:hiddenEffects>
+                  </a:ext>
+                </a:extLst>
+              </p:spPr>
+            </p:pic>
+            <p:sp>
+              <p:nvSpPr>
+                <p:cNvPr id="260" name="Rectangle 259"/>
+                <p:cNvSpPr/>
+                <p:nvPr/>
+              </p:nvSpPr>
+              <p:spPr>
+                <a:xfrm>
+                  <a:off x="551943" y="3068960"/>
+                  <a:ext cx="1313180" cy="1007968"/>
+                </a:xfrm>
+                <a:prstGeom prst="rect">
+                  <a:avLst/>
+                </a:prstGeom>
+              </p:spPr>
+              <p:txBody>
+                <a:bodyPr wrap="none">
+                  <a:spAutoFit/>
+                </a:bodyPr>
+                <a:lstStyle/>
+                <a:p>
+                  <a:r>
+                    <a:rPr lang="fr-FR" sz="1050" dirty="0" smtClean="0">
+                      <a:latin typeface="Cambria Math" panose="02040503050406030204" pitchFamily="18" charset="0"/>
+                      <a:ea typeface="Cambria Math" panose="02040503050406030204" pitchFamily="18" charset="0"/>
+                    </a:rPr>
+                    <a:t>Trait</a:t>
+                  </a:r>
+                  <a:r>
+                    <a:rPr lang="fr-FR" sz="1050" baseline="30000" dirty="0" smtClean="0">
+                      <a:latin typeface="Cambria Math" panose="02040503050406030204" pitchFamily="18" charset="0"/>
+                      <a:ea typeface="Cambria Math" panose="02040503050406030204" pitchFamily="18" charset="0"/>
+                    </a:rPr>
+                    <a:t>a</a:t>
+                  </a:r>
+                  <a:r>
+                    <a:rPr lang="fr-FR" sz="1050" baseline="-25000" dirty="0" smtClean="0">
+                      <a:latin typeface="Cambria Math" panose="02040503050406030204" pitchFamily="18" charset="0"/>
+                      <a:ea typeface="Cambria Math" panose="02040503050406030204" pitchFamily="18" charset="0"/>
+                    </a:rPr>
+                    <a:t>1  </a:t>
+                  </a:r>
+                  <a:r>
+                    <a:rPr lang="fr-FR" sz="1050" dirty="0" smtClean="0">
+                      <a:latin typeface="Cambria Math" panose="02040503050406030204" pitchFamily="18" charset="0"/>
+                      <a:ea typeface="Cambria Math" panose="02040503050406030204" pitchFamily="18" charset="0"/>
+                    </a:rPr>
+                    <a:t>…  </a:t>
+                  </a:r>
+                  <a:r>
+                    <a:rPr lang="fr-FR" sz="1050" baseline="-25000" dirty="0" smtClean="0">
+                      <a:latin typeface="Cambria Math" panose="02040503050406030204" pitchFamily="18" charset="0"/>
+                      <a:ea typeface="Cambria Math" panose="02040503050406030204" pitchFamily="18" charset="0"/>
+                    </a:rPr>
+                    <a:t> </a:t>
+                  </a:r>
+                  <a:r>
+                    <a:rPr lang="fr-FR" sz="1050" dirty="0" smtClean="0">
+                      <a:latin typeface="Cambria Math" panose="02040503050406030204" pitchFamily="18" charset="0"/>
+                      <a:ea typeface="Cambria Math" panose="02040503050406030204" pitchFamily="18" charset="0"/>
+                    </a:rPr>
+                    <a:t>…</a:t>
+                  </a:r>
+                  <a:r>
+                    <a:rPr lang="fr-FR" sz="1050" baseline="-25000" dirty="0" smtClean="0">
+                      <a:latin typeface="Cambria Math" panose="02040503050406030204" pitchFamily="18" charset="0"/>
+                      <a:ea typeface="Cambria Math" panose="02040503050406030204" pitchFamily="18" charset="0"/>
+                    </a:rPr>
+                    <a:t>   </a:t>
+                  </a:r>
+                  <a:r>
+                    <a:rPr lang="fr-FR" sz="1050" dirty="0" smtClean="0">
+                      <a:latin typeface="Cambria Math" panose="02040503050406030204" pitchFamily="18" charset="0"/>
+                      <a:ea typeface="Cambria Math" panose="02040503050406030204" pitchFamily="18" charset="0"/>
+                    </a:rPr>
+                    <a:t>Trait</a:t>
+                  </a:r>
+                  <a:r>
+                    <a:rPr lang="fr-FR" sz="1050" baseline="30000" dirty="0" smtClean="0">
+                      <a:latin typeface="Cambria Math" panose="02040503050406030204" pitchFamily="18" charset="0"/>
+                      <a:ea typeface="Cambria Math" panose="02040503050406030204" pitchFamily="18" charset="0"/>
+                    </a:rPr>
+                    <a:t>x</a:t>
+                  </a:r>
+                  <a:r>
+                    <a:rPr lang="fr-FR" sz="1050" baseline="-25000" dirty="0" smtClean="0">
+                      <a:latin typeface="Cambria Math" panose="02040503050406030204" pitchFamily="18" charset="0"/>
+                      <a:ea typeface="Cambria Math" panose="02040503050406030204" pitchFamily="18" charset="0"/>
+                    </a:rPr>
+                    <a:t>1</a:t>
+                  </a:r>
+                  <a:endParaRPr lang="fr-FR" sz="1050" dirty="0" smtClean="0">
+                    <a:latin typeface="Cambria Math" panose="02040503050406030204" pitchFamily="18" charset="0"/>
+                    <a:ea typeface="Cambria Math" panose="02040503050406030204" pitchFamily="18" charset="0"/>
+                  </a:endParaRPr>
+                </a:p>
+                <a:p>
+                  <a:endParaRPr lang="fr-FR" sz="1050" baseline="-25000" dirty="0" smtClean="0">
+                    <a:latin typeface="Cambria Math" panose="02040503050406030204" pitchFamily="18" charset="0"/>
+                    <a:ea typeface="Cambria Math" panose="02040503050406030204" pitchFamily="18" charset="0"/>
+                  </a:endParaRPr>
+                </a:p>
+                <a:p>
+                  <a:r>
+                    <a:rPr lang="fr-FR" sz="1050" dirty="0" smtClean="0">
+                      <a:latin typeface="Cambria Math" panose="02040503050406030204" pitchFamily="18" charset="0"/>
+                      <a:ea typeface="Cambria Math" panose="02040503050406030204" pitchFamily="18" charset="0"/>
+                    </a:rPr>
+                    <a:t>…</a:t>
+                  </a:r>
+                  <a:r>
+                    <a:rPr lang="fr-FR" sz="1050" dirty="0">
+                      <a:latin typeface="Cambria Math" panose="02040503050406030204" pitchFamily="18" charset="0"/>
+                      <a:ea typeface="Cambria Math" panose="02040503050406030204" pitchFamily="18" charset="0"/>
+                    </a:rPr>
+                    <a:t> </a:t>
+                  </a:r>
+                  <a:r>
+                    <a:rPr lang="fr-FR" sz="1050" dirty="0" smtClean="0">
+                      <a:latin typeface="Cambria Math" panose="02040503050406030204" pitchFamily="18" charset="0"/>
+                      <a:ea typeface="Cambria Math" panose="02040503050406030204" pitchFamily="18" charset="0"/>
+                    </a:rPr>
+                    <a:t>                       …</a:t>
+                  </a:r>
+                </a:p>
+                <a:p>
+                  <a:r>
+                    <a:rPr lang="fr-FR" sz="1050" dirty="0" smtClean="0">
+                      <a:latin typeface="Cambria Math" panose="02040503050406030204" pitchFamily="18" charset="0"/>
+                      <a:ea typeface="Cambria Math" panose="02040503050406030204" pitchFamily="18" charset="0"/>
+                    </a:rPr>
+                    <a:t>…                        …</a:t>
+                  </a:r>
+                </a:p>
+                <a:p>
+                  <a:r>
+                    <a:rPr lang="fr-FR" sz="1050" dirty="0" smtClean="0">
+                      <a:latin typeface="Cambria Math" panose="02040503050406030204" pitchFamily="18" charset="0"/>
+                      <a:ea typeface="Cambria Math" panose="02040503050406030204" pitchFamily="18" charset="0"/>
+                    </a:rPr>
+                    <a:t>…                        …</a:t>
+                  </a:r>
+                  <a:endParaRPr lang="fr-FR" sz="1050" dirty="0">
+                    <a:latin typeface="Cambria Math" panose="02040503050406030204" pitchFamily="18" charset="0"/>
+                    <a:ea typeface="Cambria Math" panose="02040503050406030204" pitchFamily="18" charset="0"/>
+                  </a:endParaRPr>
+                </a:p>
+                <a:p>
+                  <a:r>
+                    <a:rPr lang="fr-FR" sz="1050" dirty="0" err="1" smtClean="0">
+                      <a:latin typeface="Cambria Math" panose="02040503050406030204" pitchFamily="18" charset="0"/>
+                      <a:ea typeface="Cambria Math" panose="02040503050406030204" pitchFamily="18" charset="0"/>
+                    </a:rPr>
+                    <a:t>Trait</a:t>
+                  </a:r>
+                  <a:r>
+                    <a:rPr lang="fr-FR" sz="1050" baseline="30000" dirty="0" err="1" smtClean="0">
+                      <a:latin typeface="Cambria Math" panose="02040503050406030204" pitchFamily="18" charset="0"/>
+                      <a:ea typeface="Cambria Math" panose="02040503050406030204" pitchFamily="18" charset="0"/>
+                    </a:rPr>
+                    <a:t>a</a:t>
+                  </a:r>
+                  <a:r>
+                    <a:rPr lang="fr-FR" sz="1050" baseline="-25000" dirty="0" err="1" smtClean="0">
+                      <a:latin typeface="Cambria Math" panose="02040503050406030204" pitchFamily="18" charset="0"/>
+                      <a:ea typeface="Cambria Math" panose="02040503050406030204" pitchFamily="18" charset="0"/>
+                    </a:rPr>
+                    <a:t>S</a:t>
+                  </a:r>
+                  <a:r>
+                    <a:rPr lang="fr-FR" sz="1050" baseline="-25000" dirty="0" smtClean="0">
+                      <a:latin typeface="Cambria Math" panose="02040503050406030204" pitchFamily="18" charset="0"/>
+                      <a:ea typeface="Cambria Math" panose="02040503050406030204" pitchFamily="18" charset="0"/>
+                    </a:rPr>
+                    <a:t>                  </a:t>
+                  </a:r>
+                  <a:r>
+                    <a:rPr lang="fr-FR" sz="1050" dirty="0" smtClean="0">
+                      <a:latin typeface="Cambria Math" panose="02040503050406030204" pitchFamily="18" charset="0"/>
+                      <a:ea typeface="Cambria Math" panose="02040503050406030204" pitchFamily="18" charset="0"/>
+                    </a:rPr>
+                    <a:t> </a:t>
+                  </a:r>
+                  <a:r>
+                    <a:rPr lang="fr-FR" sz="1050" dirty="0" err="1" smtClean="0">
+                      <a:latin typeface="Cambria Math" panose="02040503050406030204" pitchFamily="18" charset="0"/>
+                      <a:ea typeface="Cambria Math" panose="02040503050406030204" pitchFamily="18" charset="0"/>
+                    </a:rPr>
+                    <a:t>Trait</a:t>
+                  </a:r>
+                  <a:r>
+                    <a:rPr lang="fr-FR" sz="1050" baseline="30000" dirty="0" err="1" smtClean="0">
+                      <a:latin typeface="Cambria Math" panose="02040503050406030204" pitchFamily="18" charset="0"/>
+                      <a:ea typeface="Cambria Math" panose="02040503050406030204" pitchFamily="18" charset="0"/>
+                    </a:rPr>
+                    <a:t>x</a:t>
+                  </a:r>
+                  <a:r>
+                    <a:rPr lang="fr-FR" sz="1050" baseline="-25000" dirty="0" err="1" smtClean="0">
+                      <a:latin typeface="Cambria Math" panose="02040503050406030204" pitchFamily="18" charset="0"/>
+                      <a:ea typeface="Cambria Math" panose="02040503050406030204" pitchFamily="18" charset="0"/>
+                    </a:rPr>
+                    <a:t>S</a:t>
+                  </a:r>
+                  <a:endParaRPr lang="fr-FR" sz="1050" dirty="0">
+                    <a:latin typeface="Cambria Math" panose="02040503050406030204" pitchFamily="18" charset="0"/>
+                    <a:ea typeface="Cambria Math" panose="02040503050406030204" pitchFamily="18" charset="0"/>
+                  </a:endParaRPr>
+                </a:p>
+              </p:txBody>
+            </p:sp>
+          </p:grpSp>
+          <p:grpSp>
+            <p:nvGrpSpPr>
+              <p:cNvPr id="252" name="Groupe 251"/>
+              <p:cNvGrpSpPr/>
+              <p:nvPr/>
+            </p:nvGrpSpPr>
+            <p:grpSpPr>
+              <a:xfrm>
+                <a:off x="1594322" y="763081"/>
+                <a:ext cx="294011" cy="954774"/>
+                <a:chOff x="1594322" y="763081"/>
+                <a:chExt cx="294011" cy="954774"/>
+              </a:xfrm>
+            </p:grpSpPr>
+            <p:cxnSp>
+              <p:nvCxnSpPr>
+                <p:cNvPr id="256" name="Connecteur droit avec flèche 255"/>
+                <p:cNvCxnSpPr/>
+                <p:nvPr/>
+              </p:nvCxnSpPr>
+              <p:spPr>
+                <a:xfrm>
+                  <a:off x="1888333" y="763081"/>
+                  <a:ext cx="0" cy="954774"/>
+                </a:xfrm>
+                <a:prstGeom prst="straightConnector1">
+                  <a:avLst/>
+                </a:prstGeom>
+                <a:ln w="12700">
+                  <a:solidFill>
+                    <a:schemeClr val="tx1"/>
+                  </a:solidFill>
+                  <a:headEnd type="triangle" w="med" len="med"/>
+                  <a:tailEnd type="triangle" w="med" len="med"/>
+                </a:ln>
+              </p:spPr>
+              <p:style>
+                <a:lnRef idx="1">
+                  <a:schemeClr val="accent1"/>
+                </a:lnRef>
+                <a:fillRef idx="0">
+                  <a:schemeClr val="accent1"/>
+                </a:fillRef>
+                <a:effectRef idx="0">
+                  <a:schemeClr val="accent1"/>
+                </a:effectRef>
+                <a:fontRef idx="minor">
+                  <a:schemeClr val="tx1"/>
+                </a:fontRef>
+              </p:style>
+            </p:cxnSp>
+            <p:sp>
+              <p:nvSpPr>
+                <p:cNvPr id="257" name="ZoneTexte 256"/>
+                <p:cNvSpPr txBox="1"/>
+                <p:nvPr/>
+              </p:nvSpPr>
+              <p:spPr>
+                <a:xfrm rot="16200000">
+                  <a:off x="1379199" y="1128566"/>
+                  <a:ext cx="707245" cy="276999"/>
+                </a:xfrm>
+                <a:prstGeom prst="rect">
+                  <a:avLst/>
+                </a:prstGeom>
+                <a:noFill/>
+              </p:spPr>
+              <p:txBody>
+                <a:bodyPr wrap="none" rtlCol="0">
+                  <a:spAutoFit/>
+                </a:bodyPr>
+                <a:lstStyle/>
+                <a:p>
+                  <a:r>
+                    <a:rPr lang="fr-FR" sz="1200" dirty="0">
+                      <a:latin typeface="Cambria" panose="02040503050406030204" pitchFamily="18" charset="0"/>
+                    </a:rPr>
+                    <a:t>E</a:t>
+                  </a:r>
+                  <a:r>
+                    <a:rPr lang="fr-FR" sz="1200" dirty="0" smtClean="0">
+                      <a:latin typeface="Cambria" panose="02040503050406030204" pitchFamily="18" charset="0"/>
+                    </a:rPr>
+                    <a:t>spèces</a:t>
+                  </a:r>
+                  <a:endParaRPr lang="fr-FR" sz="1200" dirty="0">
+                    <a:latin typeface="Cambria" panose="02040503050406030204" pitchFamily="18" charset="0"/>
+                  </a:endParaRPr>
+                </a:p>
+              </p:txBody>
+            </p:sp>
+          </p:grpSp>
+          <p:grpSp>
+            <p:nvGrpSpPr>
+              <p:cNvPr id="253" name="Groupe 252"/>
+              <p:cNvGrpSpPr/>
+              <p:nvPr/>
+            </p:nvGrpSpPr>
+            <p:grpSpPr>
+              <a:xfrm rot="5400000">
+                <a:off x="2566697" y="-22057"/>
+                <a:ext cx="286908" cy="990154"/>
+                <a:chOff x="1532847" y="911700"/>
+                <a:chExt cx="286908" cy="990154"/>
+              </a:xfrm>
+            </p:grpSpPr>
+            <p:cxnSp>
+              <p:nvCxnSpPr>
+                <p:cNvPr id="254" name="Connecteur droit avec flèche 253"/>
+                <p:cNvCxnSpPr/>
+                <p:nvPr/>
+              </p:nvCxnSpPr>
+              <p:spPr>
+                <a:xfrm rot="16200000" flipH="1" flipV="1">
+                  <a:off x="1324678" y="1406777"/>
+                  <a:ext cx="990154" cy="0"/>
+                </a:xfrm>
+                <a:prstGeom prst="straightConnector1">
+                  <a:avLst/>
+                </a:prstGeom>
+                <a:ln w="12700">
+                  <a:solidFill>
+                    <a:schemeClr val="tx1"/>
+                  </a:solidFill>
+                  <a:headEnd type="triangle" w="med" len="med"/>
+                  <a:tailEnd type="triangle" w="med" len="med"/>
+                </a:ln>
+              </p:spPr>
+              <p:style>
+                <a:lnRef idx="1">
+                  <a:schemeClr val="accent1"/>
+                </a:lnRef>
+                <a:fillRef idx="0">
+                  <a:schemeClr val="accent1"/>
+                </a:fillRef>
+                <a:effectRef idx="0">
+                  <a:schemeClr val="accent1"/>
+                </a:effectRef>
+                <a:fontRef idx="minor">
+                  <a:schemeClr val="tx1"/>
+                </a:fontRef>
+              </p:style>
+            </p:cxnSp>
+            <p:sp>
+              <p:nvSpPr>
+                <p:cNvPr id="255" name="ZoneTexte 254"/>
+                <p:cNvSpPr txBox="1"/>
+                <p:nvPr/>
+              </p:nvSpPr>
+              <p:spPr>
+                <a:xfrm rot="16200000">
+                  <a:off x="1387391" y="1283878"/>
+                  <a:ext cx="567912" cy="276999"/>
+                </a:xfrm>
+                <a:prstGeom prst="rect">
+                  <a:avLst/>
+                </a:prstGeom>
+                <a:noFill/>
+              </p:spPr>
+              <p:txBody>
+                <a:bodyPr wrap="none" rtlCol="0">
+                  <a:spAutoFit/>
+                </a:bodyPr>
+                <a:lstStyle/>
+                <a:p>
+                  <a:r>
+                    <a:rPr lang="fr-FR" sz="1200" dirty="0" smtClean="0">
+                      <a:latin typeface="Cambria" panose="02040503050406030204" pitchFamily="18" charset="0"/>
+                    </a:rPr>
+                    <a:t>Traits</a:t>
+                  </a:r>
+                  <a:endParaRPr lang="fr-FR" sz="1200" dirty="0">
+                    <a:latin typeface="Cambria" panose="02040503050406030204" pitchFamily="18" charset="0"/>
+                  </a:endParaRPr>
+                </a:p>
+              </p:txBody>
+            </p:sp>
+          </p:grpSp>
+        </p:grpSp>
+        <p:sp>
+          <p:nvSpPr>
+            <p:cNvPr id="213" name="ZoneTexte 212"/>
+            <p:cNvSpPr txBox="1"/>
+            <p:nvPr/>
+          </p:nvSpPr>
+          <p:spPr>
+            <a:xfrm>
+              <a:off x="167043" y="248835"/>
+              <a:ext cx="1749197" cy="261610"/>
+            </a:xfrm>
+            <a:prstGeom prst="rect">
+              <a:avLst/>
+            </a:prstGeom>
+            <a:noFill/>
+          </p:spPr>
+          <p:txBody>
+            <a:bodyPr wrap="none" rtlCol="0">
+              <a:spAutoFit/>
+            </a:bodyPr>
+            <a:lstStyle/>
+            <a:p>
+              <a:r>
+                <a:rPr lang="fr-FR" sz="1100" b="1" dirty="0" smtClean="0">
+                  <a:latin typeface="Cambria" panose="02040503050406030204" pitchFamily="18" charset="0"/>
+                </a:rPr>
+                <a:t>Matrice Espèces x Traits</a:t>
+              </a:r>
+              <a:endParaRPr lang="fr-FR" sz="1100" b="1" dirty="0">
+                <a:latin typeface="Cambria" panose="02040503050406030204" pitchFamily="18" charset="0"/>
+              </a:endParaRPr>
+            </a:p>
+          </p:txBody>
+        </p:sp>
+        <p:sp>
+          <p:nvSpPr>
+            <p:cNvPr id="214" name="ZoneTexte 213"/>
+            <p:cNvSpPr txBox="1"/>
+            <p:nvPr/>
+          </p:nvSpPr>
+          <p:spPr>
+            <a:xfrm>
+              <a:off x="1773194" y="982345"/>
+              <a:ext cx="1884403" cy="369332"/>
+            </a:xfrm>
+            <a:prstGeom prst="rect">
+              <a:avLst/>
+            </a:prstGeom>
+            <a:noFill/>
+          </p:spPr>
+          <p:txBody>
+            <a:bodyPr wrap="square" rtlCol="0">
+              <a:spAutoFit/>
+            </a:bodyPr>
+            <a:lstStyle/>
+            <a:p>
+              <a:r>
+                <a:rPr lang="fr-FR" dirty="0" smtClean="0">
+                  <a:solidFill>
+                    <a:schemeClr val="accent1"/>
+                  </a:solidFill>
+                  <a:latin typeface="Cambria" panose="02040503050406030204" pitchFamily="18" charset="0"/>
+                </a:rPr>
+                <a:t>ACP</a:t>
+              </a:r>
+              <a:endParaRPr lang="en-US" sz="1600" dirty="0">
+                <a:solidFill>
+                  <a:schemeClr val="accent1"/>
+                </a:solidFill>
+                <a:latin typeface="Cambria" panose="02040503050406030204" pitchFamily="18" charset="0"/>
+              </a:endParaRPr>
+            </a:p>
+          </p:txBody>
+        </p:sp>
+        <p:pic>
+          <p:nvPicPr>
+            <p:cNvPr id="215" name="Image 214"/>
+            <p:cNvPicPr>
+              <a:picLocks noChangeAspect="1"/>
+            </p:cNvPicPr>
+            <p:nvPr/>
+          </p:nvPicPr>
+          <p:blipFill rotWithShape="1">
+            <a:blip r:embed="rId4">
+              <a:clrChange>
+                <a:clrFrom>
+                  <a:srgbClr val="FFFFFF"/>
+                </a:clrFrom>
+                <a:clrTo>
+                  <a:srgbClr val="FFFFFF">
+                    <a:alpha val="0"/>
+                  </a:srgbClr>
+                </a:clrTo>
+              </a:clrChange>
+            </a:blip>
+            <a:srcRect t="7121"/>
+            <a:stretch/>
+          </p:blipFill>
+          <p:spPr>
+            <a:xfrm>
+              <a:off x="2200951" y="623760"/>
+              <a:ext cx="1821957" cy="1692215"/>
+            </a:xfrm>
+            <a:prstGeom prst="rect">
+              <a:avLst/>
+            </a:prstGeom>
+          </p:spPr>
+        </p:pic>
+        <p:sp>
+          <p:nvSpPr>
+            <p:cNvPr id="216" name="ZoneTexte 215"/>
+            <p:cNvSpPr txBox="1"/>
+            <p:nvPr/>
+          </p:nvSpPr>
+          <p:spPr>
+            <a:xfrm>
+              <a:off x="2268789" y="75495"/>
+              <a:ext cx="1970632" cy="430887"/>
+            </a:xfrm>
+            <a:prstGeom prst="rect">
+              <a:avLst/>
+            </a:prstGeom>
+            <a:noFill/>
+          </p:spPr>
+          <p:txBody>
+            <a:bodyPr wrap="square" rtlCol="0">
+              <a:spAutoFit/>
+            </a:bodyPr>
+            <a:lstStyle/>
+            <a:p>
+              <a:pPr algn="ctr"/>
+              <a:r>
+                <a:rPr lang="fr-FR" sz="1100" b="1" dirty="0" smtClean="0">
+                  <a:latin typeface="Cambria" panose="02040503050406030204" pitchFamily="18" charset="0"/>
+                </a:rPr>
+                <a:t>Individus dans l’espace fonctionnel</a:t>
+              </a:r>
+              <a:endParaRPr lang="fr-FR" sz="1100" b="1" dirty="0">
+                <a:latin typeface="Cambria" panose="02040503050406030204" pitchFamily="18" charset="0"/>
+              </a:endParaRPr>
+            </a:p>
+          </p:txBody>
+        </p:sp>
+        <p:pic>
+          <p:nvPicPr>
+            <p:cNvPr id="217" name="Image 216"/>
+            <p:cNvPicPr>
+              <a:picLocks noChangeAspect="1"/>
+            </p:cNvPicPr>
+            <p:nvPr/>
+          </p:nvPicPr>
+          <p:blipFill rotWithShape="1">
+            <a:blip r:embed="rId5"/>
+            <a:srcRect l="10748" t="21481" r="6988" b="16728"/>
+            <a:stretch/>
+          </p:blipFill>
+          <p:spPr>
+            <a:xfrm>
+              <a:off x="6863316" y="498127"/>
+              <a:ext cx="1203996" cy="1037156"/>
+            </a:xfrm>
+            <a:prstGeom prst="rect">
+              <a:avLst/>
+            </a:prstGeom>
+          </p:spPr>
+        </p:pic>
+        <p:pic>
+          <p:nvPicPr>
+            <p:cNvPr id="218" name="Image 217"/>
+            <p:cNvPicPr>
+              <a:picLocks noChangeAspect="1"/>
+            </p:cNvPicPr>
+            <p:nvPr/>
+          </p:nvPicPr>
+          <p:blipFill rotWithShape="1">
+            <a:blip r:embed="rId6"/>
+            <a:srcRect l="10355" t="12959" r="12124" b="1123"/>
+            <a:stretch/>
+          </p:blipFill>
+          <p:spPr>
+            <a:xfrm>
+              <a:off x="4738282" y="325230"/>
+              <a:ext cx="1447648" cy="1295612"/>
+            </a:xfrm>
+            <a:prstGeom prst="rect">
+              <a:avLst/>
+            </a:prstGeom>
+          </p:spPr>
+        </p:pic>
+        <p:sp>
+          <p:nvSpPr>
+            <p:cNvPr id="219" name="Flèche droite 218"/>
+            <p:cNvSpPr/>
+            <p:nvPr/>
+          </p:nvSpPr>
+          <p:spPr>
+            <a:xfrm>
+              <a:off x="1822208" y="1299717"/>
+              <a:ext cx="636266" cy="224940"/>
+            </a:xfrm>
+            <a:prstGeom prst="rightArrow">
+              <a:avLst/>
+            </a:prstGeom>
+            <a:solidFill>
+              <a:schemeClr val="accent1"/>
+            </a:solidFill>
+            <a:ln>
+              <a:noFill/>
+            </a:ln>
+          </p:spPr>
+          <p:style>
+            <a:lnRef idx="2">
+              <a:schemeClr val="accent1">
+                <a:shade val="50000"/>
+              </a:schemeClr>
+            </a:lnRef>
+            <a:fillRef idx="1">
+              <a:schemeClr val="accent1"/>
+            </a:fillRef>
+            <a:effectRef idx="0">
+              <a:schemeClr val="accent1"/>
+            </a:effectRef>
+            <a:fontRef idx="minor">
+              <a:schemeClr val="lt1"/>
+            </a:fontRef>
+          </p:style>
+          <p:txBody>
+            <a:bodyPr rtlCol="0" anchor="ctr"/>
+            <a:lstStyle/>
+            <a:p>
+              <a:pPr algn="ctr"/>
+              <a:endParaRPr lang="fr-FR">
+                <a:solidFill>
+                  <a:schemeClr val="accent1"/>
+                </a:solidFill>
+              </a:endParaRPr>
+            </a:p>
+          </p:txBody>
+        </p:sp>
+        <p:sp>
+          <p:nvSpPr>
+            <p:cNvPr id="220" name="ZoneTexte 219"/>
+            <p:cNvSpPr txBox="1"/>
+            <p:nvPr/>
+          </p:nvSpPr>
+          <p:spPr>
+            <a:xfrm>
+              <a:off x="3961236" y="718065"/>
+              <a:ext cx="971542" cy="430887"/>
+            </a:xfrm>
+            <a:prstGeom prst="rect">
+              <a:avLst/>
+            </a:prstGeom>
+            <a:noFill/>
+          </p:spPr>
+          <p:txBody>
+            <a:bodyPr wrap="square" rtlCol="0">
+              <a:spAutoFit/>
+            </a:bodyPr>
+            <a:lstStyle/>
+            <a:p>
+              <a:r>
+                <a:rPr lang="fr-FR" sz="1100" dirty="0" smtClean="0">
+                  <a:solidFill>
+                    <a:schemeClr val="accent1"/>
+                  </a:solidFill>
+                  <a:latin typeface="Cambria" panose="02040503050406030204" pitchFamily="18" charset="0"/>
+                </a:rPr>
+                <a:t>Pour chaque espèce</a:t>
+              </a:r>
+              <a:endParaRPr lang="en-US" sz="1050" dirty="0">
+                <a:solidFill>
+                  <a:schemeClr val="accent1"/>
+                </a:solidFill>
+                <a:latin typeface="Cambria" panose="02040503050406030204" pitchFamily="18" charset="0"/>
+              </a:endParaRPr>
+            </a:p>
+          </p:txBody>
+        </p:sp>
+        <p:sp>
+          <p:nvSpPr>
+            <p:cNvPr id="221" name="Flèche droite 220"/>
+            <p:cNvSpPr/>
+            <p:nvPr/>
+          </p:nvSpPr>
+          <p:spPr>
+            <a:xfrm rot="19884914">
+              <a:off x="4035044" y="1263663"/>
+              <a:ext cx="572359" cy="112862"/>
+            </a:xfrm>
+            <a:prstGeom prst="rightArrow">
+              <a:avLst/>
+            </a:prstGeom>
+            <a:solidFill>
+              <a:schemeClr val="accent1"/>
+            </a:solidFill>
+            <a:ln>
+              <a:noFill/>
+            </a:ln>
+          </p:spPr>
+          <p:style>
+            <a:lnRef idx="2">
+              <a:schemeClr val="accent1">
+                <a:shade val="50000"/>
+              </a:schemeClr>
+            </a:lnRef>
+            <a:fillRef idx="1">
+              <a:schemeClr val="accent1"/>
+            </a:fillRef>
+            <a:effectRef idx="0">
+              <a:schemeClr val="accent1"/>
+            </a:effectRef>
+            <a:fontRef idx="minor">
+              <a:schemeClr val="lt1"/>
+            </a:fontRef>
+          </p:style>
+          <p:txBody>
+            <a:bodyPr rtlCol="0" anchor="ctr"/>
+            <a:lstStyle/>
+            <a:p>
+              <a:pPr algn="ctr"/>
+              <a:endParaRPr lang="fr-FR">
+                <a:solidFill>
+                  <a:schemeClr val="accent1"/>
+                </a:solidFill>
+              </a:endParaRPr>
+            </a:p>
+          </p:txBody>
+        </p:sp>
+        <p:sp>
+          <p:nvSpPr>
+            <p:cNvPr id="222" name="ZoneTexte 221"/>
+            <p:cNvSpPr txBox="1"/>
+            <p:nvPr/>
+          </p:nvSpPr>
+          <p:spPr>
+            <a:xfrm>
+              <a:off x="5107909" y="97014"/>
+              <a:ext cx="1394005" cy="253916"/>
+            </a:xfrm>
+            <a:prstGeom prst="rect">
+              <a:avLst/>
+            </a:prstGeom>
+            <a:noFill/>
+          </p:spPr>
+          <p:txBody>
+            <a:bodyPr wrap="square" rtlCol="0">
+              <a:spAutoFit/>
+            </a:bodyPr>
+            <a:lstStyle/>
+            <a:p>
+              <a:r>
+                <a:rPr lang="fr-FR" sz="1050" b="1" dirty="0" smtClean="0">
+                  <a:latin typeface="Cambria" panose="02040503050406030204" pitchFamily="18" charset="0"/>
+                </a:rPr>
+                <a:t>Espace fonctionnel</a:t>
+              </a:r>
+              <a:endParaRPr lang="fr-FR" sz="1050" b="1" dirty="0">
+                <a:latin typeface="Cambria" panose="02040503050406030204" pitchFamily="18" charset="0"/>
+              </a:endParaRPr>
+            </a:p>
+          </p:txBody>
+        </p:sp>
+        <p:sp>
+          <p:nvSpPr>
+            <p:cNvPr id="223" name="ZoneTexte 222"/>
+            <p:cNvSpPr txBox="1"/>
+            <p:nvPr/>
+          </p:nvSpPr>
+          <p:spPr>
+            <a:xfrm>
+              <a:off x="6715984" y="124648"/>
+              <a:ext cx="1604101" cy="584775"/>
+            </a:xfrm>
+            <a:prstGeom prst="rect">
+              <a:avLst/>
+            </a:prstGeom>
+            <a:noFill/>
+          </p:spPr>
+          <p:txBody>
+            <a:bodyPr wrap="square" rtlCol="0">
+              <a:spAutoFit/>
+            </a:bodyPr>
+            <a:lstStyle/>
+            <a:p>
+              <a:pPr algn="ctr"/>
+              <a:r>
+                <a:rPr lang="fr-FR" sz="1050" b="1" dirty="0" smtClean="0">
+                  <a:latin typeface="Cambria" panose="02040503050406030204" pitchFamily="18" charset="0"/>
+                </a:rPr>
+                <a:t>Densité de probabilité des traits (TDP)</a:t>
+              </a:r>
+            </a:p>
+            <a:p>
+              <a:pPr algn="ctr"/>
+              <a:endParaRPr lang="fr-FR" sz="1100" dirty="0">
+                <a:latin typeface="Cambria" panose="02040503050406030204" pitchFamily="18" charset="0"/>
+              </a:endParaRPr>
+            </a:p>
+          </p:txBody>
+        </p:sp>
+        <p:sp>
+          <p:nvSpPr>
+            <p:cNvPr id="224" name="ZoneTexte 223"/>
+            <p:cNvSpPr txBox="1"/>
+            <p:nvPr/>
+          </p:nvSpPr>
+          <p:spPr>
+            <a:xfrm>
+              <a:off x="6068178" y="1467093"/>
+              <a:ext cx="928465" cy="861774"/>
+            </a:xfrm>
+            <a:prstGeom prst="rect">
+              <a:avLst/>
+            </a:prstGeom>
+            <a:noFill/>
+          </p:spPr>
+          <p:txBody>
+            <a:bodyPr wrap="square" rtlCol="0">
+              <a:spAutoFit/>
+            </a:bodyPr>
+            <a:lstStyle/>
+            <a:p>
+              <a:pPr algn="ctr"/>
+              <a:r>
+                <a:rPr lang="fr-FR" sz="1000" b="1" dirty="0" smtClean="0">
+                  <a:solidFill>
+                    <a:schemeClr val="accent1"/>
+                  </a:solidFill>
+                  <a:latin typeface="Cambria" panose="02040503050406030204" pitchFamily="18" charset="0"/>
+                </a:rPr>
+                <a:t>Estimation par noyau</a:t>
+              </a:r>
+            </a:p>
+            <a:p>
+              <a:pPr algn="ctr"/>
+              <a:r>
+                <a:rPr lang="fr-FR" sz="1200" b="1" dirty="0" smtClean="0">
+                  <a:solidFill>
+                    <a:schemeClr val="accent1"/>
+                  </a:solidFill>
+                  <a:latin typeface="Cambria" panose="02040503050406030204" pitchFamily="18" charset="0"/>
+                </a:rPr>
+                <a:t>/</a:t>
+              </a:r>
+            </a:p>
+            <a:p>
+              <a:pPr algn="ctr"/>
+              <a:r>
+                <a:rPr lang="en-US" sz="900" b="1" dirty="0" smtClean="0">
+                  <a:solidFill>
+                    <a:schemeClr val="accent1"/>
+                  </a:solidFill>
+                  <a:latin typeface="Cambria" panose="02040503050406030204" pitchFamily="18" charset="0"/>
+                </a:rPr>
+                <a:t>Distribution </a:t>
+              </a:r>
+              <a:r>
+                <a:rPr lang="en-US" sz="900" b="1" dirty="0" err="1" smtClean="0">
+                  <a:solidFill>
+                    <a:schemeClr val="accent1"/>
+                  </a:solidFill>
+                  <a:latin typeface="Cambria" panose="02040503050406030204" pitchFamily="18" charset="0"/>
+                </a:rPr>
+                <a:t>Normale</a:t>
+              </a:r>
+              <a:r>
+                <a:rPr lang="en-US" sz="900" b="1" dirty="0" smtClean="0">
+                  <a:solidFill>
+                    <a:schemeClr val="accent1"/>
+                  </a:solidFill>
+                  <a:latin typeface="Cambria" panose="02040503050406030204" pitchFamily="18" charset="0"/>
+                </a:rPr>
+                <a:t>.</a:t>
+              </a:r>
+              <a:endParaRPr lang="en-US" sz="900" b="1" dirty="0">
+                <a:solidFill>
+                  <a:schemeClr val="accent1"/>
+                </a:solidFill>
+                <a:latin typeface="Cambria" panose="02040503050406030204" pitchFamily="18" charset="0"/>
+              </a:endParaRPr>
+            </a:p>
+          </p:txBody>
+        </p:sp>
+        <p:sp>
+          <p:nvSpPr>
+            <p:cNvPr id="225" name="Flèche droite 224"/>
+            <p:cNvSpPr/>
+            <p:nvPr/>
+          </p:nvSpPr>
+          <p:spPr>
+            <a:xfrm>
+              <a:off x="6274035" y="888882"/>
+              <a:ext cx="576330" cy="224940"/>
+            </a:xfrm>
+            <a:prstGeom prst="rightArrow">
+              <a:avLst/>
+            </a:prstGeom>
+            <a:solidFill>
+              <a:schemeClr val="accent1"/>
+            </a:solidFill>
+            <a:ln>
+              <a:noFill/>
+            </a:ln>
+          </p:spPr>
+          <p:style>
+            <a:lnRef idx="2">
+              <a:schemeClr val="accent1">
+                <a:shade val="50000"/>
+              </a:schemeClr>
+            </a:lnRef>
+            <a:fillRef idx="1">
+              <a:schemeClr val="accent1"/>
+            </a:fillRef>
+            <a:effectRef idx="0">
+              <a:schemeClr val="accent1"/>
+            </a:effectRef>
+            <a:fontRef idx="minor">
+              <a:schemeClr val="lt1"/>
+            </a:fontRef>
+          </p:style>
+          <p:txBody>
+            <a:bodyPr rtlCol="0" anchor="ctr"/>
+            <a:lstStyle/>
+            <a:p>
+              <a:pPr algn="ctr"/>
+              <a:endParaRPr lang="fr-FR">
+                <a:solidFill>
+                  <a:schemeClr val="accent1"/>
+                </a:solidFill>
+              </a:endParaRPr>
+            </a:p>
+          </p:txBody>
+        </p:sp>
+        <p:sp>
+          <p:nvSpPr>
+            <p:cNvPr id="226" name="Rectangle 225"/>
+            <p:cNvSpPr/>
+            <p:nvPr/>
+          </p:nvSpPr>
+          <p:spPr>
+            <a:xfrm>
+              <a:off x="5107909" y="1630386"/>
+              <a:ext cx="357790" cy="369332"/>
+            </a:xfrm>
+            <a:prstGeom prst="rect">
+              <a:avLst/>
+            </a:prstGeom>
+          </p:spPr>
+          <p:txBody>
+            <a:bodyPr wrap="none">
+              <a:spAutoFit/>
+            </a:bodyPr>
+            <a:lstStyle/>
+            <a:p>
+              <a:r>
+                <a:rPr lang="fr-FR" dirty="0">
+                  <a:latin typeface="Cambria Math" panose="02040503050406030204" pitchFamily="18" charset="0"/>
+                  <a:ea typeface="Cambria Math" panose="02040503050406030204" pitchFamily="18" charset="0"/>
+                </a:rPr>
+                <a:t>…</a:t>
+              </a:r>
+            </a:p>
+          </p:txBody>
+        </p:sp>
+        <p:pic>
+          <p:nvPicPr>
+            <p:cNvPr id="227" name="Image 226"/>
+            <p:cNvPicPr>
+              <a:picLocks noChangeAspect="1"/>
+            </p:cNvPicPr>
+            <p:nvPr/>
+          </p:nvPicPr>
+          <p:blipFill rotWithShape="1">
+            <a:blip r:embed="rId7"/>
+            <a:srcRect l="23628" t="9233" r="9115" b="14055"/>
+            <a:stretch/>
+          </p:blipFill>
+          <p:spPr>
+            <a:xfrm>
+              <a:off x="6890546" y="2433170"/>
+              <a:ext cx="1176766" cy="1213956"/>
+            </a:xfrm>
+            <a:prstGeom prst="rect">
+              <a:avLst/>
+            </a:prstGeom>
+          </p:spPr>
+        </p:pic>
+        <p:sp>
+          <p:nvSpPr>
+            <p:cNvPr id="228" name="Rectangle 227"/>
+            <p:cNvSpPr/>
+            <p:nvPr/>
+          </p:nvSpPr>
+          <p:spPr>
+            <a:xfrm>
+              <a:off x="7869477" y="1681208"/>
+              <a:ext cx="357790" cy="369332"/>
+            </a:xfrm>
+            <a:prstGeom prst="rect">
+              <a:avLst/>
+            </a:prstGeom>
+          </p:spPr>
+          <p:txBody>
+            <a:bodyPr wrap="none">
+              <a:spAutoFit/>
+            </a:bodyPr>
+            <a:lstStyle/>
+            <a:p>
+              <a:r>
+                <a:rPr lang="fr-FR" dirty="0">
+                  <a:latin typeface="Cambria Math" panose="02040503050406030204" pitchFamily="18" charset="0"/>
+                  <a:ea typeface="Cambria Math" panose="02040503050406030204" pitchFamily="18" charset="0"/>
+                </a:rPr>
+                <a:t>…</a:t>
+              </a:r>
+            </a:p>
+          </p:txBody>
+        </p:sp>
+        <p:pic>
+          <p:nvPicPr>
+            <p:cNvPr id="229" name="Image 228"/>
+            <p:cNvPicPr>
+              <a:picLocks noChangeAspect="1"/>
+            </p:cNvPicPr>
+            <p:nvPr/>
+          </p:nvPicPr>
+          <p:blipFill rotWithShape="1">
+            <a:blip r:embed="rId8">
+              <a:clrChange>
+                <a:clrFrom>
+                  <a:srgbClr val="FFFFFF"/>
+                </a:clrFrom>
+                <a:clrTo>
+                  <a:srgbClr val="FFFFFF">
+                    <a:alpha val="0"/>
+                  </a:srgbClr>
+                </a:clrTo>
+              </a:clrChange>
+            </a:blip>
+            <a:srcRect l="9381" t="15027"/>
+            <a:stretch/>
+          </p:blipFill>
+          <p:spPr>
+            <a:xfrm>
+              <a:off x="4751050" y="2204815"/>
+              <a:ext cx="1591577" cy="1407794"/>
+            </a:xfrm>
+            <a:prstGeom prst="rect">
+              <a:avLst/>
+            </a:prstGeom>
+          </p:spPr>
+        </p:pic>
+        <p:sp>
+          <p:nvSpPr>
+            <p:cNvPr id="230" name="Flèche droite 229"/>
+            <p:cNvSpPr/>
+            <p:nvPr/>
+          </p:nvSpPr>
+          <p:spPr>
+            <a:xfrm>
+              <a:off x="6277354" y="1826011"/>
+              <a:ext cx="573011" cy="224940"/>
+            </a:xfrm>
+            <a:prstGeom prst="rightArrow">
+              <a:avLst/>
+            </a:prstGeom>
+            <a:solidFill>
+              <a:srgbClr val="5B9BD5">
+                <a:alpha val="41961"/>
+              </a:srgbClr>
+            </a:solidFill>
+            <a:ln>
+              <a:noFill/>
+            </a:ln>
+          </p:spPr>
+          <p:style>
+            <a:lnRef idx="2">
+              <a:schemeClr val="accent1">
+                <a:shade val="50000"/>
+              </a:schemeClr>
+            </a:lnRef>
+            <a:fillRef idx="1">
+              <a:schemeClr val="accent1"/>
+            </a:fillRef>
+            <a:effectRef idx="0">
+              <a:schemeClr val="accent1"/>
+            </a:effectRef>
+            <a:fontRef idx="minor">
+              <a:schemeClr val="lt1"/>
+            </a:fontRef>
+          </p:style>
+          <p:txBody>
+            <a:bodyPr rtlCol="0" anchor="ctr"/>
+            <a:lstStyle/>
+            <a:p>
+              <a:pPr algn="ctr"/>
+              <a:endParaRPr lang="fr-FR">
+                <a:solidFill>
+                  <a:schemeClr val="accent1"/>
+                </a:solidFill>
+              </a:endParaRPr>
+            </a:p>
+          </p:txBody>
+        </p:sp>
+        <p:sp>
+          <p:nvSpPr>
+            <p:cNvPr id="231" name="Flèche droite 230"/>
+            <p:cNvSpPr/>
+            <p:nvPr/>
+          </p:nvSpPr>
+          <p:spPr>
+            <a:xfrm>
+              <a:off x="6274035" y="2707323"/>
+              <a:ext cx="576330" cy="224940"/>
+            </a:xfrm>
+            <a:prstGeom prst="rightArrow">
+              <a:avLst>
+                <a:gd name="adj1" fmla="val 43225"/>
+                <a:gd name="adj2" fmla="val 50000"/>
+              </a:avLst>
+            </a:prstGeom>
+            <a:solidFill>
+              <a:schemeClr val="accent1"/>
+            </a:solidFill>
+            <a:ln>
+              <a:noFill/>
+            </a:ln>
+          </p:spPr>
+          <p:style>
+            <a:lnRef idx="2">
+              <a:schemeClr val="accent1">
+                <a:shade val="50000"/>
+              </a:schemeClr>
+            </a:lnRef>
+            <a:fillRef idx="1">
+              <a:schemeClr val="accent1"/>
+            </a:fillRef>
+            <a:effectRef idx="0">
+              <a:schemeClr val="accent1"/>
+            </a:effectRef>
+            <a:fontRef idx="minor">
+              <a:schemeClr val="lt1"/>
+            </a:fontRef>
+          </p:style>
+          <p:txBody>
+            <a:bodyPr rtlCol="0" anchor="ctr"/>
+            <a:lstStyle/>
+            <a:p>
+              <a:pPr algn="ctr"/>
+              <a:endParaRPr lang="fr-FR">
+                <a:solidFill>
+                  <a:schemeClr val="accent1"/>
+                </a:solidFill>
+              </a:endParaRPr>
+            </a:p>
+          </p:txBody>
+        </p:sp>
+        <p:grpSp>
+          <p:nvGrpSpPr>
+            <p:cNvPr id="232" name="Groupe 231"/>
+            <p:cNvGrpSpPr/>
+            <p:nvPr/>
+          </p:nvGrpSpPr>
+          <p:grpSpPr>
+            <a:xfrm>
+              <a:off x="8078344" y="1236338"/>
+              <a:ext cx="1298561" cy="1341482"/>
+              <a:chOff x="1108315" y="3451141"/>
+              <a:chExt cx="1298561" cy="1341482"/>
+            </a:xfrm>
+          </p:grpSpPr>
+          <p:sp>
+            <p:nvSpPr>
+              <p:cNvPr id="249" name="ZoneTexte 248"/>
+              <p:cNvSpPr txBox="1"/>
+              <p:nvPr/>
+            </p:nvSpPr>
+            <p:spPr>
+              <a:xfrm>
+                <a:off x="1377421" y="4515624"/>
+                <a:ext cx="860877" cy="276999"/>
+              </a:xfrm>
+              <a:prstGeom prst="rect">
+                <a:avLst/>
+              </a:prstGeom>
+              <a:noFill/>
+            </p:spPr>
+            <p:txBody>
+              <a:bodyPr wrap="none" rtlCol="0">
+                <a:spAutoFit/>
+              </a:bodyPr>
+              <a:lstStyle/>
+              <a:p>
+                <a:pPr algn="ctr"/>
+                <a:r>
+                  <a:rPr lang="fr-FR" sz="1200" dirty="0" smtClean="0">
+                    <a:latin typeface="Cambria" panose="02040503050406030204" pitchFamily="18" charset="0"/>
+                  </a:rPr>
+                  <a:t>Inventaire</a:t>
+                </a:r>
+                <a:endParaRPr lang="fr-FR" sz="1200" dirty="0">
+                  <a:latin typeface="Cambria" panose="02040503050406030204" pitchFamily="18" charset="0"/>
+                </a:endParaRPr>
+              </a:p>
+            </p:txBody>
+          </p:sp>
+          <p:pic>
+            <p:nvPicPr>
+              <p:cNvPr id="250" name="Image 249"/>
+              <p:cNvPicPr>
+                <a:picLocks noChangeAspect="1"/>
+              </p:cNvPicPr>
+              <p:nvPr/>
+            </p:nvPicPr>
+            <p:blipFill rotWithShape="1">
+              <a:blip r:embed="rId9"/>
+              <a:srcRect l="-587" t="26635" r="587" b="28046"/>
+              <a:stretch/>
+            </p:blipFill>
+            <p:spPr>
+              <a:xfrm>
+                <a:off x="1108315" y="3451141"/>
+                <a:ext cx="1298561" cy="1196340"/>
+              </a:xfrm>
+              <a:prstGeom prst="rect">
+                <a:avLst/>
+              </a:prstGeom>
+            </p:spPr>
+          </p:pic>
+        </p:grpSp>
+        <p:grpSp>
+          <p:nvGrpSpPr>
+            <p:cNvPr id="233" name="Groupe 232"/>
+            <p:cNvGrpSpPr/>
+            <p:nvPr/>
+          </p:nvGrpSpPr>
+          <p:grpSpPr>
+            <a:xfrm>
+              <a:off x="8067315" y="1016705"/>
+              <a:ext cx="1058282" cy="465501"/>
+              <a:chOff x="8748506" y="1019655"/>
+              <a:chExt cx="1269280" cy="455483"/>
+            </a:xfrm>
+          </p:grpSpPr>
+          <p:cxnSp>
+            <p:nvCxnSpPr>
+              <p:cNvPr id="247" name="Connecteur droit 246"/>
+              <p:cNvCxnSpPr>
+                <a:stCxn id="217" idx="3"/>
+              </p:cNvCxnSpPr>
+              <p:nvPr/>
+            </p:nvCxnSpPr>
+            <p:spPr>
+              <a:xfrm>
+                <a:off x="8748506" y="1019655"/>
+                <a:ext cx="422041" cy="455483"/>
+              </a:xfrm>
+              <a:prstGeom prst="line">
+                <a:avLst/>
+              </a:prstGeom>
+              <a:ln w="19050">
+                <a:solidFill>
+                  <a:schemeClr val="bg1">
+                    <a:lumMod val="50000"/>
+                  </a:schemeClr>
+                </a:solidFill>
+              </a:ln>
+            </p:spPr>
+            <p:style>
+              <a:lnRef idx="1">
+                <a:schemeClr val="accent1"/>
+              </a:lnRef>
+              <a:fillRef idx="0">
+                <a:schemeClr val="accent1"/>
+              </a:fillRef>
+              <a:effectRef idx="0">
+                <a:schemeClr val="accent1"/>
+              </a:effectRef>
+              <a:fontRef idx="minor">
+                <a:schemeClr val="tx1"/>
+              </a:fontRef>
+            </p:style>
+          </p:cxnSp>
+          <p:cxnSp>
+            <p:nvCxnSpPr>
+              <p:cNvPr id="248" name="Connecteur droit 247"/>
+              <p:cNvCxnSpPr/>
+              <p:nvPr/>
+            </p:nvCxnSpPr>
+            <p:spPr>
+              <a:xfrm>
+                <a:off x="9183778" y="1452263"/>
+                <a:ext cx="834008" cy="0"/>
+              </a:xfrm>
+              <a:prstGeom prst="line">
+                <a:avLst/>
+              </a:prstGeom>
+              <a:ln w="19050">
+                <a:solidFill>
+                  <a:schemeClr val="bg1">
+                    <a:lumMod val="50000"/>
+                  </a:schemeClr>
+                </a:solidFill>
+                <a:headEnd type="none" w="med" len="med"/>
+                <a:tailEnd type="triangle" w="med" len="med"/>
+              </a:ln>
+            </p:spPr>
+            <p:style>
+              <a:lnRef idx="1">
+                <a:schemeClr val="accent1"/>
+              </a:lnRef>
+              <a:fillRef idx="0">
+                <a:schemeClr val="accent1"/>
+              </a:fillRef>
+              <a:effectRef idx="0">
+                <a:schemeClr val="accent1"/>
+              </a:effectRef>
+              <a:fontRef idx="minor">
+                <a:schemeClr val="tx1"/>
+              </a:fontRef>
+            </p:style>
+          </p:cxnSp>
+        </p:grpSp>
+        <p:grpSp>
+          <p:nvGrpSpPr>
+            <p:cNvPr id="234" name="Groupe 233"/>
+            <p:cNvGrpSpPr/>
+            <p:nvPr/>
+          </p:nvGrpSpPr>
+          <p:grpSpPr>
+            <a:xfrm>
+              <a:off x="8067314" y="2204815"/>
+              <a:ext cx="1035021" cy="835333"/>
+              <a:chOff x="8341760" y="1482664"/>
+              <a:chExt cx="1354747" cy="835333"/>
+            </a:xfrm>
+          </p:grpSpPr>
+          <p:cxnSp>
+            <p:nvCxnSpPr>
+              <p:cNvPr id="245" name="Connecteur droit 244"/>
+              <p:cNvCxnSpPr>
+                <a:stCxn id="227" idx="3"/>
+              </p:cNvCxnSpPr>
+              <p:nvPr/>
+            </p:nvCxnSpPr>
+            <p:spPr>
+              <a:xfrm flipV="1">
+                <a:off x="8341760" y="1482664"/>
+                <a:ext cx="409481" cy="835333"/>
+              </a:xfrm>
+              <a:prstGeom prst="line">
+                <a:avLst/>
+              </a:prstGeom>
+              <a:ln w="19050">
+                <a:solidFill>
+                  <a:schemeClr val="bg1">
+                    <a:lumMod val="50000"/>
+                  </a:schemeClr>
+                </a:solidFill>
+              </a:ln>
+            </p:spPr>
+            <p:style>
+              <a:lnRef idx="1">
+                <a:schemeClr val="accent1"/>
+              </a:lnRef>
+              <a:fillRef idx="0">
+                <a:schemeClr val="accent1"/>
+              </a:fillRef>
+              <a:effectRef idx="0">
+                <a:schemeClr val="accent1"/>
+              </a:effectRef>
+              <a:fontRef idx="minor">
+                <a:schemeClr val="tx1"/>
+              </a:fontRef>
+            </p:style>
+          </p:cxnSp>
+          <p:cxnSp>
+            <p:nvCxnSpPr>
+              <p:cNvPr id="246" name="Connecteur droit 245"/>
+              <p:cNvCxnSpPr/>
+              <p:nvPr/>
+            </p:nvCxnSpPr>
+            <p:spPr>
+              <a:xfrm>
+                <a:off x="8772733" y="1482664"/>
+                <a:ext cx="923774" cy="0"/>
+              </a:xfrm>
+              <a:prstGeom prst="line">
+                <a:avLst/>
+              </a:prstGeom>
+              <a:ln w="19050">
+                <a:solidFill>
+                  <a:schemeClr val="bg1">
+                    <a:lumMod val="50000"/>
+                  </a:schemeClr>
+                </a:solidFill>
+                <a:headEnd type="none" w="med" len="med"/>
+                <a:tailEnd type="triangle" w="med" len="med"/>
+              </a:ln>
+            </p:spPr>
+            <p:style>
+              <a:lnRef idx="1">
+                <a:schemeClr val="accent1"/>
+              </a:lnRef>
+              <a:fillRef idx="0">
+                <a:schemeClr val="accent1"/>
+              </a:fillRef>
+              <a:effectRef idx="0">
+                <a:schemeClr val="accent1"/>
+              </a:effectRef>
+              <a:fontRef idx="minor">
+                <a:schemeClr val="tx1"/>
+              </a:fontRef>
+            </p:style>
+          </p:cxnSp>
+        </p:grpSp>
+        <p:pic>
+          <p:nvPicPr>
+            <p:cNvPr id="235" name="Image 234"/>
+            <p:cNvPicPr>
+              <a:picLocks noChangeAspect="1"/>
+            </p:cNvPicPr>
+            <p:nvPr/>
+          </p:nvPicPr>
+          <p:blipFill rotWithShape="1">
+            <a:blip r:embed="rId10"/>
+            <a:srcRect l="13072" t="23874" r="9594" b="18431"/>
+            <a:stretch/>
+          </p:blipFill>
+          <p:spPr>
+            <a:xfrm>
+              <a:off x="9150008" y="1303128"/>
+              <a:ext cx="1617355" cy="1186433"/>
+            </a:xfrm>
+            <a:prstGeom prst="rect">
+              <a:avLst/>
+            </a:prstGeom>
+          </p:spPr>
+        </p:pic>
+        <p:sp>
+          <p:nvSpPr>
+            <p:cNvPr id="236" name="ZoneTexte 235"/>
+            <p:cNvSpPr txBox="1"/>
+            <p:nvPr/>
+          </p:nvSpPr>
+          <p:spPr>
+            <a:xfrm>
+              <a:off x="8205624" y="676950"/>
+              <a:ext cx="1239040" cy="400110"/>
+            </a:xfrm>
+            <a:prstGeom prst="rect">
+              <a:avLst/>
+            </a:prstGeom>
+            <a:noFill/>
+          </p:spPr>
+          <p:txBody>
+            <a:bodyPr wrap="square" rtlCol="0">
+              <a:spAutoFit/>
+            </a:bodyPr>
+            <a:lstStyle/>
+            <a:p>
+              <a:r>
+                <a:rPr lang="fr-FR" sz="1000" dirty="0" smtClean="0">
+                  <a:solidFill>
+                    <a:schemeClr val="accent1"/>
+                  </a:solidFill>
+                  <a:latin typeface="Cambria" panose="02040503050406030204" pitchFamily="18" charset="0"/>
+                </a:rPr>
+                <a:t>Somme pondérée par les abondances</a:t>
+              </a:r>
+              <a:endParaRPr lang="en-US" sz="900" dirty="0">
+                <a:solidFill>
+                  <a:schemeClr val="accent1"/>
+                </a:solidFill>
+                <a:latin typeface="Cambria" panose="02040503050406030204" pitchFamily="18" charset="0"/>
+              </a:endParaRPr>
+            </a:p>
+          </p:txBody>
+        </p:sp>
+        <p:sp>
+          <p:nvSpPr>
+            <p:cNvPr id="237" name="Flèche droite 236"/>
+            <p:cNvSpPr/>
+            <p:nvPr/>
+          </p:nvSpPr>
+          <p:spPr>
+            <a:xfrm>
+              <a:off x="8483399" y="1040222"/>
+              <a:ext cx="683491" cy="224940"/>
+            </a:xfrm>
+            <a:prstGeom prst="rightArrow">
+              <a:avLst/>
+            </a:prstGeom>
+            <a:solidFill>
+              <a:schemeClr val="accent1"/>
+            </a:solidFill>
+            <a:ln>
+              <a:noFill/>
+            </a:ln>
+          </p:spPr>
+          <p:style>
+            <a:lnRef idx="2">
+              <a:schemeClr val="accent1">
+                <a:shade val="50000"/>
+              </a:schemeClr>
+            </a:lnRef>
+            <a:fillRef idx="1">
+              <a:schemeClr val="accent1"/>
+            </a:fillRef>
+            <a:effectRef idx="0">
+              <a:schemeClr val="accent1"/>
+            </a:effectRef>
+            <a:fontRef idx="minor">
+              <a:schemeClr val="lt1"/>
+            </a:fontRef>
+          </p:style>
+          <p:txBody>
+            <a:bodyPr rtlCol="0" anchor="ctr"/>
+            <a:lstStyle/>
+            <a:p>
+              <a:pPr algn="ctr"/>
+              <a:endParaRPr lang="fr-FR">
+                <a:solidFill>
+                  <a:schemeClr val="accent1"/>
+                </a:solidFill>
+              </a:endParaRPr>
+            </a:p>
+          </p:txBody>
+        </p:sp>
+        <p:sp>
+          <p:nvSpPr>
+            <p:cNvPr id="238" name="ZoneTexte 237"/>
+            <p:cNvSpPr txBox="1"/>
+            <p:nvPr/>
+          </p:nvSpPr>
+          <p:spPr>
+            <a:xfrm>
+              <a:off x="8947175" y="1072478"/>
+              <a:ext cx="2186940" cy="423193"/>
+            </a:xfrm>
+            <a:prstGeom prst="rect">
+              <a:avLst/>
+            </a:prstGeom>
+            <a:noFill/>
+          </p:spPr>
+          <p:txBody>
+            <a:bodyPr wrap="square" rtlCol="0">
+              <a:spAutoFit/>
+            </a:bodyPr>
+            <a:lstStyle/>
+            <a:p>
+              <a:pPr algn="ctr"/>
+              <a:r>
+                <a:rPr lang="fr-FR" sz="1050" b="1" dirty="0" smtClean="0">
+                  <a:latin typeface="Cambria" panose="02040503050406030204" pitchFamily="18" charset="0"/>
+                </a:rPr>
+                <a:t>TDP pour l’inventaire</a:t>
+              </a:r>
+            </a:p>
+            <a:p>
+              <a:pPr algn="ctr"/>
+              <a:endParaRPr lang="fr-FR" sz="1100" dirty="0">
+                <a:latin typeface="Cambria" panose="02040503050406030204" pitchFamily="18" charset="0"/>
+              </a:endParaRPr>
+            </a:p>
+          </p:txBody>
+        </p:sp>
+        <p:sp>
+          <p:nvSpPr>
+            <p:cNvPr id="239" name="ZoneTexte 238"/>
+            <p:cNvSpPr txBox="1"/>
+            <p:nvPr/>
+          </p:nvSpPr>
+          <p:spPr>
+            <a:xfrm>
+              <a:off x="10756963" y="1212863"/>
+              <a:ext cx="840927" cy="400110"/>
+            </a:xfrm>
+            <a:prstGeom prst="rect">
+              <a:avLst/>
+            </a:prstGeom>
+            <a:noFill/>
+          </p:spPr>
+          <p:txBody>
+            <a:bodyPr wrap="square" rtlCol="0">
+              <a:spAutoFit/>
+            </a:bodyPr>
+            <a:lstStyle/>
+            <a:p>
+              <a:r>
+                <a:rPr lang="fr-FR" sz="1000" dirty="0" smtClean="0">
+                  <a:solidFill>
+                    <a:schemeClr val="accent1"/>
+                  </a:solidFill>
+                  <a:latin typeface="Cambria" panose="02040503050406030204" pitchFamily="18" charset="0"/>
+                </a:rPr>
+                <a:t>Somme sur l’espace</a:t>
+              </a:r>
+              <a:endParaRPr lang="en-US" sz="900" dirty="0">
+                <a:solidFill>
+                  <a:schemeClr val="accent1"/>
+                </a:solidFill>
+                <a:latin typeface="Cambria" panose="02040503050406030204" pitchFamily="18" charset="0"/>
+              </a:endParaRPr>
+            </a:p>
+          </p:txBody>
+        </p:sp>
+        <p:sp>
+          <p:nvSpPr>
+            <p:cNvPr id="240" name="Flèche droite 239"/>
+            <p:cNvSpPr/>
+            <p:nvPr/>
+          </p:nvSpPr>
+          <p:spPr>
+            <a:xfrm>
+              <a:off x="10795287" y="1708500"/>
+              <a:ext cx="601772" cy="224940"/>
+            </a:xfrm>
+            <a:prstGeom prst="rightArrow">
+              <a:avLst/>
+            </a:prstGeom>
+            <a:solidFill>
+              <a:schemeClr val="accent1"/>
+            </a:solidFill>
+            <a:ln>
+              <a:noFill/>
+            </a:ln>
+          </p:spPr>
+          <p:style>
+            <a:lnRef idx="2">
+              <a:schemeClr val="accent1">
+                <a:shade val="50000"/>
+              </a:schemeClr>
+            </a:lnRef>
+            <a:fillRef idx="1">
+              <a:schemeClr val="accent1"/>
+            </a:fillRef>
+            <a:effectRef idx="0">
+              <a:schemeClr val="accent1"/>
+            </a:effectRef>
+            <a:fontRef idx="minor">
+              <a:schemeClr val="lt1"/>
+            </a:fontRef>
+          </p:style>
+          <p:txBody>
+            <a:bodyPr rtlCol="0" anchor="ctr"/>
+            <a:lstStyle/>
+            <a:p>
+              <a:pPr algn="ctr"/>
+              <a:endParaRPr lang="fr-FR">
+                <a:solidFill>
+                  <a:schemeClr val="accent1"/>
+                </a:solidFill>
+              </a:endParaRPr>
+            </a:p>
+          </p:txBody>
+        </p:sp>
+        <mc:AlternateContent xmlns:mc="http://schemas.openxmlformats.org/markup-compatibility/2006" xmlns:a14="http://schemas.microsoft.com/office/drawing/2010/main">
+          <mc:Choice Requires="a14">
+            <p:sp>
+              <p:nvSpPr>
+                <p:cNvPr id="241" name="ZoneTexte 240"/>
+                <p:cNvSpPr txBox="1"/>
+                <p:nvPr/>
+              </p:nvSpPr>
+              <p:spPr>
+                <a:xfrm>
+                  <a:off x="10790368" y="1923370"/>
+                  <a:ext cx="517673" cy="429348"/>
+                </a:xfrm>
+                <a:prstGeom prst="rect">
+                  <a:avLst/>
+                </a:prstGeom>
+                <a:noFill/>
+              </p:spPr>
+              <p:txBody>
+                <a:bodyPr wrap="square" lIns="0" tIns="0" rIns="0" bIns="0" rtlCol="0">
+                  <a:spAutoFit/>
+                </a:bodyPr>
+                <a:lstStyle/>
+                <a:p>
+                  <a:pPr/>
+                  <a14:m>
+                    <m:oMathPara xmlns:m="http://schemas.openxmlformats.org/officeDocument/2006/math">
+                      <m:oMathParaPr>
+                        <m:jc m:val="centerGroup"/>
+                      </m:oMathParaPr>
+                      <m:oMath xmlns:m="http://schemas.openxmlformats.org/officeDocument/2006/math">
+                        <m:nary>
+                          <m:naryPr>
+                            <m:chr m:val="∑"/>
+                            <m:supHide m:val="on"/>
+                            <m:ctrlPr>
+                              <a:rPr lang="fr-FR" sz="1100" i="1" smtClean="0">
+                                <a:solidFill>
+                                  <a:schemeClr val="accent1"/>
+                                </a:solidFill>
+                                <a:latin typeface="Cambria Math" panose="02040503050406030204" pitchFamily="18" charset="0"/>
+                              </a:rPr>
+                            </m:ctrlPr>
+                          </m:naryPr>
+                          <m:sub>
+                            <m:r>
+                              <m:rPr>
+                                <m:brk m:alnAt="7"/>
+                              </m:rPr>
+                              <a:rPr lang="fr-FR" sz="1100" b="0" i="1" smtClean="0">
+                                <a:solidFill>
+                                  <a:schemeClr val="accent1"/>
+                                </a:solidFill>
+                                <a:latin typeface="Cambria Math" panose="02040503050406030204" pitchFamily="18" charset="0"/>
+                              </a:rPr>
+                              <m:t>𝑝</m:t>
+                            </m:r>
+                            <m:r>
+                              <a:rPr lang="fr-FR" sz="1100" b="0" i="1" smtClean="0">
+                                <a:solidFill>
+                                  <a:schemeClr val="accent1"/>
+                                </a:solidFill>
+                                <a:latin typeface="Cambria Math" panose="02040503050406030204" pitchFamily="18" charset="0"/>
+                              </a:rPr>
+                              <m:t>𝑖𝑥𝑒𝑙𝑠</m:t>
+                            </m:r>
+                          </m:sub>
+                          <m:sup/>
+                          <m:e>
+                            <m:sSub>
+                              <m:sSubPr>
+                                <m:ctrlPr>
+                                  <a:rPr lang="fr-FR" sz="1100" i="1" smtClean="0">
+                                    <a:solidFill>
+                                      <a:schemeClr val="accent1"/>
+                                    </a:solidFill>
+                                    <a:latin typeface="Cambria Math" panose="02040503050406030204" pitchFamily="18" charset="0"/>
+                                  </a:rPr>
+                                </m:ctrlPr>
+                              </m:sSubPr>
+                              <m:e>
+                                <m:r>
+                                  <a:rPr lang="fr-FR" sz="1100" b="0" i="1" smtClean="0">
+                                    <a:solidFill>
+                                      <a:schemeClr val="accent1"/>
+                                    </a:solidFill>
+                                    <a:latin typeface="Cambria Math" panose="02040503050406030204" pitchFamily="18" charset="0"/>
+                                  </a:rPr>
+                                  <m:t>𝑇𝐷𝑃</m:t>
+                                </m:r>
+                              </m:e>
+                              <m:sub>
+                                <m:nary>
+                                  <m:naryPr>
+                                    <m:chr m:val="∑"/>
+                                    <m:subHide m:val="on"/>
+                                    <m:supHide m:val="on"/>
+                                    <m:ctrlPr>
+                                      <a:rPr lang="fr-FR" sz="1100" i="1" smtClean="0">
+                                        <a:solidFill>
+                                          <a:schemeClr val="accent1"/>
+                                        </a:solidFill>
+                                        <a:latin typeface="Cambria Math" panose="02040503050406030204" pitchFamily="18" charset="0"/>
+                                      </a:rPr>
+                                    </m:ctrlPr>
+                                  </m:naryPr>
+                                  <m:sub/>
+                                  <m:sup/>
+                                  <m:e>
+                                    <m:r>
+                                      <a:rPr lang="fr-FR" sz="1100" b="0" i="1" smtClean="0">
+                                        <a:solidFill>
+                                          <a:schemeClr val="accent1"/>
+                                        </a:solidFill>
+                                        <a:latin typeface="Cambria Math" panose="02040503050406030204" pitchFamily="18" charset="0"/>
+                                      </a:rPr>
+                                      <m:t>𝑆</m:t>
+                                    </m:r>
+                                  </m:e>
+                                </m:nary>
+                              </m:sub>
+                            </m:sSub>
+                          </m:e>
+                        </m:nary>
+                      </m:oMath>
+                    </m:oMathPara>
+                  </a14:m>
+                  <a:endParaRPr lang="fr-FR" sz="1400" dirty="0">
+                    <a:solidFill>
+                      <a:schemeClr val="accent1"/>
+                    </a:solidFill>
+                  </a:endParaRPr>
+                </a:p>
+              </p:txBody>
+            </p:sp>
+          </mc:Choice>
+          <mc:Fallback xmlns="">
+            <p:sp>
+              <p:nvSpPr>
+                <p:cNvPr id="108" name="ZoneTexte 107"/>
+                <p:cNvSpPr txBox="1">
+                  <a:spLocks noRot="1" noChangeAspect="1" noMove="1" noResize="1" noEditPoints="1" noAdjustHandles="1" noChangeArrowheads="1" noChangeShapeType="1" noTextEdit="1"/>
+                </p:cNvSpPr>
+                <p:nvPr/>
+              </p:nvSpPr>
+              <p:spPr>
+                <a:xfrm>
+                  <a:off x="10790368" y="1923370"/>
+                  <a:ext cx="517673" cy="429348"/>
+                </a:xfrm>
+                <a:prstGeom prst="rect">
+                  <a:avLst/>
+                </a:prstGeom>
+                <a:blipFill>
+                  <a:blip r:embed="rId11"/>
+                  <a:stretch>
+                    <a:fillRect l="-91765" t="-147143" r="-116471" b="-194286"/>
+                  </a:stretch>
+                </a:blipFill>
+              </p:spPr>
+              <p:txBody>
+                <a:bodyPr/>
+                <a:lstStyle/>
+                <a:p>
+                  <a:r>
+                    <a:rPr lang="fr-FR">
+                      <a:noFill/>
+                    </a:rPr>
+                    <a:t> </a:t>
+                  </a:r>
+                </a:p>
+              </p:txBody>
+            </p:sp>
+          </mc:Fallback>
+        </mc:AlternateContent>
+        <mc:AlternateContent xmlns:mc="http://schemas.openxmlformats.org/markup-compatibility/2006" xmlns:a14="http://schemas.microsoft.com/office/drawing/2010/main">
+          <mc:Choice Requires="a14">
+            <p:sp>
+              <p:nvSpPr>
+                <p:cNvPr id="242" name="ZoneTexte 241"/>
+                <p:cNvSpPr txBox="1"/>
+                <p:nvPr/>
+              </p:nvSpPr>
+              <p:spPr>
+                <a:xfrm>
+                  <a:off x="11355714" y="1620842"/>
+                  <a:ext cx="755271" cy="374270"/>
+                </a:xfrm>
+                <a:prstGeom prst="rect">
+                  <a:avLst/>
+                </a:prstGeom>
+                <a:noFill/>
+              </p:spPr>
+              <p:txBody>
+                <a:bodyPr wrap="none" rtlCol="0">
+                  <a:spAutoFit/>
+                </a:bodyPr>
+                <a:lstStyle/>
+                <a:p>
+                  <a:pPr/>
+                  <a14:m>
+                    <m:oMathPara xmlns:m="http://schemas.openxmlformats.org/officeDocument/2006/math">
+                      <m:oMathParaPr>
+                        <m:jc m:val="centerGroup"/>
+                      </m:oMathParaPr>
+                      <m:oMath xmlns:m="http://schemas.openxmlformats.org/officeDocument/2006/math">
+                        <m:sSup>
+                          <m:sSupPr>
+                            <m:ctrlPr>
+                              <a:rPr lang="fr-FR" b="1" i="1" smtClean="0">
+                                <a:latin typeface="Cambria Math" panose="02040503050406030204" pitchFamily="18" charset="0"/>
+                              </a:rPr>
+                            </m:ctrlPr>
+                          </m:sSupPr>
+                          <m:e>
+                            <m:r>
+                              <a:rPr lang="fr-FR" b="1" i="1" smtClean="0">
+                                <a:latin typeface="Cambria Math" panose="02040503050406030204" pitchFamily="18" charset="0"/>
+                              </a:rPr>
+                              <m:t>𝑹𝒆𝒅</m:t>
+                            </m:r>
+                          </m:e>
+                          <m:sup>
+                            <m:r>
+                              <a:rPr lang="fr-FR" b="1" i="1" smtClean="0">
+                                <a:latin typeface="Cambria Math" panose="02040503050406030204" pitchFamily="18" charset="0"/>
+                              </a:rPr>
+                              <m:t>𝑰</m:t>
+                            </m:r>
+                          </m:sup>
+                        </m:sSup>
+                      </m:oMath>
+                    </m:oMathPara>
+                  </a14:m>
+                  <a:endParaRPr lang="fr-FR" sz="1100" b="1" dirty="0">
+                    <a:latin typeface="Cambria" panose="02040503050406030204" pitchFamily="18" charset="0"/>
+                  </a:endParaRPr>
+                </a:p>
+              </p:txBody>
+            </p:sp>
+          </mc:Choice>
+          <mc:Fallback xmlns="">
+            <p:sp>
+              <p:nvSpPr>
+                <p:cNvPr id="110" name="ZoneTexte 109"/>
+                <p:cNvSpPr txBox="1">
+                  <a:spLocks noRot="1" noChangeAspect="1" noMove="1" noResize="1" noEditPoints="1" noAdjustHandles="1" noChangeArrowheads="1" noChangeShapeType="1" noTextEdit="1"/>
+                </p:cNvSpPr>
+                <p:nvPr/>
+              </p:nvSpPr>
+              <p:spPr>
+                <a:xfrm>
+                  <a:off x="11355714" y="1620842"/>
+                  <a:ext cx="755271" cy="374270"/>
+                </a:xfrm>
+                <a:prstGeom prst="rect">
+                  <a:avLst/>
+                </a:prstGeom>
+                <a:blipFill>
+                  <a:blip r:embed="rId12"/>
+                  <a:stretch>
+                    <a:fillRect/>
+                  </a:stretch>
+                </a:blipFill>
+              </p:spPr>
+              <p:txBody>
+                <a:bodyPr/>
+                <a:lstStyle/>
+                <a:p>
+                  <a:r>
+                    <a:rPr lang="fr-FR">
+                      <a:noFill/>
+                    </a:rPr>
+                    <a:t> </a:t>
+                  </a:r>
+                </a:p>
+              </p:txBody>
+            </p:sp>
+          </mc:Fallback>
+        </mc:AlternateContent>
+        <p:sp>
+          <p:nvSpPr>
+            <p:cNvPr id="243" name="Flèche droite 242"/>
+            <p:cNvSpPr/>
+            <p:nvPr/>
+          </p:nvSpPr>
+          <p:spPr>
+            <a:xfrm>
+              <a:off x="4070582" y="1606070"/>
+              <a:ext cx="512754" cy="102430"/>
+            </a:xfrm>
+            <a:prstGeom prst="rightArrow">
+              <a:avLst/>
+            </a:prstGeom>
+            <a:solidFill>
+              <a:schemeClr val="accent1"/>
+            </a:solidFill>
+            <a:ln>
+              <a:noFill/>
+            </a:ln>
+          </p:spPr>
+          <p:style>
+            <a:lnRef idx="2">
+              <a:schemeClr val="accent1">
+                <a:shade val="50000"/>
+              </a:schemeClr>
+            </a:lnRef>
+            <a:fillRef idx="1">
+              <a:schemeClr val="accent1"/>
+            </a:fillRef>
+            <a:effectRef idx="0">
+              <a:schemeClr val="accent1"/>
+            </a:effectRef>
+            <a:fontRef idx="minor">
+              <a:schemeClr val="lt1"/>
+            </a:fontRef>
+          </p:style>
+          <p:txBody>
+            <a:bodyPr rtlCol="0" anchor="ctr"/>
+            <a:lstStyle/>
+            <a:p>
+              <a:pPr algn="ctr"/>
+              <a:endParaRPr lang="fr-FR">
+                <a:solidFill>
+                  <a:schemeClr val="accent1"/>
+                </a:solidFill>
+              </a:endParaRPr>
+            </a:p>
+          </p:txBody>
+        </p:sp>
+        <p:sp>
+          <p:nvSpPr>
+            <p:cNvPr id="244" name="Flèche droite 243"/>
+            <p:cNvSpPr/>
+            <p:nvPr/>
+          </p:nvSpPr>
+          <p:spPr>
+            <a:xfrm rot="1993422">
+              <a:off x="3990110" y="1944377"/>
+              <a:ext cx="572359" cy="112862"/>
+            </a:xfrm>
+            <a:prstGeom prst="rightArrow">
+              <a:avLst/>
+            </a:prstGeom>
+            <a:solidFill>
+              <a:schemeClr val="accent1"/>
+            </a:solidFill>
+            <a:ln>
+              <a:noFill/>
+            </a:ln>
+          </p:spPr>
+          <p:style>
+            <a:lnRef idx="2">
+              <a:schemeClr val="accent1">
+                <a:shade val="50000"/>
+              </a:schemeClr>
+            </a:lnRef>
+            <a:fillRef idx="1">
+              <a:schemeClr val="accent1"/>
+            </a:fillRef>
+            <a:effectRef idx="0">
+              <a:schemeClr val="accent1"/>
+            </a:effectRef>
+            <a:fontRef idx="minor">
+              <a:schemeClr val="lt1"/>
+            </a:fontRef>
+          </p:style>
+          <p:txBody>
+            <a:bodyPr rtlCol="0" anchor="ctr"/>
+            <a:lstStyle/>
+            <a:p>
+              <a:pPr algn="ctr"/>
+              <a:endParaRPr lang="fr-FR">
+                <a:solidFill>
+                  <a:schemeClr val="accent1"/>
+                </a:solidFill>
+              </a:endParaRPr>
+            </a:p>
+          </p:txBody>
+        </p:sp>
+      </p:grpSp>
+    </p:spTree>
+    <p:extLst>
+      <p:ext uri="{BB962C8B-B14F-4D97-AF65-F5344CB8AC3E}">
+        <p14:creationId xmlns:p14="http://schemas.microsoft.com/office/powerpoint/2010/main" val="4227184325"/>
+      </p:ext>
+    </p:extLst>
+  </p:cSld>
+  <p:clrMapOvr>
+    <a:masterClrMapping/>
+  </p:clrMapOvr>
+  <p:timing>
+    <p:tnLst>
+      <p:par>
+        <p:cTn id="1" dur="indefinite" restart="never" nodeType="tmRoot"/>
+      </p:par>
+    </p:tnLst>
+  </p:timing>
+</p:sld>
+</file>
+
+<file path=ppt/slides/slide3.xml><?xml version="1.0" encoding="utf-8"?>
+<p:sld xmlns:a="http://schemas.openxmlformats.org/drawingml/2006/main" xmlns:r="http://schemas.openxmlformats.org/officeDocument/2006/relationships" xmlns:p="http://schemas.openxmlformats.org/presentationml/2006/main">
+  <p:cSld>
+    <p:bg>
+      <p:bgPr>
+        <a:solidFill>
+          <a:schemeClr val="bg1"/>
+        </a:solidFill>
+        <a:effectLst/>
+      </p:bgPr>
+    </p:bg>
+    <p:spTree>
+      <p:nvGrpSpPr>
+        <p:cNvPr id="1" name=""/>
+        <p:cNvGrpSpPr/>
+        <p:nvPr/>
+      </p:nvGrpSpPr>
+      <p:grpSpPr>
+        <a:xfrm>
+          <a:off x="0" y="0"/>
+          <a:ext cx="0" cy="0"/>
+          <a:chOff x="0" y="0"/>
+          <a:chExt cx="0" cy="0"/>
+        </a:xfrm>
+      </p:grpSpPr>
       <p:sp>
         <p:nvSpPr>
           <p:cNvPr id="472" name="Rectangle 471"/>
@@ -19705,7 +22135,7 @@
 </p:sld>
 </file>
 
-<file path=ppt/slides/slide3.xml><?xml version="1.0" encoding="utf-8"?>
+<file path=ppt/slides/slide4.xml><?xml version="1.0" encoding="utf-8"?>
 <p:sld xmlns:a="http://schemas.openxmlformats.org/drawingml/2006/main" xmlns:r="http://schemas.openxmlformats.org/officeDocument/2006/relationships" xmlns:p="http://schemas.openxmlformats.org/presentationml/2006/main">
   <p:cSld>
     <p:bg>
@@ -25442,7 +27872,7 @@
 </p:sld>
 </file>
 
-<file path=ppt/slides/slide4.xml><?xml version="1.0" encoding="utf-8"?>
+<file path=ppt/slides/slide5.xml><?xml version="1.0" encoding="utf-8"?>
 <p:sld xmlns:a="http://schemas.openxmlformats.org/drawingml/2006/main" xmlns:r="http://schemas.openxmlformats.org/officeDocument/2006/relationships" xmlns:p="http://schemas.openxmlformats.org/presentationml/2006/main">
   <p:cSld>
     <p:bg>
@@ -27358,7 +29788,7 @@
 </p:sld>
 </file>
 
-<file path=ppt/slides/slide5.xml><?xml version="1.0" encoding="utf-8"?>
+<file path=ppt/slides/slide6.xml><?xml version="1.0" encoding="utf-8"?>
 <p:sld xmlns:a="http://schemas.openxmlformats.org/drawingml/2006/main" xmlns:r="http://schemas.openxmlformats.org/officeDocument/2006/relationships" xmlns:p="http://schemas.openxmlformats.org/presentationml/2006/main">
   <p:cSld>
     <p:bg>
@@ -32294,7 +34724,7 @@
 </p:sld>
 </file>
 
-<file path=ppt/slides/slide6.xml><?xml version="1.0" encoding="utf-8"?>
+<file path=ppt/slides/slide7.xml><?xml version="1.0" encoding="utf-8"?>
 <p:sld xmlns:a="http://schemas.openxmlformats.org/drawingml/2006/main" xmlns:r="http://schemas.openxmlformats.org/officeDocument/2006/relationships" xmlns:p="http://schemas.openxmlformats.org/presentationml/2006/main">
   <p:cSld>
     <p:spTree>

--- a/ExternalFig/Figures.pptx
+++ b/ExternalFig/Figures.pptx
@@ -3,18 +3,20 @@
 <p:presentation xmlns:a="http://schemas.openxmlformats.org/drawingml/2006/main" xmlns:r="http://schemas.openxmlformats.org/officeDocument/2006/relationships" xmlns:p="http://schemas.openxmlformats.org/presentationml/2006/main" saveSubsetFonts="1">
   <p:sldMasterIdLst>
     <p:sldMasterId id="2147483708" r:id="rId1"/>
+    <p:sldMasterId id="2147483720" r:id="rId2"/>
   </p:sldMasterIdLst>
   <p:notesMasterIdLst>
-    <p:notesMasterId r:id="rId9"/>
+    <p:notesMasterId r:id="rId11"/>
   </p:notesMasterIdLst>
   <p:sldIdLst>
-    <p:sldId id="364" r:id="rId2"/>
-    <p:sldId id="370" r:id="rId3"/>
-    <p:sldId id="366" r:id="rId4"/>
-    <p:sldId id="365" r:id="rId5"/>
-    <p:sldId id="367" r:id="rId6"/>
-    <p:sldId id="368" r:id="rId7"/>
-    <p:sldId id="369" r:id="rId8"/>
+    <p:sldId id="364" r:id="rId3"/>
+    <p:sldId id="371" r:id="rId4"/>
+    <p:sldId id="370" r:id="rId5"/>
+    <p:sldId id="366" r:id="rId6"/>
+    <p:sldId id="365" r:id="rId7"/>
+    <p:sldId id="367" r:id="rId8"/>
+    <p:sldId id="368" r:id="rId9"/>
+    <p:sldId id="369" r:id="rId10"/>
   </p:sldIdLst>
   <p:sldSz cx="9144000" cy="6858000" type="screen4x3"/>
   <p:notesSz cx="6858000" cy="9144000"/>
@@ -214,7 +216,7 @@
           <a:p>
             <a:fld id="{88EBA7CA-20BD-4061-AC3A-28B8D811EE60}" type="datetimeFigureOut">
               <a:rPr lang="en-US" smtClean="0"/>
-              <a:t>6/25/2018</a:t>
+              <a:t>11/5/2018</a:t>
             </a:fld>
             <a:endParaRPr lang="en-US"/>
           </a:p>
@@ -831,7 +833,7 @@
           <a:p>
             <a:fld id="{10AAF743-93D6-45F3-85F6-EC8C44D1CB99}" type="slidenum">
               <a:rPr lang="en-US" smtClean="0"/>
-              <a:t>2</a:t>
+              <a:t>3</a:t>
             </a:fld>
             <a:endParaRPr lang="en-US"/>
           </a:p>
@@ -1015,7 +1017,7 @@
           <a:p>
             <a:fld id="{10AAF743-93D6-45F3-85F6-EC8C44D1CB99}" type="slidenum">
               <a:rPr lang="en-US" smtClean="0"/>
-              <a:t>3</a:t>
+              <a:t>4</a:t>
             </a:fld>
             <a:endParaRPr lang="en-US"/>
           </a:p>
@@ -1199,7 +1201,7 @@
           <a:p>
             <a:fld id="{10AAF743-93D6-45F3-85F6-EC8C44D1CB99}" type="slidenum">
               <a:rPr lang="en-US" smtClean="0"/>
-              <a:t>4</a:t>
+              <a:t>5</a:t>
             </a:fld>
             <a:endParaRPr lang="en-US"/>
           </a:p>
@@ -1383,7 +1385,7 @@
           <a:p>
             <a:fld id="{10AAF743-93D6-45F3-85F6-EC8C44D1CB99}" type="slidenum">
               <a:rPr lang="en-US" smtClean="0"/>
-              <a:t>5</a:t>
+              <a:t>6</a:t>
             </a:fld>
             <a:endParaRPr lang="en-US"/>
           </a:p>
@@ -1594,7 +1596,7 @@
           <a:p>
             <a:fld id="{D8B804F8-A8DF-44BA-8C13-CCD935C20FB1}" type="datetimeFigureOut">
               <a:rPr lang="en-US" smtClean="0"/>
-              <a:t>6/25/2018</a:t>
+              <a:t>11/5/2018</a:t>
             </a:fld>
             <a:endParaRPr lang="en-US"/>
           </a:p>
@@ -1759,7 +1761,7 @@
           <a:p>
             <a:fld id="{D8B804F8-A8DF-44BA-8C13-CCD935C20FB1}" type="datetimeFigureOut">
               <a:rPr lang="en-US" smtClean="0"/>
-              <a:t>6/25/2018</a:t>
+              <a:t>11/5/2018</a:t>
             </a:fld>
             <a:endParaRPr lang="en-US"/>
           </a:p>
@@ -1934,7 +1936,7 @@
           <a:p>
             <a:fld id="{D8B804F8-A8DF-44BA-8C13-CCD935C20FB1}" type="datetimeFigureOut">
               <a:rPr lang="en-US" smtClean="0"/>
-              <a:t>6/25/2018</a:t>
+              <a:t>11/5/2018</a:t>
             </a:fld>
             <a:endParaRPr lang="en-US"/>
           </a:p>
@@ -1983,6 +1985,1703 @@
         </p:txBody>
       </p:sp>
     </p:spTree>
+  </p:cSld>
+  <p:clrMapOvr>
+    <a:masterClrMapping/>
+  </p:clrMapOvr>
+</p:sldLayout>
+</file>
+
+<file path=ppt/slideLayouts/slideLayout12.xml><?xml version="1.0" encoding="utf-8"?>
+<p:sldLayout xmlns:a="http://schemas.openxmlformats.org/drawingml/2006/main" xmlns:r="http://schemas.openxmlformats.org/officeDocument/2006/relationships" xmlns:p="http://schemas.openxmlformats.org/presentationml/2006/main" type="title" preserve="1">
+  <p:cSld name="Diapositive de titre">
+    <p:spTree>
+      <p:nvGrpSpPr>
+        <p:cNvPr id="1" name=""/>
+        <p:cNvGrpSpPr/>
+        <p:nvPr/>
+      </p:nvGrpSpPr>
+      <p:grpSpPr>
+        <a:xfrm>
+          <a:off x="0" y="0"/>
+          <a:ext cx="0" cy="0"/>
+          <a:chOff x="0" y="0"/>
+          <a:chExt cx="0" cy="0"/>
+        </a:xfrm>
+      </p:grpSpPr>
+      <p:sp>
+        <p:nvSpPr>
+          <p:cNvPr id="2" name="Titre 1"/>
+          <p:cNvSpPr>
+            <a:spLocks noGrp="1"/>
+          </p:cNvSpPr>
+          <p:nvPr>
+            <p:ph type="ctrTitle"/>
+          </p:nvPr>
+        </p:nvSpPr>
+        <p:spPr>
+          <a:xfrm>
+            <a:off x="1143000" y="1122363"/>
+            <a:ext cx="6858000" cy="2387600"/>
+          </a:xfrm>
+        </p:spPr>
+        <p:txBody>
+          <a:bodyPr anchor="b"/>
+          <a:lstStyle>
+            <a:lvl1pPr algn="ctr">
+              <a:defRPr sz="4500"/>
+            </a:lvl1pPr>
+          </a:lstStyle>
+          <a:p>
+            <a:r>
+              <a:rPr lang="fr-FR" smtClean="0"/>
+              <a:t>Modifiez le style du titre</a:t>
+            </a:r>
+            <a:endParaRPr lang="fr-FR"/>
+          </a:p>
+        </p:txBody>
+      </p:sp>
+      <p:sp>
+        <p:nvSpPr>
+          <p:cNvPr id="3" name="Sous-titre 2"/>
+          <p:cNvSpPr>
+            <a:spLocks noGrp="1"/>
+          </p:cNvSpPr>
+          <p:nvPr>
+            <p:ph type="subTitle" idx="1"/>
+          </p:nvPr>
+        </p:nvSpPr>
+        <p:spPr>
+          <a:xfrm>
+            <a:off x="1143000" y="3602038"/>
+            <a:ext cx="6858000" cy="1655762"/>
+          </a:xfrm>
+        </p:spPr>
+        <p:txBody>
+          <a:bodyPr/>
+          <a:lstStyle>
+            <a:lvl1pPr marL="0" indent="0" algn="ctr">
+              <a:buNone/>
+              <a:defRPr sz="1800"/>
+            </a:lvl1pPr>
+            <a:lvl2pPr marL="342900" indent="0" algn="ctr">
+              <a:buNone/>
+              <a:defRPr sz="1500"/>
+            </a:lvl2pPr>
+            <a:lvl3pPr marL="685800" indent="0" algn="ctr">
+              <a:buNone/>
+              <a:defRPr sz="1350"/>
+            </a:lvl3pPr>
+            <a:lvl4pPr marL="1028700" indent="0" algn="ctr">
+              <a:buNone/>
+              <a:defRPr sz="1200"/>
+            </a:lvl4pPr>
+            <a:lvl5pPr marL="1371600" indent="0" algn="ctr">
+              <a:buNone/>
+              <a:defRPr sz="1200"/>
+            </a:lvl5pPr>
+            <a:lvl6pPr marL="1714500" indent="0" algn="ctr">
+              <a:buNone/>
+              <a:defRPr sz="1200"/>
+            </a:lvl6pPr>
+            <a:lvl7pPr marL="2057400" indent="0" algn="ctr">
+              <a:buNone/>
+              <a:defRPr sz="1200"/>
+            </a:lvl7pPr>
+            <a:lvl8pPr marL="2400300" indent="0" algn="ctr">
+              <a:buNone/>
+              <a:defRPr sz="1200"/>
+            </a:lvl8pPr>
+            <a:lvl9pPr marL="2743200" indent="0" algn="ctr">
+              <a:buNone/>
+              <a:defRPr sz="1200"/>
+            </a:lvl9pPr>
+          </a:lstStyle>
+          <a:p>
+            <a:r>
+              <a:rPr lang="fr-FR" smtClean="0"/>
+              <a:t>Modifier le style des sous-titres du masque</a:t>
+            </a:r>
+            <a:endParaRPr lang="fr-FR"/>
+          </a:p>
+        </p:txBody>
+      </p:sp>
+      <p:sp>
+        <p:nvSpPr>
+          <p:cNvPr id="4" name="Espace réservé de la date 3"/>
+          <p:cNvSpPr>
+            <a:spLocks noGrp="1"/>
+          </p:cNvSpPr>
+          <p:nvPr>
+            <p:ph type="dt" sz="half" idx="10"/>
+          </p:nvPr>
+        </p:nvSpPr>
+        <p:spPr/>
+        <p:txBody>
+          <a:bodyPr/>
+          <a:lstStyle/>
+          <a:p>
+            <a:fld id="{D9697865-2158-46A4-A484-857B5D1D6248}" type="datetimeFigureOut">
+              <a:rPr lang="fr-FR" smtClean="0"/>
+              <a:t>05/11/2018</a:t>
+            </a:fld>
+            <a:endParaRPr lang="fr-FR"/>
+          </a:p>
+        </p:txBody>
+      </p:sp>
+      <p:sp>
+        <p:nvSpPr>
+          <p:cNvPr id="5" name="Espace réservé du pied de page 4"/>
+          <p:cNvSpPr>
+            <a:spLocks noGrp="1"/>
+          </p:cNvSpPr>
+          <p:nvPr>
+            <p:ph type="ftr" sz="quarter" idx="11"/>
+          </p:nvPr>
+        </p:nvSpPr>
+        <p:spPr/>
+        <p:txBody>
+          <a:bodyPr/>
+          <a:lstStyle/>
+          <a:p>
+            <a:endParaRPr lang="fr-FR"/>
+          </a:p>
+        </p:txBody>
+      </p:sp>
+      <p:sp>
+        <p:nvSpPr>
+          <p:cNvPr id="6" name="Espace réservé du numéro de diapositive 5"/>
+          <p:cNvSpPr>
+            <a:spLocks noGrp="1"/>
+          </p:cNvSpPr>
+          <p:nvPr>
+            <p:ph type="sldNum" sz="quarter" idx="12"/>
+          </p:nvPr>
+        </p:nvSpPr>
+        <p:spPr/>
+        <p:txBody>
+          <a:bodyPr/>
+          <a:lstStyle/>
+          <a:p>
+            <a:fld id="{EEE0B0DB-B4B1-4762-8DB0-A37ECFBEE8AD}" type="slidenum">
+              <a:rPr lang="fr-FR" smtClean="0"/>
+              <a:t>‹N°›</a:t>
+            </a:fld>
+            <a:endParaRPr lang="fr-FR"/>
+          </a:p>
+        </p:txBody>
+      </p:sp>
+    </p:spTree>
+    <p:extLst>
+      <p:ext uri="{BB962C8B-B14F-4D97-AF65-F5344CB8AC3E}">
+        <p14:creationId xmlns:p14="http://schemas.microsoft.com/office/powerpoint/2010/main" val="219797225"/>
+      </p:ext>
+    </p:extLst>
+  </p:cSld>
+  <p:clrMapOvr>
+    <a:masterClrMapping/>
+  </p:clrMapOvr>
+</p:sldLayout>
+</file>
+
+<file path=ppt/slideLayouts/slideLayout13.xml><?xml version="1.0" encoding="utf-8"?>
+<p:sldLayout xmlns:a="http://schemas.openxmlformats.org/drawingml/2006/main" xmlns:r="http://schemas.openxmlformats.org/officeDocument/2006/relationships" xmlns:p="http://schemas.openxmlformats.org/presentationml/2006/main" type="obj" preserve="1">
+  <p:cSld name="Titre et contenu">
+    <p:spTree>
+      <p:nvGrpSpPr>
+        <p:cNvPr id="1" name=""/>
+        <p:cNvGrpSpPr/>
+        <p:nvPr/>
+      </p:nvGrpSpPr>
+      <p:grpSpPr>
+        <a:xfrm>
+          <a:off x="0" y="0"/>
+          <a:ext cx="0" cy="0"/>
+          <a:chOff x="0" y="0"/>
+          <a:chExt cx="0" cy="0"/>
+        </a:xfrm>
+      </p:grpSpPr>
+      <p:sp>
+        <p:nvSpPr>
+          <p:cNvPr id="2" name="Titre 1"/>
+          <p:cNvSpPr>
+            <a:spLocks noGrp="1"/>
+          </p:cNvSpPr>
+          <p:nvPr>
+            <p:ph type="title"/>
+          </p:nvPr>
+        </p:nvSpPr>
+        <p:spPr/>
+        <p:txBody>
+          <a:bodyPr/>
+          <a:lstStyle/>
+          <a:p>
+            <a:r>
+              <a:rPr lang="fr-FR" smtClean="0"/>
+              <a:t>Modifiez le style du titre</a:t>
+            </a:r>
+            <a:endParaRPr lang="fr-FR"/>
+          </a:p>
+        </p:txBody>
+      </p:sp>
+      <p:sp>
+        <p:nvSpPr>
+          <p:cNvPr id="3" name="Espace réservé du contenu 2"/>
+          <p:cNvSpPr>
+            <a:spLocks noGrp="1"/>
+          </p:cNvSpPr>
+          <p:nvPr>
+            <p:ph idx="1"/>
+          </p:nvPr>
+        </p:nvSpPr>
+        <p:spPr/>
+        <p:txBody>
+          <a:bodyPr/>
+          <a:lstStyle/>
+          <a:p>
+            <a:pPr lvl="0"/>
+            <a:r>
+              <a:rPr lang="fr-FR" smtClean="0"/>
+              <a:t>Modifier les styles du texte du masque</a:t>
+            </a:r>
+          </a:p>
+          <a:p>
+            <a:pPr lvl="1"/>
+            <a:r>
+              <a:rPr lang="fr-FR" smtClean="0"/>
+              <a:t>Deuxième niveau</a:t>
+            </a:r>
+          </a:p>
+          <a:p>
+            <a:pPr lvl="2"/>
+            <a:r>
+              <a:rPr lang="fr-FR" smtClean="0"/>
+              <a:t>Troisième niveau</a:t>
+            </a:r>
+          </a:p>
+          <a:p>
+            <a:pPr lvl="3"/>
+            <a:r>
+              <a:rPr lang="fr-FR" smtClean="0"/>
+              <a:t>Quatrième niveau</a:t>
+            </a:r>
+          </a:p>
+          <a:p>
+            <a:pPr lvl="4"/>
+            <a:r>
+              <a:rPr lang="fr-FR" smtClean="0"/>
+              <a:t>Cinquième niveau</a:t>
+            </a:r>
+            <a:endParaRPr lang="fr-FR"/>
+          </a:p>
+        </p:txBody>
+      </p:sp>
+      <p:sp>
+        <p:nvSpPr>
+          <p:cNvPr id="4" name="Espace réservé de la date 3"/>
+          <p:cNvSpPr>
+            <a:spLocks noGrp="1"/>
+          </p:cNvSpPr>
+          <p:nvPr>
+            <p:ph type="dt" sz="half" idx="10"/>
+          </p:nvPr>
+        </p:nvSpPr>
+        <p:spPr/>
+        <p:txBody>
+          <a:bodyPr/>
+          <a:lstStyle/>
+          <a:p>
+            <a:fld id="{D9697865-2158-46A4-A484-857B5D1D6248}" type="datetimeFigureOut">
+              <a:rPr lang="fr-FR" smtClean="0"/>
+              <a:t>05/11/2018</a:t>
+            </a:fld>
+            <a:endParaRPr lang="fr-FR"/>
+          </a:p>
+        </p:txBody>
+      </p:sp>
+      <p:sp>
+        <p:nvSpPr>
+          <p:cNvPr id="5" name="Espace réservé du pied de page 4"/>
+          <p:cNvSpPr>
+            <a:spLocks noGrp="1"/>
+          </p:cNvSpPr>
+          <p:nvPr>
+            <p:ph type="ftr" sz="quarter" idx="11"/>
+          </p:nvPr>
+        </p:nvSpPr>
+        <p:spPr/>
+        <p:txBody>
+          <a:bodyPr/>
+          <a:lstStyle/>
+          <a:p>
+            <a:endParaRPr lang="fr-FR"/>
+          </a:p>
+        </p:txBody>
+      </p:sp>
+      <p:sp>
+        <p:nvSpPr>
+          <p:cNvPr id="6" name="Espace réservé du numéro de diapositive 5"/>
+          <p:cNvSpPr>
+            <a:spLocks noGrp="1"/>
+          </p:cNvSpPr>
+          <p:nvPr>
+            <p:ph type="sldNum" sz="quarter" idx="12"/>
+          </p:nvPr>
+        </p:nvSpPr>
+        <p:spPr/>
+        <p:txBody>
+          <a:bodyPr/>
+          <a:lstStyle/>
+          <a:p>
+            <a:fld id="{EEE0B0DB-B4B1-4762-8DB0-A37ECFBEE8AD}" type="slidenum">
+              <a:rPr lang="fr-FR" smtClean="0"/>
+              <a:t>‹N°›</a:t>
+            </a:fld>
+            <a:endParaRPr lang="fr-FR"/>
+          </a:p>
+        </p:txBody>
+      </p:sp>
+    </p:spTree>
+    <p:extLst>
+      <p:ext uri="{BB962C8B-B14F-4D97-AF65-F5344CB8AC3E}">
+        <p14:creationId xmlns:p14="http://schemas.microsoft.com/office/powerpoint/2010/main" val="1713678681"/>
+      </p:ext>
+    </p:extLst>
+  </p:cSld>
+  <p:clrMapOvr>
+    <a:masterClrMapping/>
+  </p:clrMapOvr>
+</p:sldLayout>
+</file>
+
+<file path=ppt/slideLayouts/slideLayout14.xml><?xml version="1.0" encoding="utf-8"?>
+<p:sldLayout xmlns:a="http://schemas.openxmlformats.org/drawingml/2006/main" xmlns:r="http://schemas.openxmlformats.org/officeDocument/2006/relationships" xmlns:p="http://schemas.openxmlformats.org/presentationml/2006/main" type="secHead" preserve="1">
+  <p:cSld name="Titre de section">
+    <p:spTree>
+      <p:nvGrpSpPr>
+        <p:cNvPr id="1" name=""/>
+        <p:cNvGrpSpPr/>
+        <p:nvPr/>
+      </p:nvGrpSpPr>
+      <p:grpSpPr>
+        <a:xfrm>
+          <a:off x="0" y="0"/>
+          <a:ext cx="0" cy="0"/>
+          <a:chOff x="0" y="0"/>
+          <a:chExt cx="0" cy="0"/>
+        </a:xfrm>
+      </p:grpSpPr>
+      <p:sp>
+        <p:nvSpPr>
+          <p:cNvPr id="2" name="Titre 1"/>
+          <p:cNvSpPr>
+            <a:spLocks noGrp="1"/>
+          </p:cNvSpPr>
+          <p:nvPr>
+            <p:ph type="title"/>
+          </p:nvPr>
+        </p:nvSpPr>
+        <p:spPr>
+          <a:xfrm>
+            <a:off x="623888" y="1709739"/>
+            <a:ext cx="7886700" cy="2852737"/>
+          </a:xfrm>
+        </p:spPr>
+        <p:txBody>
+          <a:bodyPr anchor="b"/>
+          <a:lstStyle>
+            <a:lvl1pPr>
+              <a:defRPr sz="4500"/>
+            </a:lvl1pPr>
+          </a:lstStyle>
+          <a:p>
+            <a:r>
+              <a:rPr lang="fr-FR" smtClean="0"/>
+              <a:t>Modifiez le style du titre</a:t>
+            </a:r>
+            <a:endParaRPr lang="fr-FR"/>
+          </a:p>
+        </p:txBody>
+      </p:sp>
+      <p:sp>
+        <p:nvSpPr>
+          <p:cNvPr id="3" name="Espace réservé du texte 2"/>
+          <p:cNvSpPr>
+            <a:spLocks noGrp="1"/>
+          </p:cNvSpPr>
+          <p:nvPr>
+            <p:ph type="body" idx="1"/>
+          </p:nvPr>
+        </p:nvSpPr>
+        <p:spPr>
+          <a:xfrm>
+            <a:off x="623888" y="4589464"/>
+            <a:ext cx="7886700" cy="1500187"/>
+          </a:xfrm>
+        </p:spPr>
+        <p:txBody>
+          <a:bodyPr/>
+          <a:lstStyle>
+            <a:lvl1pPr marL="0" indent="0">
+              <a:buNone/>
+              <a:defRPr sz="1800">
+                <a:solidFill>
+                  <a:schemeClr val="tx1">
+                    <a:tint val="75000"/>
+                  </a:schemeClr>
+                </a:solidFill>
+              </a:defRPr>
+            </a:lvl1pPr>
+            <a:lvl2pPr marL="342900" indent="0">
+              <a:buNone/>
+              <a:defRPr sz="1500">
+                <a:solidFill>
+                  <a:schemeClr val="tx1">
+                    <a:tint val="75000"/>
+                  </a:schemeClr>
+                </a:solidFill>
+              </a:defRPr>
+            </a:lvl2pPr>
+            <a:lvl3pPr marL="685800" indent="0">
+              <a:buNone/>
+              <a:defRPr sz="1350">
+                <a:solidFill>
+                  <a:schemeClr val="tx1">
+                    <a:tint val="75000"/>
+                  </a:schemeClr>
+                </a:solidFill>
+              </a:defRPr>
+            </a:lvl3pPr>
+            <a:lvl4pPr marL="1028700" indent="0">
+              <a:buNone/>
+              <a:defRPr sz="1200">
+                <a:solidFill>
+                  <a:schemeClr val="tx1">
+                    <a:tint val="75000"/>
+                  </a:schemeClr>
+                </a:solidFill>
+              </a:defRPr>
+            </a:lvl4pPr>
+            <a:lvl5pPr marL="1371600" indent="0">
+              <a:buNone/>
+              <a:defRPr sz="1200">
+                <a:solidFill>
+                  <a:schemeClr val="tx1">
+                    <a:tint val="75000"/>
+                  </a:schemeClr>
+                </a:solidFill>
+              </a:defRPr>
+            </a:lvl5pPr>
+            <a:lvl6pPr marL="1714500" indent="0">
+              <a:buNone/>
+              <a:defRPr sz="1200">
+                <a:solidFill>
+                  <a:schemeClr val="tx1">
+                    <a:tint val="75000"/>
+                  </a:schemeClr>
+                </a:solidFill>
+              </a:defRPr>
+            </a:lvl6pPr>
+            <a:lvl7pPr marL="2057400" indent="0">
+              <a:buNone/>
+              <a:defRPr sz="1200">
+                <a:solidFill>
+                  <a:schemeClr val="tx1">
+                    <a:tint val="75000"/>
+                  </a:schemeClr>
+                </a:solidFill>
+              </a:defRPr>
+            </a:lvl7pPr>
+            <a:lvl8pPr marL="2400300" indent="0">
+              <a:buNone/>
+              <a:defRPr sz="1200">
+                <a:solidFill>
+                  <a:schemeClr val="tx1">
+                    <a:tint val="75000"/>
+                  </a:schemeClr>
+                </a:solidFill>
+              </a:defRPr>
+            </a:lvl8pPr>
+            <a:lvl9pPr marL="2743200" indent="0">
+              <a:buNone/>
+              <a:defRPr sz="1200">
+                <a:solidFill>
+                  <a:schemeClr val="tx1">
+                    <a:tint val="75000"/>
+                  </a:schemeClr>
+                </a:solidFill>
+              </a:defRPr>
+            </a:lvl9pPr>
+          </a:lstStyle>
+          <a:p>
+            <a:pPr lvl="0"/>
+            <a:r>
+              <a:rPr lang="fr-FR" smtClean="0"/>
+              <a:t>Modifier les styles du texte du masque</a:t>
+            </a:r>
+          </a:p>
+        </p:txBody>
+      </p:sp>
+      <p:sp>
+        <p:nvSpPr>
+          <p:cNvPr id="4" name="Espace réservé de la date 3"/>
+          <p:cNvSpPr>
+            <a:spLocks noGrp="1"/>
+          </p:cNvSpPr>
+          <p:nvPr>
+            <p:ph type="dt" sz="half" idx="10"/>
+          </p:nvPr>
+        </p:nvSpPr>
+        <p:spPr/>
+        <p:txBody>
+          <a:bodyPr/>
+          <a:lstStyle/>
+          <a:p>
+            <a:fld id="{D9697865-2158-46A4-A484-857B5D1D6248}" type="datetimeFigureOut">
+              <a:rPr lang="fr-FR" smtClean="0"/>
+              <a:t>05/11/2018</a:t>
+            </a:fld>
+            <a:endParaRPr lang="fr-FR"/>
+          </a:p>
+        </p:txBody>
+      </p:sp>
+      <p:sp>
+        <p:nvSpPr>
+          <p:cNvPr id="5" name="Espace réservé du pied de page 4"/>
+          <p:cNvSpPr>
+            <a:spLocks noGrp="1"/>
+          </p:cNvSpPr>
+          <p:nvPr>
+            <p:ph type="ftr" sz="quarter" idx="11"/>
+          </p:nvPr>
+        </p:nvSpPr>
+        <p:spPr/>
+        <p:txBody>
+          <a:bodyPr/>
+          <a:lstStyle/>
+          <a:p>
+            <a:endParaRPr lang="fr-FR"/>
+          </a:p>
+        </p:txBody>
+      </p:sp>
+      <p:sp>
+        <p:nvSpPr>
+          <p:cNvPr id="6" name="Espace réservé du numéro de diapositive 5"/>
+          <p:cNvSpPr>
+            <a:spLocks noGrp="1"/>
+          </p:cNvSpPr>
+          <p:nvPr>
+            <p:ph type="sldNum" sz="quarter" idx="12"/>
+          </p:nvPr>
+        </p:nvSpPr>
+        <p:spPr/>
+        <p:txBody>
+          <a:bodyPr/>
+          <a:lstStyle/>
+          <a:p>
+            <a:fld id="{EEE0B0DB-B4B1-4762-8DB0-A37ECFBEE8AD}" type="slidenum">
+              <a:rPr lang="fr-FR" smtClean="0"/>
+              <a:t>‹N°›</a:t>
+            </a:fld>
+            <a:endParaRPr lang="fr-FR"/>
+          </a:p>
+        </p:txBody>
+      </p:sp>
+    </p:spTree>
+    <p:extLst>
+      <p:ext uri="{BB962C8B-B14F-4D97-AF65-F5344CB8AC3E}">
+        <p14:creationId xmlns:p14="http://schemas.microsoft.com/office/powerpoint/2010/main" val="3409492569"/>
+      </p:ext>
+    </p:extLst>
+  </p:cSld>
+  <p:clrMapOvr>
+    <a:masterClrMapping/>
+  </p:clrMapOvr>
+</p:sldLayout>
+</file>
+
+<file path=ppt/slideLayouts/slideLayout15.xml><?xml version="1.0" encoding="utf-8"?>
+<p:sldLayout xmlns:a="http://schemas.openxmlformats.org/drawingml/2006/main" xmlns:r="http://schemas.openxmlformats.org/officeDocument/2006/relationships" xmlns:p="http://schemas.openxmlformats.org/presentationml/2006/main" type="twoObj" preserve="1">
+  <p:cSld name="Deux contenus">
+    <p:spTree>
+      <p:nvGrpSpPr>
+        <p:cNvPr id="1" name=""/>
+        <p:cNvGrpSpPr/>
+        <p:nvPr/>
+      </p:nvGrpSpPr>
+      <p:grpSpPr>
+        <a:xfrm>
+          <a:off x="0" y="0"/>
+          <a:ext cx="0" cy="0"/>
+          <a:chOff x="0" y="0"/>
+          <a:chExt cx="0" cy="0"/>
+        </a:xfrm>
+      </p:grpSpPr>
+      <p:sp>
+        <p:nvSpPr>
+          <p:cNvPr id="2" name="Titre 1"/>
+          <p:cNvSpPr>
+            <a:spLocks noGrp="1"/>
+          </p:cNvSpPr>
+          <p:nvPr>
+            <p:ph type="title"/>
+          </p:nvPr>
+        </p:nvSpPr>
+        <p:spPr/>
+        <p:txBody>
+          <a:bodyPr/>
+          <a:lstStyle/>
+          <a:p>
+            <a:r>
+              <a:rPr lang="fr-FR" smtClean="0"/>
+              <a:t>Modifiez le style du titre</a:t>
+            </a:r>
+            <a:endParaRPr lang="fr-FR"/>
+          </a:p>
+        </p:txBody>
+      </p:sp>
+      <p:sp>
+        <p:nvSpPr>
+          <p:cNvPr id="3" name="Espace réservé du contenu 2"/>
+          <p:cNvSpPr>
+            <a:spLocks noGrp="1"/>
+          </p:cNvSpPr>
+          <p:nvPr>
+            <p:ph sz="half" idx="1"/>
+          </p:nvPr>
+        </p:nvSpPr>
+        <p:spPr>
+          <a:xfrm>
+            <a:off x="628650" y="1825625"/>
+            <a:ext cx="3886200" cy="4351338"/>
+          </a:xfrm>
+        </p:spPr>
+        <p:txBody>
+          <a:bodyPr/>
+          <a:lstStyle/>
+          <a:p>
+            <a:pPr lvl="0"/>
+            <a:r>
+              <a:rPr lang="fr-FR" smtClean="0"/>
+              <a:t>Modifier les styles du texte du masque</a:t>
+            </a:r>
+          </a:p>
+          <a:p>
+            <a:pPr lvl="1"/>
+            <a:r>
+              <a:rPr lang="fr-FR" smtClean="0"/>
+              <a:t>Deuxième niveau</a:t>
+            </a:r>
+          </a:p>
+          <a:p>
+            <a:pPr lvl="2"/>
+            <a:r>
+              <a:rPr lang="fr-FR" smtClean="0"/>
+              <a:t>Troisième niveau</a:t>
+            </a:r>
+          </a:p>
+          <a:p>
+            <a:pPr lvl="3"/>
+            <a:r>
+              <a:rPr lang="fr-FR" smtClean="0"/>
+              <a:t>Quatrième niveau</a:t>
+            </a:r>
+          </a:p>
+          <a:p>
+            <a:pPr lvl="4"/>
+            <a:r>
+              <a:rPr lang="fr-FR" smtClean="0"/>
+              <a:t>Cinquième niveau</a:t>
+            </a:r>
+            <a:endParaRPr lang="fr-FR"/>
+          </a:p>
+        </p:txBody>
+      </p:sp>
+      <p:sp>
+        <p:nvSpPr>
+          <p:cNvPr id="4" name="Espace réservé du contenu 3"/>
+          <p:cNvSpPr>
+            <a:spLocks noGrp="1"/>
+          </p:cNvSpPr>
+          <p:nvPr>
+            <p:ph sz="half" idx="2"/>
+          </p:nvPr>
+        </p:nvSpPr>
+        <p:spPr>
+          <a:xfrm>
+            <a:off x="4629150" y="1825625"/>
+            <a:ext cx="3886200" cy="4351338"/>
+          </a:xfrm>
+        </p:spPr>
+        <p:txBody>
+          <a:bodyPr/>
+          <a:lstStyle/>
+          <a:p>
+            <a:pPr lvl="0"/>
+            <a:r>
+              <a:rPr lang="fr-FR" smtClean="0"/>
+              <a:t>Modifier les styles du texte du masque</a:t>
+            </a:r>
+          </a:p>
+          <a:p>
+            <a:pPr lvl="1"/>
+            <a:r>
+              <a:rPr lang="fr-FR" smtClean="0"/>
+              <a:t>Deuxième niveau</a:t>
+            </a:r>
+          </a:p>
+          <a:p>
+            <a:pPr lvl="2"/>
+            <a:r>
+              <a:rPr lang="fr-FR" smtClean="0"/>
+              <a:t>Troisième niveau</a:t>
+            </a:r>
+          </a:p>
+          <a:p>
+            <a:pPr lvl="3"/>
+            <a:r>
+              <a:rPr lang="fr-FR" smtClean="0"/>
+              <a:t>Quatrième niveau</a:t>
+            </a:r>
+          </a:p>
+          <a:p>
+            <a:pPr lvl="4"/>
+            <a:r>
+              <a:rPr lang="fr-FR" smtClean="0"/>
+              <a:t>Cinquième niveau</a:t>
+            </a:r>
+            <a:endParaRPr lang="fr-FR"/>
+          </a:p>
+        </p:txBody>
+      </p:sp>
+      <p:sp>
+        <p:nvSpPr>
+          <p:cNvPr id="5" name="Espace réservé de la date 4"/>
+          <p:cNvSpPr>
+            <a:spLocks noGrp="1"/>
+          </p:cNvSpPr>
+          <p:nvPr>
+            <p:ph type="dt" sz="half" idx="10"/>
+          </p:nvPr>
+        </p:nvSpPr>
+        <p:spPr/>
+        <p:txBody>
+          <a:bodyPr/>
+          <a:lstStyle/>
+          <a:p>
+            <a:fld id="{D9697865-2158-46A4-A484-857B5D1D6248}" type="datetimeFigureOut">
+              <a:rPr lang="fr-FR" smtClean="0"/>
+              <a:t>05/11/2018</a:t>
+            </a:fld>
+            <a:endParaRPr lang="fr-FR"/>
+          </a:p>
+        </p:txBody>
+      </p:sp>
+      <p:sp>
+        <p:nvSpPr>
+          <p:cNvPr id="6" name="Espace réservé du pied de page 5"/>
+          <p:cNvSpPr>
+            <a:spLocks noGrp="1"/>
+          </p:cNvSpPr>
+          <p:nvPr>
+            <p:ph type="ftr" sz="quarter" idx="11"/>
+          </p:nvPr>
+        </p:nvSpPr>
+        <p:spPr/>
+        <p:txBody>
+          <a:bodyPr/>
+          <a:lstStyle/>
+          <a:p>
+            <a:endParaRPr lang="fr-FR"/>
+          </a:p>
+        </p:txBody>
+      </p:sp>
+      <p:sp>
+        <p:nvSpPr>
+          <p:cNvPr id="7" name="Espace réservé du numéro de diapositive 6"/>
+          <p:cNvSpPr>
+            <a:spLocks noGrp="1"/>
+          </p:cNvSpPr>
+          <p:nvPr>
+            <p:ph type="sldNum" sz="quarter" idx="12"/>
+          </p:nvPr>
+        </p:nvSpPr>
+        <p:spPr/>
+        <p:txBody>
+          <a:bodyPr/>
+          <a:lstStyle/>
+          <a:p>
+            <a:fld id="{EEE0B0DB-B4B1-4762-8DB0-A37ECFBEE8AD}" type="slidenum">
+              <a:rPr lang="fr-FR" smtClean="0"/>
+              <a:t>‹N°›</a:t>
+            </a:fld>
+            <a:endParaRPr lang="fr-FR"/>
+          </a:p>
+        </p:txBody>
+      </p:sp>
+    </p:spTree>
+    <p:extLst>
+      <p:ext uri="{BB962C8B-B14F-4D97-AF65-F5344CB8AC3E}">
+        <p14:creationId xmlns:p14="http://schemas.microsoft.com/office/powerpoint/2010/main" val="2363869423"/>
+      </p:ext>
+    </p:extLst>
+  </p:cSld>
+  <p:clrMapOvr>
+    <a:masterClrMapping/>
+  </p:clrMapOvr>
+</p:sldLayout>
+</file>
+
+<file path=ppt/slideLayouts/slideLayout16.xml><?xml version="1.0" encoding="utf-8"?>
+<p:sldLayout xmlns:a="http://schemas.openxmlformats.org/drawingml/2006/main" xmlns:r="http://schemas.openxmlformats.org/officeDocument/2006/relationships" xmlns:p="http://schemas.openxmlformats.org/presentationml/2006/main" type="twoTxTwoObj" preserve="1">
+  <p:cSld name="Comparaison">
+    <p:spTree>
+      <p:nvGrpSpPr>
+        <p:cNvPr id="1" name=""/>
+        <p:cNvGrpSpPr/>
+        <p:nvPr/>
+      </p:nvGrpSpPr>
+      <p:grpSpPr>
+        <a:xfrm>
+          <a:off x="0" y="0"/>
+          <a:ext cx="0" cy="0"/>
+          <a:chOff x="0" y="0"/>
+          <a:chExt cx="0" cy="0"/>
+        </a:xfrm>
+      </p:grpSpPr>
+      <p:sp>
+        <p:nvSpPr>
+          <p:cNvPr id="2" name="Titre 1"/>
+          <p:cNvSpPr>
+            <a:spLocks noGrp="1"/>
+          </p:cNvSpPr>
+          <p:nvPr>
+            <p:ph type="title"/>
+          </p:nvPr>
+        </p:nvSpPr>
+        <p:spPr>
+          <a:xfrm>
+            <a:off x="629841" y="365126"/>
+            <a:ext cx="7886700" cy="1325563"/>
+          </a:xfrm>
+        </p:spPr>
+        <p:txBody>
+          <a:bodyPr/>
+          <a:lstStyle/>
+          <a:p>
+            <a:r>
+              <a:rPr lang="fr-FR" smtClean="0"/>
+              <a:t>Modifiez le style du titre</a:t>
+            </a:r>
+            <a:endParaRPr lang="fr-FR"/>
+          </a:p>
+        </p:txBody>
+      </p:sp>
+      <p:sp>
+        <p:nvSpPr>
+          <p:cNvPr id="3" name="Espace réservé du texte 2"/>
+          <p:cNvSpPr>
+            <a:spLocks noGrp="1"/>
+          </p:cNvSpPr>
+          <p:nvPr>
+            <p:ph type="body" idx="1"/>
+          </p:nvPr>
+        </p:nvSpPr>
+        <p:spPr>
+          <a:xfrm>
+            <a:off x="629842" y="1681163"/>
+            <a:ext cx="3868340" cy="823912"/>
+          </a:xfrm>
+        </p:spPr>
+        <p:txBody>
+          <a:bodyPr anchor="b"/>
+          <a:lstStyle>
+            <a:lvl1pPr marL="0" indent="0">
+              <a:buNone/>
+              <a:defRPr sz="1800" b="1"/>
+            </a:lvl1pPr>
+            <a:lvl2pPr marL="342900" indent="0">
+              <a:buNone/>
+              <a:defRPr sz="1500" b="1"/>
+            </a:lvl2pPr>
+            <a:lvl3pPr marL="685800" indent="0">
+              <a:buNone/>
+              <a:defRPr sz="1350" b="1"/>
+            </a:lvl3pPr>
+            <a:lvl4pPr marL="1028700" indent="0">
+              <a:buNone/>
+              <a:defRPr sz="1200" b="1"/>
+            </a:lvl4pPr>
+            <a:lvl5pPr marL="1371600" indent="0">
+              <a:buNone/>
+              <a:defRPr sz="1200" b="1"/>
+            </a:lvl5pPr>
+            <a:lvl6pPr marL="1714500" indent="0">
+              <a:buNone/>
+              <a:defRPr sz="1200" b="1"/>
+            </a:lvl6pPr>
+            <a:lvl7pPr marL="2057400" indent="0">
+              <a:buNone/>
+              <a:defRPr sz="1200" b="1"/>
+            </a:lvl7pPr>
+            <a:lvl8pPr marL="2400300" indent="0">
+              <a:buNone/>
+              <a:defRPr sz="1200" b="1"/>
+            </a:lvl8pPr>
+            <a:lvl9pPr marL="2743200" indent="0">
+              <a:buNone/>
+              <a:defRPr sz="1200" b="1"/>
+            </a:lvl9pPr>
+          </a:lstStyle>
+          <a:p>
+            <a:pPr lvl="0"/>
+            <a:r>
+              <a:rPr lang="fr-FR" smtClean="0"/>
+              <a:t>Modifier les styles du texte du masque</a:t>
+            </a:r>
+          </a:p>
+        </p:txBody>
+      </p:sp>
+      <p:sp>
+        <p:nvSpPr>
+          <p:cNvPr id="4" name="Espace réservé du contenu 3"/>
+          <p:cNvSpPr>
+            <a:spLocks noGrp="1"/>
+          </p:cNvSpPr>
+          <p:nvPr>
+            <p:ph sz="half" idx="2"/>
+          </p:nvPr>
+        </p:nvSpPr>
+        <p:spPr>
+          <a:xfrm>
+            <a:off x="629842" y="2505075"/>
+            <a:ext cx="3868340" cy="3684588"/>
+          </a:xfrm>
+        </p:spPr>
+        <p:txBody>
+          <a:bodyPr/>
+          <a:lstStyle/>
+          <a:p>
+            <a:pPr lvl="0"/>
+            <a:r>
+              <a:rPr lang="fr-FR" smtClean="0"/>
+              <a:t>Modifier les styles du texte du masque</a:t>
+            </a:r>
+          </a:p>
+          <a:p>
+            <a:pPr lvl="1"/>
+            <a:r>
+              <a:rPr lang="fr-FR" smtClean="0"/>
+              <a:t>Deuxième niveau</a:t>
+            </a:r>
+          </a:p>
+          <a:p>
+            <a:pPr lvl="2"/>
+            <a:r>
+              <a:rPr lang="fr-FR" smtClean="0"/>
+              <a:t>Troisième niveau</a:t>
+            </a:r>
+          </a:p>
+          <a:p>
+            <a:pPr lvl="3"/>
+            <a:r>
+              <a:rPr lang="fr-FR" smtClean="0"/>
+              <a:t>Quatrième niveau</a:t>
+            </a:r>
+          </a:p>
+          <a:p>
+            <a:pPr lvl="4"/>
+            <a:r>
+              <a:rPr lang="fr-FR" smtClean="0"/>
+              <a:t>Cinquième niveau</a:t>
+            </a:r>
+            <a:endParaRPr lang="fr-FR"/>
+          </a:p>
+        </p:txBody>
+      </p:sp>
+      <p:sp>
+        <p:nvSpPr>
+          <p:cNvPr id="5" name="Espace réservé du texte 4"/>
+          <p:cNvSpPr>
+            <a:spLocks noGrp="1"/>
+          </p:cNvSpPr>
+          <p:nvPr>
+            <p:ph type="body" sz="quarter" idx="3"/>
+          </p:nvPr>
+        </p:nvSpPr>
+        <p:spPr>
+          <a:xfrm>
+            <a:off x="4629150" y="1681163"/>
+            <a:ext cx="3887391" cy="823912"/>
+          </a:xfrm>
+        </p:spPr>
+        <p:txBody>
+          <a:bodyPr anchor="b"/>
+          <a:lstStyle>
+            <a:lvl1pPr marL="0" indent="0">
+              <a:buNone/>
+              <a:defRPr sz="1800" b="1"/>
+            </a:lvl1pPr>
+            <a:lvl2pPr marL="342900" indent="0">
+              <a:buNone/>
+              <a:defRPr sz="1500" b="1"/>
+            </a:lvl2pPr>
+            <a:lvl3pPr marL="685800" indent="0">
+              <a:buNone/>
+              <a:defRPr sz="1350" b="1"/>
+            </a:lvl3pPr>
+            <a:lvl4pPr marL="1028700" indent="0">
+              <a:buNone/>
+              <a:defRPr sz="1200" b="1"/>
+            </a:lvl4pPr>
+            <a:lvl5pPr marL="1371600" indent="0">
+              <a:buNone/>
+              <a:defRPr sz="1200" b="1"/>
+            </a:lvl5pPr>
+            <a:lvl6pPr marL="1714500" indent="0">
+              <a:buNone/>
+              <a:defRPr sz="1200" b="1"/>
+            </a:lvl6pPr>
+            <a:lvl7pPr marL="2057400" indent="0">
+              <a:buNone/>
+              <a:defRPr sz="1200" b="1"/>
+            </a:lvl7pPr>
+            <a:lvl8pPr marL="2400300" indent="0">
+              <a:buNone/>
+              <a:defRPr sz="1200" b="1"/>
+            </a:lvl8pPr>
+            <a:lvl9pPr marL="2743200" indent="0">
+              <a:buNone/>
+              <a:defRPr sz="1200" b="1"/>
+            </a:lvl9pPr>
+          </a:lstStyle>
+          <a:p>
+            <a:pPr lvl="0"/>
+            <a:r>
+              <a:rPr lang="fr-FR" smtClean="0"/>
+              <a:t>Modifier les styles du texte du masque</a:t>
+            </a:r>
+          </a:p>
+        </p:txBody>
+      </p:sp>
+      <p:sp>
+        <p:nvSpPr>
+          <p:cNvPr id="6" name="Espace réservé du contenu 5"/>
+          <p:cNvSpPr>
+            <a:spLocks noGrp="1"/>
+          </p:cNvSpPr>
+          <p:nvPr>
+            <p:ph sz="quarter" idx="4"/>
+          </p:nvPr>
+        </p:nvSpPr>
+        <p:spPr>
+          <a:xfrm>
+            <a:off x="4629150" y="2505075"/>
+            <a:ext cx="3887391" cy="3684588"/>
+          </a:xfrm>
+        </p:spPr>
+        <p:txBody>
+          <a:bodyPr/>
+          <a:lstStyle/>
+          <a:p>
+            <a:pPr lvl="0"/>
+            <a:r>
+              <a:rPr lang="fr-FR" smtClean="0"/>
+              <a:t>Modifier les styles du texte du masque</a:t>
+            </a:r>
+          </a:p>
+          <a:p>
+            <a:pPr lvl="1"/>
+            <a:r>
+              <a:rPr lang="fr-FR" smtClean="0"/>
+              <a:t>Deuxième niveau</a:t>
+            </a:r>
+          </a:p>
+          <a:p>
+            <a:pPr lvl="2"/>
+            <a:r>
+              <a:rPr lang="fr-FR" smtClean="0"/>
+              <a:t>Troisième niveau</a:t>
+            </a:r>
+          </a:p>
+          <a:p>
+            <a:pPr lvl="3"/>
+            <a:r>
+              <a:rPr lang="fr-FR" smtClean="0"/>
+              <a:t>Quatrième niveau</a:t>
+            </a:r>
+          </a:p>
+          <a:p>
+            <a:pPr lvl="4"/>
+            <a:r>
+              <a:rPr lang="fr-FR" smtClean="0"/>
+              <a:t>Cinquième niveau</a:t>
+            </a:r>
+            <a:endParaRPr lang="fr-FR"/>
+          </a:p>
+        </p:txBody>
+      </p:sp>
+      <p:sp>
+        <p:nvSpPr>
+          <p:cNvPr id="7" name="Espace réservé de la date 6"/>
+          <p:cNvSpPr>
+            <a:spLocks noGrp="1"/>
+          </p:cNvSpPr>
+          <p:nvPr>
+            <p:ph type="dt" sz="half" idx="10"/>
+          </p:nvPr>
+        </p:nvSpPr>
+        <p:spPr/>
+        <p:txBody>
+          <a:bodyPr/>
+          <a:lstStyle/>
+          <a:p>
+            <a:fld id="{D9697865-2158-46A4-A484-857B5D1D6248}" type="datetimeFigureOut">
+              <a:rPr lang="fr-FR" smtClean="0"/>
+              <a:t>05/11/2018</a:t>
+            </a:fld>
+            <a:endParaRPr lang="fr-FR"/>
+          </a:p>
+        </p:txBody>
+      </p:sp>
+      <p:sp>
+        <p:nvSpPr>
+          <p:cNvPr id="8" name="Espace réservé du pied de page 7"/>
+          <p:cNvSpPr>
+            <a:spLocks noGrp="1"/>
+          </p:cNvSpPr>
+          <p:nvPr>
+            <p:ph type="ftr" sz="quarter" idx="11"/>
+          </p:nvPr>
+        </p:nvSpPr>
+        <p:spPr/>
+        <p:txBody>
+          <a:bodyPr/>
+          <a:lstStyle/>
+          <a:p>
+            <a:endParaRPr lang="fr-FR"/>
+          </a:p>
+        </p:txBody>
+      </p:sp>
+      <p:sp>
+        <p:nvSpPr>
+          <p:cNvPr id="9" name="Espace réservé du numéro de diapositive 8"/>
+          <p:cNvSpPr>
+            <a:spLocks noGrp="1"/>
+          </p:cNvSpPr>
+          <p:nvPr>
+            <p:ph type="sldNum" sz="quarter" idx="12"/>
+          </p:nvPr>
+        </p:nvSpPr>
+        <p:spPr/>
+        <p:txBody>
+          <a:bodyPr/>
+          <a:lstStyle/>
+          <a:p>
+            <a:fld id="{EEE0B0DB-B4B1-4762-8DB0-A37ECFBEE8AD}" type="slidenum">
+              <a:rPr lang="fr-FR" smtClean="0"/>
+              <a:t>‹N°›</a:t>
+            </a:fld>
+            <a:endParaRPr lang="fr-FR"/>
+          </a:p>
+        </p:txBody>
+      </p:sp>
+    </p:spTree>
+    <p:extLst>
+      <p:ext uri="{BB962C8B-B14F-4D97-AF65-F5344CB8AC3E}">
+        <p14:creationId xmlns:p14="http://schemas.microsoft.com/office/powerpoint/2010/main" val="3239808653"/>
+      </p:ext>
+    </p:extLst>
+  </p:cSld>
+  <p:clrMapOvr>
+    <a:masterClrMapping/>
+  </p:clrMapOvr>
+</p:sldLayout>
+</file>
+
+<file path=ppt/slideLayouts/slideLayout17.xml><?xml version="1.0" encoding="utf-8"?>
+<p:sldLayout xmlns:a="http://schemas.openxmlformats.org/drawingml/2006/main" xmlns:r="http://schemas.openxmlformats.org/officeDocument/2006/relationships" xmlns:p="http://schemas.openxmlformats.org/presentationml/2006/main" type="titleOnly" preserve="1">
+  <p:cSld name="Titre seul">
+    <p:spTree>
+      <p:nvGrpSpPr>
+        <p:cNvPr id="1" name=""/>
+        <p:cNvGrpSpPr/>
+        <p:nvPr/>
+      </p:nvGrpSpPr>
+      <p:grpSpPr>
+        <a:xfrm>
+          <a:off x="0" y="0"/>
+          <a:ext cx="0" cy="0"/>
+          <a:chOff x="0" y="0"/>
+          <a:chExt cx="0" cy="0"/>
+        </a:xfrm>
+      </p:grpSpPr>
+      <p:sp>
+        <p:nvSpPr>
+          <p:cNvPr id="2" name="Titre 1"/>
+          <p:cNvSpPr>
+            <a:spLocks noGrp="1"/>
+          </p:cNvSpPr>
+          <p:nvPr>
+            <p:ph type="title"/>
+          </p:nvPr>
+        </p:nvSpPr>
+        <p:spPr/>
+        <p:txBody>
+          <a:bodyPr/>
+          <a:lstStyle/>
+          <a:p>
+            <a:r>
+              <a:rPr lang="fr-FR" smtClean="0"/>
+              <a:t>Modifiez le style du titre</a:t>
+            </a:r>
+            <a:endParaRPr lang="fr-FR"/>
+          </a:p>
+        </p:txBody>
+      </p:sp>
+      <p:sp>
+        <p:nvSpPr>
+          <p:cNvPr id="3" name="Espace réservé de la date 2"/>
+          <p:cNvSpPr>
+            <a:spLocks noGrp="1"/>
+          </p:cNvSpPr>
+          <p:nvPr>
+            <p:ph type="dt" sz="half" idx="10"/>
+          </p:nvPr>
+        </p:nvSpPr>
+        <p:spPr/>
+        <p:txBody>
+          <a:bodyPr/>
+          <a:lstStyle/>
+          <a:p>
+            <a:fld id="{D9697865-2158-46A4-A484-857B5D1D6248}" type="datetimeFigureOut">
+              <a:rPr lang="fr-FR" smtClean="0"/>
+              <a:t>05/11/2018</a:t>
+            </a:fld>
+            <a:endParaRPr lang="fr-FR"/>
+          </a:p>
+        </p:txBody>
+      </p:sp>
+      <p:sp>
+        <p:nvSpPr>
+          <p:cNvPr id="4" name="Espace réservé du pied de page 3"/>
+          <p:cNvSpPr>
+            <a:spLocks noGrp="1"/>
+          </p:cNvSpPr>
+          <p:nvPr>
+            <p:ph type="ftr" sz="quarter" idx="11"/>
+          </p:nvPr>
+        </p:nvSpPr>
+        <p:spPr/>
+        <p:txBody>
+          <a:bodyPr/>
+          <a:lstStyle/>
+          <a:p>
+            <a:endParaRPr lang="fr-FR"/>
+          </a:p>
+        </p:txBody>
+      </p:sp>
+      <p:sp>
+        <p:nvSpPr>
+          <p:cNvPr id="5" name="Espace réservé du numéro de diapositive 4"/>
+          <p:cNvSpPr>
+            <a:spLocks noGrp="1"/>
+          </p:cNvSpPr>
+          <p:nvPr>
+            <p:ph type="sldNum" sz="quarter" idx="12"/>
+          </p:nvPr>
+        </p:nvSpPr>
+        <p:spPr/>
+        <p:txBody>
+          <a:bodyPr/>
+          <a:lstStyle/>
+          <a:p>
+            <a:fld id="{EEE0B0DB-B4B1-4762-8DB0-A37ECFBEE8AD}" type="slidenum">
+              <a:rPr lang="fr-FR" smtClean="0"/>
+              <a:t>‹N°›</a:t>
+            </a:fld>
+            <a:endParaRPr lang="fr-FR"/>
+          </a:p>
+        </p:txBody>
+      </p:sp>
+    </p:spTree>
+    <p:extLst>
+      <p:ext uri="{BB962C8B-B14F-4D97-AF65-F5344CB8AC3E}">
+        <p14:creationId xmlns:p14="http://schemas.microsoft.com/office/powerpoint/2010/main" val="737938065"/>
+      </p:ext>
+    </p:extLst>
+  </p:cSld>
+  <p:clrMapOvr>
+    <a:masterClrMapping/>
+  </p:clrMapOvr>
+</p:sldLayout>
+</file>
+
+<file path=ppt/slideLayouts/slideLayout18.xml><?xml version="1.0" encoding="utf-8"?>
+<p:sldLayout xmlns:a="http://schemas.openxmlformats.org/drawingml/2006/main" xmlns:r="http://schemas.openxmlformats.org/officeDocument/2006/relationships" xmlns:p="http://schemas.openxmlformats.org/presentationml/2006/main" type="blank" preserve="1">
+  <p:cSld name="Vide">
+    <p:spTree>
+      <p:nvGrpSpPr>
+        <p:cNvPr id="1" name=""/>
+        <p:cNvGrpSpPr/>
+        <p:nvPr/>
+      </p:nvGrpSpPr>
+      <p:grpSpPr>
+        <a:xfrm>
+          <a:off x="0" y="0"/>
+          <a:ext cx="0" cy="0"/>
+          <a:chOff x="0" y="0"/>
+          <a:chExt cx="0" cy="0"/>
+        </a:xfrm>
+      </p:grpSpPr>
+      <p:sp>
+        <p:nvSpPr>
+          <p:cNvPr id="2" name="Espace réservé de la date 1"/>
+          <p:cNvSpPr>
+            <a:spLocks noGrp="1"/>
+          </p:cNvSpPr>
+          <p:nvPr>
+            <p:ph type="dt" sz="half" idx="10"/>
+          </p:nvPr>
+        </p:nvSpPr>
+        <p:spPr/>
+        <p:txBody>
+          <a:bodyPr/>
+          <a:lstStyle/>
+          <a:p>
+            <a:fld id="{D9697865-2158-46A4-A484-857B5D1D6248}" type="datetimeFigureOut">
+              <a:rPr lang="fr-FR" smtClean="0"/>
+              <a:t>05/11/2018</a:t>
+            </a:fld>
+            <a:endParaRPr lang="fr-FR"/>
+          </a:p>
+        </p:txBody>
+      </p:sp>
+      <p:sp>
+        <p:nvSpPr>
+          <p:cNvPr id="3" name="Espace réservé du pied de page 2"/>
+          <p:cNvSpPr>
+            <a:spLocks noGrp="1"/>
+          </p:cNvSpPr>
+          <p:nvPr>
+            <p:ph type="ftr" sz="quarter" idx="11"/>
+          </p:nvPr>
+        </p:nvSpPr>
+        <p:spPr/>
+        <p:txBody>
+          <a:bodyPr/>
+          <a:lstStyle/>
+          <a:p>
+            <a:endParaRPr lang="fr-FR"/>
+          </a:p>
+        </p:txBody>
+      </p:sp>
+      <p:sp>
+        <p:nvSpPr>
+          <p:cNvPr id="4" name="Espace réservé du numéro de diapositive 3"/>
+          <p:cNvSpPr>
+            <a:spLocks noGrp="1"/>
+          </p:cNvSpPr>
+          <p:nvPr>
+            <p:ph type="sldNum" sz="quarter" idx="12"/>
+          </p:nvPr>
+        </p:nvSpPr>
+        <p:spPr/>
+        <p:txBody>
+          <a:bodyPr/>
+          <a:lstStyle/>
+          <a:p>
+            <a:fld id="{EEE0B0DB-B4B1-4762-8DB0-A37ECFBEE8AD}" type="slidenum">
+              <a:rPr lang="fr-FR" smtClean="0"/>
+              <a:t>‹N°›</a:t>
+            </a:fld>
+            <a:endParaRPr lang="fr-FR"/>
+          </a:p>
+        </p:txBody>
+      </p:sp>
+    </p:spTree>
+    <p:extLst>
+      <p:ext uri="{BB962C8B-B14F-4D97-AF65-F5344CB8AC3E}">
+        <p14:creationId xmlns:p14="http://schemas.microsoft.com/office/powerpoint/2010/main" val="3779216068"/>
+      </p:ext>
+    </p:extLst>
+  </p:cSld>
+  <p:clrMapOvr>
+    <a:masterClrMapping/>
+  </p:clrMapOvr>
+</p:sldLayout>
+</file>
+
+<file path=ppt/slideLayouts/slideLayout19.xml><?xml version="1.0" encoding="utf-8"?>
+<p:sldLayout xmlns:a="http://schemas.openxmlformats.org/drawingml/2006/main" xmlns:r="http://schemas.openxmlformats.org/officeDocument/2006/relationships" xmlns:p="http://schemas.openxmlformats.org/presentationml/2006/main" type="objTx" preserve="1">
+  <p:cSld name="Contenu avec légende">
+    <p:spTree>
+      <p:nvGrpSpPr>
+        <p:cNvPr id="1" name=""/>
+        <p:cNvGrpSpPr/>
+        <p:nvPr/>
+      </p:nvGrpSpPr>
+      <p:grpSpPr>
+        <a:xfrm>
+          <a:off x="0" y="0"/>
+          <a:ext cx="0" cy="0"/>
+          <a:chOff x="0" y="0"/>
+          <a:chExt cx="0" cy="0"/>
+        </a:xfrm>
+      </p:grpSpPr>
+      <p:sp>
+        <p:nvSpPr>
+          <p:cNvPr id="2" name="Titre 1"/>
+          <p:cNvSpPr>
+            <a:spLocks noGrp="1"/>
+          </p:cNvSpPr>
+          <p:nvPr>
+            <p:ph type="title"/>
+          </p:nvPr>
+        </p:nvSpPr>
+        <p:spPr>
+          <a:xfrm>
+            <a:off x="629841" y="457200"/>
+            <a:ext cx="2949178" cy="1600200"/>
+          </a:xfrm>
+        </p:spPr>
+        <p:txBody>
+          <a:bodyPr anchor="b"/>
+          <a:lstStyle>
+            <a:lvl1pPr>
+              <a:defRPr sz="2400"/>
+            </a:lvl1pPr>
+          </a:lstStyle>
+          <a:p>
+            <a:r>
+              <a:rPr lang="fr-FR" smtClean="0"/>
+              <a:t>Modifiez le style du titre</a:t>
+            </a:r>
+            <a:endParaRPr lang="fr-FR"/>
+          </a:p>
+        </p:txBody>
+      </p:sp>
+      <p:sp>
+        <p:nvSpPr>
+          <p:cNvPr id="3" name="Espace réservé du contenu 2"/>
+          <p:cNvSpPr>
+            <a:spLocks noGrp="1"/>
+          </p:cNvSpPr>
+          <p:nvPr>
+            <p:ph idx="1"/>
+          </p:nvPr>
+        </p:nvSpPr>
+        <p:spPr>
+          <a:xfrm>
+            <a:off x="3887391" y="987426"/>
+            <a:ext cx="4629150" cy="4873625"/>
+          </a:xfrm>
+        </p:spPr>
+        <p:txBody>
+          <a:bodyPr/>
+          <a:lstStyle>
+            <a:lvl1pPr>
+              <a:defRPr sz="2400"/>
+            </a:lvl1pPr>
+            <a:lvl2pPr>
+              <a:defRPr sz="2100"/>
+            </a:lvl2pPr>
+            <a:lvl3pPr>
+              <a:defRPr sz="1800"/>
+            </a:lvl3pPr>
+            <a:lvl4pPr>
+              <a:defRPr sz="1500"/>
+            </a:lvl4pPr>
+            <a:lvl5pPr>
+              <a:defRPr sz="1500"/>
+            </a:lvl5pPr>
+            <a:lvl6pPr>
+              <a:defRPr sz="1500"/>
+            </a:lvl6pPr>
+            <a:lvl7pPr>
+              <a:defRPr sz="1500"/>
+            </a:lvl7pPr>
+            <a:lvl8pPr>
+              <a:defRPr sz="1500"/>
+            </a:lvl8pPr>
+            <a:lvl9pPr>
+              <a:defRPr sz="1500"/>
+            </a:lvl9pPr>
+          </a:lstStyle>
+          <a:p>
+            <a:pPr lvl="0"/>
+            <a:r>
+              <a:rPr lang="fr-FR" smtClean="0"/>
+              <a:t>Modifier les styles du texte du masque</a:t>
+            </a:r>
+          </a:p>
+          <a:p>
+            <a:pPr lvl="1"/>
+            <a:r>
+              <a:rPr lang="fr-FR" smtClean="0"/>
+              <a:t>Deuxième niveau</a:t>
+            </a:r>
+          </a:p>
+          <a:p>
+            <a:pPr lvl="2"/>
+            <a:r>
+              <a:rPr lang="fr-FR" smtClean="0"/>
+              <a:t>Troisième niveau</a:t>
+            </a:r>
+          </a:p>
+          <a:p>
+            <a:pPr lvl="3"/>
+            <a:r>
+              <a:rPr lang="fr-FR" smtClean="0"/>
+              <a:t>Quatrième niveau</a:t>
+            </a:r>
+          </a:p>
+          <a:p>
+            <a:pPr lvl="4"/>
+            <a:r>
+              <a:rPr lang="fr-FR" smtClean="0"/>
+              <a:t>Cinquième niveau</a:t>
+            </a:r>
+            <a:endParaRPr lang="fr-FR"/>
+          </a:p>
+        </p:txBody>
+      </p:sp>
+      <p:sp>
+        <p:nvSpPr>
+          <p:cNvPr id="4" name="Espace réservé du texte 3"/>
+          <p:cNvSpPr>
+            <a:spLocks noGrp="1"/>
+          </p:cNvSpPr>
+          <p:nvPr>
+            <p:ph type="body" sz="half" idx="2"/>
+          </p:nvPr>
+        </p:nvSpPr>
+        <p:spPr>
+          <a:xfrm>
+            <a:off x="629841" y="2057400"/>
+            <a:ext cx="2949178" cy="3811588"/>
+          </a:xfrm>
+        </p:spPr>
+        <p:txBody>
+          <a:bodyPr/>
+          <a:lstStyle>
+            <a:lvl1pPr marL="0" indent="0">
+              <a:buNone/>
+              <a:defRPr sz="1200"/>
+            </a:lvl1pPr>
+            <a:lvl2pPr marL="342900" indent="0">
+              <a:buNone/>
+              <a:defRPr sz="1050"/>
+            </a:lvl2pPr>
+            <a:lvl3pPr marL="685800" indent="0">
+              <a:buNone/>
+              <a:defRPr sz="900"/>
+            </a:lvl3pPr>
+            <a:lvl4pPr marL="1028700" indent="0">
+              <a:buNone/>
+              <a:defRPr sz="750"/>
+            </a:lvl4pPr>
+            <a:lvl5pPr marL="1371600" indent="0">
+              <a:buNone/>
+              <a:defRPr sz="750"/>
+            </a:lvl5pPr>
+            <a:lvl6pPr marL="1714500" indent="0">
+              <a:buNone/>
+              <a:defRPr sz="750"/>
+            </a:lvl6pPr>
+            <a:lvl7pPr marL="2057400" indent="0">
+              <a:buNone/>
+              <a:defRPr sz="750"/>
+            </a:lvl7pPr>
+            <a:lvl8pPr marL="2400300" indent="0">
+              <a:buNone/>
+              <a:defRPr sz="750"/>
+            </a:lvl8pPr>
+            <a:lvl9pPr marL="2743200" indent="0">
+              <a:buNone/>
+              <a:defRPr sz="750"/>
+            </a:lvl9pPr>
+          </a:lstStyle>
+          <a:p>
+            <a:pPr lvl="0"/>
+            <a:r>
+              <a:rPr lang="fr-FR" smtClean="0"/>
+              <a:t>Modifier les styles du texte du masque</a:t>
+            </a:r>
+          </a:p>
+        </p:txBody>
+      </p:sp>
+      <p:sp>
+        <p:nvSpPr>
+          <p:cNvPr id="5" name="Espace réservé de la date 4"/>
+          <p:cNvSpPr>
+            <a:spLocks noGrp="1"/>
+          </p:cNvSpPr>
+          <p:nvPr>
+            <p:ph type="dt" sz="half" idx="10"/>
+          </p:nvPr>
+        </p:nvSpPr>
+        <p:spPr/>
+        <p:txBody>
+          <a:bodyPr/>
+          <a:lstStyle/>
+          <a:p>
+            <a:fld id="{D9697865-2158-46A4-A484-857B5D1D6248}" type="datetimeFigureOut">
+              <a:rPr lang="fr-FR" smtClean="0"/>
+              <a:t>05/11/2018</a:t>
+            </a:fld>
+            <a:endParaRPr lang="fr-FR"/>
+          </a:p>
+        </p:txBody>
+      </p:sp>
+      <p:sp>
+        <p:nvSpPr>
+          <p:cNvPr id="6" name="Espace réservé du pied de page 5"/>
+          <p:cNvSpPr>
+            <a:spLocks noGrp="1"/>
+          </p:cNvSpPr>
+          <p:nvPr>
+            <p:ph type="ftr" sz="quarter" idx="11"/>
+          </p:nvPr>
+        </p:nvSpPr>
+        <p:spPr/>
+        <p:txBody>
+          <a:bodyPr/>
+          <a:lstStyle/>
+          <a:p>
+            <a:endParaRPr lang="fr-FR"/>
+          </a:p>
+        </p:txBody>
+      </p:sp>
+      <p:sp>
+        <p:nvSpPr>
+          <p:cNvPr id="7" name="Espace réservé du numéro de diapositive 6"/>
+          <p:cNvSpPr>
+            <a:spLocks noGrp="1"/>
+          </p:cNvSpPr>
+          <p:nvPr>
+            <p:ph type="sldNum" sz="quarter" idx="12"/>
+          </p:nvPr>
+        </p:nvSpPr>
+        <p:spPr/>
+        <p:txBody>
+          <a:bodyPr/>
+          <a:lstStyle/>
+          <a:p>
+            <a:fld id="{EEE0B0DB-B4B1-4762-8DB0-A37ECFBEE8AD}" type="slidenum">
+              <a:rPr lang="fr-FR" smtClean="0"/>
+              <a:t>‹N°›</a:t>
+            </a:fld>
+            <a:endParaRPr lang="fr-FR"/>
+          </a:p>
+        </p:txBody>
+      </p:sp>
+    </p:spTree>
+    <p:extLst>
+      <p:ext uri="{BB962C8B-B14F-4D97-AF65-F5344CB8AC3E}">
+        <p14:creationId xmlns:p14="http://schemas.microsoft.com/office/powerpoint/2010/main" val="4030543903"/>
+      </p:ext>
+    </p:extLst>
   </p:cSld>
   <p:clrMapOvr>
     <a:masterClrMapping/>
@@ -2117,7 +3816,7 @@
           <a:p>
             <a:fld id="{D8B804F8-A8DF-44BA-8C13-CCD935C20FB1}" type="datetimeFigureOut">
               <a:rPr lang="en-US" smtClean="0"/>
-              <a:t>6/25/2018</a:t>
+              <a:t>11/5/2018</a:t>
             </a:fld>
             <a:endParaRPr lang="en-US"/>
           </a:p>
@@ -2166,6 +3865,609 @@
         </p:txBody>
       </p:sp>
     </p:spTree>
+  </p:cSld>
+  <p:clrMapOvr>
+    <a:masterClrMapping/>
+  </p:clrMapOvr>
+</p:sldLayout>
+</file>
+
+<file path=ppt/slideLayouts/slideLayout20.xml><?xml version="1.0" encoding="utf-8"?>
+<p:sldLayout xmlns:a="http://schemas.openxmlformats.org/drawingml/2006/main" xmlns:r="http://schemas.openxmlformats.org/officeDocument/2006/relationships" xmlns:p="http://schemas.openxmlformats.org/presentationml/2006/main" type="picTx" preserve="1">
+  <p:cSld name="Image avec légende">
+    <p:spTree>
+      <p:nvGrpSpPr>
+        <p:cNvPr id="1" name=""/>
+        <p:cNvGrpSpPr/>
+        <p:nvPr/>
+      </p:nvGrpSpPr>
+      <p:grpSpPr>
+        <a:xfrm>
+          <a:off x="0" y="0"/>
+          <a:ext cx="0" cy="0"/>
+          <a:chOff x="0" y="0"/>
+          <a:chExt cx="0" cy="0"/>
+        </a:xfrm>
+      </p:grpSpPr>
+      <p:sp>
+        <p:nvSpPr>
+          <p:cNvPr id="2" name="Titre 1"/>
+          <p:cNvSpPr>
+            <a:spLocks noGrp="1"/>
+          </p:cNvSpPr>
+          <p:nvPr>
+            <p:ph type="title"/>
+          </p:nvPr>
+        </p:nvSpPr>
+        <p:spPr>
+          <a:xfrm>
+            <a:off x="629841" y="457200"/>
+            <a:ext cx="2949178" cy="1600200"/>
+          </a:xfrm>
+        </p:spPr>
+        <p:txBody>
+          <a:bodyPr anchor="b"/>
+          <a:lstStyle>
+            <a:lvl1pPr>
+              <a:defRPr sz="2400"/>
+            </a:lvl1pPr>
+          </a:lstStyle>
+          <a:p>
+            <a:r>
+              <a:rPr lang="fr-FR" smtClean="0"/>
+              <a:t>Modifiez le style du titre</a:t>
+            </a:r>
+            <a:endParaRPr lang="fr-FR"/>
+          </a:p>
+        </p:txBody>
+      </p:sp>
+      <p:sp>
+        <p:nvSpPr>
+          <p:cNvPr id="3" name="Espace réservé pour une image  2"/>
+          <p:cNvSpPr>
+            <a:spLocks noGrp="1"/>
+          </p:cNvSpPr>
+          <p:nvPr>
+            <p:ph type="pic" idx="1"/>
+          </p:nvPr>
+        </p:nvSpPr>
+        <p:spPr>
+          <a:xfrm>
+            <a:off x="3887391" y="987426"/>
+            <a:ext cx="4629150" cy="4873625"/>
+          </a:xfrm>
+        </p:spPr>
+        <p:txBody>
+          <a:bodyPr/>
+          <a:lstStyle>
+            <a:lvl1pPr marL="0" indent="0">
+              <a:buNone/>
+              <a:defRPr sz="2400"/>
+            </a:lvl1pPr>
+            <a:lvl2pPr marL="342900" indent="0">
+              <a:buNone/>
+              <a:defRPr sz="2100"/>
+            </a:lvl2pPr>
+            <a:lvl3pPr marL="685800" indent="0">
+              <a:buNone/>
+              <a:defRPr sz="1800"/>
+            </a:lvl3pPr>
+            <a:lvl4pPr marL="1028700" indent="0">
+              <a:buNone/>
+              <a:defRPr sz="1500"/>
+            </a:lvl4pPr>
+            <a:lvl5pPr marL="1371600" indent="0">
+              <a:buNone/>
+              <a:defRPr sz="1500"/>
+            </a:lvl5pPr>
+            <a:lvl6pPr marL="1714500" indent="0">
+              <a:buNone/>
+              <a:defRPr sz="1500"/>
+            </a:lvl6pPr>
+            <a:lvl7pPr marL="2057400" indent="0">
+              <a:buNone/>
+              <a:defRPr sz="1500"/>
+            </a:lvl7pPr>
+            <a:lvl8pPr marL="2400300" indent="0">
+              <a:buNone/>
+              <a:defRPr sz="1500"/>
+            </a:lvl8pPr>
+            <a:lvl9pPr marL="2743200" indent="0">
+              <a:buNone/>
+              <a:defRPr sz="1500"/>
+            </a:lvl9pPr>
+          </a:lstStyle>
+          <a:p>
+            <a:endParaRPr lang="fr-FR"/>
+          </a:p>
+        </p:txBody>
+      </p:sp>
+      <p:sp>
+        <p:nvSpPr>
+          <p:cNvPr id="4" name="Espace réservé du texte 3"/>
+          <p:cNvSpPr>
+            <a:spLocks noGrp="1"/>
+          </p:cNvSpPr>
+          <p:nvPr>
+            <p:ph type="body" sz="half" idx="2"/>
+          </p:nvPr>
+        </p:nvSpPr>
+        <p:spPr>
+          <a:xfrm>
+            <a:off x="629841" y="2057400"/>
+            <a:ext cx="2949178" cy="3811588"/>
+          </a:xfrm>
+        </p:spPr>
+        <p:txBody>
+          <a:bodyPr/>
+          <a:lstStyle>
+            <a:lvl1pPr marL="0" indent="0">
+              <a:buNone/>
+              <a:defRPr sz="1200"/>
+            </a:lvl1pPr>
+            <a:lvl2pPr marL="342900" indent="0">
+              <a:buNone/>
+              <a:defRPr sz="1050"/>
+            </a:lvl2pPr>
+            <a:lvl3pPr marL="685800" indent="0">
+              <a:buNone/>
+              <a:defRPr sz="900"/>
+            </a:lvl3pPr>
+            <a:lvl4pPr marL="1028700" indent="0">
+              <a:buNone/>
+              <a:defRPr sz="750"/>
+            </a:lvl4pPr>
+            <a:lvl5pPr marL="1371600" indent="0">
+              <a:buNone/>
+              <a:defRPr sz="750"/>
+            </a:lvl5pPr>
+            <a:lvl6pPr marL="1714500" indent="0">
+              <a:buNone/>
+              <a:defRPr sz="750"/>
+            </a:lvl6pPr>
+            <a:lvl7pPr marL="2057400" indent="0">
+              <a:buNone/>
+              <a:defRPr sz="750"/>
+            </a:lvl7pPr>
+            <a:lvl8pPr marL="2400300" indent="0">
+              <a:buNone/>
+              <a:defRPr sz="750"/>
+            </a:lvl8pPr>
+            <a:lvl9pPr marL="2743200" indent="0">
+              <a:buNone/>
+              <a:defRPr sz="750"/>
+            </a:lvl9pPr>
+          </a:lstStyle>
+          <a:p>
+            <a:pPr lvl="0"/>
+            <a:r>
+              <a:rPr lang="fr-FR" smtClean="0"/>
+              <a:t>Modifier les styles du texte du masque</a:t>
+            </a:r>
+          </a:p>
+        </p:txBody>
+      </p:sp>
+      <p:sp>
+        <p:nvSpPr>
+          <p:cNvPr id="5" name="Espace réservé de la date 4"/>
+          <p:cNvSpPr>
+            <a:spLocks noGrp="1"/>
+          </p:cNvSpPr>
+          <p:nvPr>
+            <p:ph type="dt" sz="half" idx="10"/>
+          </p:nvPr>
+        </p:nvSpPr>
+        <p:spPr/>
+        <p:txBody>
+          <a:bodyPr/>
+          <a:lstStyle/>
+          <a:p>
+            <a:fld id="{D9697865-2158-46A4-A484-857B5D1D6248}" type="datetimeFigureOut">
+              <a:rPr lang="fr-FR" smtClean="0"/>
+              <a:t>05/11/2018</a:t>
+            </a:fld>
+            <a:endParaRPr lang="fr-FR"/>
+          </a:p>
+        </p:txBody>
+      </p:sp>
+      <p:sp>
+        <p:nvSpPr>
+          <p:cNvPr id="6" name="Espace réservé du pied de page 5"/>
+          <p:cNvSpPr>
+            <a:spLocks noGrp="1"/>
+          </p:cNvSpPr>
+          <p:nvPr>
+            <p:ph type="ftr" sz="quarter" idx="11"/>
+          </p:nvPr>
+        </p:nvSpPr>
+        <p:spPr/>
+        <p:txBody>
+          <a:bodyPr/>
+          <a:lstStyle/>
+          <a:p>
+            <a:endParaRPr lang="fr-FR"/>
+          </a:p>
+        </p:txBody>
+      </p:sp>
+      <p:sp>
+        <p:nvSpPr>
+          <p:cNvPr id="7" name="Espace réservé du numéro de diapositive 6"/>
+          <p:cNvSpPr>
+            <a:spLocks noGrp="1"/>
+          </p:cNvSpPr>
+          <p:nvPr>
+            <p:ph type="sldNum" sz="quarter" idx="12"/>
+          </p:nvPr>
+        </p:nvSpPr>
+        <p:spPr/>
+        <p:txBody>
+          <a:bodyPr/>
+          <a:lstStyle/>
+          <a:p>
+            <a:fld id="{EEE0B0DB-B4B1-4762-8DB0-A37ECFBEE8AD}" type="slidenum">
+              <a:rPr lang="fr-FR" smtClean="0"/>
+              <a:t>‹N°›</a:t>
+            </a:fld>
+            <a:endParaRPr lang="fr-FR"/>
+          </a:p>
+        </p:txBody>
+      </p:sp>
+    </p:spTree>
+    <p:extLst>
+      <p:ext uri="{BB962C8B-B14F-4D97-AF65-F5344CB8AC3E}">
+        <p14:creationId xmlns:p14="http://schemas.microsoft.com/office/powerpoint/2010/main" val="942639528"/>
+      </p:ext>
+    </p:extLst>
+  </p:cSld>
+  <p:clrMapOvr>
+    <a:masterClrMapping/>
+  </p:clrMapOvr>
+</p:sldLayout>
+</file>
+
+<file path=ppt/slideLayouts/slideLayout21.xml><?xml version="1.0" encoding="utf-8"?>
+<p:sldLayout xmlns:a="http://schemas.openxmlformats.org/drawingml/2006/main" xmlns:r="http://schemas.openxmlformats.org/officeDocument/2006/relationships" xmlns:p="http://schemas.openxmlformats.org/presentationml/2006/main" type="vertTx" preserve="1">
+  <p:cSld name="Titre et texte vertical">
+    <p:spTree>
+      <p:nvGrpSpPr>
+        <p:cNvPr id="1" name=""/>
+        <p:cNvGrpSpPr/>
+        <p:nvPr/>
+      </p:nvGrpSpPr>
+      <p:grpSpPr>
+        <a:xfrm>
+          <a:off x="0" y="0"/>
+          <a:ext cx="0" cy="0"/>
+          <a:chOff x="0" y="0"/>
+          <a:chExt cx="0" cy="0"/>
+        </a:xfrm>
+      </p:grpSpPr>
+      <p:sp>
+        <p:nvSpPr>
+          <p:cNvPr id="2" name="Titre 1"/>
+          <p:cNvSpPr>
+            <a:spLocks noGrp="1"/>
+          </p:cNvSpPr>
+          <p:nvPr>
+            <p:ph type="title"/>
+          </p:nvPr>
+        </p:nvSpPr>
+        <p:spPr/>
+        <p:txBody>
+          <a:bodyPr/>
+          <a:lstStyle/>
+          <a:p>
+            <a:r>
+              <a:rPr lang="fr-FR" smtClean="0"/>
+              <a:t>Modifiez le style du titre</a:t>
+            </a:r>
+            <a:endParaRPr lang="fr-FR"/>
+          </a:p>
+        </p:txBody>
+      </p:sp>
+      <p:sp>
+        <p:nvSpPr>
+          <p:cNvPr id="3" name="Espace réservé du texte vertical 2"/>
+          <p:cNvSpPr>
+            <a:spLocks noGrp="1"/>
+          </p:cNvSpPr>
+          <p:nvPr>
+            <p:ph type="body" orient="vert" idx="1"/>
+          </p:nvPr>
+        </p:nvSpPr>
+        <p:spPr/>
+        <p:txBody>
+          <a:bodyPr vert="eaVert"/>
+          <a:lstStyle/>
+          <a:p>
+            <a:pPr lvl="0"/>
+            <a:r>
+              <a:rPr lang="fr-FR" smtClean="0"/>
+              <a:t>Modifier les styles du texte du masque</a:t>
+            </a:r>
+          </a:p>
+          <a:p>
+            <a:pPr lvl="1"/>
+            <a:r>
+              <a:rPr lang="fr-FR" smtClean="0"/>
+              <a:t>Deuxième niveau</a:t>
+            </a:r>
+          </a:p>
+          <a:p>
+            <a:pPr lvl="2"/>
+            <a:r>
+              <a:rPr lang="fr-FR" smtClean="0"/>
+              <a:t>Troisième niveau</a:t>
+            </a:r>
+          </a:p>
+          <a:p>
+            <a:pPr lvl="3"/>
+            <a:r>
+              <a:rPr lang="fr-FR" smtClean="0"/>
+              <a:t>Quatrième niveau</a:t>
+            </a:r>
+          </a:p>
+          <a:p>
+            <a:pPr lvl="4"/>
+            <a:r>
+              <a:rPr lang="fr-FR" smtClean="0"/>
+              <a:t>Cinquième niveau</a:t>
+            </a:r>
+            <a:endParaRPr lang="fr-FR"/>
+          </a:p>
+        </p:txBody>
+      </p:sp>
+      <p:sp>
+        <p:nvSpPr>
+          <p:cNvPr id="4" name="Espace réservé de la date 3"/>
+          <p:cNvSpPr>
+            <a:spLocks noGrp="1"/>
+          </p:cNvSpPr>
+          <p:nvPr>
+            <p:ph type="dt" sz="half" idx="10"/>
+          </p:nvPr>
+        </p:nvSpPr>
+        <p:spPr/>
+        <p:txBody>
+          <a:bodyPr/>
+          <a:lstStyle/>
+          <a:p>
+            <a:fld id="{D9697865-2158-46A4-A484-857B5D1D6248}" type="datetimeFigureOut">
+              <a:rPr lang="fr-FR" smtClean="0"/>
+              <a:t>05/11/2018</a:t>
+            </a:fld>
+            <a:endParaRPr lang="fr-FR"/>
+          </a:p>
+        </p:txBody>
+      </p:sp>
+      <p:sp>
+        <p:nvSpPr>
+          <p:cNvPr id="5" name="Espace réservé du pied de page 4"/>
+          <p:cNvSpPr>
+            <a:spLocks noGrp="1"/>
+          </p:cNvSpPr>
+          <p:nvPr>
+            <p:ph type="ftr" sz="quarter" idx="11"/>
+          </p:nvPr>
+        </p:nvSpPr>
+        <p:spPr/>
+        <p:txBody>
+          <a:bodyPr/>
+          <a:lstStyle/>
+          <a:p>
+            <a:endParaRPr lang="fr-FR"/>
+          </a:p>
+        </p:txBody>
+      </p:sp>
+      <p:sp>
+        <p:nvSpPr>
+          <p:cNvPr id="6" name="Espace réservé du numéro de diapositive 5"/>
+          <p:cNvSpPr>
+            <a:spLocks noGrp="1"/>
+          </p:cNvSpPr>
+          <p:nvPr>
+            <p:ph type="sldNum" sz="quarter" idx="12"/>
+          </p:nvPr>
+        </p:nvSpPr>
+        <p:spPr/>
+        <p:txBody>
+          <a:bodyPr/>
+          <a:lstStyle/>
+          <a:p>
+            <a:fld id="{EEE0B0DB-B4B1-4762-8DB0-A37ECFBEE8AD}" type="slidenum">
+              <a:rPr lang="fr-FR" smtClean="0"/>
+              <a:t>‹N°›</a:t>
+            </a:fld>
+            <a:endParaRPr lang="fr-FR"/>
+          </a:p>
+        </p:txBody>
+      </p:sp>
+    </p:spTree>
+    <p:extLst>
+      <p:ext uri="{BB962C8B-B14F-4D97-AF65-F5344CB8AC3E}">
+        <p14:creationId xmlns:p14="http://schemas.microsoft.com/office/powerpoint/2010/main" val="3813333665"/>
+      </p:ext>
+    </p:extLst>
+  </p:cSld>
+  <p:clrMapOvr>
+    <a:masterClrMapping/>
+  </p:clrMapOvr>
+</p:sldLayout>
+</file>
+
+<file path=ppt/slideLayouts/slideLayout22.xml><?xml version="1.0" encoding="utf-8"?>
+<p:sldLayout xmlns:a="http://schemas.openxmlformats.org/drawingml/2006/main" xmlns:r="http://schemas.openxmlformats.org/officeDocument/2006/relationships" xmlns:p="http://schemas.openxmlformats.org/presentationml/2006/main" type="vertTitleAndTx" preserve="1">
+  <p:cSld name="Titre vertical et texte">
+    <p:spTree>
+      <p:nvGrpSpPr>
+        <p:cNvPr id="1" name=""/>
+        <p:cNvGrpSpPr/>
+        <p:nvPr/>
+      </p:nvGrpSpPr>
+      <p:grpSpPr>
+        <a:xfrm>
+          <a:off x="0" y="0"/>
+          <a:ext cx="0" cy="0"/>
+          <a:chOff x="0" y="0"/>
+          <a:chExt cx="0" cy="0"/>
+        </a:xfrm>
+      </p:grpSpPr>
+      <p:sp>
+        <p:nvSpPr>
+          <p:cNvPr id="2" name="Titre vertical 1"/>
+          <p:cNvSpPr>
+            <a:spLocks noGrp="1"/>
+          </p:cNvSpPr>
+          <p:nvPr>
+            <p:ph type="title" orient="vert"/>
+          </p:nvPr>
+        </p:nvSpPr>
+        <p:spPr>
+          <a:xfrm>
+            <a:off x="6543675" y="365125"/>
+            <a:ext cx="1971675" cy="5811838"/>
+          </a:xfrm>
+        </p:spPr>
+        <p:txBody>
+          <a:bodyPr vert="eaVert"/>
+          <a:lstStyle/>
+          <a:p>
+            <a:r>
+              <a:rPr lang="fr-FR" smtClean="0"/>
+              <a:t>Modifiez le style du titre</a:t>
+            </a:r>
+            <a:endParaRPr lang="fr-FR"/>
+          </a:p>
+        </p:txBody>
+      </p:sp>
+      <p:sp>
+        <p:nvSpPr>
+          <p:cNvPr id="3" name="Espace réservé du texte vertical 2"/>
+          <p:cNvSpPr>
+            <a:spLocks noGrp="1"/>
+          </p:cNvSpPr>
+          <p:nvPr>
+            <p:ph type="body" orient="vert" idx="1"/>
+          </p:nvPr>
+        </p:nvSpPr>
+        <p:spPr>
+          <a:xfrm>
+            <a:off x="628650" y="365125"/>
+            <a:ext cx="5800725" cy="5811838"/>
+          </a:xfrm>
+        </p:spPr>
+        <p:txBody>
+          <a:bodyPr vert="eaVert"/>
+          <a:lstStyle/>
+          <a:p>
+            <a:pPr lvl="0"/>
+            <a:r>
+              <a:rPr lang="fr-FR" smtClean="0"/>
+              <a:t>Modifier les styles du texte du masque</a:t>
+            </a:r>
+          </a:p>
+          <a:p>
+            <a:pPr lvl="1"/>
+            <a:r>
+              <a:rPr lang="fr-FR" smtClean="0"/>
+              <a:t>Deuxième niveau</a:t>
+            </a:r>
+          </a:p>
+          <a:p>
+            <a:pPr lvl="2"/>
+            <a:r>
+              <a:rPr lang="fr-FR" smtClean="0"/>
+              <a:t>Troisième niveau</a:t>
+            </a:r>
+          </a:p>
+          <a:p>
+            <a:pPr lvl="3"/>
+            <a:r>
+              <a:rPr lang="fr-FR" smtClean="0"/>
+              <a:t>Quatrième niveau</a:t>
+            </a:r>
+          </a:p>
+          <a:p>
+            <a:pPr lvl="4"/>
+            <a:r>
+              <a:rPr lang="fr-FR" smtClean="0"/>
+              <a:t>Cinquième niveau</a:t>
+            </a:r>
+            <a:endParaRPr lang="fr-FR"/>
+          </a:p>
+        </p:txBody>
+      </p:sp>
+      <p:sp>
+        <p:nvSpPr>
+          <p:cNvPr id="4" name="Espace réservé de la date 3"/>
+          <p:cNvSpPr>
+            <a:spLocks noGrp="1"/>
+          </p:cNvSpPr>
+          <p:nvPr>
+            <p:ph type="dt" sz="half" idx="10"/>
+          </p:nvPr>
+        </p:nvSpPr>
+        <p:spPr/>
+        <p:txBody>
+          <a:bodyPr/>
+          <a:lstStyle/>
+          <a:p>
+            <a:fld id="{D9697865-2158-46A4-A484-857B5D1D6248}" type="datetimeFigureOut">
+              <a:rPr lang="fr-FR" smtClean="0"/>
+              <a:t>05/11/2018</a:t>
+            </a:fld>
+            <a:endParaRPr lang="fr-FR"/>
+          </a:p>
+        </p:txBody>
+      </p:sp>
+      <p:sp>
+        <p:nvSpPr>
+          <p:cNvPr id="5" name="Espace réservé du pied de page 4"/>
+          <p:cNvSpPr>
+            <a:spLocks noGrp="1"/>
+          </p:cNvSpPr>
+          <p:nvPr>
+            <p:ph type="ftr" sz="quarter" idx="11"/>
+          </p:nvPr>
+        </p:nvSpPr>
+        <p:spPr/>
+        <p:txBody>
+          <a:bodyPr/>
+          <a:lstStyle/>
+          <a:p>
+            <a:endParaRPr lang="fr-FR"/>
+          </a:p>
+        </p:txBody>
+      </p:sp>
+      <p:sp>
+        <p:nvSpPr>
+          <p:cNvPr id="6" name="Espace réservé du numéro de diapositive 5"/>
+          <p:cNvSpPr>
+            <a:spLocks noGrp="1"/>
+          </p:cNvSpPr>
+          <p:nvPr>
+            <p:ph type="sldNum" sz="quarter" idx="12"/>
+          </p:nvPr>
+        </p:nvSpPr>
+        <p:spPr/>
+        <p:txBody>
+          <a:bodyPr/>
+          <a:lstStyle/>
+          <a:p>
+            <a:fld id="{EEE0B0DB-B4B1-4762-8DB0-A37ECFBEE8AD}" type="slidenum">
+              <a:rPr lang="fr-FR" smtClean="0"/>
+              <a:t>‹N°›</a:t>
+            </a:fld>
+            <a:endParaRPr lang="fr-FR"/>
+          </a:p>
+        </p:txBody>
+      </p:sp>
+    </p:spTree>
+    <p:extLst>
+      <p:ext uri="{BB962C8B-B14F-4D97-AF65-F5344CB8AC3E}">
+        <p14:creationId xmlns:p14="http://schemas.microsoft.com/office/powerpoint/2010/main" val="2268658217"/>
+      </p:ext>
+    </p:extLst>
   </p:cSld>
   <p:clrMapOvr>
     <a:masterClrMapping/>
@@ -2379,7 +4681,7 @@
           <a:p>
             <a:fld id="{D8B804F8-A8DF-44BA-8C13-CCD935C20FB1}" type="datetimeFigureOut">
               <a:rPr lang="en-US" smtClean="0"/>
-              <a:t>6/25/2018</a:t>
+              <a:t>11/5/2018</a:t>
             </a:fld>
             <a:endParaRPr lang="en-US"/>
           </a:p>
@@ -2727,7 +5029,7 @@
           <a:p>
             <a:fld id="{D8B804F8-A8DF-44BA-8C13-CCD935C20FB1}" type="datetimeFigureOut">
               <a:rPr lang="en-US" smtClean="0"/>
-              <a:t>6/25/2018</a:t>
+              <a:t>11/5/2018</a:t>
             </a:fld>
             <a:endParaRPr lang="en-US"/>
           </a:p>
@@ -3035,7 +5337,7 @@
           <a:p>
             <a:fld id="{D8B804F8-A8DF-44BA-8C13-CCD935C20FB1}" type="datetimeFigureOut">
               <a:rPr lang="en-US" smtClean="0"/>
-              <a:t>6/25/2018</a:t>
+              <a:t>11/5/2018</a:t>
             </a:fld>
             <a:endParaRPr lang="en-US"/>
           </a:p>
@@ -3262,7 +5564,7 @@
           <a:p>
             <a:fld id="{D8B804F8-A8DF-44BA-8C13-CCD935C20FB1}" type="datetimeFigureOut">
               <a:rPr lang="en-US" smtClean="0"/>
-              <a:t>6/25/2018</a:t>
+              <a:t>11/5/2018</a:t>
             </a:fld>
             <a:endParaRPr lang="en-US"/>
           </a:p>
@@ -3352,7 +5654,7 @@
           <a:p>
             <a:fld id="{D8B804F8-A8DF-44BA-8C13-CCD935C20FB1}" type="datetimeFigureOut">
               <a:rPr lang="en-US" smtClean="0"/>
-              <a:t>6/25/2018</a:t>
+              <a:t>11/5/2018</a:t>
             </a:fld>
             <a:endParaRPr lang="en-US"/>
           </a:p>
@@ -3640,7 +5942,7 @@
           <a:p>
             <a:fld id="{D8B804F8-A8DF-44BA-8C13-CCD935C20FB1}" type="datetimeFigureOut">
               <a:rPr lang="en-US" smtClean="0"/>
-              <a:t>6/25/2018</a:t>
+              <a:t>11/5/2018</a:t>
             </a:fld>
             <a:endParaRPr lang="en-US"/>
           </a:p>
@@ -3909,7 +6211,7 @@
           <a:p>
             <a:fld id="{D8B804F8-A8DF-44BA-8C13-CCD935C20FB1}" type="datetimeFigureOut">
               <a:rPr lang="en-US" smtClean="0"/>
-              <a:t>6/25/2018</a:t>
+              <a:t>11/5/2018</a:t>
             </a:fld>
             <a:endParaRPr lang="en-US"/>
           </a:p>
@@ -4128,7 +6430,7 @@
           <a:p>
             <a:fld id="{D8B804F8-A8DF-44BA-8C13-CCD935C20FB1}" type="datetimeFigureOut">
               <a:rPr lang="en-US" smtClean="0"/>
-              <a:t>6/25/2018</a:t>
+              <a:t>11/5/2018</a:t>
             </a:fld>
             <a:endParaRPr lang="en-US"/>
           </a:p>
@@ -4629,6 +6931,546 @@
 </p:sldMaster>
 </file>
 
+<file path=ppt/slideMasters/slideMaster2.xml><?xml version="1.0" encoding="utf-8"?>
+<p:sldMaster xmlns:a="http://schemas.openxmlformats.org/drawingml/2006/main" xmlns:r="http://schemas.openxmlformats.org/officeDocument/2006/relationships" xmlns:p="http://schemas.openxmlformats.org/presentationml/2006/main">
+  <p:cSld>
+    <p:bg>
+      <p:bgRef idx="1001">
+        <a:schemeClr val="bg1"/>
+      </p:bgRef>
+    </p:bg>
+    <p:spTree>
+      <p:nvGrpSpPr>
+        <p:cNvPr id="1" name=""/>
+        <p:cNvGrpSpPr/>
+        <p:nvPr/>
+      </p:nvGrpSpPr>
+      <p:grpSpPr>
+        <a:xfrm>
+          <a:off x="0" y="0"/>
+          <a:ext cx="0" cy="0"/>
+          <a:chOff x="0" y="0"/>
+          <a:chExt cx="0" cy="0"/>
+        </a:xfrm>
+      </p:grpSpPr>
+      <p:sp>
+        <p:nvSpPr>
+          <p:cNvPr id="2" name="Espace réservé du titre 1"/>
+          <p:cNvSpPr>
+            <a:spLocks noGrp="1"/>
+          </p:cNvSpPr>
+          <p:nvPr>
+            <p:ph type="title"/>
+          </p:nvPr>
+        </p:nvSpPr>
+        <p:spPr>
+          <a:xfrm>
+            <a:off x="628650" y="365126"/>
+            <a:ext cx="7886700" cy="1325563"/>
+          </a:xfrm>
+          <a:prstGeom prst="rect">
+            <a:avLst/>
+          </a:prstGeom>
+        </p:spPr>
+        <p:txBody>
+          <a:bodyPr vert="horz" lIns="91440" tIns="45720" rIns="91440" bIns="45720" rtlCol="0" anchor="ctr">
+            <a:normAutofit/>
+          </a:bodyPr>
+          <a:lstStyle/>
+          <a:p>
+            <a:r>
+              <a:rPr lang="fr-FR" smtClean="0"/>
+              <a:t>Modifiez le style du titre</a:t>
+            </a:r>
+            <a:endParaRPr lang="fr-FR"/>
+          </a:p>
+        </p:txBody>
+      </p:sp>
+      <p:sp>
+        <p:nvSpPr>
+          <p:cNvPr id="3" name="Espace réservé du texte 2"/>
+          <p:cNvSpPr>
+            <a:spLocks noGrp="1"/>
+          </p:cNvSpPr>
+          <p:nvPr>
+            <p:ph type="body" idx="1"/>
+          </p:nvPr>
+        </p:nvSpPr>
+        <p:spPr>
+          <a:xfrm>
+            <a:off x="628650" y="1825625"/>
+            <a:ext cx="7886700" cy="4351338"/>
+          </a:xfrm>
+          <a:prstGeom prst="rect">
+            <a:avLst/>
+          </a:prstGeom>
+        </p:spPr>
+        <p:txBody>
+          <a:bodyPr vert="horz" lIns="91440" tIns="45720" rIns="91440" bIns="45720" rtlCol="0">
+            <a:normAutofit/>
+          </a:bodyPr>
+          <a:lstStyle/>
+          <a:p>
+            <a:pPr lvl="0"/>
+            <a:r>
+              <a:rPr lang="fr-FR" smtClean="0"/>
+              <a:t>Modifier les styles du texte du masque</a:t>
+            </a:r>
+          </a:p>
+          <a:p>
+            <a:pPr lvl="1"/>
+            <a:r>
+              <a:rPr lang="fr-FR" smtClean="0"/>
+              <a:t>Deuxième niveau</a:t>
+            </a:r>
+          </a:p>
+          <a:p>
+            <a:pPr lvl="2"/>
+            <a:r>
+              <a:rPr lang="fr-FR" smtClean="0"/>
+              <a:t>Troisième niveau</a:t>
+            </a:r>
+          </a:p>
+          <a:p>
+            <a:pPr lvl="3"/>
+            <a:r>
+              <a:rPr lang="fr-FR" smtClean="0"/>
+              <a:t>Quatrième niveau</a:t>
+            </a:r>
+          </a:p>
+          <a:p>
+            <a:pPr lvl="4"/>
+            <a:r>
+              <a:rPr lang="fr-FR" smtClean="0"/>
+              <a:t>Cinquième niveau</a:t>
+            </a:r>
+            <a:endParaRPr lang="fr-FR"/>
+          </a:p>
+        </p:txBody>
+      </p:sp>
+      <p:sp>
+        <p:nvSpPr>
+          <p:cNvPr id="4" name="Espace réservé de la date 3"/>
+          <p:cNvSpPr>
+            <a:spLocks noGrp="1"/>
+          </p:cNvSpPr>
+          <p:nvPr>
+            <p:ph type="dt" sz="half" idx="2"/>
+          </p:nvPr>
+        </p:nvSpPr>
+        <p:spPr>
+          <a:xfrm>
+            <a:off x="628650" y="6356351"/>
+            <a:ext cx="2057400" cy="365125"/>
+          </a:xfrm>
+          <a:prstGeom prst="rect">
+            <a:avLst/>
+          </a:prstGeom>
+        </p:spPr>
+        <p:txBody>
+          <a:bodyPr vert="horz" lIns="91440" tIns="45720" rIns="91440" bIns="45720" rtlCol="0" anchor="ctr"/>
+          <a:lstStyle>
+            <a:lvl1pPr algn="l">
+              <a:defRPr sz="900">
+                <a:solidFill>
+                  <a:schemeClr val="tx1">
+                    <a:tint val="75000"/>
+                  </a:schemeClr>
+                </a:solidFill>
+              </a:defRPr>
+            </a:lvl1pPr>
+          </a:lstStyle>
+          <a:p>
+            <a:fld id="{D9697865-2158-46A4-A484-857B5D1D6248}" type="datetimeFigureOut">
+              <a:rPr lang="fr-FR" smtClean="0"/>
+              <a:t>05/11/2018</a:t>
+            </a:fld>
+            <a:endParaRPr lang="fr-FR"/>
+          </a:p>
+        </p:txBody>
+      </p:sp>
+      <p:sp>
+        <p:nvSpPr>
+          <p:cNvPr id="5" name="Espace réservé du pied de page 4"/>
+          <p:cNvSpPr>
+            <a:spLocks noGrp="1"/>
+          </p:cNvSpPr>
+          <p:nvPr>
+            <p:ph type="ftr" sz="quarter" idx="3"/>
+          </p:nvPr>
+        </p:nvSpPr>
+        <p:spPr>
+          <a:xfrm>
+            <a:off x="3028950" y="6356351"/>
+            <a:ext cx="3086100" cy="365125"/>
+          </a:xfrm>
+          <a:prstGeom prst="rect">
+            <a:avLst/>
+          </a:prstGeom>
+        </p:spPr>
+        <p:txBody>
+          <a:bodyPr vert="horz" lIns="91440" tIns="45720" rIns="91440" bIns="45720" rtlCol="0" anchor="ctr"/>
+          <a:lstStyle>
+            <a:lvl1pPr algn="ctr">
+              <a:defRPr sz="900">
+                <a:solidFill>
+                  <a:schemeClr val="tx1">
+                    <a:tint val="75000"/>
+                  </a:schemeClr>
+                </a:solidFill>
+              </a:defRPr>
+            </a:lvl1pPr>
+          </a:lstStyle>
+          <a:p>
+            <a:endParaRPr lang="fr-FR"/>
+          </a:p>
+        </p:txBody>
+      </p:sp>
+      <p:sp>
+        <p:nvSpPr>
+          <p:cNvPr id="6" name="Espace réservé du numéro de diapositive 5"/>
+          <p:cNvSpPr>
+            <a:spLocks noGrp="1"/>
+          </p:cNvSpPr>
+          <p:nvPr>
+            <p:ph type="sldNum" sz="quarter" idx="4"/>
+          </p:nvPr>
+        </p:nvSpPr>
+        <p:spPr>
+          <a:xfrm>
+            <a:off x="6457950" y="6356351"/>
+            <a:ext cx="2057400" cy="365125"/>
+          </a:xfrm>
+          <a:prstGeom prst="rect">
+            <a:avLst/>
+          </a:prstGeom>
+        </p:spPr>
+        <p:txBody>
+          <a:bodyPr vert="horz" lIns="91440" tIns="45720" rIns="91440" bIns="45720" rtlCol="0" anchor="ctr"/>
+          <a:lstStyle>
+            <a:lvl1pPr algn="r">
+              <a:defRPr sz="900">
+                <a:solidFill>
+                  <a:schemeClr val="tx1">
+                    <a:tint val="75000"/>
+                  </a:schemeClr>
+                </a:solidFill>
+              </a:defRPr>
+            </a:lvl1pPr>
+          </a:lstStyle>
+          <a:p>
+            <a:fld id="{EEE0B0DB-B4B1-4762-8DB0-A37ECFBEE8AD}" type="slidenum">
+              <a:rPr lang="fr-FR" smtClean="0"/>
+              <a:t>‹N°›</a:t>
+            </a:fld>
+            <a:endParaRPr lang="fr-FR"/>
+          </a:p>
+        </p:txBody>
+      </p:sp>
+    </p:spTree>
+    <p:extLst>
+      <p:ext uri="{BB962C8B-B14F-4D97-AF65-F5344CB8AC3E}">
+        <p14:creationId xmlns:p14="http://schemas.microsoft.com/office/powerpoint/2010/main" val="1221903505"/>
+      </p:ext>
+    </p:extLst>
+  </p:cSld>
+  <p:clrMap bg1="lt1" tx1="dk1" bg2="lt2" tx2="dk2" accent1="accent1" accent2="accent2" accent3="accent3" accent4="accent4" accent5="accent5" accent6="accent6" hlink="hlink" folHlink="folHlink"/>
+  <p:sldLayoutIdLst>
+    <p:sldLayoutId id="2147483721" r:id="rId1"/>
+    <p:sldLayoutId id="2147483722" r:id="rId2"/>
+    <p:sldLayoutId id="2147483723" r:id="rId3"/>
+    <p:sldLayoutId id="2147483724" r:id="rId4"/>
+    <p:sldLayoutId id="2147483725" r:id="rId5"/>
+    <p:sldLayoutId id="2147483726" r:id="rId6"/>
+    <p:sldLayoutId id="2147483727" r:id="rId7"/>
+    <p:sldLayoutId id="2147483728" r:id="rId8"/>
+    <p:sldLayoutId id="2147483729" r:id="rId9"/>
+    <p:sldLayoutId id="2147483730" r:id="rId10"/>
+    <p:sldLayoutId id="2147483731" r:id="rId11"/>
+  </p:sldLayoutIdLst>
+  <p:txStyles>
+    <p:titleStyle>
+      <a:lvl1pPr algn="l" defTabSz="685800" rtl="0" eaLnBrk="1" latinLnBrk="0" hangingPunct="1">
+        <a:lnSpc>
+          <a:spcPct val="90000"/>
+        </a:lnSpc>
+        <a:spcBef>
+          <a:spcPct val="0"/>
+        </a:spcBef>
+        <a:buNone/>
+        <a:defRPr sz="3300" kern="1200">
+          <a:solidFill>
+            <a:schemeClr val="tx1"/>
+          </a:solidFill>
+          <a:latin typeface="+mj-lt"/>
+          <a:ea typeface="+mj-ea"/>
+          <a:cs typeface="+mj-cs"/>
+        </a:defRPr>
+      </a:lvl1pPr>
+    </p:titleStyle>
+    <p:bodyStyle>
+      <a:lvl1pPr marL="171450" indent="-171450" algn="l" defTabSz="685800" rtl="0" eaLnBrk="1" latinLnBrk="0" hangingPunct="1">
+        <a:lnSpc>
+          <a:spcPct val="90000"/>
+        </a:lnSpc>
+        <a:spcBef>
+          <a:spcPts val="750"/>
+        </a:spcBef>
+        <a:buFont typeface="Arial" panose="020B0604020202020204" pitchFamily="34" charset="0"/>
+        <a:buChar char="•"/>
+        <a:defRPr sz="2100" kern="1200">
+          <a:solidFill>
+            <a:schemeClr val="tx1"/>
+          </a:solidFill>
+          <a:latin typeface="+mn-lt"/>
+          <a:ea typeface="+mn-ea"/>
+          <a:cs typeface="+mn-cs"/>
+        </a:defRPr>
+      </a:lvl1pPr>
+      <a:lvl2pPr marL="514350" indent="-171450" algn="l" defTabSz="685800" rtl="0" eaLnBrk="1" latinLnBrk="0" hangingPunct="1">
+        <a:lnSpc>
+          <a:spcPct val="90000"/>
+        </a:lnSpc>
+        <a:spcBef>
+          <a:spcPts val="375"/>
+        </a:spcBef>
+        <a:buFont typeface="Arial" panose="020B0604020202020204" pitchFamily="34" charset="0"/>
+        <a:buChar char="•"/>
+        <a:defRPr sz="1800" kern="1200">
+          <a:solidFill>
+            <a:schemeClr val="tx1"/>
+          </a:solidFill>
+          <a:latin typeface="+mn-lt"/>
+          <a:ea typeface="+mn-ea"/>
+          <a:cs typeface="+mn-cs"/>
+        </a:defRPr>
+      </a:lvl2pPr>
+      <a:lvl3pPr marL="857250" indent="-171450" algn="l" defTabSz="685800" rtl="0" eaLnBrk="1" latinLnBrk="0" hangingPunct="1">
+        <a:lnSpc>
+          <a:spcPct val="90000"/>
+        </a:lnSpc>
+        <a:spcBef>
+          <a:spcPts val="375"/>
+        </a:spcBef>
+        <a:buFont typeface="Arial" panose="020B0604020202020204" pitchFamily="34" charset="0"/>
+        <a:buChar char="•"/>
+        <a:defRPr sz="1500" kern="1200">
+          <a:solidFill>
+            <a:schemeClr val="tx1"/>
+          </a:solidFill>
+          <a:latin typeface="+mn-lt"/>
+          <a:ea typeface="+mn-ea"/>
+          <a:cs typeface="+mn-cs"/>
+        </a:defRPr>
+      </a:lvl3pPr>
+      <a:lvl4pPr marL="1200150" indent="-171450" algn="l" defTabSz="685800" rtl="0" eaLnBrk="1" latinLnBrk="0" hangingPunct="1">
+        <a:lnSpc>
+          <a:spcPct val="90000"/>
+        </a:lnSpc>
+        <a:spcBef>
+          <a:spcPts val="375"/>
+        </a:spcBef>
+        <a:buFont typeface="Arial" panose="020B0604020202020204" pitchFamily="34" charset="0"/>
+        <a:buChar char="•"/>
+        <a:defRPr sz="1350" kern="1200">
+          <a:solidFill>
+            <a:schemeClr val="tx1"/>
+          </a:solidFill>
+          <a:latin typeface="+mn-lt"/>
+          <a:ea typeface="+mn-ea"/>
+          <a:cs typeface="+mn-cs"/>
+        </a:defRPr>
+      </a:lvl4pPr>
+      <a:lvl5pPr marL="1543050" indent="-171450" algn="l" defTabSz="685800" rtl="0" eaLnBrk="1" latinLnBrk="0" hangingPunct="1">
+        <a:lnSpc>
+          <a:spcPct val="90000"/>
+        </a:lnSpc>
+        <a:spcBef>
+          <a:spcPts val="375"/>
+        </a:spcBef>
+        <a:buFont typeface="Arial" panose="020B0604020202020204" pitchFamily="34" charset="0"/>
+        <a:buChar char="•"/>
+        <a:defRPr sz="1350" kern="1200">
+          <a:solidFill>
+            <a:schemeClr val="tx1"/>
+          </a:solidFill>
+          <a:latin typeface="+mn-lt"/>
+          <a:ea typeface="+mn-ea"/>
+          <a:cs typeface="+mn-cs"/>
+        </a:defRPr>
+      </a:lvl5pPr>
+      <a:lvl6pPr marL="1885950" indent="-171450" algn="l" defTabSz="685800" rtl="0" eaLnBrk="1" latinLnBrk="0" hangingPunct="1">
+        <a:lnSpc>
+          <a:spcPct val="90000"/>
+        </a:lnSpc>
+        <a:spcBef>
+          <a:spcPts val="375"/>
+        </a:spcBef>
+        <a:buFont typeface="Arial" panose="020B0604020202020204" pitchFamily="34" charset="0"/>
+        <a:buChar char="•"/>
+        <a:defRPr sz="1350" kern="1200">
+          <a:solidFill>
+            <a:schemeClr val="tx1"/>
+          </a:solidFill>
+          <a:latin typeface="+mn-lt"/>
+          <a:ea typeface="+mn-ea"/>
+          <a:cs typeface="+mn-cs"/>
+        </a:defRPr>
+      </a:lvl6pPr>
+      <a:lvl7pPr marL="2228850" indent="-171450" algn="l" defTabSz="685800" rtl="0" eaLnBrk="1" latinLnBrk="0" hangingPunct="1">
+        <a:lnSpc>
+          <a:spcPct val="90000"/>
+        </a:lnSpc>
+        <a:spcBef>
+          <a:spcPts val="375"/>
+        </a:spcBef>
+        <a:buFont typeface="Arial" panose="020B0604020202020204" pitchFamily="34" charset="0"/>
+        <a:buChar char="•"/>
+        <a:defRPr sz="1350" kern="1200">
+          <a:solidFill>
+            <a:schemeClr val="tx1"/>
+          </a:solidFill>
+          <a:latin typeface="+mn-lt"/>
+          <a:ea typeface="+mn-ea"/>
+          <a:cs typeface="+mn-cs"/>
+        </a:defRPr>
+      </a:lvl7pPr>
+      <a:lvl8pPr marL="2571750" indent="-171450" algn="l" defTabSz="685800" rtl="0" eaLnBrk="1" latinLnBrk="0" hangingPunct="1">
+        <a:lnSpc>
+          <a:spcPct val="90000"/>
+        </a:lnSpc>
+        <a:spcBef>
+          <a:spcPts val="375"/>
+        </a:spcBef>
+        <a:buFont typeface="Arial" panose="020B0604020202020204" pitchFamily="34" charset="0"/>
+        <a:buChar char="•"/>
+        <a:defRPr sz="1350" kern="1200">
+          <a:solidFill>
+            <a:schemeClr val="tx1"/>
+          </a:solidFill>
+          <a:latin typeface="+mn-lt"/>
+          <a:ea typeface="+mn-ea"/>
+          <a:cs typeface="+mn-cs"/>
+        </a:defRPr>
+      </a:lvl8pPr>
+      <a:lvl9pPr marL="2914650" indent="-171450" algn="l" defTabSz="685800" rtl="0" eaLnBrk="1" latinLnBrk="0" hangingPunct="1">
+        <a:lnSpc>
+          <a:spcPct val="90000"/>
+        </a:lnSpc>
+        <a:spcBef>
+          <a:spcPts val="375"/>
+        </a:spcBef>
+        <a:buFont typeface="Arial" panose="020B0604020202020204" pitchFamily="34" charset="0"/>
+        <a:buChar char="•"/>
+        <a:defRPr sz="1350" kern="1200">
+          <a:solidFill>
+            <a:schemeClr val="tx1"/>
+          </a:solidFill>
+          <a:latin typeface="+mn-lt"/>
+          <a:ea typeface="+mn-ea"/>
+          <a:cs typeface="+mn-cs"/>
+        </a:defRPr>
+      </a:lvl9pPr>
+    </p:bodyStyle>
+    <p:otherStyle>
+      <a:defPPr>
+        <a:defRPr lang="fr-FR"/>
+      </a:defPPr>
+      <a:lvl1pPr marL="0" algn="l" defTabSz="685800" rtl="0" eaLnBrk="1" latinLnBrk="0" hangingPunct="1">
+        <a:defRPr sz="1350" kern="1200">
+          <a:solidFill>
+            <a:schemeClr val="tx1"/>
+          </a:solidFill>
+          <a:latin typeface="+mn-lt"/>
+          <a:ea typeface="+mn-ea"/>
+          <a:cs typeface="+mn-cs"/>
+        </a:defRPr>
+      </a:lvl1pPr>
+      <a:lvl2pPr marL="342900" algn="l" defTabSz="685800" rtl="0" eaLnBrk="1" latinLnBrk="0" hangingPunct="1">
+        <a:defRPr sz="1350" kern="1200">
+          <a:solidFill>
+            <a:schemeClr val="tx1"/>
+          </a:solidFill>
+          <a:latin typeface="+mn-lt"/>
+          <a:ea typeface="+mn-ea"/>
+          <a:cs typeface="+mn-cs"/>
+        </a:defRPr>
+      </a:lvl2pPr>
+      <a:lvl3pPr marL="685800" algn="l" defTabSz="685800" rtl="0" eaLnBrk="1" latinLnBrk="0" hangingPunct="1">
+        <a:defRPr sz="1350" kern="1200">
+          <a:solidFill>
+            <a:schemeClr val="tx1"/>
+          </a:solidFill>
+          <a:latin typeface="+mn-lt"/>
+          <a:ea typeface="+mn-ea"/>
+          <a:cs typeface="+mn-cs"/>
+        </a:defRPr>
+      </a:lvl3pPr>
+      <a:lvl4pPr marL="1028700" algn="l" defTabSz="685800" rtl="0" eaLnBrk="1" latinLnBrk="0" hangingPunct="1">
+        <a:defRPr sz="1350" kern="1200">
+          <a:solidFill>
+            <a:schemeClr val="tx1"/>
+          </a:solidFill>
+          <a:latin typeface="+mn-lt"/>
+          <a:ea typeface="+mn-ea"/>
+          <a:cs typeface="+mn-cs"/>
+        </a:defRPr>
+      </a:lvl4pPr>
+      <a:lvl5pPr marL="1371600" algn="l" defTabSz="685800" rtl="0" eaLnBrk="1" latinLnBrk="0" hangingPunct="1">
+        <a:defRPr sz="1350" kern="1200">
+          <a:solidFill>
+            <a:schemeClr val="tx1"/>
+          </a:solidFill>
+          <a:latin typeface="+mn-lt"/>
+          <a:ea typeface="+mn-ea"/>
+          <a:cs typeface="+mn-cs"/>
+        </a:defRPr>
+      </a:lvl5pPr>
+      <a:lvl6pPr marL="1714500" algn="l" defTabSz="685800" rtl="0" eaLnBrk="1" latinLnBrk="0" hangingPunct="1">
+        <a:defRPr sz="1350" kern="1200">
+          <a:solidFill>
+            <a:schemeClr val="tx1"/>
+          </a:solidFill>
+          <a:latin typeface="+mn-lt"/>
+          <a:ea typeface="+mn-ea"/>
+          <a:cs typeface="+mn-cs"/>
+        </a:defRPr>
+      </a:lvl6pPr>
+      <a:lvl7pPr marL="2057400" algn="l" defTabSz="685800" rtl="0" eaLnBrk="1" latinLnBrk="0" hangingPunct="1">
+        <a:defRPr sz="1350" kern="1200">
+          <a:solidFill>
+            <a:schemeClr val="tx1"/>
+          </a:solidFill>
+          <a:latin typeface="+mn-lt"/>
+          <a:ea typeface="+mn-ea"/>
+          <a:cs typeface="+mn-cs"/>
+        </a:defRPr>
+      </a:lvl7pPr>
+      <a:lvl8pPr marL="2400300" algn="l" defTabSz="685800" rtl="0" eaLnBrk="1" latinLnBrk="0" hangingPunct="1">
+        <a:defRPr sz="1350" kern="1200">
+          <a:solidFill>
+            <a:schemeClr val="tx1"/>
+          </a:solidFill>
+          <a:latin typeface="+mn-lt"/>
+          <a:ea typeface="+mn-ea"/>
+          <a:cs typeface="+mn-cs"/>
+        </a:defRPr>
+      </a:lvl8pPr>
+      <a:lvl9pPr marL="2743200" algn="l" defTabSz="685800" rtl="0" eaLnBrk="1" latinLnBrk="0" hangingPunct="1">
+        <a:defRPr sz="1350" kern="1200">
+          <a:solidFill>
+            <a:schemeClr val="tx1"/>
+          </a:solidFill>
+          <a:latin typeface="+mn-lt"/>
+          <a:ea typeface="+mn-ea"/>
+          <a:cs typeface="+mn-cs"/>
+        </a:defRPr>
+      </a:lvl9pPr>
+    </p:otherStyle>
+  </p:txStyles>
+</p:sldMaster>
+</file>
+
 <file path=ppt/slides/slide1.xml><?xml version="1.0" encoding="utf-8"?>
 <p:sld xmlns:a="http://schemas.openxmlformats.org/drawingml/2006/main" xmlns:r="http://schemas.openxmlformats.org/officeDocument/2006/relationships" xmlns:p="http://schemas.openxmlformats.org/presentationml/2006/main">
   <p:cSld>
@@ -12194,6 +15036,1790 @@
 </file>
 
 <file path=ppt/slides/slide2.xml><?xml version="1.0" encoding="utf-8"?>
+<p:sld xmlns:a="http://schemas.openxmlformats.org/drawingml/2006/main" xmlns:r="http://schemas.openxmlformats.org/officeDocument/2006/relationships" xmlns:p="http://schemas.openxmlformats.org/presentationml/2006/main">
+  <p:cSld>
+    <p:spTree>
+      <p:nvGrpSpPr>
+        <p:cNvPr id="1" name=""/>
+        <p:cNvGrpSpPr/>
+        <p:nvPr/>
+      </p:nvGrpSpPr>
+      <p:grpSpPr>
+        <a:xfrm>
+          <a:off x="0" y="0"/>
+          <a:ext cx="0" cy="0"/>
+          <a:chOff x="0" y="0"/>
+          <a:chExt cx="0" cy="0"/>
+        </a:xfrm>
+      </p:grpSpPr>
+      <p:grpSp>
+        <p:nvGrpSpPr>
+          <p:cNvPr id="40" name="Group 8"/>
+          <p:cNvGrpSpPr/>
+          <p:nvPr/>
+        </p:nvGrpSpPr>
+        <p:grpSpPr>
+          <a:xfrm>
+            <a:off x="-77621" y="1916668"/>
+            <a:ext cx="1421760" cy="3941330"/>
+            <a:chOff x="-412708" y="2089606"/>
+            <a:chExt cx="1895680" cy="5255106"/>
+          </a:xfrm>
+        </p:grpSpPr>
+        <p:sp>
+          <p:nvSpPr>
+            <p:cNvPr id="41" name="Rectangle 40"/>
+            <p:cNvSpPr/>
+            <p:nvPr/>
+          </p:nvSpPr>
+          <p:spPr>
+            <a:xfrm>
+              <a:off x="258512" y="3835570"/>
+              <a:ext cx="652315" cy="2154436"/>
+            </a:xfrm>
+            <a:prstGeom prst="rect">
+              <a:avLst/>
+            </a:prstGeom>
+          </p:spPr>
+          <p:txBody>
+            <a:bodyPr wrap="none">
+              <a:spAutoFit/>
+            </a:bodyPr>
+            <a:lstStyle/>
+            <a:p>
+              <a:pPr defTabSz="685800"/>
+              <a:r>
+                <a:rPr lang="fr-FR" sz="1350" dirty="0">
+                  <a:solidFill>
+                    <a:prstClr val="black"/>
+                  </a:solidFill>
+                  <a:latin typeface="Cambria Math" panose="02040503050406030204" pitchFamily="18" charset="0"/>
+                  <a:ea typeface="Cambria Math" panose="02040503050406030204" pitchFamily="18" charset="0"/>
+                </a:rPr>
+                <a:t>Sp</a:t>
+              </a:r>
+              <a:r>
+                <a:rPr lang="fr-FR" sz="1350" baseline="-25000" dirty="0">
+                  <a:solidFill>
+                    <a:prstClr val="black"/>
+                  </a:solidFill>
+                  <a:latin typeface="Cambria Math" panose="02040503050406030204" pitchFamily="18" charset="0"/>
+                  <a:ea typeface="Cambria Math" panose="02040503050406030204" pitchFamily="18" charset="0"/>
+                </a:rPr>
+                <a:t>1</a:t>
+              </a:r>
+            </a:p>
+            <a:p>
+              <a:pPr defTabSz="685800"/>
+              <a:r>
+                <a:rPr lang="fr-FR" sz="1350" dirty="0">
+                  <a:solidFill>
+                    <a:prstClr val="black"/>
+                  </a:solidFill>
+                  <a:latin typeface="Cambria Math" panose="02040503050406030204" pitchFamily="18" charset="0"/>
+                  <a:ea typeface="Cambria Math" panose="02040503050406030204" pitchFamily="18" charset="0"/>
+                </a:rPr>
+                <a:t>Sp</a:t>
+              </a:r>
+              <a:r>
+                <a:rPr lang="fr-FR" sz="1350" baseline="-25000" dirty="0">
+                  <a:solidFill>
+                    <a:prstClr val="black"/>
+                  </a:solidFill>
+                  <a:latin typeface="Cambria Math" panose="02040503050406030204" pitchFamily="18" charset="0"/>
+                  <a:ea typeface="Cambria Math" panose="02040503050406030204" pitchFamily="18" charset="0"/>
+                </a:rPr>
+                <a:t>2</a:t>
+              </a:r>
+            </a:p>
+            <a:p>
+              <a:pPr defTabSz="685800"/>
+              <a:r>
+                <a:rPr lang="fr-FR" sz="1350" baseline="-25000" dirty="0">
+                  <a:solidFill>
+                    <a:prstClr val="black"/>
+                  </a:solidFill>
+                  <a:latin typeface="Cambria Math" panose="02040503050406030204" pitchFamily="18" charset="0"/>
+                  <a:ea typeface="Cambria Math" panose="02040503050406030204" pitchFamily="18" charset="0"/>
+                </a:rPr>
+                <a:t>…</a:t>
+              </a:r>
+            </a:p>
+            <a:p>
+              <a:pPr defTabSz="685800"/>
+              <a:r>
+                <a:rPr lang="fr-FR" sz="1350" dirty="0">
+                  <a:solidFill>
+                    <a:prstClr val="black"/>
+                  </a:solidFill>
+                  <a:latin typeface="Cambria Math" panose="02040503050406030204" pitchFamily="18" charset="0"/>
+                  <a:ea typeface="Cambria Math" panose="02040503050406030204" pitchFamily="18" charset="0"/>
+                </a:rPr>
+                <a:t>Sp</a:t>
+              </a:r>
+              <a:r>
+                <a:rPr lang="fr-FR" sz="1350" baseline="-25000" dirty="0">
+                  <a:solidFill>
+                    <a:prstClr val="black"/>
+                  </a:solidFill>
+                  <a:latin typeface="Cambria Math" panose="02040503050406030204" pitchFamily="18" charset="0"/>
+                  <a:ea typeface="Cambria Math" panose="02040503050406030204" pitchFamily="18" charset="0"/>
+                </a:rPr>
+                <a:t>S1</a:t>
+              </a:r>
+            </a:p>
+            <a:p>
+              <a:pPr defTabSz="685800"/>
+              <a:r>
+                <a:rPr lang="fr-FR" sz="1350" dirty="0">
+                  <a:solidFill>
+                    <a:srgbClr val="C00000"/>
+                  </a:solidFill>
+                  <a:latin typeface="Cambria Math" panose="02040503050406030204" pitchFamily="18" charset="0"/>
+                  <a:ea typeface="Cambria Math" panose="02040503050406030204" pitchFamily="18" charset="0"/>
+                </a:rPr>
+                <a:t>V</a:t>
+              </a:r>
+              <a:r>
+                <a:rPr lang="fr-FR" sz="1350" baseline="-25000" dirty="0">
+                  <a:solidFill>
+                    <a:srgbClr val="C00000"/>
+                  </a:solidFill>
+                  <a:latin typeface="Cambria Math" panose="02040503050406030204" pitchFamily="18" charset="0"/>
+                  <a:ea typeface="Cambria Math" panose="02040503050406030204" pitchFamily="18" charset="0"/>
+                </a:rPr>
+                <a:t>1</a:t>
+              </a:r>
+            </a:p>
+            <a:p>
+              <a:pPr defTabSz="685800"/>
+              <a:r>
+                <a:rPr lang="fr-FR" sz="1350" dirty="0">
+                  <a:solidFill>
+                    <a:srgbClr val="C00000"/>
+                  </a:solidFill>
+                  <a:latin typeface="Cambria Math" panose="02040503050406030204" pitchFamily="18" charset="0"/>
+                  <a:ea typeface="Cambria Math" panose="02040503050406030204" pitchFamily="18" charset="0"/>
+                </a:rPr>
+                <a:t>V</a:t>
+              </a:r>
+              <a:r>
+                <a:rPr lang="fr-FR" sz="1350" baseline="-25000" dirty="0">
+                  <a:solidFill>
+                    <a:srgbClr val="C00000"/>
+                  </a:solidFill>
+                  <a:latin typeface="Cambria Math" panose="02040503050406030204" pitchFamily="18" charset="0"/>
+                  <a:ea typeface="Cambria Math" panose="02040503050406030204" pitchFamily="18" charset="0"/>
+                </a:rPr>
+                <a:t>2</a:t>
+              </a:r>
+            </a:p>
+            <a:p>
+              <a:pPr defTabSz="685800"/>
+              <a:r>
+                <a:rPr lang="fr-FR" sz="1350" baseline="-25000" dirty="0">
+                  <a:solidFill>
+                    <a:srgbClr val="C00000"/>
+                  </a:solidFill>
+                  <a:latin typeface="Cambria Math" panose="02040503050406030204" pitchFamily="18" charset="0"/>
+                  <a:ea typeface="Cambria Math" panose="02040503050406030204" pitchFamily="18" charset="0"/>
+                </a:rPr>
+                <a:t>…</a:t>
+              </a:r>
+            </a:p>
+            <a:p>
+              <a:pPr defTabSz="685800"/>
+              <a:r>
+                <a:rPr lang="fr-FR" sz="1350" dirty="0">
+                  <a:solidFill>
+                    <a:srgbClr val="C00000"/>
+                  </a:solidFill>
+                  <a:latin typeface="Cambria Math" panose="02040503050406030204" pitchFamily="18" charset="0"/>
+                  <a:ea typeface="Cambria Math" panose="02040503050406030204" pitchFamily="18" charset="0"/>
+                </a:rPr>
+                <a:t>V</a:t>
+              </a:r>
+              <a:r>
+                <a:rPr lang="fr-FR" sz="1350" baseline="-25000" dirty="0">
+                  <a:solidFill>
+                    <a:srgbClr val="C00000"/>
+                  </a:solidFill>
+                  <a:latin typeface="Cambria Math" panose="02040503050406030204" pitchFamily="18" charset="0"/>
+                  <a:ea typeface="Cambria Math" panose="02040503050406030204" pitchFamily="18" charset="0"/>
+                </a:rPr>
+                <a:t>S2</a:t>
+              </a:r>
+              <a:endParaRPr lang="en-US" sz="1350" baseline="-25000" dirty="0">
+                <a:solidFill>
+                  <a:srgbClr val="C00000"/>
+                </a:solidFill>
+                <a:latin typeface="Calibri" panose="020F0502020204030204"/>
+              </a:endParaRPr>
+            </a:p>
+          </p:txBody>
+        </p:sp>
+        <p:pic>
+          <p:nvPicPr>
+            <p:cNvPr id="42" name="Picture 2"/>
+            <p:cNvPicPr>
+              <a:picLocks noChangeAspect="1" noChangeArrowheads="1"/>
+            </p:cNvPicPr>
+            <p:nvPr/>
+          </p:nvPicPr>
+          <p:blipFill>
+            <a:blip r:embed="rId2">
+              <a:extLst>
+                <a:ext uri="{28A0092B-C50C-407E-A947-70E740481C1C}">
+                  <a14:useLocalDpi xmlns:a14="http://schemas.microsoft.com/office/drawing/2010/main" val="0"/>
+                </a:ext>
+              </a:extLst>
+            </a:blip>
+            <a:srcRect/>
+            <a:stretch>
+              <a:fillRect/>
+            </a:stretch>
+          </p:blipFill>
+          <p:spPr bwMode="auto">
+            <a:xfrm>
+              <a:off x="-412708" y="2089606"/>
+              <a:ext cx="1310062" cy="5253487"/>
+            </a:xfrm>
+            <a:prstGeom prst="rect">
+              <a:avLst/>
+            </a:prstGeom>
+            <a:noFill/>
+            <a:ln>
+              <a:noFill/>
+            </a:ln>
+            <a:effectLst/>
+            <a:extLst>
+              <a:ext uri="{909E8E84-426E-40DD-AFC4-6F175D3DCCD1}">
+                <a14:hiddenFill xmlns:a14="http://schemas.microsoft.com/office/drawing/2010/main">
+                  <a:solidFill>
+                    <a:schemeClr val="accent1"/>
+                  </a:solidFill>
+                </a14:hiddenFill>
+              </a:ext>
+              <a:ext uri="{91240B29-F687-4F45-9708-019B960494DF}">
+                <a14:hiddenLine xmlns:a14="http://schemas.microsoft.com/office/drawing/2010/main" w="9525">
+                  <a:solidFill>
+                    <a:schemeClr val="tx1"/>
+                  </a:solidFill>
+                  <a:miter lim="800000"/>
+                  <a:headEnd/>
+                  <a:tailEnd/>
+                </a14:hiddenLine>
+              </a:ext>
+              <a:ext uri="{AF507438-7753-43E0-B8FC-AC1667EBCBE1}">
+                <a14:hiddenEffects xmlns:a14="http://schemas.microsoft.com/office/drawing/2010/main">
+                  <a:effectLst>
+                    <a:outerShdw dist="35921" dir="2700000" algn="ctr" rotWithShape="0">
+                      <a:schemeClr val="bg2"/>
+                    </a:outerShdw>
+                  </a:effectLst>
+                </a14:hiddenEffects>
+              </a:ext>
+            </a:extLst>
+          </p:spPr>
+        </p:pic>
+        <p:pic>
+          <p:nvPicPr>
+            <p:cNvPr id="43" name="Picture 2"/>
+            <p:cNvPicPr>
+              <a:picLocks noChangeAspect="1" noChangeArrowheads="1"/>
+            </p:cNvPicPr>
+            <p:nvPr/>
+          </p:nvPicPr>
+          <p:blipFill>
+            <a:blip r:embed="rId2">
+              <a:extLst>
+                <a:ext uri="{28A0092B-C50C-407E-A947-70E740481C1C}">
+                  <a14:useLocalDpi xmlns:a14="http://schemas.microsoft.com/office/drawing/2010/main" val="0"/>
+                </a:ext>
+              </a:extLst>
+            </a:blip>
+            <a:srcRect/>
+            <a:stretch>
+              <a:fillRect/>
+            </a:stretch>
+          </p:blipFill>
+          <p:spPr bwMode="auto">
+            <a:xfrm flipH="1">
+              <a:off x="172910" y="2091225"/>
+              <a:ext cx="1310062" cy="5253487"/>
+            </a:xfrm>
+            <a:prstGeom prst="rect">
+              <a:avLst/>
+            </a:prstGeom>
+            <a:noFill/>
+            <a:ln>
+              <a:noFill/>
+            </a:ln>
+            <a:effectLst/>
+            <a:extLst>
+              <a:ext uri="{909E8E84-426E-40DD-AFC4-6F175D3DCCD1}">
+                <a14:hiddenFill xmlns:a14="http://schemas.microsoft.com/office/drawing/2010/main">
+                  <a:solidFill>
+                    <a:schemeClr val="accent1"/>
+                  </a:solidFill>
+                </a14:hiddenFill>
+              </a:ext>
+              <a:ext uri="{91240B29-F687-4F45-9708-019B960494DF}">
+                <a14:hiddenLine xmlns:a14="http://schemas.microsoft.com/office/drawing/2010/main" w="9525">
+                  <a:solidFill>
+                    <a:schemeClr val="tx1"/>
+                  </a:solidFill>
+                  <a:miter lim="800000"/>
+                  <a:headEnd/>
+                  <a:tailEnd/>
+                </a14:hiddenLine>
+              </a:ext>
+              <a:ext uri="{AF507438-7753-43E0-B8FC-AC1667EBCBE1}">
+                <a14:hiddenEffects xmlns:a14="http://schemas.microsoft.com/office/drawing/2010/main">
+                  <a:effectLst>
+                    <a:outerShdw dist="35921" dir="2700000" algn="ctr" rotWithShape="0">
+                      <a:schemeClr val="bg2"/>
+                    </a:outerShdw>
+                  </a:effectLst>
+                </a14:hiddenEffects>
+              </a:ext>
+            </a:extLst>
+          </p:spPr>
+        </p:pic>
+      </p:grpSp>
+      <p:sp>
+        <p:nvSpPr>
+          <p:cNvPr id="46" name="Rectangle 45"/>
+          <p:cNvSpPr/>
+          <p:nvPr/>
+        </p:nvSpPr>
+        <p:spPr>
+          <a:xfrm>
+            <a:off x="9634" y="4901363"/>
+            <a:ext cx="1135058" cy="507831"/>
+          </a:xfrm>
+          <a:prstGeom prst="rect">
+            <a:avLst/>
+          </a:prstGeom>
+        </p:spPr>
+        <p:txBody>
+          <a:bodyPr wrap="square">
+            <a:spAutoFit/>
+          </a:bodyPr>
+          <a:lstStyle/>
+          <a:p>
+            <a:pPr algn="ctr" defTabSz="685800"/>
+            <a:r>
+              <a:rPr lang="fr-FR" sz="1350" i="1" dirty="0">
+                <a:solidFill>
+                  <a:prstClr val="black"/>
+                </a:solidFill>
+                <a:latin typeface="Cambria Math" panose="02040503050406030204" pitchFamily="18" charset="0"/>
+                <a:ea typeface="Cambria Math" panose="02040503050406030204" pitchFamily="18" charset="0"/>
+              </a:rPr>
+              <a:t>Inventaire réel</a:t>
+            </a:r>
+            <a:endParaRPr lang="en-US" sz="1350" i="1" dirty="0">
+              <a:solidFill>
+                <a:prstClr val="black"/>
+              </a:solidFill>
+              <a:latin typeface="Calibri" panose="020F0502020204030204"/>
+            </a:endParaRPr>
+          </a:p>
+        </p:txBody>
+      </p:sp>
+      <p:grpSp>
+        <p:nvGrpSpPr>
+          <p:cNvPr id="47" name="Group 24"/>
+          <p:cNvGrpSpPr/>
+          <p:nvPr/>
+        </p:nvGrpSpPr>
+        <p:grpSpPr>
+          <a:xfrm>
+            <a:off x="2580206" y="1917275"/>
+            <a:ext cx="1523981" cy="3940116"/>
+            <a:chOff x="-449099" y="2128779"/>
+            <a:chExt cx="2031975" cy="5253488"/>
+          </a:xfrm>
+        </p:grpSpPr>
+        <p:sp>
+          <p:nvSpPr>
+            <p:cNvPr id="48" name="Rectangle 47"/>
+            <p:cNvSpPr/>
+            <p:nvPr/>
+          </p:nvSpPr>
+          <p:spPr>
+            <a:xfrm>
+              <a:off x="258512" y="3835570"/>
+              <a:ext cx="742084" cy="2154436"/>
+            </a:xfrm>
+            <a:prstGeom prst="rect">
+              <a:avLst/>
+            </a:prstGeom>
+          </p:spPr>
+          <p:txBody>
+            <a:bodyPr wrap="none">
+              <a:spAutoFit/>
+            </a:bodyPr>
+            <a:lstStyle/>
+            <a:p>
+              <a:pPr defTabSz="685800"/>
+              <a:r>
+                <a:rPr lang="fr-FR" sz="1350" dirty="0">
+                  <a:solidFill>
+                    <a:prstClr val="black"/>
+                  </a:solidFill>
+                  <a:latin typeface="Cambria Math" panose="02040503050406030204" pitchFamily="18" charset="0"/>
+                  <a:ea typeface="Cambria Math" panose="02040503050406030204" pitchFamily="18" charset="0"/>
+                </a:rPr>
+                <a:t>Sp</a:t>
+              </a:r>
+              <a:r>
+                <a:rPr lang="fr-FR" sz="1350" baseline="-25000" dirty="0">
+                  <a:solidFill>
+                    <a:prstClr val="black"/>
+                  </a:solidFill>
+                  <a:latin typeface="Cambria Math" panose="02040503050406030204" pitchFamily="18" charset="0"/>
+                  <a:ea typeface="Cambria Math" panose="02040503050406030204" pitchFamily="18" charset="0"/>
+                </a:rPr>
+                <a:t>1</a:t>
+              </a:r>
+            </a:p>
+            <a:p>
+              <a:pPr defTabSz="685800"/>
+              <a:r>
+                <a:rPr lang="fr-FR" sz="1350" dirty="0">
+                  <a:solidFill>
+                    <a:prstClr val="black"/>
+                  </a:solidFill>
+                  <a:latin typeface="Cambria Math" panose="02040503050406030204" pitchFamily="18" charset="0"/>
+                  <a:ea typeface="Cambria Math" panose="02040503050406030204" pitchFamily="18" charset="0"/>
+                </a:rPr>
+                <a:t>Sp</a:t>
+              </a:r>
+              <a:r>
+                <a:rPr lang="fr-FR" sz="1350" baseline="-25000" dirty="0">
+                  <a:solidFill>
+                    <a:prstClr val="black"/>
+                  </a:solidFill>
+                  <a:latin typeface="Cambria Math" panose="02040503050406030204" pitchFamily="18" charset="0"/>
+                  <a:ea typeface="Cambria Math" panose="02040503050406030204" pitchFamily="18" charset="0"/>
+                </a:rPr>
+                <a:t>2</a:t>
+              </a:r>
+            </a:p>
+            <a:p>
+              <a:pPr defTabSz="685800"/>
+              <a:r>
+                <a:rPr lang="fr-FR" sz="1350" baseline="-25000" dirty="0">
+                  <a:solidFill>
+                    <a:prstClr val="black"/>
+                  </a:solidFill>
+                  <a:latin typeface="Cambria Math" panose="02040503050406030204" pitchFamily="18" charset="0"/>
+                  <a:ea typeface="Cambria Math" panose="02040503050406030204" pitchFamily="18" charset="0"/>
+                </a:rPr>
+                <a:t>…</a:t>
+              </a:r>
+            </a:p>
+            <a:p>
+              <a:pPr defTabSz="685800"/>
+              <a:r>
+                <a:rPr lang="fr-FR" sz="1350" dirty="0">
+                  <a:solidFill>
+                    <a:prstClr val="black"/>
+                  </a:solidFill>
+                  <a:latin typeface="Cambria Math" panose="02040503050406030204" pitchFamily="18" charset="0"/>
+                  <a:ea typeface="Cambria Math" panose="02040503050406030204" pitchFamily="18" charset="0"/>
+                </a:rPr>
+                <a:t>Sp</a:t>
+              </a:r>
+              <a:r>
+                <a:rPr lang="fr-FR" sz="1350" baseline="-25000" dirty="0">
+                  <a:solidFill>
+                    <a:prstClr val="black"/>
+                  </a:solidFill>
+                  <a:latin typeface="Cambria Math" panose="02040503050406030204" pitchFamily="18" charset="0"/>
+                  <a:ea typeface="Cambria Math" panose="02040503050406030204" pitchFamily="18" charset="0"/>
+                </a:rPr>
+                <a:t>S1</a:t>
+              </a:r>
+            </a:p>
+            <a:p>
+              <a:pPr defTabSz="685800"/>
+              <a:r>
+                <a:rPr lang="fr-FR" sz="1350" dirty="0">
+                  <a:solidFill>
+                    <a:srgbClr val="70AD47">
+                      <a:lumMod val="75000"/>
+                    </a:srgbClr>
+                  </a:solidFill>
+                  <a:latin typeface="Cambria Math" panose="02040503050406030204" pitchFamily="18" charset="0"/>
+                  <a:ea typeface="Cambria Math" panose="02040503050406030204" pitchFamily="18" charset="0"/>
+                </a:rPr>
+                <a:t>Sp</a:t>
+              </a:r>
+              <a:r>
+                <a:rPr lang="fr-FR" sz="1350" baseline="-25000" dirty="0">
+                  <a:solidFill>
+                    <a:srgbClr val="70AD47">
+                      <a:lumMod val="75000"/>
+                    </a:srgbClr>
+                  </a:solidFill>
+                  <a:latin typeface="Cambria Math" panose="02040503050406030204" pitchFamily="18" charset="0"/>
+                  <a:ea typeface="Cambria Math" panose="02040503050406030204" pitchFamily="18" charset="0"/>
+                </a:rPr>
+                <a:t>V1</a:t>
+              </a:r>
+            </a:p>
+            <a:p>
+              <a:pPr defTabSz="685800"/>
+              <a:r>
+                <a:rPr lang="fr-FR" sz="1350" dirty="0">
+                  <a:solidFill>
+                    <a:srgbClr val="70AD47">
+                      <a:lumMod val="75000"/>
+                    </a:srgbClr>
+                  </a:solidFill>
+                  <a:latin typeface="Cambria Math" panose="02040503050406030204" pitchFamily="18" charset="0"/>
+                  <a:ea typeface="Cambria Math" panose="02040503050406030204" pitchFamily="18" charset="0"/>
+                </a:rPr>
+                <a:t>Sp</a:t>
+              </a:r>
+              <a:r>
+                <a:rPr lang="fr-FR" sz="1350" baseline="-25000" dirty="0">
+                  <a:solidFill>
+                    <a:srgbClr val="70AD47">
+                      <a:lumMod val="75000"/>
+                    </a:srgbClr>
+                  </a:solidFill>
+                  <a:latin typeface="Cambria Math" panose="02040503050406030204" pitchFamily="18" charset="0"/>
+                  <a:ea typeface="Cambria Math" panose="02040503050406030204" pitchFamily="18" charset="0"/>
+                </a:rPr>
+                <a:t>V2</a:t>
+              </a:r>
+            </a:p>
+            <a:p>
+              <a:pPr defTabSz="685800"/>
+              <a:r>
+                <a:rPr lang="fr-FR" sz="1350" baseline="-25000" dirty="0">
+                  <a:solidFill>
+                    <a:srgbClr val="70AD47">
+                      <a:lumMod val="75000"/>
+                    </a:srgbClr>
+                  </a:solidFill>
+                  <a:latin typeface="Cambria Math" panose="02040503050406030204" pitchFamily="18" charset="0"/>
+                  <a:ea typeface="Cambria Math" panose="02040503050406030204" pitchFamily="18" charset="0"/>
+                </a:rPr>
+                <a:t>…</a:t>
+              </a:r>
+            </a:p>
+            <a:p>
+              <a:pPr defTabSz="685800"/>
+              <a:r>
+                <a:rPr lang="fr-FR" sz="1350" dirty="0">
+                  <a:solidFill>
+                    <a:srgbClr val="70AD47">
+                      <a:lumMod val="75000"/>
+                    </a:srgbClr>
+                  </a:solidFill>
+                  <a:latin typeface="Cambria Math" panose="02040503050406030204" pitchFamily="18" charset="0"/>
+                  <a:ea typeface="Cambria Math" panose="02040503050406030204" pitchFamily="18" charset="0"/>
+                </a:rPr>
+                <a:t>Sp</a:t>
+              </a:r>
+              <a:r>
+                <a:rPr lang="fr-FR" sz="1350" baseline="-25000" dirty="0">
+                  <a:solidFill>
+                    <a:srgbClr val="70AD47">
+                      <a:lumMod val="75000"/>
+                    </a:srgbClr>
+                  </a:solidFill>
+                  <a:latin typeface="Cambria Math" panose="02040503050406030204" pitchFamily="18" charset="0"/>
+                  <a:ea typeface="Cambria Math" panose="02040503050406030204" pitchFamily="18" charset="0"/>
+                </a:rPr>
+                <a:t>VS2</a:t>
+              </a:r>
+              <a:endParaRPr lang="en-US" sz="1350" baseline="-25000" dirty="0">
+                <a:solidFill>
+                  <a:srgbClr val="70AD47">
+                    <a:lumMod val="75000"/>
+                  </a:srgbClr>
+                </a:solidFill>
+                <a:latin typeface="Calibri" panose="020F0502020204030204"/>
+              </a:endParaRPr>
+            </a:p>
+          </p:txBody>
+        </p:sp>
+        <p:pic>
+          <p:nvPicPr>
+            <p:cNvPr id="49" name="Picture 2"/>
+            <p:cNvPicPr>
+              <a:picLocks noChangeAspect="1" noChangeArrowheads="1"/>
+            </p:cNvPicPr>
+            <p:nvPr/>
+          </p:nvPicPr>
+          <p:blipFill>
+            <a:blip r:embed="rId2">
+              <a:extLst>
+                <a:ext uri="{28A0092B-C50C-407E-A947-70E740481C1C}">
+                  <a14:useLocalDpi xmlns:a14="http://schemas.microsoft.com/office/drawing/2010/main" val="0"/>
+                </a:ext>
+              </a:extLst>
+            </a:blip>
+            <a:srcRect/>
+            <a:stretch>
+              <a:fillRect/>
+            </a:stretch>
+          </p:blipFill>
+          <p:spPr bwMode="auto">
+            <a:xfrm>
+              <a:off x="-449099" y="2128780"/>
+              <a:ext cx="1310062" cy="5253487"/>
+            </a:xfrm>
+            <a:prstGeom prst="rect">
+              <a:avLst/>
+            </a:prstGeom>
+            <a:noFill/>
+            <a:ln>
+              <a:noFill/>
+            </a:ln>
+            <a:effectLst/>
+            <a:extLst>
+              <a:ext uri="{909E8E84-426E-40DD-AFC4-6F175D3DCCD1}">
+                <a14:hiddenFill xmlns:a14="http://schemas.microsoft.com/office/drawing/2010/main">
+                  <a:solidFill>
+                    <a:schemeClr val="accent1"/>
+                  </a:solidFill>
+                </a14:hiddenFill>
+              </a:ext>
+              <a:ext uri="{91240B29-F687-4F45-9708-019B960494DF}">
+                <a14:hiddenLine xmlns:a14="http://schemas.microsoft.com/office/drawing/2010/main" w="9525">
+                  <a:solidFill>
+                    <a:schemeClr val="tx1"/>
+                  </a:solidFill>
+                  <a:miter lim="800000"/>
+                  <a:headEnd/>
+                  <a:tailEnd/>
+                </a14:hiddenLine>
+              </a:ext>
+              <a:ext uri="{AF507438-7753-43E0-B8FC-AC1667EBCBE1}">
+                <a14:hiddenEffects xmlns:a14="http://schemas.microsoft.com/office/drawing/2010/main">
+                  <a:effectLst>
+                    <a:outerShdw dist="35921" dir="2700000" algn="ctr" rotWithShape="0">
+                      <a:schemeClr val="bg2"/>
+                    </a:outerShdw>
+                  </a:effectLst>
+                </a14:hiddenEffects>
+              </a:ext>
+            </a:extLst>
+          </p:spPr>
+        </p:pic>
+        <p:pic>
+          <p:nvPicPr>
+            <p:cNvPr id="50" name="Picture 2"/>
+            <p:cNvPicPr>
+              <a:picLocks noChangeAspect="1" noChangeArrowheads="1"/>
+            </p:cNvPicPr>
+            <p:nvPr/>
+          </p:nvPicPr>
+          <p:blipFill>
+            <a:blip r:embed="rId2">
+              <a:extLst>
+                <a:ext uri="{28A0092B-C50C-407E-A947-70E740481C1C}">
+                  <a14:useLocalDpi xmlns:a14="http://schemas.microsoft.com/office/drawing/2010/main" val="0"/>
+                </a:ext>
+              </a:extLst>
+            </a:blip>
+            <a:srcRect/>
+            <a:stretch>
+              <a:fillRect/>
+            </a:stretch>
+          </p:blipFill>
+          <p:spPr bwMode="auto">
+            <a:xfrm flipH="1">
+              <a:off x="272814" y="2128779"/>
+              <a:ext cx="1310062" cy="5253487"/>
+            </a:xfrm>
+            <a:prstGeom prst="rect">
+              <a:avLst/>
+            </a:prstGeom>
+            <a:noFill/>
+            <a:ln>
+              <a:noFill/>
+            </a:ln>
+            <a:effectLst/>
+            <a:extLst>
+              <a:ext uri="{909E8E84-426E-40DD-AFC4-6F175D3DCCD1}">
+                <a14:hiddenFill xmlns:a14="http://schemas.microsoft.com/office/drawing/2010/main">
+                  <a:solidFill>
+                    <a:schemeClr val="accent1"/>
+                  </a:solidFill>
+                </a14:hiddenFill>
+              </a:ext>
+              <a:ext uri="{91240B29-F687-4F45-9708-019B960494DF}">
+                <a14:hiddenLine xmlns:a14="http://schemas.microsoft.com/office/drawing/2010/main" w="9525">
+                  <a:solidFill>
+                    <a:schemeClr val="tx1"/>
+                  </a:solidFill>
+                  <a:miter lim="800000"/>
+                  <a:headEnd/>
+                  <a:tailEnd/>
+                </a14:hiddenLine>
+              </a:ext>
+              <a:ext uri="{AF507438-7753-43E0-B8FC-AC1667EBCBE1}">
+                <a14:hiddenEffects xmlns:a14="http://schemas.microsoft.com/office/drawing/2010/main">
+                  <a:effectLst>
+                    <a:outerShdw dist="35921" dir="2700000" algn="ctr" rotWithShape="0">
+                      <a:schemeClr val="bg2"/>
+                    </a:outerShdw>
+                  </a:effectLst>
+                </a14:hiddenEffects>
+              </a:ext>
+            </a:extLst>
+          </p:spPr>
+        </p:pic>
+      </p:grpSp>
+      <p:grpSp>
+        <p:nvGrpSpPr>
+          <p:cNvPr id="2" name="Groupe 1"/>
+          <p:cNvGrpSpPr/>
+          <p:nvPr/>
+        </p:nvGrpSpPr>
+        <p:grpSpPr>
+          <a:xfrm>
+            <a:off x="1018331" y="3358072"/>
+            <a:ext cx="1877564" cy="1248443"/>
+            <a:chOff x="1385911" y="3455117"/>
+            <a:chExt cx="2503418" cy="1664591"/>
+          </a:xfrm>
+        </p:grpSpPr>
+        <p:grpSp>
+          <p:nvGrpSpPr>
+            <p:cNvPr id="51" name="Group 46"/>
+            <p:cNvGrpSpPr/>
+            <p:nvPr/>
+          </p:nvGrpSpPr>
+          <p:grpSpPr>
+            <a:xfrm>
+              <a:off x="1446181" y="3455117"/>
+              <a:ext cx="2443148" cy="1664591"/>
+              <a:chOff x="1073918" y="3861184"/>
+              <a:chExt cx="2443148" cy="1664591"/>
+            </a:xfrm>
+          </p:grpSpPr>
+          <p:sp>
+            <p:nvSpPr>
+              <p:cNvPr id="53" name="Flèche courbée vers le bas 23"/>
+              <p:cNvSpPr/>
+              <p:nvPr/>
+            </p:nvSpPr>
+            <p:spPr>
+              <a:xfrm rot="5400000">
+                <a:off x="2538625" y="4547335"/>
+                <a:ext cx="1596881" cy="360000"/>
+              </a:xfrm>
+              <a:prstGeom prst="curvedDownArrow">
+                <a:avLst/>
+              </a:prstGeom>
+              <a:solidFill>
+                <a:schemeClr val="tx2">
+                  <a:lumMod val="40000"/>
+                  <a:lumOff val="60000"/>
+                </a:schemeClr>
+              </a:solidFill>
+              <a:ln>
+                <a:noFill/>
+              </a:ln>
+            </p:spPr>
+            <p:style>
+              <a:lnRef idx="2">
+                <a:schemeClr val="accent1">
+                  <a:shade val="50000"/>
+                </a:schemeClr>
+              </a:lnRef>
+              <a:fillRef idx="1">
+                <a:schemeClr val="accent1"/>
+              </a:fillRef>
+              <a:effectRef idx="0">
+                <a:schemeClr val="accent1"/>
+              </a:effectRef>
+              <a:fontRef idx="minor">
+                <a:schemeClr val="lt1"/>
+              </a:fontRef>
+            </p:style>
+            <p:txBody>
+              <a:bodyPr rtlCol="0" anchor="ctr"/>
+              <a:lstStyle/>
+              <a:p>
+                <a:pPr algn="ctr" defTabSz="685800"/>
+                <a:endParaRPr lang="en-US" sz="1350">
+                  <a:solidFill>
+                    <a:prstClr val="black"/>
+                  </a:solidFill>
+                  <a:latin typeface="Calibri" panose="020F0502020204030204"/>
+                </a:endParaRPr>
+              </a:p>
+            </p:txBody>
+          </p:sp>
+          <p:sp>
+            <p:nvSpPr>
+              <p:cNvPr id="54" name="Flèche courbée vers le bas 23"/>
+              <p:cNvSpPr/>
+              <p:nvPr/>
+            </p:nvSpPr>
+            <p:spPr>
+              <a:xfrm rot="5400000" flipH="1" flipV="1">
+                <a:off x="438130" y="4496972"/>
+                <a:ext cx="1631575" cy="360000"/>
+              </a:xfrm>
+              <a:prstGeom prst="curvedDownArrow">
+                <a:avLst/>
+              </a:prstGeom>
+              <a:solidFill>
+                <a:schemeClr val="tx2">
+                  <a:lumMod val="40000"/>
+                  <a:lumOff val="60000"/>
+                </a:schemeClr>
+              </a:solidFill>
+              <a:ln>
+                <a:noFill/>
+              </a:ln>
+            </p:spPr>
+            <p:style>
+              <a:lnRef idx="2">
+                <a:schemeClr val="accent1">
+                  <a:shade val="50000"/>
+                </a:schemeClr>
+              </a:lnRef>
+              <a:fillRef idx="1">
+                <a:schemeClr val="accent1"/>
+              </a:fillRef>
+              <a:effectRef idx="0">
+                <a:schemeClr val="accent1"/>
+              </a:effectRef>
+              <a:fontRef idx="minor">
+                <a:schemeClr val="lt1"/>
+              </a:fontRef>
+            </p:style>
+            <p:txBody>
+              <a:bodyPr rtlCol="0" anchor="ctr"/>
+              <a:lstStyle/>
+              <a:p>
+                <a:pPr algn="ctr" defTabSz="685800"/>
+                <a:endParaRPr lang="en-US" sz="1350">
+                  <a:solidFill>
+                    <a:prstClr val="black"/>
+                  </a:solidFill>
+                  <a:latin typeface="Calibri" panose="020F0502020204030204"/>
+                </a:endParaRPr>
+              </a:p>
+            </p:txBody>
+          </p:sp>
+        </p:grpSp>
+        <mc:AlternateContent xmlns:mc="http://schemas.openxmlformats.org/markup-compatibility/2006">
+          <mc:Choice xmlns:a14="http://schemas.microsoft.com/office/drawing/2010/main" Requires="a14">
+            <p:sp>
+              <p:nvSpPr>
+                <p:cNvPr id="57" name="Rectangle 56"/>
+                <p:cNvSpPr/>
+                <p:nvPr/>
+              </p:nvSpPr>
+              <p:spPr>
+                <a:xfrm>
+                  <a:off x="1385911" y="3744849"/>
+                  <a:ext cx="2460638" cy="1204946"/>
+                </a:xfrm>
+                <a:prstGeom prst="rect">
+                  <a:avLst/>
+                </a:prstGeom>
+              </p:spPr>
+              <p:txBody>
+                <a:bodyPr wrap="square">
+                  <a:spAutoFit/>
+                </a:bodyPr>
+                <a:lstStyle/>
+                <a:p>
+                  <a:pPr algn="ctr" defTabSz="685800"/>
+                  <a:r>
+                    <a:rPr lang="fr-FR" sz="1350" i="1" dirty="0">
+                      <a:solidFill>
+                        <a:prstClr val="black"/>
+                      </a:solidFill>
+                      <a:latin typeface="Cambria Math" panose="02040503050406030204" pitchFamily="18" charset="0"/>
+                      <a:ea typeface="Cambria Math" panose="02040503050406030204" pitchFamily="18" charset="0"/>
+                    </a:rPr>
+                    <a:t>Remplacement par tirage aléatoire</a:t>
+                  </a:r>
+                </a:p>
+                <a:p>
+                  <a:pPr algn="ctr" defTabSz="685800">
+                    <a:lnSpc>
+                      <a:spcPct val="150000"/>
+                    </a:lnSpc>
+                  </a:pPr>
+                  <a14:m>
+                    <m:oMathPara xmlns:m="http://schemas.openxmlformats.org/officeDocument/2006/math">
+                      <m:oMathParaPr>
+                        <m:jc m:val="centerGroup"/>
+                      </m:oMathParaPr>
+                      <m:oMath xmlns:m="http://schemas.openxmlformats.org/officeDocument/2006/math">
+                        <m:sSub>
+                          <m:sSubPr>
+                            <m:ctrlPr>
+                              <a:rPr lang="fr-FR" sz="1600" i="1">
+                                <a:latin typeface="Cambria Math" panose="02040503050406030204" pitchFamily="18" charset="0"/>
+                                <a:ea typeface="Cambria Math" panose="02040503050406030204" pitchFamily="18" charset="0"/>
+                              </a:rPr>
+                            </m:ctrlPr>
+                          </m:sSubPr>
+                          <m:e>
+                            <m:d>
+                              <m:dPr>
+                                <m:begChr m:val="{"/>
+                                <m:endChr m:val="}"/>
+                                <m:ctrlPr>
+                                  <a:rPr lang="fr-FR" sz="1600" i="1">
+                                    <a:latin typeface="Cambria Math" panose="02040503050406030204" pitchFamily="18" charset="0"/>
+                                    <a:ea typeface="Cambria Math" panose="02040503050406030204" pitchFamily="18" charset="0"/>
+                                  </a:rPr>
+                                </m:ctrlPr>
+                              </m:dPr>
+                              <m:e>
+                                <m:d>
+                                  <m:dPr>
+                                    <m:begChr m:val="["/>
+                                    <m:endChr m:val="]"/>
+                                    <m:ctrlPr>
+                                      <a:rPr lang="fr-FR" sz="1600" i="1">
+                                        <a:latin typeface="Cambria Math" panose="02040503050406030204" pitchFamily="18" charset="0"/>
+                                        <a:ea typeface="Cambria Math" panose="02040503050406030204" pitchFamily="18" charset="0"/>
+                                      </a:rPr>
+                                    </m:ctrlPr>
+                                  </m:dPr>
+                                  <m:e>
+                                    <m:sSub>
+                                      <m:sSubPr>
+                                        <m:ctrlPr>
+                                          <a:rPr lang="fr-FR" sz="1600" i="1">
+                                            <a:latin typeface="Cambria Math" panose="02040503050406030204" pitchFamily="18" charset="0"/>
+                                            <a:ea typeface="Cambria Math" panose="02040503050406030204" pitchFamily="18" charset="0"/>
+                                          </a:rPr>
+                                        </m:ctrlPr>
+                                      </m:sSubPr>
+                                      <m:e>
+                                        <m:r>
+                                          <a:rPr lang="fr-FR" sz="1600" i="1">
+                                            <a:latin typeface="Cambria Math" panose="02040503050406030204" pitchFamily="18" charset="0"/>
+                                            <a:ea typeface="Cambria Math" panose="02040503050406030204" pitchFamily="18" charset="0"/>
+                                          </a:rPr>
+                                          <m:t>𝛼</m:t>
+                                        </m:r>
+                                      </m:e>
+                                      <m:sub>
+                                        <m:r>
+                                          <a:rPr lang="fr-FR" sz="1600" i="1">
+                                            <a:latin typeface="Cambria Math" panose="02040503050406030204" pitchFamily="18" charset="0"/>
+                                            <a:ea typeface="Cambria Math" panose="02040503050406030204" pitchFamily="18" charset="0"/>
+                                          </a:rPr>
+                                          <m:t>𝑖</m:t>
+                                        </m:r>
+                                      </m:sub>
+                                    </m:sSub>
+                                  </m:e>
+                                </m:d>
+                              </m:e>
+                            </m:d>
+                            <m:r>
+                              <m:rPr>
+                                <m:nor/>
+                              </m:rPr>
+                              <a:rPr lang="en-US" sz="1600" dirty="0">
+                                <a:latin typeface="Cambria Math" panose="02040503050406030204" pitchFamily="18" charset="0"/>
+                                <a:ea typeface="Cambria Math" panose="02040503050406030204" pitchFamily="18" charset="0"/>
+                              </a:rPr>
+                              <m:t> </m:t>
+                            </m:r>
+                          </m:e>
+                          <m:sub>
+                            <m:r>
+                              <a:rPr lang="fr-FR" sz="1600" i="1">
+                                <a:latin typeface="Cambria Math" panose="02040503050406030204" pitchFamily="18" charset="0"/>
+                                <a:ea typeface="Cambria Math" panose="02040503050406030204" pitchFamily="18" charset="0"/>
+                              </a:rPr>
+                              <m:t>𝑖</m:t>
+                            </m:r>
+                            <m:r>
+                              <a:rPr lang="fr-FR" sz="1600" i="1">
+                                <a:latin typeface="Cambria Math" panose="02040503050406030204" pitchFamily="18" charset="0"/>
+                                <a:ea typeface="Cambria Math" panose="02040503050406030204" pitchFamily="18" charset="0"/>
+                              </a:rPr>
+                              <m:t>∈</m:t>
+                            </m:r>
+                            <m:d>
+                              <m:dPr>
+                                <m:begChr m:val="["/>
+                                <m:endChr m:val="]"/>
+                                <m:ctrlPr>
+                                  <a:rPr lang="fr-FR" sz="1600" i="1">
+                                    <a:latin typeface="Cambria Math" panose="02040503050406030204" pitchFamily="18" charset="0"/>
+                                    <a:ea typeface="Cambria Math" panose="02040503050406030204" pitchFamily="18" charset="0"/>
+                                  </a:rPr>
+                                </m:ctrlPr>
+                              </m:dPr>
+                              <m:e>
+                                <m:r>
+                                  <a:rPr lang="fr-FR" sz="1600" i="1">
+                                    <a:latin typeface="Cambria Math" panose="02040503050406030204" pitchFamily="18" charset="0"/>
+                                    <a:ea typeface="Cambria Math" panose="02040503050406030204" pitchFamily="18" charset="0"/>
+                                  </a:rPr>
+                                  <m:t>1,</m:t>
+                                </m:r>
+                                <m:r>
+                                  <a:rPr lang="fr-FR" sz="1600" i="1">
+                                    <a:latin typeface="Cambria Math" panose="02040503050406030204" pitchFamily="18" charset="0"/>
+                                    <a:ea typeface="Cambria Math" panose="02040503050406030204" pitchFamily="18" charset="0"/>
+                                  </a:rPr>
+                                  <m:t>𝑁</m:t>
+                                </m:r>
+                              </m:e>
+                            </m:d>
+                          </m:sub>
+                        </m:sSub>
+                      </m:oMath>
+                    </m:oMathPara>
+                  </a14:m>
+                  <a:endParaRPr lang="en-US" sz="1350" dirty="0">
+                    <a:solidFill>
+                      <a:prstClr val="black"/>
+                    </a:solidFill>
+                    <a:latin typeface="Cambria Math" panose="02040503050406030204" pitchFamily="18" charset="0"/>
+                    <a:ea typeface="Cambria Math" panose="02040503050406030204" pitchFamily="18" charset="0"/>
+                  </a:endParaRPr>
+                </a:p>
+              </p:txBody>
+            </p:sp>
+          </mc:Choice>
+          <mc:Fallback>
+            <p:sp>
+              <p:nvSpPr>
+                <p:cNvPr id="57" name="Rectangle 56"/>
+                <p:cNvSpPr>
+                  <a:spLocks noRot="1" noChangeAspect="1" noMove="1" noResize="1" noEditPoints="1" noAdjustHandles="1" noChangeArrowheads="1" noChangeShapeType="1" noTextEdit="1"/>
+                </p:cNvSpPr>
+                <p:nvPr/>
+              </p:nvSpPr>
+              <p:spPr>
+                <a:xfrm>
+                  <a:off x="1385911" y="3744849"/>
+                  <a:ext cx="2460638" cy="1204946"/>
+                </a:xfrm>
+                <a:prstGeom prst="rect">
+                  <a:avLst/>
+                </a:prstGeom>
+                <a:blipFill>
+                  <a:blip r:embed="rId3"/>
+                  <a:stretch>
+                    <a:fillRect t="-2027"/>
+                  </a:stretch>
+                </a:blipFill>
+              </p:spPr>
+              <p:txBody>
+                <a:bodyPr/>
+                <a:lstStyle/>
+                <a:p>
+                  <a:r>
+                    <a:rPr lang="fr-FR">
+                      <a:noFill/>
+                    </a:rPr>
+                    <a:t> </a:t>
+                  </a:r>
+                </a:p>
+              </p:txBody>
+            </p:sp>
+          </mc:Fallback>
+        </mc:AlternateContent>
+      </p:grpSp>
+      <p:sp>
+        <p:nvSpPr>
+          <p:cNvPr id="58" name="Rectangle 57"/>
+          <p:cNvSpPr/>
+          <p:nvPr/>
+        </p:nvSpPr>
+        <p:spPr>
+          <a:xfrm>
+            <a:off x="2773048" y="4901363"/>
+            <a:ext cx="2025770" cy="507831"/>
+          </a:xfrm>
+          <a:prstGeom prst="rect">
+            <a:avLst/>
+          </a:prstGeom>
+        </p:spPr>
+        <p:txBody>
+          <a:bodyPr wrap="square">
+            <a:spAutoFit/>
+          </a:bodyPr>
+          <a:lstStyle/>
+          <a:p>
+            <a:pPr algn="ctr" defTabSz="685800"/>
+            <a:r>
+              <a:rPr lang="fr-FR" sz="1350" i="1" dirty="0">
+                <a:solidFill>
+                  <a:prstClr val="black"/>
+                </a:solidFill>
+                <a:latin typeface="Cambria Math" panose="02040503050406030204" pitchFamily="18" charset="0"/>
+                <a:ea typeface="Cambria Math" panose="02040503050406030204" pitchFamily="18" charset="0"/>
+              </a:rPr>
+              <a:t>Inventaires complets simulés</a:t>
+            </a:r>
+            <a:endParaRPr lang="en-US" sz="1350" i="1" dirty="0">
+              <a:solidFill>
+                <a:prstClr val="black"/>
+              </a:solidFill>
+              <a:latin typeface="Calibri" panose="020F0502020204030204"/>
+            </a:endParaRPr>
+          </a:p>
+        </p:txBody>
+      </p:sp>
+      <p:sp>
+        <p:nvSpPr>
+          <p:cNvPr id="59" name="Right Arrow 51"/>
+          <p:cNvSpPr/>
+          <p:nvPr/>
+        </p:nvSpPr>
+        <p:spPr>
+          <a:xfrm>
+            <a:off x="5094165" y="3734281"/>
+            <a:ext cx="679199" cy="306107"/>
+          </a:xfrm>
+          <a:prstGeom prst="rightArrow">
+            <a:avLst/>
+          </a:prstGeom>
+          <a:gradFill flip="none" rotWithShape="1">
+            <a:gsLst>
+              <a:gs pos="0">
+                <a:schemeClr val="tx2">
+                  <a:lumMod val="40000"/>
+                  <a:lumOff val="60000"/>
+                  <a:shade val="30000"/>
+                  <a:satMod val="115000"/>
+                </a:schemeClr>
+              </a:gs>
+              <a:gs pos="50000">
+                <a:schemeClr val="tx2">
+                  <a:lumMod val="40000"/>
+                  <a:lumOff val="60000"/>
+                  <a:shade val="67500"/>
+                  <a:satMod val="115000"/>
+                </a:schemeClr>
+              </a:gs>
+              <a:gs pos="100000">
+                <a:schemeClr val="tx2">
+                  <a:lumMod val="40000"/>
+                  <a:lumOff val="60000"/>
+                  <a:shade val="100000"/>
+                  <a:satMod val="115000"/>
+                </a:schemeClr>
+              </a:gs>
+            </a:gsLst>
+            <a:lin ang="0" scaled="1"/>
+            <a:tileRect/>
+          </a:gradFill>
+          <a:ln>
+            <a:noFill/>
+          </a:ln>
+        </p:spPr>
+        <p:style>
+          <a:lnRef idx="2">
+            <a:schemeClr val="accent1">
+              <a:shade val="50000"/>
+            </a:schemeClr>
+          </a:lnRef>
+          <a:fillRef idx="1">
+            <a:schemeClr val="accent1"/>
+          </a:fillRef>
+          <a:effectRef idx="0">
+            <a:schemeClr val="accent1"/>
+          </a:effectRef>
+          <a:fontRef idx="minor">
+            <a:schemeClr val="lt1"/>
+          </a:fontRef>
+        </p:style>
+        <p:txBody>
+          <a:bodyPr rtlCol="0" anchor="ctr"/>
+          <a:lstStyle/>
+          <a:p>
+            <a:pPr algn="ctr" defTabSz="685800"/>
+            <a:endParaRPr lang="en-US" sz="1350">
+              <a:solidFill>
+                <a:prstClr val="black"/>
+              </a:solidFill>
+              <a:latin typeface="Calibri" panose="020F0502020204030204"/>
+            </a:endParaRPr>
+          </a:p>
+        </p:txBody>
+      </p:sp>
+      <p:sp>
+        <p:nvSpPr>
+          <p:cNvPr id="60" name="Rectangle 59"/>
+          <p:cNvSpPr/>
+          <p:nvPr/>
+        </p:nvSpPr>
+        <p:spPr>
+          <a:xfrm>
+            <a:off x="4866235" y="4146327"/>
+            <a:ext cx="1135058" cy="507831"/>
+          </a:xfrm>
+          <a:prstGeom prst="rect">
+            <a:avLst/>
+          </a:prstGeom>
+        </p:spPr>
+        <p:txBody>
+          <a:bodyPr wrap="square">
+            <a:spAutoFit/>
+          </a:bodyPr>
+          <a:lstStyle/>
+          <a:p>
+            <a:pPr algn="ctr" defTabSz="685800"/>
+            <a:r>
+              <a:rPr lang="fr-FR" sz="1350" dirty="0">
+                <a:solidFill>
+                  <a:prstClr val="black"/>
+                </a:solidFill>
+                <a:latin typeface="Cambria Math" panose="02040503050406030204" pitchFamily="18" charset="0"/>
+                <a:ea typeface="Cambria Math" panose="02040503050406030204" pitchFamily="18" charset="0"/>
+              </a:rPr>
+              <a:t>Moyenne et écart-type</a:t>
+            </a:r>
+            <a:endParaRPr lang="en-US" sz="1350" dirty="0">
+              <a:solidFill>
+                <a:prstClr val="black"/>
+              </a:solidFill>
+              <a:latin typeface="Cambria Math" panose="02040503050406030204" pitchFamily="18" charset="0"/>
+              <a:ea typeface="Cambria Math" panose="02040503050406030204" pitchFamily="18" charset="0"/>
+            </a:endParaRPr>
+          </a:p>
+        </p:txBody>
+      </p:sp>
+      <p:grpSp>
+        <p:nvGrpSpPr>
+          <p:cNvPr id="61" name="Group 49"/>
+          <p:cNvGrpSpPr/>
+          <p:nvPr/>
+        </p:nvGrpSpPr>
+        <p:grpSpPr>
+          <a:xfrm>
+            <a:off x="3361406" y="1917275"/>
+            <a:ext cx="1523981" cy="3940116"/>
+            <a:chOff x="-449099" y="2128779"/>
+            <a:chExt cx="2031975" cy="5253488"/>
+          </a:xfrm>
+        </p:grpSpPr>
+        <p:sp>
+          <p:nvSpPr>
+            <p:cNvPr id="62" name="Rectangle 61"/>
+            <p:cNvSpPr/>
+            <p:nvPr/>
+          </p:nvSpPr>
+          <p:spPr>
+            <a:xfrm>
+              <a:off x="258512" y="3835570"/>
+              <a:ext cx="742084" cy="2154436"/>
+            </a:xfrm>
+            <a:prstGeom prst="rect">
+              <a:avLst/>
+            </a:prstGeom>
+          </p:spPr>
+          <p:txBody>
+            <a:bodyPr wrap="none">
+              <a:spAutoFit/>
+            </a:bodyPr>
+            <a:lstStyle/>
+            <a:p>
+              <a:pPr defTabSz="685800"/>
+              <a:r>
+                <a:rPr lang="fr-FR" sz="1350" dirty="0">
+                  <a:solidFill>
+                    <a:prstClr val="black"/>
+                  </a:solidFill>
+                  <a:latin typeface="Cambria Math" panose="02040503050406030204" pitchFamily="18" charset="0"/>
+                  <a:ea typeface="Cambria Math" panose="02040503050406030204" pitchFamily="18" charset="0"/>
+                </a:rPr>
+                <a:t>Sp</a:t>
+              </a:r>
+              <a:r>
+                <a:rPr lang="fr-FR" sz="1350" baseline="-25000" dirty="0">
+                  <a:solidFill>
+                    <a:prstClr val="black"/>
+                  </a:solidFill>
+                  <a:latin typeface="Cambria Math" panose="02040503050406030204" pitchFamily="18" charset="0"/>
+                  <a:ea typeface="Cambria Math" panose="02040503050406030204" pitchFamily="18" charset="0"/>
+                </a:rPr>
+                <a:t>1</a:t>
+              </a:r>
+            </a:p>
+            <a:p>
+              <a:pPr defTabSz="685800"/>
+              <a:r>
+                <a:rPr lang="fr-FR" sz="1350" dirty="0">
+                  <a:solidFill>
+                    <a:prstClr val="black"/>
+                  </a:solidFill>
+                  <a:latin typeface="Cambria Math" panose="02040503050406030204" pitchFamily="18" charset="0"/>
+                  <a:ea typeface="Cambria Math" panose="02040503050406030204" pitchFamily="18" charset="0"/>
+                </a:rPr>
+                <a:t>Sp</a:t>
+              </a:r>
+              <a:r>
+                <a:rPr lang="fr-FR" sz="1350" baseline="-25000" dirty="0">
+                  <a:solidFill>
+                    <a:prstClr val="black"/>
+                  </a:solidFill>
+                  <a:latin typeface="Cambria Math" panose="02040503050406030204" pitchFamily="18" charset="0"/>
+                  <a:ea typeface="Cambria Math" panose="02040503050406030204" pitchFamily="18" charset="0"/>
+                </a:rPr>
+                <a:t>2</a:t>
+              </a:r>
+            </a:p>
+            <a:p>
+              <a:pPr defTabSz="685800"/>
+              <a:r>
+                <a:rPr lang="fr-FR" sz="1350" baseline="-25000" dirty="0">
+                  <a:solidFill>
+                    <a:prstClr val="black"/>
+                  </a:solidFill>
+                  <a:latin typeface="Cambria Math" panose="02040503050406030204" pitchFamily="18" charset="0"/>
+                  <a:ea typeface="Cambria Math" panose="02040503050406030204" pitchFamily="18" charset="0"/>
+                </a:rPr>
+                <a:t>…</a:t>
+              </a:r>
+            </a:p>
+            <a:p>
+              <a:pPr defTabSz="685800"/>
+              <a:r>
+                <a:rPr lang="fr-FR" sz="1350" dirty="0">
+                  <a:solidFill>
+                    <a:prstClr val="black"/>
+                  </a:solidFill>
+                  <a:latin typeface="Cambria Math" panose="02040503050406030204" pitchFamily="18" charset="0"/>
+                  <a:ea typeface="Cambria Math" panose="02040503050406030204" pitchFamily="18" charset="0"/>
+                </a:rPr>
+                <a:t>Sp</a:t>
+              </a:r>
+              <a:r>
+                <a:rPr lang="fr-FR" sz="1350" baseline="-25000" dirty="0">
+                  <a:solidFill>
+                    <a:prstClr val="black"/>
+                  </a:solidFill>
+                  <a:latin typeface="Cambria Math" panose="02040503050406030204" pitchFamily="18" charset="0"/>
+                  <a:ea typeface="Cambria Math" panose="02040503050406030204" pitchFamily="18" charset="0"/>
+                </a:rPr>
+                <a:t>S1</a:t>
+              </a:r>
+            </a:p>
+            <a:p>
+              <a:pPr defTabSz="685800"/>
+              <a:r>
+                <a:rPr lang="fr-FR" sz="1350" dirty="0">
+                  <a:solidFill>
+                    <a:srgbClr val="70AD47">
+                      <a:lumMod val="75000"/>
+                    </a:srgbClr>
+                  </a:solidFill>
+                  <a:latin typeface="Cambria Math" panose="02040503050406030204" pitchFamily="18" charset="0"/>
+                  <a:ea typeface="Cambria Math" panose="02040503050406030204" pitchFamily="18" charset="0"/>
+                </a:rPr>
+                <a:t>Sp</a:t>
+              </a:r>
+              <a:r>
+                <a:rPr lang="fr-FR" sz="1350" baseline="-25000" dirty="0">
+                  <a:solidFill>
+                    <a:srgbClr val="70AD47">
+                      <a:lumMod val="75000"/>
+                    </a:srgbClr>
+                  </a:solidFill>
+                  <a:latin typeface="Cambria Math" panose="02040503050406030204" pitchFamily="18" charset="0"/>
+                  <a:ea typeface="Cambria Math" panose="02040503050406030204" pitchFamily="18" charset="0"/>
+                </a:rPr>
+                <a:t>V1</a:t>
+              </a:r>
+            </a:p>
+            <a:p>
+              <a:pPr defTabSz="685800"/>
+              <a:r>
+                <a:rPr lang="fr-FR" sz="1350" dirty="0">
+                  <a:solidFill>
+                    <a:srgbClr val="70AD47">
+                      <a:lumMod val="75000"/>
+                    </a:srgbClr>
+                  </a:solidFill>
+                  <a:latin typeface="Cambria Math" panose="02040503050406030204" pitchFamily="18" charset="0"/>
+                  <a:ea typeface="Cambria Math" panose="02040503050406030204" pitchFamily="18" charset="0"/>
+                </a:rPr>
+                <a:t>Sp</a:t>
+              </a:r>
+              <a:r>
+                <a:rPr lang="fr-FR" sz="1350" baseline="-25000" dirty="0">
+                  <a:solidFill>
+                    <a:srgbClr val="70AD47">
+                      <a:lumMod val="75000"/>
+                    </a:srgbClr>
+                  </a:solidFill>
+                  <a:latin typeface="Cambria Math" panose="02040503050406030204" pitchFamily="18" charset="0"/>
+                  <a:ea typeface="Cambria Math" panose="02040503050406030204" pitchFamily="18" charset="0"/>
+                </a:rPr>
+                <a:t>V2</a:t>
+              </a:r>
+            </a:p>
+            <a:p>
+              <a:pPr defTabSz="685800"/>
+              <a:r>
+                <a:rPr lang="fr-FR" sz="1350" baseline="-25000" dirty="0">
+                  <a:solidFill>
+                    <a:srgbClr val="70AD47">
+                      <a:lumMod val="75000"/>
+                    </a:srgbClr>
+                  </a:solidFill>
+                  <a:latin typeface="Cambria Math" panose="02040503050406030204" pitchFamily="18" charset="0"/>
+                  <a:ea typeface="Cambria Math" panose="02040503050406030204" pitchFamily="18" charset="0"/>
+                </a:rPr>
+                <a:t>…</a:t>
+              </a:r>
+            </a:p>
+            <a:p>
+              <a:pPr defTabSz="685800"/>
+              <a:r>
+                <a:rPr lang="fr-FR" sz="1350" dirty="0">
+                  <a:solidFill>
+                    <a:srgbClr val="70AD47">
+                      <a:lumMod val="75000"/>
+                    </a:srgbClr>
+                  </a:solidFill>
+                  <a:latin typeface="Cambria Math" panose="02040503050406030204" pitchFamily="18" charset="0"/>
+                  <a:ea typeface="Cambria Math" panose="02040503050406030204" pitchFamily="18" charset="0"/>
+                </a:rPr>
+                <a:t>Sp</a:t>
+              </a:r>
+              <a:r>
+                <a:rPr lang="fr-FR" sz="1350" baseline="-25000" dirty="0">
+                  <a:solidFill>
+                    <a:srgbClr val="70AD47">
+                      <a:lumMod val="75000"/>
+                    </a:srgbClr>
+                  </a:solidFill>
+                  <a:latin typeface="Cambria Math" panose="02040503050406030204" pitchFamily="18" charset="0"/>
+                  <a:ea typeface="Cambria Math" panose="02040503050406030204" pitchFamily="18" charset="0"/>
+                </a:rPr>
+                <a:t>VS2</a:t>
+              </a:r>
+              <a:endParaRPr lang="en-US" sz="1350" baseline="-25000" dirty="0">
+                <a:solidFill>
+                  <a:srgbClr val="70AD47">
+                    <a:lumMod val="75000"/>
+                  </a:srgbClr>
+                </a:solidFill>
+                <a:latin typeface="Calibri" panose="020F0502020204030204"/>
+              </a:endParaRPr>
+            </a:p>
+          </p:txBody>
+        </p:sp>
+        <p:pic>
+          <p:nvPicPr>
+            <p:cNvPr id="63" name="Picture 2"/>
+            <p:cNvPicPr>
+              <a:picLocks noChangeAspect="1" noChangeArrowheads="1"/>
+            </p:cNvPicPr>
+            <p:nvPr/>
+          </p:nvPicPr>
+          <p:blipFill>
+            <a:blip r:embed="rId2">
+              <a:extLst>
+                <a:ext uri="{28A0092B-C50C-407E-A947-70E740481C1C}">
+                  <a14:useLocalDpi xmlns:a14="http://schemas.microsoft.com/office/drawing/2010/main" val="0"/>
+                </a:ext>
+              </a:extLst>
+            </a:blip>
+            <a:srcRect/>
+            <a:stretch>
+              <a:fillRect/>
+            </a:stretch>
+          </p:blipFill>
+          <p:spPr bwMode="auto">
+            <a:xfrm>
+              <a:off x="-449099" y="2128780"/>
+              <a:ext cx="1310062" cy="5253487"/>
+            </a:xfrm>
+            <a:prstGeom prst="rect">
+              <a:avLst/>
+            </a:prstGeom>
+            <a:noFill/>
+            <a:ln>
+              <a:noFill/>
+            </a:ln>
+            <a:effectLst/>
+            <a:extLst>
+              <a:ext uri="{909E8E84-426E-40DD-AFC4-6F175D3DCCD1}">
+                <a14:hiddenFill xmlns:a14="http://schemas.microsoft.com/office/drawing/2010/main">
+                  <a:solidFill>
+                    <a:schemeClr val="accent1"/>
+                  </a:solidFill>
+                </a14:hiddenFill>
+              </a:ext>
+              <a:ext uri="{91240B29-F687-4F45-9708-019B960494DF}">
+                <a14:hiddenLine xmlns:a14="http://schemas.microsoft.com/office/drawing/2010/main" w="9525">
+                  <a:solidFill>
+                    <a:schemeClr val="tx1"/>
+                  </a:solidFill>
+                  <a:miter lim="800000"/>
+                  <a:headEnd/>
+                  <a:tailEnd/>
+                </a14:hiddenLine>
+              </a:ext>
+              <a:ext uri="{AF507438-7753-43E0-B8FC-AC1667EBCBE1}">
+                <a14:hiddenEffects xmlns:a14="http://schemas.microsoft.com/office/drawing/2010/main">
+                  <a:effectLst>
+                    <a:outerShdw dist="35921" dir="2700000" algn="ctr" rotWithShape="0">
+                      <a:schemeClr val="bg2"/>
+                    </a:outerShdw>
+                  </a:effectLst>
+                </a14:hiddenEffects>
+              </a:ext>
+            </a:extLst>
+          </p:spPr>
+        </p:pic>
+        <p:pic>
+          <p:nvPicPr>
+            <p:cNvPr id="64" name="Picture 2"/>
+            <p:cNvPicPr>
+              <a:picLocks noChangeAspect="1" noChangeArrowheads="1"/>
+            </p:cNvPicPr>
+            <p:nvPr/>
+          </p:nvPicPr>
+          <p:blipFill>
+            <a:blip r:embed="rId2">
+              <a:extLst>
+                <a:ext uri="{28A0092B-C50C-407E-A947-70E740481C1C}">
+                  <a14:useLocalDpi xmlns:a14="http://schemas.microsoft.com/office/drawing/2010/main" val="0"/>
+                </a:ext>
+              </a:extLst>
+            </a:blip>
+            <a:srcRect/>
+            <a:stretch>
+              <a:fillRect/>
+            </a:stretch>
+          </p:blipFill>
+          <p:spPr bwMode="auto">
+            <a:xfrm flipH="1">
+              <a:off x="272814" y="2128779"/>
+              <a:ext cx="1310062" cy="5253487"/>
+            </a:xfrm>
+            <a:prstGeom prst="rect">
+              <a:avLst/>
+            </a:prstGeom>
+            <a:noFill/>
+            <a:ln>
+              <a:noFill/>
+            </a:ln>
+            <a:effectLst/>
+            <a:extLst>
+              <a:ext uri="{909E8E84-426E-40DD-AFC4-6F175D3DCCD1}">
+                <a14:hiddenFill xmlns:a14="http://schemas.microsoft.com/office/drawing/2010/main">
+                  <a:solidFill>
+                    <a:schemeClr val="accent1"/>
+                  </a:solidFill>
+                </a14:hiddenFill>
+              </a:ext>
+              <a:ext uri="{91240B29-F687-4F45-9708-019B960494DF}">
+                <a14:hiddenLine xmlns:a14="http://schemas.microsoft.com/office/drawing/2010/main" w="9525">
+                  <a:solidFill>
+                    <a:schemeClr val="tx1"/>
+                  </a:solidFill>
+                  <a:miter lim="800000"/>
+                  <a:headEnd/>
+                  <a:tailEnd/>
+                </a14:hiddenLine>
+              </a:ext>
+              <a:ext uri="{AF507438-7753-43E0-B8FC-AC1667EBCBE1}">
+                <a14:hiddenEffects xmlns:a14="http://schemas.microsoft.com/office/drawing/2010/main">
+                  <a:effectLst>
+                    <a:outerShdw dist="35921" dir="2700000" algn="ctr" rotWithShape="0">
+                      <a:schemeClr val="bg2"/>
+                    </a:outerShdw>
+                  </a:effectLst>
+                </a14:hiddenEffects>
+              </a:ext>
+            </a:extLst>
+          </p:spPr>
+        </p:pic>
+      </p:grpSp>
+      <p:pic>
+        <p:nvPicPr>
+          <p:cNvPr id="72" name="Image 71"/>
+          <p:cNvPicPr>
+            <a:picLocks noChangeAspect="1"/>
+          </p:cNvPicPr>
+          <p:nvPr/>
+        </p:nvPicPr>
+        <p:blipFill rotWithShape="1">
+          <a:blip r:embed="rId4">
+            <a:extLst>
+              <a:ext uri="{28A0092B-C50C-407E-A947-70E740481C1C}">
+                <a14:useLocalDpi xmlns:a14="http://schemas.microsoft.com/office/drawing/2010/main" val="0"/>
+              </a:ext>
+            </a:extLst>
+          </a:blip>
+          <a:srcRect l="66145" t="10526" r="3569" b="13007"/>
+          <a:stretch/>
+        </p:blipFill>
+        <p:spPr>
+          <a:xfrm>
+            <a:off x="5944542" y="2971753"/>
+            <a:ext cx="2701283" cy="1831163"/>
+          </a:xfrm>
+          <a:prstGeom prst="rect">
+            <a:avLst/>
+          </a:prstGeom>
+        </p:spPr>
+      </p:pic>
+      <p:sp>
+        <p:nvSpPr>
+          <p:cNvPr id="73" name="Rectangle 72"/>
+          <p:cNvSpPr/>
+          <p:nvPr/>
+        </p:nvSpPr>
+        <p:spPr>
+          <a:xfrm>
+            <a:off x="6001294" y="2672954"/>
+            <a:ext cx="1135058" cy="276999"/>
+          </a:xfrm>
+          <a:prstGeom prst="rect">
+            <a:avLst/>
+          </a:prstGeom>
+        </p:spPr>
+        <p:txBody>
+          <a:bodyPr wrap="square">
+            <a:spAutoFit/>
+          </a:bodyPr>
+          <a:lstStyle/>
+          <a:p>
+            <a:pPr defTabSz="685800"/>
+            <a:r>
+              <a:rPr lang="fr-FR" sz="1200" dirty="0">
+                <a:solidFill>
+                  <a:prstClr val="black"/>
+                </a:solidFill>
+                <a:latin typeface="Cambria Math" panose="02040503050406030204" pitchFamily="18" charset="0"/>
+                <a:ea typeface="Cambria Math" panose="02040503050406030204" pitchFamily="18" charset="0"/>
+              </a:rPr>
+              <a:t>Probabilité</a:t>
+            </a:r>
+            <a:endParaRPr lang="en-US" sz="1200" dirty="0">
+              <a:solidFill>
+                <a:prstClr val="black"/>
+              </a:solidFill>
+              <a:latin typeface="Cambria Math" panose="02040503050406030204" pitchFamily="18" charset="0"/>
+              <a:ea typeface="Cambria Math" panose="02040503050406030204" pitchFamily="18" charset="0"/>
+            </a:endParaRPr>
+          </a:p>
+        </p:txBody>
+      </p:sp>
+      <p:sp>
+        <p:nvSpPr>
+          <p:cNvPr id="74" name="Rectangle 73"/>
+          <p:cNvSpPr/>
+          <p:nvPr/>
+        </p:nvSpPr>
+        <p:spPr>
+          <a:xfrm>
+            <a:off x="6931856" y="4847799"/>
+            <a:ext cx="1713969" cy="276999"/>
+          </a:xfrm>
+          <a:prstGeom prst="rect">
+            <a:avLst/>
+          </a:prstGeom>
+        </p:spPr>
+        <p:txBody>
+          <a:bodyPr wrap="square">
+            <a:spAutoFit/>
+          </a:bodyPr>
+          <a:lstStyle/>
+          <a:p>
+            <a:pPr algn="r" defTabSz="685800"/>
+            <a:r>
+              <a:rPr lang="fr-FR" sz="1200" dirty="0">
+                <a:solidFill>
+                  <a:prstClr val="black"/>
+                </a:solidFill>
+                <a:latin typeface="Cambria Math" panose="02040503050406030204" pitchFamily="18" charset="0"/>
+                <a:ea typeface="Cambria Math" panose="02040503050406030204" pitchFamily="18" charset="0"/>
+              </a:rPr>
+              <a:t>Mesure de diversité</a:t>
+            </a:r>
+            <a:endParaRPr lang="en-US" sz="1200" dirty="0">
+              <a:solidFill>
+                <a:prstClr val="black"/>
+              </a:solidFill>
+              <a:latin typeface="Cambria Math" panose="02040503050406030204" pitchFamily="18" charset="0"/>
+              <a:ea typeface="Cambria Math" panose="02040503050406030204" pitchFamily="18" charset="0"/>
+            </a:endParaRPr>
+          </a:p>
+        </p:txBody>
+      </p:sp>
+      <p:sp>
+        <p:nvSpPr>
+          <p:cNvPr id="75" name="Rectangle 74"/>
+          <p:cNvSpPr/>
+          <p:nvPr/>
+        </p:nvSpPr>
+        <p:spPr>
+          <a:xfrm>
+            <a:off x="4551397" y="3668043"/>
+            <a:ext cx="403609" cy="461665"/>
+          </a:xfrm>
+          <a:prstGeom prst="rect">
+            <a:avLst/>
+          </a:prstGeom>
+        </p:spPr>
+        <p:txBody>
+          <a:bodyPr wrap="square">
+            <a:spAutoFit/>
+          </a:bodyPr>
+          <a:lstStyle/>
+          <a:p>
+            <a:pPr algn="ctr" defTabSz="685800"/>
+            <a:r>
+              <a:rPr lang="fr-FR" sz="2400" dirty="0">
+                <a:solidFill>
+                  <a:prstClr val="black"/>
+                </a:solidFill>
+                <a:latin typeface="Cambria Math" panose="02040503050406030204" pitchFamily="18" charset="0"/>
+                <a:ea typeface="Cambria Math" panose="02040503050406030204" pitchFamily="18" charset="0"/>
+              </a:rPr>
+              <a:t>…</a:t>
+            </a:r>
+            <a:endParaRPr lang="en-US" sz="1350" dirty="0">
+              <a:solidFill>
+                <a:prstClr val="black"/>
+              </a:solidFill>
+              <a:latin typeface="Cambria Math" panose="02040503050406030204" pitchFamily="18" charset="0"/>
+              <a:ea typeface="Cambria Math" panose="02040503050406030204" pitchFamily="18" charset="0"/>
+            </a:endParaRPr>
+          </a:p>
+        </p:txBody>
+      </p:sp>
+    </p:spTree>
+    <p:extLst>
+      <p:ext uri="{BB962C8B-B14F-4D97-AF65-F5344CB8AC3E}">
+        <p14:creationId xmlns:p14="http://schemas.microsoft.com/office/powerpoint/2010/main" val="2835905377"/>
+      </p:ext>
+    </p:extLst>
+  </p:cSld>
+  <p:clrMapOvr>
+    <a:masterClrMapping/>
+  </p:clrMapOvr>
+</p:sld>
+</file>
+
+<file path=ppt/slides/slide3.xml><?xml version="1.0" encoding="utf-8"?>
 <p:sld xmlns:a="http://schemas.openxmlformats.org/drawingml/2006/main" xmlns:r="http://schemas.openxmlformats.org/officeDocument/2006/relationships" xmlns:p="http://schemas.openxmlformats.org/presentationml/2006/main">
   <p:cSld>
     <p:bg>
@@ -14438,7 +19064,7 @@
 </p:sld>
 </file>
 
-<file path=ppt/slides/slide3.xml><?xml version="1.0" encoding="utf-8"?>
+<file path=ppt/slides/slide4.xml><?xml version="1.0" encoding="utf-8"?>
 <p:sld xmlns:a="http://schemas.openxmlformats.org/drawingml/2006/main" xmlns:r="http://schemas.openxmlformats.org/officeDocument/2006/relationships" xmlns:p="http://schemas.openxmlformats.org/presentationml/2006/main">
   <p:cSld>
     <p:bg>
@@ -22135,7 +26761,7 @@
 </p:sld>
 </file>
 
-<file path=ppt/slides/slide4.xml><?xml version="1.0" encoding="utf-8"?>
+<file path=ppt/slides/slide5.xml><?xml version="1.0" encoding="utf-8"?>
 <p:sld xmlns:a="http://schemas.openxmlformats.org/drawingml/2006/main" xmlns:r="http://schemas.openxmlformats.org/officeDocument/2006/relationships" xmlns:p="http://schemas.openxmlformats.org/presentationml/2006/main">
   <p:cSld>
     <p:bg>
@@ -27872,7 +32498,7 @@
 </p:sld>
 </file>
 
-<file path=ppt/slides/slide5.xml><?xml version="1.0" encoding="utf-8"?>
+<file path=ppt/slides/slide6.xml><?xml version="1.0" encoding="utf-8"?>
 <p:sld xmlns:a="http://schemas.openxmlformats.org/drawingml/2006/main" xmlns:r="http://schemas.openxmlformats.org/officeDocument/2006/relationships" xmlns:p="http://schemas.openxmlformats.org/presentationml/2006/main">
   <p:cSld>
     <p:bg>
@@ -29788,7 +34414,7 @@
 </p:sld>
 </file>
 
-<file path=ppt/slides/slide6.xml><?xml version="1.0" encoding="utf-8"?>
+<file path=ppt/slides/slide7.xml><?xml version="1.0" encoding="utf-8"?>
 <p:sld xmlns:a="http://schemas.openxmlformats.org/drawingml/2006/main" xmlns:r="http://schemas.openxmlformats.org/officeDocument/2006/relationships" xmlns:p="http://schemas.openxmlformats.org/presentationml/2006/main">
   <p:cSld>
     <p:bg>
@@ -34724,7 +39350,7 @@
 </p:sld>
 </file>
 
-<file path=ppt/slides/slide7.xml><?xml version="1.0" encoding="utf-8"?>
+<file path=ppt/slides/slide8.xml><?xml version="1.0" encoding="utf-8"?>
 <p:sld xmlns:a="http://schemas.openxmlformats.org/drawingml/2006/main" xmlns:r="http://schemas.openxmlformats.org/officeDocument/2006/relationships" xmlns:p="http://schemas.openxmlformats.org/presentationml/2006/main">
   <p:cSld>
     <p:spTree>
@@ -39451,6 +44077,267 @@
         <a:sysClr val="window" lastClr="FFFFFF"/>
       </a:lt1>
       <a:dk2>
+        <a:srgbClr val="44546A"/>
+      </a:dk2>
+      <a:lt2>
+        <a:srgbClr val="E7E6E6"/>
+      </a:lt2>
+      <a:accent1>
+        <a:srgbClr val="5B9BD5"/>
+      </a:accent1>
+      <a:accent2>
+        <a:srgbClr val="ED7D31"/>
+      </a:accent2>
+      <a:accent3>
+        <a:srgbClr val="A5A5A5"/>
+      </a:accent3>
+      <a:accent4>
+        <a:srgbClr val="FFC000"/>
+      </a:accent4>
+      <a:accent5>
+        <a:srgbClr val="4472C4"/>
+      </a:accent5>
+      <a:accent6>
+        <a:srgbClr val="70AD47"/>
+      </a:accent6>
+      <a:hlink>
+        <a:srgbClr val="0563C1"/>
+      </a:hlink>
+      <a:folHlink>
+        <a:srgbClr val="954F72"/>
+      </a:folHlink>
+    </a:clrScheme>
+    <a:fontScheme name="Office">
+      <a:majorFont>
+        <a:latin typeface="Calibri Light" panose="020F0302020204030204"/>
+        <a:ea typeface=""/>
+        <a:cs typeface=""/>
+        <a:font script="Jpan" typeface="游ゴシック Light"/>
+        <a:font script="Hang" typeface="맑은 고딕"/>
+        <a:font script="Hans" typeface="等线 Light"/>
+        <a:font script="Hant" typeface="新細明體"/>
+        <a:font script="Arab" typeface="Times New Roman"/>
+        <a:font script="Hebr" typeface="Times New Roman"/>
+        <a:font script="Thai" typeface="Angsana New"/>
+        <a:font script="Ethi" typeface="Nyala"/>
+        <a:font script="Beng" typeface="Vrinda"/>
+        <a:font script="Gujr" typeface="Shruti"/>
+        <a:font script="Khmr" typeface="MoolBoran"/>
+        <a:font script="Knda" typeface="Tunga"/>
+        <a:font script="Guru" typeface="Raavi"/>
+        <a:font script="Cans" typeface="Euphemia"/>
+        <a:font script="Cher" typeface="Plantagenet Cherokee"/>
+        <a:font script="Yiii" typeface="Microsoft Yi Baiti"/>
+        <a:font script="Tibt" typeface="Microsoft Himalaya"/>
+        <a:font script="Thaa" typeface="MV Boli"/>
+        <a:font script="Deva" typeface="Mangal"/>
+        <a:font script="Telu" typeface="Gautami"/>
+        <a:font script="Taml" typeface="Latha"/>
+        <a:font script="Syrc" typeface="Estrangelo Edessa"/>
+        <a:font script="Orya" typeface="Kalinga"/>
+        <a:font script="Mlym" typeface="Kartika"/>
+        <a:font script="Laoo" typeface="DokChampa"/>
+        <a:font script="Sinh" typeface="Iskoola Pota"/>
+        <a:font script="Mong" typeface="Mongolian Baiti"/>
+        <a:font script="Viet" typeface="Times New Roman"/>
+        <a:font script="Uigh" typeface="Microsoft Uighur"/>
+        <a:font script="Geor" typeface="Sylfaen"/>
+      </a:majorFont>
+      <a:minorFont>
+        <a:latin typeface="Calibri" panose="020F0502020204030204"/>
+        <a:ea typeface=""/>
+        <a:cs typeface=""/>
+        <a:font script="Jpan" typeface="游ゴシック"/>
+        <a:font script="Hang" typeface="맑은 고딕"/>
+        <a:font script="Hans" typeface="等线"/>
+        <a:font script="Hant" typeface="新細明體"/>
+        <a:font script="Arab" typeface="Arial"/>
+        <a:font script="Hebr" typeface="Arial"/>
+        <a:font script="Thai" typeface="Cordia New"/>
+        <a:font script="Ethi" typeface="Nyala"/>
+        <a:font script="Beng" typeface="Vrinda"/>
+        <a:font script="Gujr" typeface="Shruti"/>
+        <a:font script="Khmr" typeface="DaunPenh"/>
+        <a:font script="Knda" typeface="Tunga"/>
+        <a:font script="Guru" typeface="Raavi"/>
+        <a:font script="Cans" typeface="Euphemia"/>
+        <a:font script="Cher" typeface="Plantagenet Cherokee"/>
+        <a:font script="Yiii" typeface="Microsoft Yi Baiti"/>
+        <a:font script="Tibt" typeface="Microsoft Himalaya"/>
+        <a:font script="Thaa" typeface="MV Boli"/>
+        <a:font script="Deva" typeface="Mangal"/>
+        <a:font script="Telu" typeface="Gautami"/>
+        <a:font script="Taml" typeface="Latha"/>
+        <a:font script="Syrc" typeface="Estrangelo Edessa"/>
+        <a:font script="Orya" typeface="Kalinga"/>
+        <a:font script="Mlym" typeface="Kartika"/>
+        <a:font script="Laoo" typeface="DokChampa"/>
+        <a:font script="Sinh" typeface="Iskoola Pota"/>
+        <a:font script="Mong" typeface="Mongolian Baiti"/>
+        <a:font script="Viet" typeface="Arial"/>
+        <a:font script="Uigh" typeface="Microsoft Uighur"/>
+        <a:font script="Geor" typeface="Sylfaen"/>
+      </a:minorFont>
+    </a:fontScheme>
+    <a:fmtScheme name="Office">
+      <a:fillStyleLst>
+        <a:solidFill>
+          <a:schemeClr val="phClr"/>
+        </a:solidFill>
+        <a:gradFill rotWithShape="1">
+          <a:gsLst>
+            <a:gs pos="0">
+              <a:schemeClr val="phClr">
+                <a:lumMod val="110000"/>
+                <a:satMod val="105000"/>
+                <a:tint val="67000"/>
+              </a:schemeClr>
+            </a:gs>
+            <a:gs pos="50000">
+              <a:schemeClr val="phClr">
+                <a:lumMod val="105000"/>
+                <a:satMod val="103000"/>
+                <a:tint val="73000"/>
+              </a:schemeClr>
+            </a:gs>
+            <a:gs pos="100000">
+              <a:schemeClr val="phClr">
+                <a:lumMod val="105000"/>
+                <a:satMod val="109000"/>
+                <a:tint val="81000"/>
+              </a:schemeClr>
+            </a:gs>
+          </a:gsLst>
+          <a:lin ang="5400000" scaled="0"/>
+        </a:gradFill>
+        <a:gradFill rotWithShape="1">
+          <a:gsLst>
+            <a:gs pos="0">
+              <a:schemeClr val="phClr">
+                <a:satMod val="103000"/>
+                <a:lumMod val="102000"/>
+                <a:tint val="94000"/>
+              </a:schemeClr>
+            </a:gs>
+            <a:gs pos="50000">
+              <a:schemeClr val="phClr">
+                <a:satMod val="110000"/>
+                <a:lumMod val="100000"/>
+                <a:shade val="100000"/>
+              </a:schemeClr>
+            </a:gs>
+            <a:gs pos="100000">
+              <a:schemeClr val="phClr">
+                <a:lumMod val="99000"/>
+                <a:satMod val="120000"/>
+                <a:shade val="78000"/>
+              </a:schemeClr>
+            </a:gs>
+          </a:gsLst>
+          <a:lin ang="5400000" scaled="0"/>
+        </a:gradFill>
+      </a:fillStyleLst>
+      <a:lnStyleLst>
+        <a:ln w="6350" cap="flat" cmpd="sng" algn="ctr">
+          <a:solidFill>
+            <a:schemeClr val="phClr"/>
+          </a:solidFill>
+          <a:prstDash val="solid"/>
+          <a:miter lim="800000"/>
+        </a:ln>
+        <a:ln w="12700" cap="flat" cmpd="sng" algn="ctr">
+          <a:solidFill>
+            <a:schemeClr val="phClr"/>
+          </a:solidFill>
+          <a:prstDash val="solid"/>
+          <a:miter lim="800000"/>
+        </a:ln>
+        <a:ln w="19050" cap="flat" cmpd="sng" algn="ctr">
+          <a:solidFill>
+            <a:schemeClr val="phClr"/>
+          </a:solidFill>
+          <a:prstDash val="solid"/>
+          <a:miter lim="800000"/>
+        </a:ln>
+      </a:lnStyleLst>
+      <a:effectStyleLst>
+        <a:effectStyle>
+          <a:effectLst/>
+        </a:effectStyle>
+        <a:effectStyle>
+          <a:effectLst/>
+        </a:effectStyle>
+        <a:effectStyle>
+          <a:effectLst>
+            <a:outerShdw blurRad="57150" dist="19050" dir="5400000" algn="ctr" rotWithShape="0">
+              <a:srgbClr val="000000">
+                <a:alpha val="63000"/>
+              </a:srgbClr>
+            </a:outerShdw>
+          </a:effectLst>
+        </a:effectStyle>
+      </a:effectStyleLst>
+      <a:bgFillStyleLst>
+        <a:solidFill>
+          <a:schemeClr val="phClr"/>
+        </a:solidFill>
+        <a:solidFill>
+          <a:schemeClr val="phClr">
+            <a:tint val="95000"/>
+            <a:satMod val="170000"/>
+          </a:schemeClr>
+        </a:solidFill>
+        <a:gradFill rotWithShape="1">
+          <a:gsLst>
+            <a:gs pos="0">
+              <a:schemeClr val="phClr">
+                <a:tint val="93000"/>
+                <a:satMod val="150000"/>
+                <a:shade val="98000"/>
+                <a:lumMod val="102000"/>
+              </a:schemeClr>
+            </a:gs>
+            <a:gs pos="50000">
+              <a:schemeClr val="phClr">
+                <a:tint val="98000"/>
+                <a:satMod val="130000"/>
+                <a:shade val="90000"/>
+                <a:lumMod val="103000"/>
+              </a:schemeClr>
+            </a:gs>
+            <a:gs pos="100000">
+              <a:schemeClr val="phClr">
+                <a:shade val="63000"/>
+                <a:satMod val="120000"/>
+              </a:schemeClr>
+            </a:gs>
+          </a:gsLst>
+          <a:lin ang="5400000" scaled="0"/>
+        </a:gradFill>
+      </a:bgFillStyleLst>
+    </a:fmtScheme>
+  </a:themeElements>
+  <a:objectDefaults/>
+  <a:extraClrSchemeLst/>
+  <a:extLst>
+    <a:ext uri="{05A4C25C-085E-4340-85A3-A5531E510DB2}">
+      <thm15:themeFamily xmlns:thm15="http://schemas.microsoft.com/office/thememl/2012/main" name="Office Theme" id="{62F939B6-93AF-4DB8-9C6B-D6C7DFDC589F}" vid="{4A3C46E8-61CC-4603-A589-7422A47A8E4A}"/>
+    </a:ext>
+  </a:extLst>
+</a:theme>
+</file>
+
+<file path=ppt/theme/theme3.xml><?xml version="1.0" encoding="utf-8"?>
+<a:theme xmlns:a="http://schemas.openxmlformats.org/drawingml/2006/main" name="Thème Office">
+  <a:themeElements>
+    <a:clrScheme name="Office">
+      <a:dk1>
+        <a:sysClr val="windowText" lastClr="000000"/>
+      </a:dk1>
+      <a:lt1>
+        <a:sysClr val="window" lastClr="FFFFFF"/>
+      </a:lt1>
+      <a:dk2>
         <a:srgbClr val="1F497D"/>
       </a:dk2>
       <a:lt2>
